--- a/Project_1_Presentation.pptx
+++ b/Project_1_Presentation.pptx
@@ -10,18 +10,18 @@
   <p:sldIdLst>
     <p:sldId id="530" r:id="rId5"/>
     <p:sldId id="531" r:id="rId6"/>
-    <p:sldId id="533" r:id="rId7"/>
-    <p:sldId id="534" r:id="rId8"/>
-    <p:sldId id="535" r:id="rId9"/>
-    <p:sldId id="536" r:id="rId10"/>
-    <p:sldId id="537" r:id="rId11"/>
-    <p:sldId id="546" r:id="rId12"/>
-    <p:sldId id="545" r:id="rId13"/>
-    <p:sldId id="538" r:id="rId14"/>
-    <p:sldId id="539" r:id="rId15"/>
-    <p:sldId id="540" r:id="rId16"/>
-    <p:sldId id="541" r:id="rId17"/>
-    <p:sldId id="543" r:id="rId18"/>
+    <p:sldId id="556" r:id="rId7"/>
+    <p:sldId id="550" r:id="rId8"/>
+    <p:sldId id="551" r:id="rId9"/>
+    <p:sldId id="548" r:id="rId10"/>
+    <p:sldId id="557" r:id="rId11"/>
+    <p:sldId id="533" r:id="rId12"/>
+    <p:sldId id="547" r:id="rId13"/>
+    <p:sldId id="555" r:id="rId14"/>
+    <p:sldId id="552" r:id="rId15"/>
+    <p:sldId id="553" r:id="rId16"/>
+    <p:sldId id="554" r:id="rId17"/>
+    <p:sldId id="549" r:id="rId18"/>
     <p:sldId id="544" r:id="rId19"/>
   </p:sldIdLst>
   <p:sldSz cx="12192000" cy="6858000"/>
@@ -141,1237 +141,6 @@
 </p:cmAuthorLst>
 </file>
 
-<file path=ppt/charts/chart1.xml><?xml version="1.0" encoding="utf-8"?>
-<c:chartSpace xmlns:c="http://schemas.openxmlformats.org/drawingml/2006/chart" xmlns:a="http://schemas.openxmlformats.org/drawingml/2006/main" xmlns:r="http://schemas.openxmlformats.org/officeDocument/2006/relationships" xmlns:c16r2="http://schemas.microsoft.com/office/drawing/2015/06/chart">
-  <c:date1904 val="0"/>
-  <c:lang val="en-US"/>
-  <c:roundedCorners val="0"/>
-  <mc:AlternateContent xmlns:mc="http://schemas.openxmlformats.org/markup-compatibility/2006">
-    <mc:Choice xmlns:c14="http://schemas.microsoft.com/office/drawing/2007/8/2/chart" Requires="c14">
-      <c14:style val="102"/>
-    </mc:Choice>
-    <mc:Fallback>
-      <c:style val="2"/>
-    </mc:Fallback>
-  </mc:AlternateContent>
-  <c:chart>
-    <c:autoTitleDeleted val="1"/>
-    <c:plotArea>
-      <c:layout/>
-      <c:barChart>
-        <c:barDir val="bar"/>
-        <c:grouping val="stacked"/>
-        <c:varyColors val="0"/>
-        <c:ser>
-          <c:idx val="0"/>
-          <c:order val="0"/>
-          <c:tx>
-            <c:strRef>
-              <c:f>Sheet1!$B$1</c:f>
-              <c:strCache>
-                <c:ptCount val="1"/>
-                <c:pt idx="0">
-                  <c:v>Series 3</c:v>
-                </c:pt>
-              </c:strCache>
-            </c:strRef>
-          </c:tx>
-          <c:spPr>
-            <a:solidFill>
-              <a:schemeClr val="accent6"/>
-            </a:solidFill>
-            <a:ln>
-              <a:noFill/>
-            </a:ln>
-            <a:effectLst/>
-          </c:spPr>
-          <c:invertIfNegative val="0"/>
-          <c:dLbls>
-            <c:spPr>
-              <a:noFill/>
-              <a:ln>
-                <a:noFill/>
-              </a:ln>
-              <a:effectLst/>
-            </c:spPr>
-            <c:txPr>
-              <a:bodyPr rot="0" spcFirstLastPara="1" vertOverflow="ellipsis" vert="horz" wrap="square" anchor="ctr" anchorCtr="1"/>
-              <a:lstStyle/>
-              <a:p>
-                <a:pPr>
-                  <a:defRPr sz="1197" b="0" i="0" u="none" strike="noStrike" kern="1200" baseline="0">
-                    <a:solidFill>
-                      <a:schemeClr val="accent3">
-                        <a:lumMod val="25000"/>
-                      </a:schemeClr>
-                    </a:solidFill>
-                    <a:latin typeface="Segoe UI Light" panose="020B0502040204020203" pitchFamily="34" charset="0"/>
-                    <a:ea typeface="+mn-ea"/>
-                    <a:cs typeface="Segoe UI Light" panose="020B0502040204020203" pitchFamily="34" charset="0"/>
-                  </a:defRPr>
-                </a:pPr>
-                <a:endParaRPr lang="en-US"/>
-              </a:p>
-            </c:txPr>
-            <c:showLegendKey val="0"/>
-            <c:showVal val="1"/>
-            <c:showCatName val="0"/>
-            <c:showSerName val="0"/>
-            <c:showPercent val="0"/>
-            <c:showBubbleSize val="0"/>
-            <c:showLeaderLines val="0"/>
-            <c:extLst>
-              <c:ext xmlns:c15="http://schemas.microsoft.com/office/drawing/2012/chart" uri="{CE6537A1-D6FC-4f65-9D91-7224C49458BB}">
-                <c15:showLeaderLines val="1"/>
-                <c15:leaderLines>
-                  <c:spPr>
-                    <a:ln w="9525">
-                      <a:solidFill>
-                        <a:schemeClr val="tx1">
-                          <a:lumMod val="35000"/>
-                          <a:lumOff val="65000"/>
-                        </a:schemeClr>
-                      </a:solidFill>
-                    </a:ln>
-                    <a:effectLst/>
-                  </c:spPr>
-                </c15:leaderLines>
-              </c:ext>
-            </c:extLst>
-          </c:dLbls>
-          <c:cat>
-            <c:strRef>
-              <c:f>Sheet1!$A$2:$A$5</c:f>
-              <c:strCache>
-                <c:ptCount val="4"/>
-                <c:pt idx="0">
-                  <c:v>Q4</c:v>
-                </c:pt>
-                <c:pt idx="1">
-                  <c:v>Q3</c:v>
-                </c:pt>
-                <c:pt idx="2">
-                  <c:v>Q2</c:v>
-                </c:pt>
-                <c:pt idx="3">
-                  <c:v>Q1</c:v>
-                </c:pt>
-              </c:strCache>
-            </c:strRef>
-          </c:cat>
-          <c:val>
-            <c:numRef>
-              <c:f>Sheet1!$B$2:$B$5</c:f>
-              <c:numCache>
-                <c:formatCode>_(* #,##0.0_);_(* \(#,##0.0\);_(* "-"??_);_(@_)</c:formatCode>
-                <c:ptCount val="4"/>
-                <c:pt idx="0">
-                  <c:v>4.5</c:v>
-                </c:pt>
-                <c:pt idx="1">
-                  <c:v>3.5</c:v>
-                </c:pt>
-                <c:pt idx="2">
-                  <c:v>2.5</c:v>
-                </c:pt>
-                <c:pt idx="3">
-                  <c:v>4.3</c:v>
-                </c:pt>
-              </c:numCache>
-            </c:numRef>
-          </c:val>
-          <c:extLst>
-            <c:ext xmlns:c16="http://schemas.microsoft.com/office/drawing/2014/chart" uri="{C3380CC4-5D6E-409C-BE32-E72D297353CC}">
-              <c16:uniqueId val="{00000000-448A-482A-987B-70234277E2E8}"/>
-            </c:ext>
-          </c:extLst>
-        </c:ser>
-        <c:ser>
-          <c:idx val="1"/>
-          <c:order val="1"/>
-          <c:tx>
-            <c:strRef>
-              <c:f>Sheet1!$C$1</c:f>
-              <c:strCache>
-                <c:ptCount val="1"/>
-                <c:pt idx="0">
-                  <c:v>Series 2</c:v>
-                </c:pt>
-              </c:strCache>
-            </c:strRef>
-          </c:tx>
-          <c:spPr>
-            <a:solidFill>
-              <a:schemeClr val="accent4"/>
-            </a:solidFill>
-            <a:ln>
-              <a:noFill/>
-            </a:ln>
-            <a:effectLst/>
-          </c:spPr>
-          <c:invertIfNegative val="0"/>
-          <c:dLbls>
-            <c:spPr>
-              <a:noFill/>
-              <a:ln>
-                <a:noFill/>
-              </a:ln>
-              <a:effectLst/>
-            </c:spPr>
-            <c:txPr>
-              <a:bodyPr rot="0" spcFirstLastPara="1" vertOverflow="ellipsis" vert="horz" wrap="square" anchor="ctr" anchorCtr="1"/>
-              <a:lstStyle/>
-              <a:p>
-                <a:pPr>
-                  <a:defRPr sz="1197" b="0" i="0" u="none" strike="noStrike" kern="1200" baseline="0">
-                    <a:solidFill>
-                      <a:schemeClr val="accent3">
-                        <a:lumMod val="25000"/>
-                      </a:schemeClr>
-                    </a:solidFill>
-                    <a:latin typeface="Segoe UI Light" panose="020B0502040204020203" pitchFamily="34" charset="0"/>
-                    <a:ea typeface="+mn-ea"/>
-                    <a:cs typeface="Segoe UI Light" panose="020B0502040204020203" pitchFamily="34" charset="0"/>
-                  </a:defRPr>
-                </a:pPr>
-                <a:endParaRPr lang="en-US"/>
-              </a:p>
-            </c:txPr>
-            <c:showLegendKey val="0"/>
-            <c:showVal val="1"/>
-            <c:showCatName val="0"/>
-            <c:showSerName val="0"/>
-            <c:showPercent val="0"/>
-            <c:showBubbleSize val="0"/>
-            <c:showLeaderLines val="0"/>
-            <c:extLst>
-              <c:ext xmlns:c15="http://schemas.microsoft.com/office/drawing/2012/chart" uri="{CE6537A1-D6FC-4f65-9D91-7224C49458BB}">
-                <c15:showLeaderLines val="1"/>
-                <c15:leaderLines>
-                  <c:spPr>
-                    <a:ln w="9525">
-                      <a:solidFill>
-                        <a:schemeClr val="tx1">
-                          <a:lumMod val="35000"/>
-                          <a:lumOff val="65000"/>
-                        </a:schemeClr>
-                      </a:solidFill>
-                    </a:ln>
-                    <a:effectLst/>
-                  </c:spPr>
-                </c15:leaderLines>
-              </c:ext>
-            </c:extLst>
-          </c:dLbls>
-          <c:cat>
-            <c:strRef>
-              <c:f>Sheet1!$A$2:$A$5</c:f>
-              <c:strCache>
-                <c:ptCount val="4"/>
-                <c:pt idx="0">
-                  <c:v>Q4</c:v>
-                </c:pt>
-                <c:pt idx="1">
-                  <c:v>Q3</c:v>
-                </c:pt>
-                <c:pt idx="2">
-                  <c:v>Q2</c:v>
-                </c:pt>
-                <c:pt idx="3">
-                  <c:v>Q1</c:v>
-                </c:pt>
-              </c:strCache>
-            </c:strRef>
-          </c:cat>
-          <c:val>
-            <c:numRef>
-              <c:f>Sheet1!$C$2:$C$5</c:f>
-              <c:numCache>
-                <c:formatCode>_(* #,##0.0_);_(* \(#,##0.0\);_(* "-"??_);_(@_)</c:formatCode>
-                <c:ptCount val="4"/>
-                <c:pt idx="0">
-                  <c:v>2.8</c:v>
-                </c:pt>
-                <c:pt idx="1">
-                  <c:v>1.8</c:v>
-                </c:pt>
-                <c:pt idx="2">
-                  <c:v>4.4000000000000004</c:v>
-                </c:pt>
-                <c:pt idx="3">
-                  <c:v>2.4</c:v>
-                </c:pt>
-              </c:numCache>
-            </c:numRef>
-          </c:val>
-          <c:extLst>
-            <c:ext xmlns:c16="http://schemas.microsoft.com/office/drawing/2014/chart" uri="{C3380CC4-5D6E-409C-BE32-E72D297353CC}">
-              <c16:uniqueId val="{00000001-448A-482A-987B-70234277E2E8}"/>
-            </c:ext>
-          </c:extLst>
-        </c:ser>
-        <c:ser>
-          <c:idx val="2"/>
-          <c:order val="2"/>
-          <c:tx>
-            <c:strRef>
-              <c:f>Sheet1!$D$1</c:f>
-              <c:strCache>
-                <c:ptCount val="1"/>
-                <c:pt idx="0">
-                  <c:v>Series 1</c:v>
-                </c:pt>
-              </c:strCache>
-            </c:strRef>
-          </c:tx>
-          <c:spPr>
-            <a:solidFill>
-              <a:schemeClr val="tx2"/>
-            </a:solidFill>
-            <a:ln>
-              <a:noFill/>
-            </a:ln>
-            <a:effectLst/>
-          </c:spPr>
-          <c:invertIfNegative val="0"/>
-          <c:dLbls>
-            <c:spPr>
-              <a:noFill/>
-              <a:ln>
-                <a:noFill/>
-              </a:ln>
-              <a:effectLst/>
-            </c:spPr>
-            <c:txPr>
-              <a:bodyPr rot="0" spcFirstLastPara="1" vertOverflow="ellipsis" vert="horz" wrap="square" anchor="ctr" anchorCtr="1"/>
-              <a:lstStyle/>
-              <a:p>
-                <a:pPr>
-                  <a:defRPr sz="1197" b="0" i="0" u="none" strike="noStrike" kern="1200" baseline="0">
-                    <a:solidFill>
-                      <a:schemeClr val="accent3">
-                        <a:lumMod val="25000"/>
-                      </a:schemeClr>
-                    </a:solidFill>
-                    <a:latin typeface="Segoe UI Light" panose="020B0502040204020203" pitchFamily="34" charset="0"/>
-                    <a:ea typeface="+mn-ea"/>
-                    <a:cs typeface="Segoe UI Light" panose="020B0502040204020203" pitchFamily="34" charset="0"/>
-                  </a:defRPr>
-                </a:pPr>
-                <a:endParaRPr lang="en-US"/>
-              </a:p>
-            </c:txPr>
-            <c:showLegendKey val="0"/>
-            <c:showVal val="1"/>
-            <c:showCatName val="0"/>
-            <c:showSerName val="0"/>
-            <c:showPercent val="0"/>
-            <c:showBubbleSize val="0"/>
-            <c:showLeaderLines val="0"/>
-            <c:extLst>
-              <c:ext xmlns:c15="http://schemas.microsoft.com/office/drawing/2012/chart" uri="{CE6537A1-D6FC-4f65-9D91-7224C49458BB}">
-                <c15:showLeaderLines val="1"/>
-                <c15:leaderLines>
-                  <c:spPr>
-                    <a:ln w="9525">
-                      <a:solidFill>
-                        <a:schemeClr val="tx1">
-                          <a:lumMod val="35000"/>
-                          <a:lumOff val="65000"/>
-                        </a:schemeClr>
-                      </a:solidFill>
-                    </a:ln>
-                    <a:effectLst/>
-                  </c:spPr>
-                </c15:leaderLines>
-              </c:ext>
-            </c:extLst>
-          </c:dLbls>
-          <c:cat>
-            <c:strRef>
-              <c:f>Sheet1!$A$2:$A$5</c:f>
-              <c:strCache>
-                <c:ptCount val="4"/>
-                <c:pt idx="0">
-                  <c:v>Q4</c:v>
-                </c:pt>
-                <c:pt idx="1">
-                  <c:v>Q3</c:v>
-                </c:pt>
-                <c:pt idx="2">
-                  <c:v>Q2</c:v>
-                </c:pt>
-                <c:pt idx="3">
-                  <c:v>Q1</c:v>
-                </c:pt>
-              </c:strCache>
-            </c:strRef>
-          </c:cat>
-          <c:val>
-            <c:numRef>
-              <c:f>Sheet1!$D$2:$D$5</c:f>
-              <c:numCache>
-                <c:formatCode>_(* #,##0.0_);_(* \(#,##0.0\);_(* "-"??_);_(@_)</c:formatCode>
-                <c:ptCount val="4"/>
-                <c:pt idx="0">
-                  <c:v>5</c:v>
-                </c:pt>
-                <c:pt idx="1">
-                  <c:v>3</c:v>
-                </c:pt>
-                <c:pt idx="2">
-                  <c:v>2</c:v>
-                </c:pt>
-                <c:pt idx="3">
-                  <c:v>2</c:v>
-                </c:pt>
-              </c:numCache>
-            </c:numRef>
-          </c:val>
-          <c:extLst>
-            <c:ext xmlns:c16="http://schemas.microsoft.com/office/drawing/2014/chart" uri="{C3380CC4-5D6E-409C-BE32-E72D297353CC}">
-              <c16:uniqueId val="{00000002-448A-482A-987B-70234277E2E8}"/>
-            </c:ext>
-          </c:extLst>
-        </c:ser>
-        <c:dLbls>
-          <c:showLegendKey val="0"/>
-          <c:showVal val="1"/>
-          <c:showCatName val="0"/>
-          <c:showSerName val="0"/>
-          <c:showPercent val="0"/>
-          <c:showBubbleSize val="0"/>
-        </c:dLbls>
-        <c:gapWidth val="326"/>
-        <c:overlap val="100"/>
-        <c:axId val="1111705064"/>
-        <c:axId val="1111706704"/>
-      </c:barChart>
-      <c:catAx>
-        <c:axId val="1111705064"/>
-        <c:scaling>
-          <c:orientation val="minMax"/>
-        </c:scaling>
-        <c:delete val="0"/>
-        <c:axPos val="l"/>
-        <c:numFmt formatCode="General" sourceLinked="1"/>
-        <c:majorTickMark val="none"/>
-        <c:minorTickMark val="none"/>
-        <c:tickLblPos val="nextTo"/>
-        <c:spPr>
-          <a:noFill/>
-          <a:ln w="19050" cap="flat" cmpd="sng" algn="ctr">
-            <a:solidFill>
-              <a:schemeClr val="tx1">
-                <a:lumMod val="15000"/>
-                <a:lumOff val="85000"/>
-              </a:schemeClr>
-            </a:solidFill>
-            <a:round/>
-            <a:headEnd type="none" w="sm" len="sm"/>
-            <a:tailEnd type="none" w="sm" len="sm"/>
-          </a:ln>
-          <a:effectLst/>
-        </c:spPr>
-        <c:txPr>
-          <a:bodyPr rot="-60000000" spcFirstLastPara="1" vertOverflow="ellipsis" vert="horz" wrap="square" anchor="ctr" anchorCtr="1"/>
-          <a:lstStyle/>
-          <a:p>
-            <a:pPr>
-              <a:defRPr sz="1197" b="0" i="0" u="none" strike="noStrike" kern="1200" baseline="0">
-                <a:solidFill>
-                  <a:schemeClr val="bg1"/>
-                </a:solidFill>
-                <a:latin typeface="Segoe UI Light" panose="020B0502040204020203" pitchFamily="34" charset="0"/>
-                <a:ea typeface="+mn-ea"/>
-                <a:cs typeface="Segoe UI Light" panose="020B0502040204020203" pitchFamily="34" charset="0"/>
-              </a:defRPr>
-            </a:pPr>
-            <a:endParaRPr lang="en-US"/>
-          </a:p>
-        </c:txPr>
-        <c:crossAx val="1111706704"/>
-        <c:crosses val="autoZero"/>
-        <c:auto val="1"/>
-        <c:lblAlgn val="ctr"/>
-        <c:lblOffset val="100"/>
-        <c:noMultiLvlLbl val="0"/>
-      </c:catAx>
-      <c:valAx>
-        <c:axId val="1111706704"/>
-        <c:scaling>
-          <c:orientation val="minMax"/>
-        </c:scaling>
-        <c:delete val="0"/>
-        <c:axPos val="b"/>
-        <c:majorGridlines>
-          <c:spPr>
-            <a:ln w="9525" cap="flat" cmpd="sng" algn="ctr">
-              <a:gradFill>
-                <a:gsLst>
-                  <a:gs pos="99000">
-                    <a:schemeClr val="tx1">
-                      <a:lumMod val="25000"/>
-                      <a:lumOff val="75000"/>
-                    </a:schemeClr>
-                  </a:gs>
-                  <a:gs pos="0">
-                    <a:schemeClr val="tx1">
-                      <a:lumMod val="15000"/>
-                      <a:lumOff val="85000"/>
-                    </a:schemeClr>
-                  </a:gs>
-                </a:gsLst>
-                <a:lin ang="5400000" scaled="0"/>
-              </a:gradFill>
-              <a:round/>
-            </a:ln>
-            <a:effectLst/>
-          </c:spPr>
-        </c:majorGridlines>
-        <c:numFmt formatCode="_(* #,##0.0_);_(* \(#,##0.0\);_(* &quot;-&quot;??_);_(@_)" sourceLinked="1"/>
-        <c:majorTickMark val="none"/>
-        <c:minorTickMark val="none"/>
-        <c:tickLblPos val="nextTo"/>
-        <c:spPr>
-          <a:noFill/>
-          <a:ln>
-            <a:noFill/>
-          </a:ln>
-          <a:effectLst/>
-        </c:spPr>
-        <c:txPr>
-          <a:bodyPr rot="-60000000" spcFirstLastPara="1" vertOverflow="ellipsis" vert="horz" wrap="square" anchor="ctr" anchorCtr="1"/>
-          <a:lstStyle/>
-          <a:p>
-            <a:pPr>
-              <a:defRPr sz="1197" b="0" i="0" u="none" strike="noStrike" kern="1200" baseline="0">
-                <a:solidFill>
-                  <a:schemeClr val="bg1"/>
-                </a:solidFill>
-                <a:latin typeface="Segoe UI Light" panose="020B0502040204020203" pitchFamily="34" charset="0"/>
-                <a:ea typeface="+mn-ea"/>
-                <a:cs typeface="Segoe UI Light" panose="020B0502040204020203" pitchFamily="34" charset="0"/>
-              </a:defRPr>
-            </a:pPr>
-            <a:endParaRPr lang="en-US"/>
-          </a:p>
-        </c:txPr>
-        <c:crossAx val="1111705064"/>
-        <c:crosses val="autoZero"/>
-        <c:crossBetween val="between"/>
-      </c:valAx>
-      <c:spPr>
-        <a:noFill/>
-        <a:ln>
-          <a:noFill/>
-        </a:ln>
-        <a:effectLst/>
-      </c:spPr>
-    </c:plotArea>
-    <c:legend>
-      <c:legendPos val="b"/>
-      <c:overlay val="0"/>
-      <c:spPr>
-        <a:noFill/>
-        <a:ln>
-          <a:noFill/>
-        </a:ln>
-        <a:effectLst/>
-      </c:spPr>
-      <c:txPr>
-        <a:bodyPr rot="0" spcFirstLastPara="1" vertOverflow="ellipsis" vert="horz" wrap="square" anchor="ctr" anchorCtr="1"/>
-        <a:lstStyle/>
-        <a:p>
-          <a:pPr>
-            <a:defRPr sz="1197" b="0" i="0" u="none" strike="noStrike" kern="1200" baseline="0">
-              <a:solidFill>
-                <a:schemeClr val="bg1"/>
-              </a:solidFill>
-              <a:latin typeface="Segoe UI Light" panose="020B0502040204020203" pitchFamily="34" charset="0"/>
-              <a:ea typeface="+mn-ea"/>
-              <a:cs typeface="Segoe UI Light" panose="020B0502040204020203" pitchFamily="34" charset="0"/>
-            </a:defRPr>
-          </a:pPr>
-          <a:endParaRPr lang="en-US"/>
-        </a:p>
-      </c:txPr>
-    </c:legend>
-    <c:plotVisOnly val="1"/>
-    <c:dispBlanksAs val="gap"/>
-    <c:extLst>
-      <c:ext xmlns:c16r3="http://schemas.microsoft.com/office/drawing/2017/03/chart" uri="{56B9EC1D-385E-4148-901F-78D8002777C0}">
-        <c16r3:dataDisplayOptions16>
-          <c16r3:dispNaAsBlank val="1"/>
-        </c16r3:dataDisplayOptions16>
-      </c:ext>
-    </c:extLst>
-    <c:showDLblsOverMax val="0"/>
-  </c:chart>
-  <c:spPr>
-    <a:noFill/>
-    <a:ln>
-      <a:noFill/>
-    </a:ln>
-    <a:effectLst/>
-  </c:spPr>
-  <c:txPr>
-    <a:bodyPr/>
-    <a:lstStyle/>
-    <a:p>
-      <a:pPr>
-        <a:defRPr b="0" i="0">
-          <a:solidFill>
-            <a:schemeClr val="bg1"/>
-          </a:solidFill>
-          <a:latin typeface="Segoe UI Light" panose="020B0502040204020203" pitchFamily="34" charset="0"/>
-          <a:cs typeface="Segoe UI Light" panose="020B0502040204020203" pitchFamily="34" charset="0"/>
-        </a:defRPr>
-      </a:pPr>
-      <a:endParaRPr lang="en-US"/>
-    </a:p>
-  </c:txPr>
-  <c:externalData r:id="rId3">
-    <c:autoUpdate val="0"/>
-  </c:externalData>
-</c:chartSpace>
-</file>
-
-<file path=ppt/charts/colors1.xml><?xml version="1.0" encoding="utf-8"?>
-<cs:colorStyle xmlns:cs="http://schemas.microsoft.com/office/drawing/2012/chartStyle" xmlns:a="http://schemas.openxmlformats.org/drawingml/2006/main" meth="cycle" id="10">
-  <a:schemeClr val="accent1"/>
-  <a:schemeClr val="accent2"/>
-  <a:schemeClr val="accent3"/>
-  <a:schemeClr val="accent4"/>
-  <a:schemeClr val="accent5"/>
-  <a:schemeClr val="accent6"/>
-  <cs:variation/>
-  <cs:variation>
-    <a:lumMod val="60000"/>
-  </cs:variation>
-  <cs:variation>
-    <a:lumMod val="80000"/>
-    <a:lumOff val="20000"/>
-  </cs:variation>
-  <cs:variation>
-    <a:lumMod val="80000"/>
-  </cs:variation>
-  <cs:variation>
-    <a:lumMod val="60000"/>
-    <a:lumOff val="40000"/>
-  </cs:variation>
-  <cs:variation>
-    <a:lumMod val="50000"/>
-  </cs:variation>
-  <cs:variation>
-    <a:lumMod val="70000"/>
-    <a:lumOff val="30000"/>
-  </cs:variation>
-  <cs:variation>
-    <a:lumMod val="70000"/>
-  </cs:variation>
-  <cs:variation>
-    <a:lumMod val="50000"/>
-    <a:lumOff val="50000"/>
-  </cs:variation>
-</cs:colorStyle>
-</file>
-
-<file path=ppt/charts/style1.xml><?xml version="1.0" encoding="utf-8"?>
-<cs:chartStyle xmlns:cs="http://schemas.microsoft.com/office/drawing/2012/chartStyle" xmlns:a="http://schemas.openxmlformats.org/drawingml/2006/main" id="223">
-  <cs:axisTitle>
-    <cs:lnRef idx="0"/>
-    <cs:fillRef idx="0"/>
-    <cs:effectRef idx="0"/>
-    <cs:fontRef idx="minor">
-      <a:schemeClr val="tx1">
-        <a:lumMod val="65000"/>
-        <a:lumOff val="35000"/>
-      </a:schemeClr>
-    </cs:fontRef>
-    <cs:defRPr sz="1197" kern="1200" cap="all"/>
-  </cs:axisTitle>
-  <cs:categoryAxis>
-    <cs:lnRef idx="0"/>
-    <cs:fillRef idx="0"/>
-    <cs:effectRef idx="0"/>
-    <cs:fontRef idx="minor">
-      <a:schemeClr val="tx1">
-        <a:lumMod val="65000"/>
-        <a:lumOff val="35000"/>
-      </a:schemeClr>
-    </cs:fontRef>
-    <cs:spPr>
-      <a:ln w="19050" cap="flat" cmpd="sng" algn="ctr">
-        <a:solidFill>
-          <a:schemeClr val="tx1">
-            <a:lumMod val="15000"/>
-            <a:lumOff val="85000"/>
-          </a:schemeClr>
-        </a:solidFill>
-        <a:round/>
-        <a:headEnd type="none" w="sm" len="sm"/>
-        <a:tailEnd type="none" w="sm" len="sm"/>
-      </a:ln>
-    </cs:spPr>
-    <cs:defRPr sz="1197" kern="1200"/>
-  </cs:categoryAxis>
-  <cs:chartArea mods="allowNoFillOverride allowNoLineOverride">
-    <cs:lnRef idx="0"/>
-    <cs:fillRef idx="0"/>
-    <cs:effectRef idx="0"/>
-    <cs:fontRef idx="minor">
-      <a:schemeClr val="dk1"/>
-    </cs:fontRef>
-    <cs:spPr>
-      <a:solidFill>
-        <a:schemeClr val="bg1"/>
-      </a:solidFill>
-      <a:ln w="9525" cap="flat" cmpd="sng" algn="ctr">
-        <a:solidFill>
-          <a:schemeClr val="tx1">
-            <a:lumMod val="15000"/>
-            <a:lumOff val="85000"/>
-          </a:schemeClr>
-        </a:solidFill>
-        <a:round/>
-      </a:ln>
-    </cs:spPr>
-    <cs:defRPr sz="1197" kern="1200"/>
-  </cs:chartArea>
-  <cs:dataLabel>
-    <cs:lnRef idx="0"/>
-    <cs:fillRef idx="0"/>
-    <cs:effectRef idx="0"/>
-    <cs:fontRef idx="minor">
-      <a:schemeClr val="tx1">
-        <a:lumMod val="75000"/>
-        <a:lumOff val="25000"/>
-      </a:schemeClr>
-    </cs:fontRef>
-    <cs:defRPr sz="1197" kern="1200"/>
-  </cs:dataLabel>
-  <cs:dataLabelCallout>
-    <cs:lnRef idx="0"/>
-    <cs:fillRef idx="0"/>
-    <cs:effectRef idx="0"/>
-    <cs:fontRef idx="minor">
-      <a:schemeClr val="bg1"/>
-    </cs:fontRef>
-    <cs:spPr>
-      <a:solidFill>
-        <a:schemeClr val="tx1">
-          <a:lumMod val="50000"/>
-          <a:lumOff val="50000"/>
-        </a:schemeClr>
-      </a:solidFill>
-    </cs:spPr>
-    <cs:defRPr sz="1197" kern="1200"/>
-    <cs:bodyPr rot="0" spcFirstLastPara="1" vertOverflow="clip" horzOverflow="clip" vert="horz" wrap="square" lIns="36576" tIns="18288" rIns="36576" bIns="18288" anchor="ctr" anchorCtr="1">
-      <a:spAutoFit/>
-    </cs:bodyPr>
-  </cs:dataLabelCallout>
-  <cs:dataPoint>
-    <cs:lnRef idx="0"/>
-    <cs:fillRef idx="0">
-      <cs:styleClr val="auto"/>
-    </cs:fillRef>
-    <cs:effectRef idx="0"/>
-    <cs:fontRef idx="minor">
-      <a:schemeClr val="dk1"/>
-    </cs:fontRef>
-    <cs:spPr>
-      <a:gradFill flip="none" rotWithShape="1">
-        <a:gsLst>
-          <a:gs pos="0">
-            <a:schemeClr val="phClr"/>
-          </a:gs>
-          <a:gs pos="75000">
-            <a:schemeClr val="phClr">
-              <a:lumMod val="60000"/>
-              <a:lumOff val="40000"/>
-            </a:schemeClr>
-          </a:gs>
-          <a:gs pos="51000">
-            <a:schemeClr val="phClr">
-              <a:alpha val="75000"/>
-            </a:schemeClr>
-          </a:gs>
-          <a:gs pos="100000">
-            <a:schemeClr val="phClr">
-              <a:lumMod val="20000"/>
-              <a:lumOff val="80000"/>
-              <a:alpha val="15000"/>
-            </a:schemeClr>
-          </a:gs>
-        </a:gsLst>
-        <a:lin ang="10800000" scaled="1"/>
-        <a:tileRect/>
-      </a:gradFill>
-    </cs:spPr>
-  </cs:dataPoint>
-  <cs:dataPoint3D>
-    <cs:lnRef idx="0"/>
-    <cs:fillRef idx="0">
-      <cs:styleClr val="auto"/>
-    </cs:fillRef>
-    <cs:effectRef idx="0"/>
-    <cs:fontRef idx="minor">
-      <a:schemeClr val="dk1"/>
-    </cs:fontRef>
-    <cs:spPr>
-      <a:gradFill flip="none" rotWithShape="1">
-        <a:gsLst>
-          <a:gs pos="0">
-            <a:schemeClr val="phClr"/>
-          </a:gs>
-          <a:gs pos="75000">
-            <a:schemeClr val="phClr">
-              <a:lumMod val="60000"/>
-              <a:lumOff val="40000"/>
-            </a:schemeClr>
-          </a:gs>
-          <a:gs pos="51000">
-            <a:schemeClr val="phClr">
-              <a:alpha val="75000"/>
-            </a:schemeClr>
-          </a:gs>
-          <a:gs pos="100000">
-            <a:schemeClr val="phClr">
-              <a:lumMod val="20000"/>
-              <a:lumOff val="80000"/>
-              <a:alpha val="15000"/>
-            </a:schemeClr>
-          </a:gs>
-        </a:gsLst>
-        <a:lin ang="10800000" scaled="1"/>
-        <a:tileRect/>
-      </a:gradFill>
-    </cs:spPr>
-  </cs:dataPoint3D>
-  <cs:dataPointLine>
-    <cs:lnRef idx="0">
-      <cs:styleClr val="auto"/>
-    </cs:lnRef>
-    <cs:fillRef idx="0"/>
-    <cs:effectRef idx="0"/>
-    <cs:fontRef idx="minor">
-      <a:schemeClr val="dk1"/>
-    </cs:fontRef>
-    <cs:spPr>
-      <a:ln w="28575" cap="rnd">
-        <a:solidFill>
-          <a:schemeClr val="phClr"/>
-        </a:solidFill>
-        <a:round/>
-      </a:ln>
-    </cs:spPr>
-  </cs:dataPointLine>
-  <cs:dataPointMarker>
-    <cs:lnRef idx="0">
-      <cs:styleClr val="auto"/>
-    </cs:lnRef>
-    <cs:fillRef idx="0">
-      <cs:styleClr val="auto"/>
-    </cs:fillRef>
-    <cs:effectRef idx="0"/>
-    <cs:fontRef idx="minor">
-      <a:schemeClr val="dk1"/>
-    </cs:fontRef>
-    <cs:spPr>
-      <a:gradFill>
-        <a:gsLst>
-          <a:gs pos="0">
-            <a:schemeClr val="phClr"/>
-          </a:gs>
-          <a:gs pos="46000">
-            <a:schemeClr val="phClr"/>
-          </a:gs>
-          <a:gs pos="100000">
-            <a:schemeClr val="phClr">
-              <a:lumMod val="20000"/>
-              <a:lumOff val="80000"/>
-              <a:alpha val="0"/>
-            </a:schemeClr>
-          </a:gs>
-        </a:gsLst>
-        <a:path path="circle">
-          <a:fillToRect l="50000" t="-80000" r="50000" b="180000"/>
-        </a:path>
-      </a:gradFill>
-      <a:ln w="9525" cap="flat" cmpd="sng" algn="ctr">
-        <a:solidFill>
-          <a:schemeClr val="phClr">
-            <a:shade val="95000"/>
-          </a:schemeClr>
-        </a:solidFill>
-        <a:round/>
-      </a:ln>
-    </cs:spPr>
-  </cs:dataPointMarker>
-  <cs:dataPointMarkerLayout symbol="circle" size="6"/>
-  <cs:dataPointWireframe>
-    <cs:lnRef idx="0">
-      <cs:styleClr val="auto"/>
-    </cs:lnRef>
-    <cs:fillRef idx="0"/>
-    <cs:effectRef idx="0"/>
-    <cs:fontRef idx="minor">
-      <a:schemeClr val="dk1"/>
-    </cs:fontRef>
-    <cs:spPr>
-      <a:ln w="9525" cap="rnd">
-        <a:solidFill>
-          <a:schemeClr val="phClr"/>
-        </a:solidFill>
-        <a:round/>
-      </a:ln>
-    </cs:spPr>
-  </cs:dataPointWireframe>
-  <cs:dataTable>
-    <cs:lnRef idx="0"/>
-    <cs:fillRef idx="0"/>
-    <cs:effectRef idx="0"/>
-    <cs:fontRef idx="minor">
-      <a:schemeClr val="tx1">
-        <a:lumMod val="65000"/>
-        <a:lumOff val="35000"/>
-      </a:schemeClr>
-    </cs:fontRef>
-    <cs:spPr>
-      <a:ln w="9525">
-        <a:solidFill>
-          <a:schemeClr val="tx1">
-            <a:lumMod val="15000"/>
-            <a:lumOff val="85000"/>
-          </a:schemeClr>
-        </a:solidFill>
-      </a:ln>
-    </cs:spPr>
-    <cs:defRPr sz="1197" kern="1200"/>
-  </cs:dataTable>
-  <cs:downBar>
-    <cs:lnRef idx="0"/>
-    <cs:fillRef idx="0"/>
-    <cs:effectRef idx="0"/>
-    <cs:fontRef idx="minor">
-      <a:schemeClr val="dk1"/>
-    </cs:fontRef>
-    <cs:spPr>
-      <a:solidFill>
-        <a:schemeClr val="dk1">
-          <a:lumMod val="75000"/>
-          <a:lumOff val="25000"/>
-        </a:schemeClr>
-      </a:solidFill>
-      <a:ln w="9525">
-        <a:solidFill>
-          <a:schemeClr val="tx1">
-            <a:lumMod val="65000"/>
-            <a:lumOff val="35000"/>
-          </a:schemeClr>
-        </a:solidFill>
-      </a:ln>
-    </cs:spPr>
-  </cs:downBar>
-  <cs:dropLine>
-    <cs:lnRef idx="0"/>
-    <cs:fillRef idx="0"/>
-    <cs:effectRef idx="0"/>
-    <cs:fontRef idx="minor">
-      <a:schemeClr val="dk1"/>
-    </cs:fontRef>
-    <cs:spPr>
-      <a:ln w="9525">
-        <a:solidFill>
-          <a:schemeClr val="tx1">
-            <a:lumMod val="35000"/>
-            <a:lumOff val="65000"/>
-          </a:schemeClr>
-        </a:solidFill>
-      </a:ln>
-    </cs:spPr>
-  </cs:dropLine>
-  <cs:errorBar>
-    <cs:lnRef idx="0"/>
-    <cs:fillRef idx="0"/>
-    <cs:effectRef idx="0"/>
-    <cs:fontRef idx="minor">
-      <a:schemeClr val="dk1"/>
-    </cs:fontRef>
-    <cs:spPr>
-      <a:ln w="9525" cap="flat" cmpd="sng" algn="ctr">
-        <a:solidFill>
-          <a:schemeClr val="tx1">
-            <a:lumMod val="65000"/>
-            <a:lumOff val="35000"/>
-          </a:schemeClr>
-        </a:solidFill>
-        <a:round/>
-      </a:ln>
-    </cs:spPr>
-  </cs:errorBar>
-  <cs:floor>
-    <cs:lnRef idx="0"/>
-    <cs:fillRef idx="0"/>
-    <cs:effectRef idx="0"/>
-    <cs:fontRef idx="minor">
-      <a:schemeClr val="dk1"/>
-    </cs:fontRef>
-  </cs:floor>
-  <cs:gridlineMajor>
-    <cs:lnRef idx="0"/>
-    <cs:fillRef idx="0"/>
-    <cs:effectRef idx="0"/>
-    <cs:fontRef idx="minor">
-      <a:schemeClr val="dk1"/>
-    </cs:fontRef>
-    <cs:spPr>
-      <a:ln w="9525" cap="flat" cmpd="sng" algn="ctr">
-        <a:gradFill>
-          <a:gsLst>
-            <a:gs pos="99000">
-              <a:schemeClr val="tx1">
-                <a:lumMod val="25000"/>
-                <a:lumOff val="75000"/>
-              </a:schemeClr>
-            </a:gs>
-            <a:gs pos="0">
-              <a:schemeClr val="tx1">
-                <a:lumMod val="15000"/>
-                <a:lumOff val="85000"/>
-              </a:schemeClr>
-            </a:gs>
-          </a:gsLst>
-          <a:lin ang="5400000" scaled="0"/>
-        </a:gradFill>
-        <a:round/>
-      </a:ln>
-    </cs:spPr>
-  </cs:gridlineMajor>
-  <cs:gridlineMinor>
-    <cs:lnRef idx="0"/>
-    <cs:fillRef idx="0"/>
-    <cs:effectRef idx="0"/>
-    <cs:fontRef idx="minor">
-      <a:schemeClr val="dk1"/>
-    </cs:fontRef>
-    <cs:spPr>
-      <a:ln w="9525" cap="flat" cmpd="sng" algn="ctr">
-        <a:gradFill>
-          <a:gsLst>
-            <a:gs pos="100000">
-              <a:schemeClr val="tx1">
-                <a:lumMod val="15000"/>
-                <a:lumOff val="85000"/>
-              </a:schemeClr>
-            </a:gs>
-            <a:gs pos="0">
-              <a:schemeClr val="tx1">
-                <a:lumMod val="5000"/>
-                <a:lumOff val="95000"/>
-              </a:schemeClr>
-            </a:gs>
-          </a:gsLst>
-          <a:lin ang="5400000" scaled="0"/>
-        </a:gradFill>
-        <a:round/>
-      </a:ln>
-    </cs:spPr>
-  </cs:gridlineMinor>
-  <cs:hiLoLine>
-    <cs:lnRef idx="0"/>
-    <cs:fillRef idx="0"/>
-    <cs:effectRef idx="0"/>
-    <cs:fontRef idx="minor">
-      <a:schemeClr val="dk1"/>
-    </cs:fontRef>
-    <cs:spPr>
-      <a:ln w="9525">
-        <a:solidFill>
-          <a:schemeClr val="tx1">
-            <a:lumMod val="50000"/>
-            <a:lumOff val="50000"/>
-          </a:schemeClr>
-        </a:solidFill>
-      </a:ln>
-    </cs:spPr>
-  </cs:hiLoLine>
-  <cs:leaderLine>
-    <cs:lnRef idx="0"/>
-    <cs:fillRef idx="0"/>
-    <cs:effectRef idx="0"/>
-    <cs:fontRef idx="minor">
-      <a:schemeClr val="dk1"/>
-    </cs:fontRef>
-    <cs:spPr>
-      <a:ln w="9525">
-        <a:solidFill>
-          <a:schemeClr val="tx1">
-            <a:lumMod val="35000"/>
-            <a:lumOff val="65000"/>
-          </a:schemeClr>
-        </a:solidFill>
-      </a:ln>
-    </cs:spPr>
-  </cs:leaderLine>
-  <cs:legend>
-    <cs:lnRef idx="0"/>
-    <cs:fillRef idx="0"/>
-    <cs:effectRef idx="0"/>
-    <cs:fontRef idx="minor">
-      <a:schemeClr val="tx1">
-        <a:lumMod val="65000"/>
-        <a:lumOff val="35000"/>
-      </a:schemeClr>
-    </cs:fontRef>
-    <cs:defRPr sz="1197" kern="1200"/>
-  </cs:legend>
-  <cs:plotArea mods="allowNoFillOverride allowNoLineOverride">
-    <cs:lnRef idx="0"/>
-    <cs:fillRef idx="0"/>
-    <cs:effectRef idx="0"/>
-    <cs:fontRef idx="minor">
-      <a:schemeClr val="dk1"/>
-    </cs:fontRef>
-  </cs:plotArea>
-  <cs:plotArea3D mods="allowNoFillOverride allowNoLineOverride">
-    <cs:lnRef idx="0"/>
-    <cs:fillRef idx="0"/>
-    <cs:effectRef idx="0"/>
-    <cs:fontRef idx="minor">
-      <a:schemeClr val="dk1"/>
-    </cs:fontRef>
-  </cs:plotArea3D>
-  <cs:seriesAxis>
-    <cs:lnRef idx="0"/>
-    <cs:fillRef idx="0"/>
-    <cs:effectRef idx="0"/>
-    <cs:fontRef idx="minor">
-      <a:schemeClr val="tx1">
-        <a:lumMod val="65000"/>
-        <a:lumOff val="35000"/>
-      </a:schemeClr>
-    </cs:fontRef>
-    <cs:spPr>
-      <a:ln w="9525" cap="flat" cmpd="sng" algn="ctr">
-        <a:solidFill>
-          <a:schemeClr val="tx1">
-            <a:lumMod val="15000"/>
-            <a:lumOff val="85000"/>
-          </a:schemeClr>
-        </a:solidFill>
-        <a:round/>
-        <a:headEnd type="none" w="sm" len="sm"/>
-        <a:tailEnd type="none" w="sm" len="sm"/>
-      </a:ln>
-    </cs:spPr>
-    <cs:defRPr sz="1197" kern="1200"/>
-  </cs:seriesAxis>
-  <cs:seriesLine>
-    <cs:lnRef idx="0"/>
-    <cs:fillRef idx="0"/>
-    <cs:effectRef idx="0"/>
-    <cs:fontRef idx="minor">
-      <a:schemeClr val="dk1"/>
-    </cs:fontRef>
-    <cs:spPr>
-      <a:ln w="9525">
-        <a:solidFill>
-          <a:schemeClr val="tx1">
-            <a:lumMod val="35000"/>
-            <a:lumOff val="65000"/>
-          </a:schemeClr>
-        </a:solidFill>
-        <a:round/>
-      </a:ln>
-    </cs:spPr>
-  </cs:seriesLine>
-  <cs:title>
-    <cs:lnRef idx="0"/>
-    <cs:fillRef idx="0"/>
-    <cs:effectRef idx="0"/>
-    <cs:fontRef idx="minor">
-      <a:schemeClr val="tx1">
-        <a:lumMod val="65000"/>
-        <a:lumOff val="35000"/>
-      </a:schemeClr>
-    </cs:fontRef>
-    <cs:defRPr sz="2200" b="1" kern="1200" cap="all" spc="50" baseline="0"/>
-  </cs:title>
-  <cs:trendline>
-    <cs:lnRef idx="0">
-      <cs:styleClr val="auto"/>
-    </cs:lnRef>
-    <cs:fillRef idx="0"/>
-    <cs:effectRef idx="0"/>
-    <cs:fontRef idx="minor">
-      <a:schemeClr val="dk1"/>
-    </cs:fontRef>
-    <cs:spPr>
-      <a:ln w="9525" cap="rnd">
-        <a:solidFill>
-          <a:schemeClr val="phClr"/>
-        </a:solidFill>
-      </a:ln>
-    </cs:spPr>
-  </cs:trendline>
-  <cs:trendlineLabel>
-    <cs:lnRef idx="0"/>
-    <cs:fillRef idx="0"/>
-    <cs:effectRef idx="0"/>
-    <cs:fontRef idx="minor">
-      <a:schemeClr val="tx1">
-        <a:lumMod val="65000"/>
-        <a:lumOff val="35000"/>
-      </a:schemeClr>
-    </cs:fontRef>
-    <cs:defRPr sz="1197" kern="1200"/>
-  </cs:trendlineLabel>
-  <cs:upBar>
-    <cs:lnRef idx="0"/>
-    <cs:fillRef idx="0"/>
-    <cs:effectRef idx="0"/>
-    <cs:fontRef idx="minor">
-      <a:schemeClr val="dk1"/>
-    </cs:fontRef>
-    <cs:spPr>
-      <a:solidFill>
-        <a:schemeClr val="lt1"/>
-      </a:solidFill>
-      <a:ln w="9525">
-        <a:solidFill>
-          <a:schemeClr val="tx1">
-            <a:lumMod val="65000"/>
-            <a:lumOff val="35000"/>
-          </a:schemeClr>
-        </a:solidFill>
-      </a:ln>
-    </cs:spPr>
-  </cs:upBar>
-  <cs:valueAxis>
-    <cs:lnRef idx="0"/>
-    <cs:fillRef idx="0"/>
-    <cs:effectRef idx="0"/>
-    <cs:fontRef idx="minor">
-      <a:schemeClr val="tx1">
-        <a:lumMod val="65000"/>
-        <a:lumOff val="35000"/>
-      </a:schemeClr>
-    </cs:fontRef>
-    <cs:defRPr sz="1197" kern="1200"/>
-  </cs:valueAxis>
-  <cs:wall>
-    <cs:lnRef idx="0"/>
-    <cs:fillRef idx="0"/>
-    <cs:effectRef idx="0"/>
-    <cs:fontRef idx="minor">
-      <a:schemeClr val="dk1"/>
-    </cs:fontRef>
-  </cs:wall>
-</cs:chartStyle>
-</file>
-
 <file path=ppt/notesMasters/notesMaster1.xml><?xml version="1.0" encoding="utf-8"?>
 <p:notesMaster xmlns:a="http://schemas.openxmlformats.org/drawingml/2006/main" xmlns:r="http://schemas.openxmlformats.org/officeDocument/2006/relationships" xmlns:p="http://schemas.openxmlformats.org/presentationml/2006/main">
   <p:cSld>
@@ -1454,7 +223,7 @@
           <a:p>
             <a:fld id="{3F00BCFC-AFFD-334C-A183-6116BAFDF92B}" type="datetimeFigureOut">
               <a:rPr lang="en-US" smtClean="0"/>
-              <a:t>1/4/2024</a:t>
+              <a:t>1/10/2024</a:t>
             </a:fld>
             <a:endParaRPr lang="en-US" dirty="0"/>
           </a:p>
@@ -18456,7 +17225,7 @@
           <p:cNvPr id="2" name="Title 1">
             <a:extLst>
               <a:ext uri="{FF2B5EF4-FFF2-40B4-BE49-F238E27FC236}">
-                <a16:creationId xmlns:a16="http://schemas.microsoft.com/office/drawing/2014/main" id="{D249E45E-D6A7-9780-F652-BAF86DFBCC00}"/>
+                <a16:creationId xmlns:a16="http://schemas.microsoft.com/office/drawing/2014/main" id="{F41F0E99-07CC-9576-AFD7-C52151AD0EA3}"/>
               </a:ext>
             </a:extLst>
           </p:cNvPr>
@@ -18464,27 +17233,32 @@
             <a:spLocks noGrp="1"/>
           </p:cNvSpPr>
           <p:nvPr>
-            <p:ph type="title"/>
+            <p:ph type="ctrTitle"/>
           </p:nvPr>
         </p:nvSpPr>
-        <p:spPr/>
+        <p:spPr>
+          <a:xfrm>
+            <a:off x="1155032" y="72511"/>
+            <a:ext cx="8568248" cy="1069848"/>
+          </a:xfrm>
+        </p:spPr>
         <p:txBody>
           <a:bodyPr/>
           <a:lstStyle/>
           <a:p>
             <a:r>
               <a:rPr lang="en-US" dirty="0"/>
-              <a:t>AREAS OF FOCUS</a:t>
-            </a:r>
-          </a:p>
-        </p:txBody>
-      </p:sp>
-      <p:sp>
-        <p:nvSpPr>
-          <p:cNvPr id="8" name="Slide Number Placeholder 7">
-            <a:extLst>
-              <a:ext uri="{FF2B5EF4-FFF2-40B4-BE49-F238E27FC236}">
-                <a16:creationId xmlns:a16="http://schemas.microsoft.com/office/drawing/2014/main" id="{85577A64-4E94-69E1-3180-1E014BD06B3C}"/>
+              <a:t>Analysis and conclusion</a:t>
+            </a:r>
+          </a:p>
+        </p:txBody>
+      </p:sp>
+      <p:sp>
+        <p:nvSpPr>
+          <p:cNvPr id="3" name="Subtitle 2">
+            <a:extLst>
+              <a:ext uri="{FF2B5EF4-FFF2-40B4-BE49-F238E27FC236}">
+                <a16:creationId xmlns:a16="http://schemas.microsoft.com/office/drawing/2014/main" id="{5A82A8B0-333F-633E-3FA7-D38DBFB10971}"/>
               </a:ext>
             </a:extLst>
           </p:cNvPr>
@@ -18492,192 +17266,243 @@
             <a:spLocks noGrp="1"/>
           </p:cNvSpPr>
           <p:nvPr>
-            <p:ph type="sldNum" sz="quarter" idx="12"/>
+            <p:ph type="subTitle" idx="1"/>
           </p:nvPr>
         </p:nvSpPr>
-        <p:spPr/>
+        <p:spPr>
+          <a:xfrm>
+            <a:off x="505325" y="1259305"/>
+            <a:ext cx="11269579" cy="5430253"/>
+          </a:xfrm>
+        </p:spPr>
         <p:txBody>
           <a:bodyPr/>
           <a:lstStyle/>
           <a:p>
-            <a:fld id="{294A09A9-5501-47C1-A89A-A340965A2BE2}" type="slidenum">
-              <a:rPr lang="en-US" smtClean="0"/>
-              <a:t>10</a:t>
-            </a:fld>
-            <a:endParaRPr lang="en-US" dirty="0"/>
-          </a:p>
-        </p:txBody>
-      </p:sp>
-      <p:sp>
-        <p:nvSpPr>
-          <p:cNvPr id="3" name="Text Placeholder 2">
-            <a:extLst>
-              <a:ext uri="{FF2B5EF4-FFF2-40B4-BE49-F238E27FC236}">
-                <a16:creationId xmlns:a16="http://schemas.microsoft.com/office/drawing/2014/main" id="{C31605EE-24B6-95D8-DE5E-BEC2F03ECECA}"/>
-              </a:ext>
-            </a:extLst>
-          </p:cNvPr>
-          <p:cNvSpPr>
-            <a:spLocks noGrp="1"/>
-          </p:cNvSpPr>
-          <p:nvPr>
-            <p:ph type="body" idx="1"/>
-          </p:nvPr>
-        </p:nvSpPr>
-        <p:spPr/>
-        <p:txBody>
-          <a:bodyPr/>
-          <a:lstStyle/>
-          <a:p>
-            <a:r>
-              <a:rPr lang="en-US" dirty="0"/>
-              <a:t>Portfolio diversification</a:t>
-            </a:r>
-          </a:p>
-        </p:txBody>
-      </p:sp>
-      <p:sp>
-        <p:nvSpPr>
-          <p:cNvPr id="4" name="Content Placeholder 3">
-            <a:extLst>
-              <a:ext uri="{FF2B5EF4-FFF2-40B4-BE49-F238E27FC236}">
-                <a16:creationId xmlns:a16="http://schemas.microsoft.com/office/drawing/2014/main" id="{BE22F651-7ABC-015D-B5C4-622708A64CB1}"/>
-              </a:ext>
-            </a:extLst>
-          </p:cNvPr>
-          <p:cNvSpPr>
-            <a:spLocks noGrp="1"/>
-          </p:cNvSpPr>
-          <p:nvPr>
-            <p:ph sz="half" idx="2"/>
-          </p:nvPr>
-        </p:nvSpPr>
-        <p:spPr/>
-        <p:txBody>
-          <a:bodyPr/>
-          <a:lstStyle/>
-          <a:p>
-            <a:r>
-              <a:rPr lang="en-US" dirty="0"/>
-              <a:t>Develop winning combinations to stay ahead of the market</a:t>
-            </a:r>
-          </a:p>
-          <a:p>
-            <a:r>
-              <a:rPr lang="en-US" dirty="0"/>
-              <a:t>Capitalize on direct ownership of digital coins</a:t>
-            </a:r>
-          </a:p>
-          <a:p>
-            <a:r>
-              <a:rPr lang="en-US" dirty="0"/>
-              <a:t>Invest in multiple blockchains​</a:t>
-            </a:r>
-          </a:p>
-          <a:p>
-            <a:endParaRPr lang="en-US" dirty="0"/>
-          </a:p>
-        </p:txBody>
-      </p:sp>
-      <p:sp>
-        <p:nvSpPr>
-          <p:cNvPr id="5" name="Text Placeholder 4">
-            <a:extLst>
-              <a:ext uri="{FF2B5EF4-FFF2-40B4-BE49-F238E27FC236}">
-                <a16:creationId xmlns:a16="http://schemas.microsoft.com/office/drawing/2014/main" id="{6A1E0F07-3291-4EE2-1286-04C97165BA68}"/>
-              </a:ext>
-            </a:extLst>
-          </p:cNvPr>
-          <p:cNvSpPr>
-            <a:spLocks noGrp="1"/>
-          </p:cNvSpPr>
-          <p:nvPr>
-            <p:ph type="body" sz="quarter" idx="3"/>
-          </p:nvPr>
-        </p:nvSpPr>
-        <p:spPr/>
-        <p:txBody>
-          <a:bodyPr/>
-          <a:lstStyle/>
-          <a:p>
-            <a:r>
-              <a:rPr lang="en-US" dirty="0"/>
-              <a:t>Short and long-term goals</a:t>
-            </a:r>
-          </a:p>
-        </p:txBody>
-      </p:sp>
-      <p:sp>
-        <p:nvSpPr>
-          <p:cNvPr id="6" name="Content Placeholder 5">
-            <a:extLst>
-              <a:ext uri="{FF2B5EF4-FFF2-40B4-BE49-F238E27FC236}">
-                <a16:creationId xmlns:a16="http://schemas.microsoft.com/office/drawing/2014/main" id="{3DF22CC9-1295-2B21-05A9-68A44E669B8F}"/>
-              </a:ext>
-            </a:extLst>
-          </p:cNvPr>
-          <p:cNvSpPr>
-            <a:spLocks noGrp="1"/>
-          </p:cNvSpPr>
-          <p:nvPr>
-            <p:ph sz="quarter" idx="4"/>
-          </p:nvPr>
-        </p:nvSpPr>
-        <p:spPr/>
-        <p:txBody>
-          <a:bodyPr/>
-          <a:lstStyle/>
-          <a:p>
-            <a:r>
-              <a:rPr lang="en-US" dirty="0"/>
-              <a:t>Create an emergency fund</a:t>
-            </a:r>
-          </a:p>
-          <a:p>
-            <a:r>
-              <a:rPr lang="en-US" dirty="0"/>
-              <a:t>Add a second stream of income</a:t>
-            </a:r>
-          </a:p>
-          <a:p>
-            <a:r>
-              <a:rPr lang="en-US" dirty="0"/>
-              <a:t>Buy a house</a:t>
-            </a:r>
-          </a:p>
-          <a:p>
-            <a:r>
-              <a:rPr lang="en-US" dirty="0"/>
-              <a:t>Supplement retirement fund</a:t>
-            </a:r>
-          </a:p>
-        </p:txBody>
-      </p:sp>
-      <p:sp>
-        <p:nvSpPr>
-          <p:cNvPr id="7" name="Footer Placeholder 6">
-            <a:extLst>
-              <a:ext uri="{FF2B5EF4-FFF2-40B4-BE49-F238E27FC236}">
-                <a16:creationId xmlns:a16="http://schemas.microsoft.com/office/drawing/2014/main" id="{A9F57080-19CA-8BBA-6050-8494551D4615}"/>
-              </a:ext>
-            </a:extLst>
-          </p:cNvPr>
-          <p:cNvSpPr>
-            <a:spLocks noGrp="1"/>
-          </p:cNvSpPr>
-          <p:nvPr>
-            <p:ph type="ftr" sz="quarter" idx="11"/>
-          </p:nvPr>
-        </p:nvSpPr>
-        <p:spPr/>
-        <p:txBody>
-          <a:bodyPr/>
-          <a:lstStyle/>
-          <a:p>
-            <a:r>
-              <a:rPr lang="en-US"/>
-              <a:t>Crypto: investing &amp; trading</a:t>
-            </a:r>
+            <a:pPr marL="342900" indent="-342900" algn="l">
+              <a:buFont typeface="Arial" panose="020B0604020202020204" pitchFamily="34" charset="0"/>
+              <a:buChar char="•"/>
+            </a:pPr>
+            <a:r>
+              <a:rPr lang="en-US" sz="2400" b="0" dirty="0">
+                <a:solidFill>
+                  <a:srgbClr val="CCCCCC"/>
+                </a:solidFill>
+                <a:effectLst/>
+                <a:latin typeface="Consolas" panose="020B0609020204030204" pitchFamily="49" charset="0"/>
+              </a:rPr>
+              <a:t>Analysis shows the listed companies indicated the highest closing prices during 2020-2023 time periods in the following order.</a:t>
+            </a:r>
+          </a:p>
+          <a:p>
+            <a:pPr marL="342900" indent="-342900" algn="l">
+              <a:buFont typeface="Arial" panose="020B0604020202020204" pitchFamily="34" charset="0"/>
+              <a:buChar char="•"/>
+            </a:pPr>
+            <a:r>
+              <a:rPr lang="en-US" sz="2400" b="0" dirty="0">
+                <a:solidFill>
+                  <a:srgbClr val="6796E6"/>
+                </a:solidFill>
+                <a:effectLst/>
+                <a:latin typeface="Consolas" panose="020B0609020204030204" pitchFamily="49" charset="0"/>
+              </a:rPr>
+              <a:t>-</a:t>
+            </a:r>
+            <a:r>
+              <a:rPr lang="en-US" sz="2400" b="0" dirty="0">
+                <a:solidFill>
+                  <a:srgbClr val="CCCCCC"/>
+                </a:solidFill>
+                <a:effectLst/>
+                <a:latin typeface="Consolas" panose="020B0609020204030204" pitchFamily="49" charset="0"/>
+              </a:rPr>
+              <a:t> NVDA $450 Projected - $700</a:t>
+            </a:r>
+          </a:p>
+          <a:p>
+            <a:pPr marL="342900" indent="-342900" algn="l">
+              <a:buFont typeface="Arial" panose="020B0604020202020204" pitchFamily="34" charset="0"/>
+              <a:buChar char="•"/>
+            </a:pPr>
+            <a:r>
+              <a:rPr lang="en-US" sz="2400" b="0" dirty="0">
+                <a:solidFill>
+                  <a:srgbClr val="6796E6"/>
+                </a:solidFill>
+                <a:effectLst/>
+                <a:latin typeface="Consolas" panose="020B0609020204030204" pitchFamily="49" charset="0"/>
+              </a:rPr>
+              <a:t>-</a:t>
+            </a:r>
+            <a:r>
+              <a:rPr lang="en-US" sz="2400" b="0" dirty="0">
+                <a:solidFill>
+                  <a:srgbClr val="CCCCCC"/>
+                </a:solidFill>
+                <a:effectLst/>
+                <a:latin typeface="Consolas" panose="020B0609020204030204" pitchFamily="49" charset="0"/>
+              </a:rPr>
+              <a:t> MSFT $375 Projected - $500</a:t>
+            </a:r>
+          </a:p>
+          <a:p>
+            <a:pPr marL="342900" indent="-342900" algn="l">
+              <a:buFont typeface="Arial" panose="020B0604020202020204" pitchFamily="34" charset="0"/>
+              <a:buChar char="•"/>
+            </a:pPr>
+            <a:r>
+              <a:rPr lang="en-US" sz="2400" b="0" dirty="0">
+                <a:solidFill>
+                  <a:srgbClr val="6796E6"/>
+                </a:solidFill>
+                <a:effectLst/>
+                <a:latin typeface="Consolas" panose="020B0609020204030204" pitchFamily="49" charset="0"/>
+              </a:rPr>
+              <a:t>-</a:t>
+            </a:r>
+            <a:r>
+              <a:rPr lang="en-US" sz="2400" b="0" dirty="0">
+                <a:solidFill>
+                  <a:srgbClr val="CCCCCC"/>
+                </a:solidFill>
+                <a:effectLst/>
+                <a:latin typeface="Consolas" panose="020B0609020204030204" pitchFamily="49" charset="0"/>
+              </a:rPr>
+              <a:t> META $350 Projected - $500</a:t>
+            </a:r>
+          </a:p>
+          <a:p>
+            <a:pPr marL="342900" indent="-342900" algn="l">
+              <a:buFont typeface="Arial" panose="020B0604020202020204" pitchFamily="34" charset="0"/>
+              <a:buChar char="•"/>
+            </a:pPr>
+            <a:r>
+              <a:rPr lang="en-US" sz="2400" b="0" dirty="0">
+                <a:solidFill>
+                  <a:srgbClr val="6796E6"/>
+                </a:solidFill>
+                <a:effectLst/>
+                <a:latin typeface="Consolas" panose="020B0609020204030204" pitchFamily="49" charset="0"/>
+              </a:rPr>
+              <a:t>-</a:t>
+            </a:r>
+            <a:r>
+              <a:rPr lang="en-US" sz="2400" b="0" dirty="0">
+                <a:solidFill>
+                  <a:srgbClr val="CCCCCC"/>
+                </a:solidFill>
+                <a:effectLst/>
+                <a:latin typeface="Consolas" panose="020B0609020204030204" pitchFamily="49" charset="0"/>
+              </a:rPr>
+              <a:t> TSLA $250 Projected - $350</a:t>
+            </a:r>
+          </a:p>
+          <a:p>
+            <a:pPr marL="342900" indent="-342900" algn="l">
+              <a:buFont typeface="Arial" panose="020B0604020202020204" pitchFamily="34" charset="0"/>
+              <a:buChar char="•"/>
+            </a:pPr>
+            <a:r>
+              <a:rPr lang="en-US" sz="2400" b="0" dirty="0">
+                <a:solidFill>
+                  <a:srgbClr val="6796E6"/>
+                </a:solidFill>
+                <a:effectLst/>
+                <a:latin typeface="Consolas" panose="020B0609020204030204" pitchFamily="49" charset="0"/>
+              </a:rPr>
+              <a:t>-</a:t>
+            </a:r>
+            <a:r>
+              <a:rPr lang="en-US" sz="2400" b="0" dirty="0">
+                <a:solidFill>
+                  <a:srgbClr val="CCCCCC"/>
+                </a:solidFill>
+                <a:effectLst/>
+                <a:latin typeface="Consolas" panose="020B0609020204030204" pitchFamily="49" charset="0"/>
+              </a:rPr>
+              <a:t> ANET $240 Projected - $340</a:t>
+            </a:r>
+          </a:p>
+          <a:p>
+            <a:pPr marL="342900" indent="-342900" algn="l">
+              <a:buFont typeface="Arial" panose="020B0604020202020204" pitchFamily="34" charset="0"/>
+              <a:buChar char="•"/>
+            </a:pPr>
+            <a:r>
+              <a:rPr lang="en-US" sz="2400" b="0" dirty="0">
+                <a:solidFill>
+                  <a:srgbClr val="6796E6"/>
+                </a:solidFill>
+                <a:effectLst/>
+                <a:latin typeface="Consolas" panose="020B0609020204030204" pitchFamily="49" charset="0"/>
+              </a:rPr>
+              <a:t>-</a:t>
+            </a:r>
+            <a:r>
+              <a:rPr lang="en-US" sz="2400" b="0" dirty="0">
+                <a:solidFill>
+                  <a:srgbClr val="CCCCCC"/>
+                </a:solidFill>
+                <a:effectLst/>
+                <a:latin typeface="Consolas" panose="020B0609020204030204" pitchFamily="49" charset="0"/>
+              </a:rPr>
+              <a:t> AMZN $155 Projected - $205</a:t>
+            </a:r>
+          </a:p>
+          <a:p>
+            <a:pPr marL="342900" indent="-342900" algn="l">
+              <a:buFont typeface="Arial" panose="020B0604020202020204" pitchFamily="34" charset="0"/>
+              <a:buChar char="•"/>
+            </a:pPr>
+            <a:r>
+              <a:rPr lang="en-US" sz="2400" b="0" dirty="0">
+                <a:solidFill>
+                  <a:srgbClr val="6796E6"/>
+                </a:solidFill>
+                <a:effectLst/>
+                <a:latin typeface="Consolas" panose="020B0609020204030204" pitchFamily="49" charset="0"/>
+              </a:rPr>
+              <a:t>-</a:t>
+            </a:r>
+            <a:r>
+              <a:rPr lang="en-US" sz="2400" b="0" dirty="0">
+                <a:solidFill>
+                  <a:srgbClr val="CCCCCC"/>
+                </a:solidFill>
+                <a:effectLst/>
+                <a:latin typeface="Consolas" panose="020B0609020204030204" pitchFamily="49" charset="0"/>
+              </a:rPr>
+              <a:t> GOOG $140 Projected - $190</a:t>
+            </a:r>
+          </a:p>
+          <a:p>
+            <a:pPr marL="342900" indent="-342900" algn="l">
+              <a:buFont typeface="Arial" panose="020B0604020202020204" pitchFamily="34" charset="0"/>
+              <a:buChar char="•"/>
+            </a:pPr>
+            <a:r>
+              <a:rPr lang="en-US" sz="2400" b="0" dirty="0">
+                <a:solidFill>
+                  <a:srgbClr val="6796E6"/>
+                </a:solidFill>
+                <a:effectLst/>
+                <a:latin typeface="Consolas" panose="020B0609020204030204" pitchFamily="49" charset="0"/>
+              </a:rPr>
+              <a:t>-</a:t>
+            </a:r>
+            <a:r>
+              <a:rPr lang="en-US" sz="2400" b="0" dirty="0">
+                <a:solidFill>
+                  <a:srgbClr val="CCCCCC"/>
+                </a:solidFill>
+                <a:effectLst/>
+                <a:latin typeface="Consolas" panose="020B0609020204030204" pitchFamily="49" charset="0"/>
+              </a:rPr>
+              <a:t> INTC $50  Projected - $75</a:t>
+            </a:r>
+          </a:p>
+          <a:p>
             <a:endParaRPr lang="en-US" dirty="0"/>
           </a:p>
         </p:txBody>
@@ -18685,7 +17510,7 @@
     </p:spTree>
     <p:extLst>
       <p:ext uri="{BB962C8B-B14F-4D97-AF65-F5344CB8AC3E}">
-        <p14:creationId xmlns:p14="http://schemas.microsoft.com/office/powerpoint/2010/main" val="765210901"/>
+        <p14:creationId xmlns:p14="http://schemas.microsoft.com/office/powerpoint/2010/main" val="822295281"/>
       </p:ext>
     </p:extLst>
   </p:cSld>
@@ -18717,7 +17542,7 @@
           <p:cNvPr id="2" name="Title 1">
             <a:extLst>
               <a:ext uri="{FF2B5EF4-FFF2-40B4-BE49-F238E27FC236}">
-                <a16:creationId xmlns:a16="http://schemas.microsoft.com/office/drawing/2014/main" id="{189E73D4-535B-6DCC-2268-43A5E9E12C45}"/>
+                <a16:creationId xmlns:a16="http://schemas.microsoft.com/office/drawing/2014/main" id="{F41F0E99-07CC-9576-AFD7-C52151AD0EA3}"/>
               </a:ext>
             </a:extLst>
           </p:cNvPr>
@@ -18725,27 +17550,32 @@
             <a:spLocks noGrp="1"/>
           </p:cNvSpPr>
           <p:nvPr>
-            <p:ph type="title"/>
+            <p:ph type="ctrTitle"/>
           </p:nvPr>
         </p:nvSpPr>
-        <p:spPr/>
+        <p:spPr>
+          <a:xfrm>
+            <a:off x="1987455" y="72511"/>
+            <a:ext cx="8776797" cy="1069848"/>
+          </a:xfrm>
+        </p:spPr>
         <p:txBody>
           <a:bodyPr/>
           <a:lstStyle/>
           <a:p>
             <a:r>
               <a:rPr lang="en-US" dirty="0"/>
-              <a:t>HOW TO GET THERE</a:t>
-            </a:r>
-          </a:p>
-        </p:txBody>
-      </p:sp>
-      <p:sp>
-        <p:nvSpPr>
-          <p:cNvPr id="6" name="Slide Number Placeholder 5">
-            <a:extLst>
-              <a:ext uri="{FF2B5EF4-FFF2-40B4-BE49-F238E27FC236}">
-                <a16:creationId xmlns:a16="http://schemas.microsoft.com/office/drawing/2014/main" id="{6459FCA3-0124-0FA6-220B-D72E8F8034C8}"/>
+              <a:t>Findings and implications</a:t>
+            </a:r>
+          </a:p>
+        </p:txBody>
+      </p:sp>
+      <p:sp>
+        <p:nvSpPr>
+          <p:cNvPr id="3" name="Subtitle 2">
+            <a:extLst>
+              <a:ext uri="{FF2B5EF4-FFF2-40B4-BE49-F238E27FC236}">
+                <a16:creationId xmlns:a16="http://schemas.microsoft.com/office/drawing/2014/main" id="{5A82A8B0-333F-633E-3FA7-D38DBFB10971}"/>
               </a:ext>
             </a:extLst>
           </p:cNvPr>
@@ -18753,271 +17583,101 @@
             <a:spLocks noGrp="1"/>
           </p:cNvSpPr>
           <p:nvPr>
-            <p:ph type="sldNum" sz="quarter" idx="12"/>
+            <p:ph type="subTitle" idx="1"/>
           </p:nvPr>
         </p:nvSpPr>
-        <p:spPr/>
+        <p:spPr>
+          <a:xfrm>
+            <a:off x="505325" y="1259305"/>
+            <a:ext cx="11269579" cy="5430253"/>
+          </a:xfrm>
+        </p:spPr>
         <p:txBody>
           <a:bodyPr/>
           <a:lstStyle/>
           <a:p>
-            <a:fld id="{294A09A9-5501-47C1-A89A-A340965A2BE2}" type="slidenum">
-              <a:rPr lang="en-US" smtClean="0"/>
-              <a:t>11</a:t>
-            </a:fld>
-            <a:endParaRPr lang="en-US" dirty="0"/>
-          </a:p>
-        </p:txBody>
-      </p:sp>
-      <p:sp>
-        <p:nvSpPr>
-          <p:cNvPr id="3" name="Text Placeholder 2">
-            <a:extLst>
-              <a:ext uri="{FF2B5EF4-FFF2-40B4-BE49-F238E27FC236}">
-                <a16:creationId xmlns:a16="http://schemas.microsoft.com/office/drawing/2014/main" id="{5830852F-3FB7-6D2E-F6AC-1F6B9CAD2158}"/>
-              </a:ext>
-            </a:extLst>
-          </p:cNvPr>
-          <p:cNvSpPr>
-            <a:spLocks noGrp="1"/>
-          </p:cNvSpPr>
-          <p:nvPr>
-            <p:ph type="body" idx="1"/>
-          </p:nvPr>
-        </p:nvSpPr>
-        <p:spPr/>
-        <p:txBody>
-          <a:bodyPr/>
-          <a:lstStyle/>
-          <a:p>
-            <a:r>
-              <a:rPr lang="en-US" dirty="0"/>
-              <a:t>Strategize</a:t>
-            </a:r>
-          </a:p>
-          <a:p>
-            <a:endParaRPr lang="en-US" dirty="0"/>
-          </a:p>
-        </p:txBody>
-      </p:sp>
-      <p:sp>
-        <p:nvSpPr>
-          <p:cNvPr id="10" name="Content Placeholder 9">
-            <a:extLst>
-              <a:ext uri="{FF2B5EF4-FFF2-40B4-BE49-F238E27FC236}">
-                <a16:creationId xmlns:a16="http://schemas.microsoft.com/office/drawing/2014/main" id="{E135D3F1-0C33-3404-5D49-E70C9D100F2A}"/>
-              </a:ext>
-            </a:extLst>
-          </p:cNvPr>
-          <p:cNvSpPr>
-            <a:spLocks noGrp="1"/>
-          </p:cNvSpPr>
-          <p:nvPr>
-            <p:ph sz="half" idx="2"/>
-          </p:nvPr>
-        </p:nvSpPr>
-        <p:spPr/>
-        <p:txBody>
-          <a:bodyPr/>
-          <a:lstStyle/>
-          <a:p>
-            <a:r>
-              <a:rPr lang="en-US" dirty="0"/>
-              <a:t>Do your research and develop a plan with goals</a:t>
-            </a:r>
-          </a:p>
-          <a:p>
-            <a:r>
-              <a:rPr lang="en-US" dirty="0"/>
-              <a:t>Diversify your portfolio through coin ownership​</a:t>
-            </a:r>
-          </a:p>
-          <a:p>
-            <a:r>
-              <a:rPr lang="en-US" dirty="0"/>
-              <a:t>Follow the markets closely​</a:t>
-            </a:r>
-          </a:p>
-          <a:p>
-            <a:endParaRPr lang="en-US" dirty="0"/>
-          </a:p>
-          <a:p>
-            <a:endParaRPr lang="en-US" dirty="0"/>
-          </a:p>
-          <a:p>
-            <a:endParaRPr lang="en-US" dirty="0"/>
-          </a:p>
-        </p:txBody>
-      </p:sp>
-      <p:sp>
-        <p:nvSpPr>
-          <p:cNvPr id="5" name="Text Placeholder 4">
-            <a:extLst>
-              <a:ext uri="{FF2B5EF4-FFF2-40B4-BE49-F238E27FC236}">
-                <a16:creationId xmlns:a16="http://schemas.microsoft.com/office/drawing/2014/main" id="{BE5F7BD8-DA37-58AB-1F45-D0F045DF4B7B}"/>
-              </a:ext>
-            </a:extLst>
-          </p:cNvPr>
-          <p:cNvSpPr>
-            <a:spLocks noGrp="1"/>
-          </p:cNvSpPr>
-          <p:nvPr>
-            <p:ph type="body" sz="quarter" idx="3"/>
-          </p:nvPr>
-        </p:nvSpPr>
-        <p:spPr/>
-        <p:txBody>
-          <a:bodyPr/>
-          <a:lstStyle/>
-          <a:p>
-            <a:r>
-              <a:rPr lang="en-US" dirty="0"/>
-              <a:t>Minimize risk</a:t>
-            </a:r>
-          </a:p>
-        </p:txBody>
-      </p:sp>
-      <p:sp>
-        <p:nvSpPr>
-          <p:cNvPr id="11" name="Content Placeholder 10">
-            <a:extLst>
-              <a:ext uri="{FF2B5EF4-FFF2-40B4-BE49-F238E27FC236}">
-                <a16:creationId xmlns:a16="http://schemas.microsoft.com/office/drawing/2014/main" id="{724F2AAC-B18D-1D49-15F1-2D69101664AA}"/>
-              </a:ext>
-            </a:extLst>
-          </p:cNvPr>
-          <p:cNvSpPr>
-            <a:spLocks noGrp="1"/>
-          </p:cNvSpPr>
-          <p:nvPr>
-            <p:ph sz="quarter" idx="4"/>
-          </p:nvPr>
-        </p:nvSpPr>
-        <p:spPr/>
-        <p:txBody>
-          <a:bodyPr/>
-          <a:lstStyle/>
-          <a:p>
-            <a:r>
-              <a:rPr lang="en-US" dirty="0"/>
-              <a:t>Be cautious of scams and "too good to be true" scenarios</a:t>
-            </a:r>
-          </a:p>
-          <a:p>
-            <a:r>
-              <a:rPr lang="en-US" dirty="0"/>
-              <a:t>Avoid "all-in" strategies</a:t>
-            </a:r>
-          </a:p>
-          <a:p>
-            <a:endParaRPr lang="en-US" dirty="0"/>
-          </a:p>
-          <a:p>
-            <a:endParaRPr lang="en-US" dirty="0"/>
-          </a:p>
-          <a:p>
-            <a:endParaRPr lang="en-US" dirty="0"/>
-          </a:p>
-        </p:txBody>
-      </p:sp>
-      <p:sp>
-        <p:nvSpPr>
-          <p:cNvPr id="12" name="Text Placeholder 11">
-            <a:extLst>
-              <a:ext uri="{FF2B5EF4-FFF2-40B4-BE49-F238E27FC236}">
-                <a16:creationId xmlns:a16="http://schemas.microsoft.com/office/drawing/2014/main" id="{5E68EFF0-69C3-F9AE-1107-E08A22BCF938}"/>
-              </a:ext>
-            </a:extLst>
-          </p:cNvPr>
-          <p:cNvSpPr>
-            <a:spLocks noGrp="1"/>
-          </p:cNvSpPr>
-          <p:nvPr>
-            <p:ph type="body" sz="quarter" idx="13"/>
-          </p:nvPr>
-        </p:nvSpPr>
-        <p:spPr/>
-        <p:txBody>
-          <a:bodyPr/>
-          <a:lstStyle/>
-          <a:p>
-            <a:r>
-              <a:rPr lang="en-US" dirty="0"/>
-              <a:t>Utilize resources</a:t>
-            </a:r>
-          </a:p>
-        </p:txBody>
-      </p:sp>
-      <p:sp>
-        <p:nvSpPr>
-          <p:cNvPr id="13" name="Content Placeholder 12">
-            <a:extLst>
-              <a:ext uri="{FF2B5EF4-FFF2-40B4-BE49-F238E27FC236}">
-                <a16:creationId xmlns:a16="http://schemas.microsoft.com/office/drawing/2014/main" id="{4D6980BD-0225-0DD6-3D62-B0B1E983AB52}"/>
-              </a:ext>
-            </a:extLst>
-          </p:cNvPr>
-          <p:cNvSpPr>
-            <a:spLocks noGrp="1"/>
-          </p:cNvSpPr>
-          <p:nvPr>
-            <p:ph sz="quarter" idx="14"/>
-          </p:nvPr>
-        </p:nvSpPr>
-        <p:spPr>
-          <a:xfrm>
-            <a:off x="7973568" y="2743200"/>
-            <a:ext cx="3068680" cy="2578608"/>
-          </a:xfrm>
-        </p:spPr>
-        <p:txBody>
-          <a:bodyPr/>
-          <a:lstStyle/>
-          <a:p>
-            <a:r>
-              <a:rPr lang="en-US" dirty="0"/>
-              <a:t>Apps and platforms help streamline user experience</a:t>
-            </a:r>
-          </a:p>
-          <a:p>
-            <a:r>
-              <a:rPr lang="en-US" dirty="0"/>
-              <a:t>Seek expert guidance from Krypto Logics team members​</a:t>
-            </a:r>
-          </a:p>
-          <a:p>
-            <a:endParaRPr lang="en-US" dirty="0"/>
-          </a:p>
-          <a:p>
-            <a:endParaRPr lang="en-US" dirty="0"/>
-          </a:p>
-        </p:txBody>
-      </p:sp>
-      <p:sp>
-        <p:nvSpPr>
-          <p:cNvPr id="4" name="Footer Placeholder 3">
-            <a:extLst>
-              <a:ext uri="{FF2B5EF4-FFF2-40B4-BE49-F238E27FC236}">
-                <a16:creationId xmlns:a16="http://schemas.microsoft.com/office/drawing/2014/main" id="{A107ABA7-FC97-4D42-C4BC-897A88CF39AF}"/>
-              </a:ext>
-            </a:extLst>
-          </p:cNvPr>
-          <p:cNvSpPr>
-            <a:spLocks noGrp="1"/>
-          </p:cNvSpPr>
-          <p:nvPr>
-            <p:ph type="ftr" sz="quarter" idx="11"/>
-          </p:nvPr>
-        </p:nvSpPr>
-        <p:spPr/>
-        <p:txBody>
-          <a:bodyPr/>
-          <a:lstStyle/>
-          <a:p>
-            <a:r>
-              <a:rPr lang="en-US"/>
-              <a:t>Crypto: investing &amp; trading</a:t>
-            </a:r>
+            <a:pPr marL="457200" indent="-457200" algn="l">
+              <a:buFont typeface="Arial" panose="020B0604020202020204" pitchFamily="34" charset="0"/>
+              <a:buChar char="•"/>
+            </a:pPr>
+            <a:r>
+              <a:rPr lang="en-US" sz="2800" b="0" dirty="0">
+                <a:solidFill>
+                  <a:srgbClr val="CCCCCC"/>
+                </a:solidFill>
+                <a:effectLst/>
+                <a:latin typeface="Consolas" panose="020B0609020204030204" pitchFamily="49" charset="0"/>
+              </a:rPr>
+              <a:t>The findings indicate NVDA had the highest closing prices with the largest growth in closing dollar amount for 2025.</a:t>
+            </a:r>
+          </a:p>
+          <a:p>
+            <a:pPr marL="457200" indent="-457200" algn="l">
+              <a:buFont typeface="Arial" panose="020B0604020202020204" pitchFamily="34" charset="0"/>
+              <a:buChar char="•"/>
+            </a:pPr>
+            <a:r>
+              <a:rPr lang="en-US" sz="2800" b="0" dirty="0">
+                <a:solidFill>
+                  <a:srgbClr val="CCCCCC"/>
+                </a:solidFill>
+                <a:effectLst/>
+                <a:latin typeface="Consolas" panose="020B0609020204030204" pitchFamily="49" charset="0"/>
+              </a:rPr>
+              <a:t>The findings indicate GOOG had the lowest closing prices with the smallest growth in closing dollar amount for 2025.</a:t>
+            </a:r>
+          </a:p>
+          <a:p>
+            <a:pPr marL="457200" indent="-457200" algn="l">
+              <a:buFont typeface="Arial" panose="020B0604020202020204" pitchFamily="34" charset="0"/>
+              <a:buChar char="•"/>
+            </a:pPr>
+            <a:r>
+              <a:rPr lang="en-US" sz="2800" b="0" dirty="0">
+                <a:solidFill>
+                  <a:srgbClr val="CCCCCC"/>
+                </a:solidFill>
+                <a:effectLst/>
+                <a:latin typeface="Consolas" panose="020B0609020204030204" pitchFamily="49" charset="0"/>
+              </a:rPr>
+              <a:t>INTC did not contain enough data for a comparative analysis resulting in a small scrubbing or cleaning of data.</a:t>
+            </a:r>
+          </a:p>
+          <a:p>
+            <a:pPr marL="457200" indent="-457200" algn="l">
+              <a:buFont typeface="Arial" panose="020B0604020202020204" pitchFamily="34" charset="0"/>
+              <a:buChar char="•"/>
+            </a:pPr>
+            <a:r>
+              <a:rPr lang="en-US" sz="2800" b="0" dirty="0">
+                <a:solidFill>
+                  <a:srgbClr val="CCCCCC"/>
+                </a:solidFill>
+                <a:effectLst/>
+                <a:latin typeface="Consolas" panose="020B0609020204030204" pitchFamily="49" charset="0"/>
+              </a:rPr>
+              <a:t>All companies had an Artificial Intelligence focus while still maintaining pre-AI and pre-Covid business objectives.</a:t>
+            </a:r>
+          </a:p>
+          <a:p>
+            <a:br>
+              <a:rPr lang="en-US" sz="2800" b="0" dirty="0">
+                <a:solidFill>
+                  <a:srgbClr val="CCCCCC"/>
+                </a:solidFill>
+                <a:effectLst/>
+                <a:latin typeface="Consolas" panose="020B0609020204030204" pitchFamily="49" charset="0"/>
+              </a:rPr>
+            </a:br>
+            <a:endParaRPr lang="en-US" sz="2800" b="0" dirty="0">
+              <a:solidFill>
+                <a:srgbClr val="CCCCCC"/>
+              </a:solidFill>
+              <a:effectLst/>
+              <a:latin typeface="Consolas" panose="020B0609020204030204" pitchFamily="49" charset="0"/>
+            </a:endParaRPr>
+          </a:p>
+          <a:p>
             <a:endParaRPr lang="en-US" dirty="0"/>
           </a:p>
         </p:txBody>
@@ -19025,7 +17685,7 @@
     </p:spTree>
     <p:extLst>
       <p:ext uri="{BB962C8B-B14F-4D97-AF65-F5344CB8AC3E}">
-        <p14:creationId xmlns:p14="http://schemas.microsoft.com/office/powerpoint/2010/main" val="1877080978"/>
+        <p14:creationId xmlns:p14="http://schemas.microsoft.com/office/powerpoint/2010/main" val="4174470146"/>
       </p:ext>
     </p:extLst>
   </p:cSld>
@@ -19054,10 +17714,10 @@
       </p:grpSpPr>
       <p:sp>
         <p:nvSpPr>
-          <p:cNvPr id="33" name="Title 32">
-            <a:extLst>
-              <a:ext uri="{FF2B5EF4-FFF2-40B4-BE49-F238E27FC236}">
-                <a16:creationId xmlns:a16="http://schemas.microsoft.com/office/drawing/2014/main" id="{57144164-5503-9D11-4F68-81F4CD378333}"/>
+          <p:cNvPr id="2" name="Title 1">
+            <a:extLst>
+              <a:ext uri="{FF2B5EF4-FFF2-40B4-BE49-F238E27FC236}">
+                <a16:creationId xmlns:a16="http://schemas.microsoft.com/office/drawing/2014/main" id="{F41F0E99-07CC-9576-AFD7-C52151AD0EA3}"/>
               </a:ext>
             </a:extLst>
           </p:cNvPr>
@@ -19065,27 +17725,32 @@
             <a:spLocks noGrp="1"/>
           </p:cNvSpPr>
           <p:nvPr>
-            <p:ph type="title"/>
+            <p:ph type="ctrTitle"/>
           </p:nvPr>
         </p:nvSpPr>
-        <p:spPr/>
+        <p:spPr>
+          <a:xfrm>
+            <a:off x="1987456" y="72511"/>
+            <a:ext cx="8937218" cy="1069848"/>
+          </a:xfrm>
+        </p:spPr>
         <p:txBody>
           <a:bodyPr/>
           <a:lstStyle/>
           <a:p>
             <a:r>
               <a:rPr lang="en-US" dirty="0"/>
-              <a:t>MEET OUR TEAM</a:t>
-            </a:r>
-          </a:p>
-        </p:txBody>
-      </p:sp>
-      <p:sp>
-        <p:nvSpPr>
-          <p:cNvPr id="11" name="Slide Number Placeholder 10">
-            <a:extLst>
-              <a:ext uri="{FF2B5EF4-FFF2-40B4-BE49-F238E27FC236}">
-                <a16:creationId xmlns:a16="http://schemas.microsoft.com/office/drawing/2014/main" id="{9816FD90-6ABD-5EA8-0870-E27733B9F685}"/>
+              <a:t>Software version control</a:t>
+            </a:r>
+          </a:p>
+        </p:txBody>
+      </p:sp>
+      <p:sp>
+        <p:nvSpPr>
+          <p:cNvPr id="3" name="Subtitle 2">
+            <a:extLst>
+              <a:ext uri="{FF2B5EF4-FFF2-40B4-BE49-F238E27FC236}">
+                <a16:creationId xmlns:a16="http://schemas.microsoft.com/office/drawing/2014/main" id="{5A82A8B0-333F-633E-3FA7-D38DBFB10971}"/>
               </a:ext>
             </a:extLst>
           </p:cNvPr>
@@ -19093,364 +17758,67 @@
             <a:spLocks noGrp="1"/>
           </p:cNvSpPr>
           <p:nvPr>
-            <p:ph type="sldNum" sz="quarter" idx="11"/>
+            <p:ph type="subTitle" idx="1"/>
           </p:nvPr>
         </p:nvSpPr>
-        <p:spPr/>
+        <p:spPr>
+          <a:xfrm>
+            <a:off x="505325" y="1259305"/>
+            <a:ext cx="11269579" cy="5430253"/>
+          </a:xfrm>
+        </p:spPr>
         <p:txBody>
           <a:bodyPr/>
           <a:lstStyle/>
           <a:p>
-            <a:fld id="{294A09A9-5501-47C1-A89A-A340965A2BE2}" type="slidenum">
-              <a:rPr lang="en-US" smtClean="0"/>
-              <a:pPr/>
-              <a:t>12</a:t>
-            </a:fld>
-            <a:endParaRPr lang="en-US" dirty="0"/>
-          </a:p>
-        </p:txBody>
-      </p:sp>
-      <p:pic>
-        <p:nvPicPr>
-          <p:cNvPr id="16" name="Picture Placeholder 15" descr="Team member head shot&#10;">
-            <a:extLst>
-              <a:ext uri="{FF2B5EF4-FFF2-40B4-BE49-F238E27FC236}">
-                <a16:creationId xmlns:a16="http://schemas.microsoft.com/office/drawing/2014/main" id="{675FEA7C-5201-0219-EAA4-51C8A3B8185E}"/>
-              </a:ext>
-            </a:extLst>
-          </p:cNvPr>
-          <p:cNvPicPr>
-            <a:picLocks noGrp="1" noChangeAspect="1"/>
-          </p:cNvPicPr>
-          <p:nvPr>
-            <p:ph type="pic" sz="quarter" idx="20"/>
-          </p:nvPr>
-        </p:nvPicPr>
-        <p:blipFill rotWithShape="1">
-          <a:blip r:embed="rId2"/>
-          <a:srcRect t="45" b="45"/>
-          <a:stretch/>
-        </p:blipFill>
-        <p:spPr/>
-      </p:pic>
-      <p:sp>
-        <p:nvSpPr>
-          <p:cNvPr id="3" name="Text Placeholder 2">
-            <a:extLst>
-              <a:ext uri="{FF2B5EF4-FFF2-40B4-BE49-F238E27FC236}">
-                <a16:creationId xmlns:a16="http://schemas.microsoft.com/office/drawing/2014/main" id="{CFC225EB-9239-A8F4-48C2-D2E44A245C26}"/>
-              </a:ext>
-            </a:extLst>
-          </p:cNvPr>
-          <p:cNvSpPr>
-            <a:spLocks noGrp="1"/>
-          </p:cNvSpPr>
-          <p:nvPr>
-            <p:ph type="body" sz="quarter" idx="12"/>
-          </p:nvPr>
-        </p:nvSpPr>
-        <p:spPr/>
-        <p:txBody>
-          <a:bodyPr/>
-          <a:lstStyle/>
-          <a:p>
-            <a:r>
-              <a:rPr lang="en-US" dirty="0"/>
-              <a:t>Takuma Hayashi​</a:t>
-            </a:r>
-          </a:p>
-        </p:txBody>
-      </p:sp>
-      <p:sp>
-        <p:nvSpPr>
-          <p:cNvPr id="4" name="Text Placeholder 3">
-            <a:extLst>
-              <a:ext uri="{FF2B5EF4-FFF2-40B4-BE49-F238E27FC236}">
-                <a16:creationId xmlns:a16="http://schemas.microsoft.com/office/drawing/2014/main" id="{BF63BCC4-AF80-8D3B-413B-3F80C74503EE}"/>
-              </a:ext>
-            </a:extLst>
-          </p:cNvPr>
-          <p:cNvSpPr>
-            <a:spLocks noGrp="1"/>
-          </p:cNvSpPr>
-          <p:nvPr>
-            <p:ph type="body" sz="quarter" idx="13"/>
-          </p:nvPr>
-        </p:nvSpPr>
-        <p:spPr/>
-        <p:txBody>
-          <a:bodyPr/>
-          <a:lstStyle/>
-          <a:p>
-            <a:r>
-              <a:rPr lang="en-US" dirty="0"/>
-              <a:t>President</a:t>
-            </a:r>
-          </a:p>
-        </p:txBody>
-      </p:sp>
-      <p:pic>
-        <p:nvPicPr>
-          <p:cNvPr id="17" name="Picture Placeholder 16" descr="Team member head shot&#10;">
-            <a:extLst>
-              <a:ext uri="{FF2B5EF4-FFF2-40B4-BE49-F238E27FC236}">
-                <a16:creationId xmlns:a16="http://schemas.microsoft.com/office/drawing/2014/main" id="{8B1E138F-E5F8-7188-0E7F-C61CC315F3CA}"/>
-              </a:ext>
-            </a:extLst>
-          </p:cNvPr>
-          <p:cNvPicPr>
-            <a:picLocks noGrp="1" noChangeAspect="1"/>
-          </p:cNvPicPr>
-          <p:nvPr>
-            <p:ph type="pic" sz="quarter" idx="21"/>
-          </p:nvPr>
-        </p:nvPicPr>
-        <p:blipFill rotWithShape="1">
-          <a:blip r:embed="rId3"/>
-          <a:srcRect/>
-          <a:stretch/>
-        </p:blipFill>
-        <p:spPr/>
-      </p:pic>
-      <p:sp>
-        <p:nvSpPr>
-          <p:cNvPr id="5" name="Text Placeholder 4">
-            <a:extLst>
-              <a:ext uri="{FF2B5EF4-FFF2-40B4-BE49-F238E27FC236}">
-                <a16:creationId xmlns:a16="http://schemas.microsoft.com/office/drawing/2014/main" id="{664EAAE3-47A6-DF8C-088B-8353E312893A}"/>
-              </a:ext>
-            </a:extLst>
-          </p:cNvPr>
-          <p:cNvSpPr>
-            <a:spLocks noGrp="1"/>
-          </p:cNvSpPr>
-          <p:nvPr>
-            <p:ph type="body" sz="quarter" idx="14"/>
-          </p:nvPr>
-        </p:nvSpPr>
-        <p:spPr/>
-        <p:txBody>
-          <a:bodyPr/>
-          <a:lstStyle/>
-          <a:p>
-            <a:r>
-              <a:rPr lang="en-US" dirty="0"/>
-              <a:t>Mirjam Nilsson​</a:t>
-            </a:r>
-          </a:p>
-        </p:txBody>
-      </p:sp>
-      <p:sp>
-        <p:nvSpPr>
-          <p:cNvPr id="6" name="Text Placeholder 5">
-            <a:extLst>
-              <a:ext uri="{FF2B5EF4-FFF2-40B4-BE49-F238E27FC236}">
-                <a16:creationId xmlns:a16="http://schemas.microsoft.com/office/drawing/2014/main" id="{8E956031-A8E2-FF88-2769-10FEB7B754A7}"/>
-              </a:ext>
-            </a:extLst>
-          </p:cNvPr>
-          <p:cNvSpPr>
-            <a:spLocks noGrp="1"/>
-          </p:cNvSpPr>
-          <p:nvPr>
-            <p:ph type="body" sz="quarter" idx="15"/>
-          </p:nvPr>
-        </p:nvSpPr>
-        <p:spPr/>
-        <p:txBody>
-          <a:bodyPr/>
-          <a:lstStyle/>
-          <a:p>
-            <a:r>
-              <a:rPr lang="en-US" dirty="0"/>
-              <a:t>Chief Executive Officer</a:t>
-            </a:r>
-          </a:p>
-        </p:txBody>
-      </p:sp>
-      <p:pic>
-        <p:nvPicPr>
-          <p:cNvPr id="18" name="Picture Placeholder 17" descr="Team member head shot&#10;">
-            <a:extLst>
-              <a:ext uri="{FF2B5EF4-FFF2-40B4-BE49-F238E27FC236}">
-                <a16:creationId xmlns:a16="http://schemas.microsoft.com/office/drawing/2014/main" id="{F4608F53-148D-4D2F-6672-8A90E230C68A}"/>
-              </a:ext>
-            </a:extLst>
-          </p:cNvPr>
-          <p:cNvPicPr>
-            <a:picLocks noGrp="1" noChangeAspect="1"/>
-          </p:cNvPicPr>
-          <p:nvPr>
-            <p:ph type="pic" sz="quarter" idx="22"/>
-          </p:nvPr>
-        </p:nvPicPr>
-        <p:blipFill rotWithShape="1">
-          <a:blip r:embed="rId4"/>
-          <a:srcRect/>
-          <a:stretch/>
-        </p:blipFill>
-        <p:spPr/>
-      </p:pic>
-      <p:sp>
-        <p:nvSpPr>
-          <p:cNvPr id="7" name="Text Placeholder 6">
-            <a:extLst>
-              <a:ext uri="{FF2B5EF4-FFF2-40B4-BE49-F238E27FC236}">
-                <a16:creationId xmlns:a16="http://schemas.microsoft.com/office/drawing/2014/main" id="{24AD9EB9-CF0D-0D70-D541-05E1A813D00F}"/>
-              </a:ext>
-            </a:extLst>
-          </p:cNvPr>
-          <p:cNvSpPr>
-            <a:spLocks noGrp="1"/>
-          </p:cNvSpPr>
-          <p:nvPr>
-            <p:ph type="body" sz="quarter" idx="16"/>
-          </p:nvPr>
-        </p:nvSpPr>
-        <p:spPr/>
-        <p:txBody>
-          <a:bodyPr/>
-          <a:lstStyle/>
-          <a:p>
-            <a:r>
-              <a:rPr lang="en-US" dirty="0"/>
-              <a:t>Flora Berggren​</a:t>
-            </a:r>
-          </a:p>
-        </p:txBody>
-      </p:sp>
-      <p:sp>
-        <p:nvSpPr>
-          <p:cNvPr id="8" name="Text Placeholder 7">
-            <a:extLst>
-              <a:ext uri="{FF2B5EF4-FFF2-40B4-BE49-F238E27FC236}">
-                <a16:creationId xmlns:a16="http://schemas.microsoft.com/office/drawing/2014/main" id="{869DE758-CE4B-6136-04AE-85B544CA6F5B}"/>
-              </a:ext>
-            </a:extLst>
-          </p:cNvPr>
-          <p:cNvSpPr>
-            <a:spLocks noGrp="1"/>
-          </p:cNvSpPr>
-          <p:nvPr>
-            <p:ph type="body" sz="quarter" idx="17"/>
-          </p:nvPr>
-        </p:nvSpPr>
-        <p:spPr/>
-        <p:txBody>
-          <a:bodyPr/>
-          <a:lstStyle/>
-          <a:p>
-            <a:r>
-              <a:rPr lang="en-US" dirty="0"/>
-              <a:t>Chief Operations Officer</a:t>
-            </a:r>
-          </a:p>
-        </p:txBody>
-      </p:sp>
-      <p:pic>
-        <p:nvPicPr>
-          <p:cNvPr id="19" name="Picture Placeholder 18" descr="Team member head shot&#10;">
-            <a:extLst>
-              <a:ext uri="{FF2B5EF4-FFF2-40B4-BE49-F238E27FC236}">
-                <a16:creationId xmlns:a16="http://schemas.microsoft.com/office/drawing/2014/main" id="{34C21939-A4DB-0F96-83D8-AD8FFB45359F}"/>
-              </a:ext>
-            </a:extLst>
-          </p:cNvPr>
-          <p:cNvPicPr>
-            <a:picLocks noGrp="1" noChangeAspect="1"/>
-          </p:cNvPicPr>
-          <p:nvPr>
-            <p:ph type="pic" sz="quarter" idx="23"/>
-          </p:nvPr>
-        </p:nvPicPr>
-        <p:blipFill rotWithShape="1">
-          <a:blip r:embed="rId5"/>
-          <a:srcRect l="174" r="174"/>
-          <a:stretch/>
-        </p:blipFill>
-        <p:spPr/>
-      </p:pic>
-      <p:sp>
-        <p:nvSpPr>
-          <p:cNvPr id="9" name="Text Placeholder 8">
-            <a:extLst>
-              <a:ext uri="{FF2B5EF4-FFF2-40B4-BE49-F238E27FC236}">
-                <a16:creationId xmlns:a16="http://schemas.microsoft.com/office/drawing/2014/main" id="{22A99FBE-9850-5F5D-04D9-E3A83DEEA928}"/>
-              </a:ext>
-            </a:extLst>
-          </p:cNvPr>
-          <p:cNvSpPr>
-            <a:spLocks noGrp="1"/>
-          </p:cNvSpPr>
-          <p:nvPr>
-            <p:ph type="body" sz="quarter" idx="18"/>
-          </p:nvPr>
-        </p:nvSpPr>
-        <p:spPr/>
-        <p:txBody>
-          <a:bodyPr/>
-          <a:lstStyle/>
-          <a:p>
-            <a:r>
-              <a:rPr lang="en-US" dirty="0"/>
-              <a:t>Rajesh Santoshi​</a:t>
-            </a:r>
-          </a:p>
-        </p:txBody>
-      </p:sp>
-      <p:sp>
-        <p:nvSpPr>
-          <p:cNvPr id="10" name="Text Placeholder 9">
-            <a:extLst>
-              <a:ext uri="{FF2B5EF4-FFF2-40B4-BE49-F238E27FC236}">
-                <a16:creationId xmlns:a16="http://schemas.microsoft.com/office/drawing/2014/main" id="{19AAB49A-6730-B2CF-9537-FF9551D4EB80}"/>
-              </a:ext>
-            </a:extLst>
-          </p:cNvPr>
-          <p:cNvSpPr>
-            <a:spLocks noGrp="1"/>
-          </p:cNvSpPr>
-          <p:nvPr>
-            <p:ph type="body" sz="quarter" idx="19"/>
-          </p:nvPr>
-        </p:nvSpPr>
-        <p:spPr/>
-        <p:txBody>
-          <a:bodyPr/>
-          <a:lstStyle/>
-          <a:p>
-            <a:r>
-              <a:rPr lang="en-US" dirty="0"/>
-              <a:t>VP Marketing</a:t>
-            </a:r>
-          </a:p>
-        </p:txBody>
-      </p:sp>
-      <p:sp>
-        <p:nvSpPr>
-          <p:cNvPr id="2" name="Footer Placeholder 1">
-            <a:extLst>
-              <a:ext uri="{FF2B5EF4-FFF2-40B4-BE49-F238E27FC236}">
-                <a16:creationId xmlns:a16="http://schemas.microsoft.com/office/drawing/2014/main" id="{23DFDBA5-4CFB-88D0-C90E-69D151F5BFCA}"/>
-              </a:ext>
-            </a:extLst>
-          </p:cNvPr>
-          <p:cNvSpPr>
-            <a:spLocks noGrp="1"/>
-          </p:cNvSpPr>
-          <p:nvPr>
-            <p:ph type="ftr" sz="quarter" idx="10"/>
-          </p:nvPr>
-        </p:nvSpPr>
-        <p:spPr/>
-        <p:txBody>
-          <a:bodyPr/>
-          <a:lstStyle/>
-          <a:p>
-            <a:r>
-              <a:rPr lang="en-US"/>
-              <a:t>Crypto: investing &amp; trading</a:t>
-            </a:r>
+            <a:pPr marL="457200" indent="-457200" algn="l">
+              <a:buFont typeface="Arial" panose="020B0604020202020204" pitchFamily="34" charset="0"/>
+              <a:buChar char="•"/>
+            </a:pPr>
+            <a:r>
+              <a:rPr lang="en-US" sz="2800" b="0" dirty="0">
+                <a:solidFill>
+                  <a:srgbClr val="CCCCCC"/>
+                </a:solidFill>
+                <a:effectLst/>
+                <a:latin typeface="Consolas" panose="020B0609020204030204" pitchFamily="49" charset="0"/>
+              </a:rPr>
+              <a:t>A GitHub repository was created - all group members contributed to repository.</a:t>
+            </a:r>
+          </a:p>
+          <a:p>
+            <a:pPr marL="457200" indent="-457200" algn="l">
+              <a:buFont typeface="Arial" panose="020B0604020202020204" pitchFamily="34" charset="0"/>
+              <a:buChar char="•"/>
+            </a:pPr>
+            <a:r>
+              <a:rPr lang="en-US" sz="2800" b="0" dirty="0">
+                <a:solidFill>
+                  <a:srgbClr val="CCCCCC"/>
+                </a:solidFill>
+                <a:effectLst/>
+                <a:latin typeface="Consolas" panose="020B0609020204030204" pitchFamily="49" charset="0"/>
+              </a:rPr>
+              <a:t>Each GitHub commit was annotated to ensure proper communication between group members.</a:t>
+            </a:r>
+          </a:p>
+          <a:p>
+            <a:pPr marL="457200" indent="-457200" algn="l">
+              <a:buFont typeface="Arial" panose="020B0604020202020204" pitchFamily="34" charset="0"/>
+              <a:buChar char="•"/>
+            </a:pPr>
+            <a:r>
+              <a:rPr lang="en-US" sz="2800" b="0" dirty="0">
+                <a:solidFill>
+                  <a:srgbClr val="CCCCCC"/>
+                </a:solidFill>
+                <a:effectLst/>
+                <a:latin typeface="Consolas" panose="020B0609020204030204" pitchFamily="49" charset="0"/>
+              </a:rPr>
+              <a:t>Supporting files were also uploaded and evaluated by the group.</a:t>
+            </a:r>
+          </a:p>
+          <a:p>
             <a:endParaRPr lang="en-US" dirty="0"/>
           </a:p>
         </p:txBody>
@@ -19458,7 +17826,7 @@
     </p:spTree>
     <p:extLst>
       <p:ext uri="{BB962C8B-B14F-4D97-AF65-F5344CB8AC3E}">
-        <p14:creationId xmlns:p14="http://schemas.microsoft.com/office/powerpoint/2010/main" val="1579562137"/>
+        <p14:creationId xmlns:p14="http://schemas.microsoft.com/office/powerpoint/2010/main" val="4153323784"/>
       </p:ext>
     </p:extLst>
   </p:cSld>
@@ -19487,10 +17855,10 @@
       </p:grpSpPr>
       <p:sp>
         <p:nvSpPr>
-          <p:cNvPr id="33" name="Title 32">
-            <a:extLst>
-              <a:ext uri="{FF2B5EF4-FFF2-40B4-BE49-F238E27FC236}">
-                <a16:creationId xmlns:a16="http://schemas.microsoft.com/office/drawing/2014/main" id="{57144164-5503-9D11-4F68-81F4CD378333}"/>
+          <p:cNvPr id="2" name="Title 1">
+            <a:extLst>
+              <a:ext uri="{FF2B5EF4-FFF2-40B4-BE49-F238E27FC236}">
+                <a16:creationId xmlns:a16="http://schemas.microsoft.com/office/drawing/2014/main" id="{F41F0E99-07CC-9576-AFD7-C52151AD0EA3}"/>
               </a:ext>
             </a:extLst>
           </p:cNvPr>
@@ -19498,27 +17866,32 @@
             <a:spLocks noGrp="1"/>
           </p:cNvSpPr>
           <p:nvPr>
-            <p:ph type="title"/>
+            <p:ph type="ctrTitle"/>
           </p:nvPr>
         </p:nvSpPr>
-        <p:spPr/>
+        <p:spPr>
+          <a:xfrm>
+            <a:off x="1987456" y="72511"/>
+            <a:ext cx="7735824" cy="1069848"/>
+          </a:xfrm>
+        </p:spPr>
         <p:txBody>
           <a:bodyPr/>
           <a:lstStyle/>
           <a:p>
             <a:r>
               <a:rPr lang="en-US" dirty="0"/>
-              <a:t>MEET OUR EXTENDED TEAM</a:t>
-            </a:r>
-          </a:p>
-        </p:txBody>
-      </p:sp>
-      <p:sp>
-        <p:nvSpPr>
-          <p:cNvPr id="11" name="Slide Number Placeholder 10">
-            <a:extLst>
-              <a:ext uri="{FF2B5EF4-FFF2-40B4-BE49-F238E27FC236}">
-                <a16:creationId xmlns:a16="http://schemas.microsoft.com/office/drawing/2014/main" id="{F02CA379-5C0D-5E21-B070-E880A01BB9A7}"/>
+              <a:t>documentation</a:t>
+            </a:r>
+          </a:p>
+        </p:txBody>
+      </p:sp>
+      <p:sp>
+        <p:nvSpPr>
+          <p:cNvPr id="3" name="Subtitle 2">
+            <a:extLst>
+              <a:ext uri="{FF2B5EF4-FFF2-40B4-BE49-F238E27FC236}">
+                <a16:creationId xmlns:a16="http://schemas.microsoft.com/office/drawing/2014/main" id="{5A82A8B0-333F-633E-3FA7-D38DBFB10971}"/>
               </a:ext>
             </a:extLst>
           </p:cNvPr>
@@ -19526,680 +17899,67 @@
             <a:spLocks noGrp="1"/>
           </p:cNvSpPr>
           <p:nvPr>
-            <p:ph type="sldNum" sz="quarter" idx="11"/>
+            <p:ph type="subTitle" idx="1"/>
           </p:nvPr>
         </p:nvSpPr>
-        <p:spPr/>
+        <p:spPr>
+          <a:xfrm>
+            <a:off x="505325" y="1259305"/>
+            <a:ext cx="11269579" cy="5430253"/>
+          </a:xfrm>
+        </p:spPr>
         <p:txBody>
           <a:bodyPr/>
           <a:lstStyle/>
           <a:p>
-            <a:fld id="{294A09A9-5501-47C1-A89A-A340965A2BE2}" type="slidenum">
-              <a:rPr lang="en-US" smtClean="0"/>
-              <a:pPr/>
-              <a:t>13</a:t>
-            </a:fld>
-            <a:endParaRPr lang="en-US" dirty="0"/>
-          </a:p>
-        </p:txBody>
-      </p:sp>
-      <p:pic>
-        <p:nvPicPr>
-          <p:cNvPr id="16" name="Picture Placeholder 15" descr="Team member head shot&#10;">
-            <a:extLst>
-              <a:ext uri="{FF2B5EF4-FFF2-40B4-BE49-F238E27FC236}">
-                <a16:creationId xmlns:a16="http://schemas.microsoft.com/office/drawing/2014/main" id="{675FEA7C-5201-0219-EAA4-51C8A3B8185E}"/>
-              </a:ext>
-            </a:extLst>
-          </p:cNvPr>
-          <p:cNvPicPr>
-            <a:picLocks noGrp="1" noChangeAspect="1"/>
-          </p:cNvPicPr>
-          <p:nvPr>
-            <p:ph type="pic" sz="quarter" idx="20"/>
-          </p:nvPr>
-        </p:nvPicPr>
-        <p:blipFill rotWithShape="1">
-          <a:blip r:embed="rId2"/>
-          <a:srcRect/>
-          <a:stretch/>
-        </p:blipFill>
-        <p:spPr/>
-      </p:pic>
-      <p:sp>
-        <p:nvSpPr>
-          <p:cNvPr id="3" name="Text Placeholder 2">
-            <a:extLst>
-              <a:ext uri="{FF2B5EF4-FFF2-40B4-BE49-F238E27FC236}">
-                <a16:creationId xmlns:a16="http://schemas.microsoft.com/office/drawing/2014/main" id="{CFC225EB-9239-A8F4-48C2-D2E44A245C26}"/>
-              </a:ext>
-            </a:extLst>
-          </p:cNvPr>
-          <p:cNvSpPr>
-            <a:spLocks noGrp="1"/>
-          </p:cNvSpPr>
-          <p:nvPr>
-            <p:ph type="body" sz="quarter" idx="12"/>
-          </p:nvPr>
-        </p:nvSpPr>
-        <p:spPr/>
-        <p:txBody>
-          <a:bodyPr/>
-          <a:lstStyle/>
-          <a:p>
-            <a:r>
-              <a:rPr lang="en-US" dirty="0"/>
-              <a:t>Takuma Hayashi​</a:t>
-            </a:r>
-          </a:p>
-        </p:txBody>
-      </p:sp>
-      <p:sp>
-        <p:nvSpPr>
-          <p:cNvPr id="4" name="Text Placeholder 3">
-            <a:extLst>
-              <a:ext uri="{FF2B5EF4-FFF2-40B4-BE49-F238E27FC236}">
-                <a16:creationId xmlns:a16="http://schemas.microsoft.com/office/drawing/2014/main" id="{BF63BCC4-AF80-8D3B-413B-3F80C74503EE}"/>
-              </a:ext>
-            </a:extLst>
-          </p:cNvPr>
-          <p:cNvSpPr>
-            <a:spLocks noGrp="1"/>
-          </p:cNvSpPr>
-          <p:nvPr>
-            <p:ph type="body" sz="quarter" idx="13"/>
-          </p:nvPr>
-        </p:nvSpPr>
-        <p:spPr/>
-        <p:txBody>
-          <a:bodyPr/>
-          <a:lstStyle/>
-          <a:p>
-            <a:r>
-              <a:rPr lang="en-US" dirty="0"/>
-              <a:t>President</a:t>
-            </a:r>
-          </a:p>
-        </p:txBody>
-      </p:sp>
-      <p:pic>
-        <p:nvPicPr>
-          <p:cNvPr id="139" name="Picture Placeholder 138" descr="Team member head shot&#10;">
-            <a:extLst>
-              <a:ext uri="{FF2B5EF4-FFF2-40B4-BE49-F238E27FC236}">
-                <a16:creationId xmlns:a16="http://schemas.microsoft.com/office/drawing/2014/main" id="{40505ADD-6A41-FEA2-952B-68B8652C37DD}"/>
-              </a:ext>
-            </a:extLst>
-          </p:cNvPr>
-          <p:cNvPicPr>
-            <a:picLocks noGrp="1" noChangeAspect="1"/>
-          </p:cNvPicPr>
-          <p:nvPr>
-            <p:ph type="pic" sz="quarter" idx="24"/>
-          </p:nvPr>
-        </p:nvPicPr>
-        <p:blipFill rotWithShape="1">
-          <a:blip r:embed="rId3"/>
-          <a:srcRect/>
-          <a:stretch/>
-        </p:blipFill>
-        <p:spPr/>
-      </p:pic>
-      <p:sp>
-        <p:nvSpPr>
-          <p:cNvPr id="131" name="Text Placeholder 130">
-            <a:extLst>
-              <a:ext uri="{FF2B5EF4-FFF2-40B4-BE49-F238E27FC236}">
-                <a16:creationId xmlns:a16="http://schemas.microsoft.com/office/drawing/2014/main" id="{29B0FDD4-0C9D-9FEE-0CB5-5341E9A67D6A}"/>
-              </a:ext>
-            </a:extLst>
-          </p:cNvPr>
-          <p:cNvSpPr>
-            <a:spLocks noGrp="1"/>
-          </p:cNvSpPr>
-          <p:nvPr>
-            <p:ph type="body" sz="quarter" idx="28"/>
-          </p:nvPr>
-        </p:nvSpPr>
-        <p:spPr/>
-        <p:txBody>
-          <a:bodyPr/>
-          <a:lstStyle/>
-          <a:p>
-            <a:r>
-              <a:rPr lang="en-US" dirty="0"/>
-              <a:t>Graham Barnes</a:t>
-            </a:r>
-          </a:p>
-        </p:txBody>
-      </p:sp>
-      <p:sp>
-        <p:nvSpPr>
-          <p:cNvPr id="132" name="Text Placeholder 131">
-            <a:extLst>
-              <a:ext uri="{FF2B5EF4-FFF2-40B4-BE49-F238E27FC236}">
-                <a16:creationId xmlns:a16="http://schemas.microsoft.com/office/drawing/2014/main" id="{0E6B790C-A9A2-BF33-11DC-2AA2B45ADDDE}"/>
-              </a:ext>
-            </a:extLst>
-          </p:cNvPr>
-          <p:cNvSpPr>
-            <a:spLocks noGrp="1"/>
-          </p:cNvSpPr>
-          <p:nvPr>
-            <p:ph type="body" sz="quarter" idx="29"/>
-          </p:nvPr>
-        </p:nvSpPr>
-        <p:spPr/>
-        <p:txBody>
-          <a:bodyPr/>
-          <a:lstStyle/>
-          <a:p>
-            <a:r>
-              <a:rPr lang="en-US" dirty="0"/>
-              <a:t>VP Product</a:t>
-            </a:r>
-          </a:p>
-        </p:txBody>
-      </p:sp>
-      <p:pic>
-        <p:nvPicPr>
-          <p:cNvPr id="17" name="Picture Placeholder 16" descr="Team member head shot&#10;">
-            <a:extLst>
-              <a:ext uri="{FF2B5EF4-FFF2-40B4-BE49-F238E27FC236}">
-                <a16:creationId xmlns:a16="http://schemas.microsoft.com/office/drawing/2014/main" id="{8B1E138F-E5F8-7188-0E7F-C61CC315F3CA}"/>
-              </a:ext>
-            </a:extLst>
-          </p:cNvPr>
-          <p:cNvPicPr>
-            <a:picLocks noGrp="1" noChangeAspect="1"/>
-          </p:cNvPicPr>
-          <p:nvPr>
-            <p:ph type="pic" sz="quarter" idx="21"/>
-          </p:nvPr>
-        </p:nvPicPr>
-        <p:blipFill rotWithShape="1">
-          <a:blip r:embed="rId4"/>
-          <a:srcRect t="75" b="75"/>
-          <a:stretch/>
-        </p:blipFill>
-        <p:spPr/>
-      </p:pic>
-      <p:sp>
-        <p:nvSpPr>
-          <p:cNvPr id="5" name="Text Placeholder 4">
-            <a:extLst>
-              <a:ext uri="{FF2B5EF4-FFF2-40B4-BE49-F238E27FC236}">
-                <a16:creationId xmlns:a16="http://schemas.microsoft.com/office/drawing/2014/main" id="{664EAAE3-47A6-DF8C-088B-8353E312893A}"/>
-              </a:ext>
-            </a:extLst>
-          </p:cNvPr>
-          <p:cNvSpPr>
-            <a:spLocks noGrp="1"/>
-          </p:cNvSpPr>
-          <p:nvPr>
-            <p:ph type="body" sz="quarter" idx="14"/>
-          </p:nvPr>
-        </p:nvSpPr>
-        <p:spPr/>
-        <p:txBody>
-          <a:bodyPr/>
-          <a:lstStyle/>
-          <a:p>
-            <a:r>
-              <a:rPr lang="en-US" dirty="0"/>
-              <a:t>Mirjam Nilsson​</a:t>
-            </a:r>
-          </a:p>
-        </p:txBody>
-      </p:sp>
-      <p:sp>
-        <p:nvSpPr>
-          <p:cNvPr id="6" name="Text Placeholder 5">
-            <a:extLst>
-              <a:ext uri="{FF2B5EF4-FFF2-40B4-BE49-F238E27FC236}">
-                <a16:creationId xmlns:a16="http://schemas.microsoft.com/office/drawing/2014/main" id="{8E956031-A8E2-FF88-2769-10FEB7B754A7}"/>
-              </a:ext>
-            </a:extLst>
-          </p:cNvPr>
-          <p:cNvSpPr>
-            <a:spLocks noGrp="1"/>
-          </p:cNvSpPr>
-          <p:nvPr>
-            <p:ph type="body" sz="quarter" idx="15"/>
-          </p:nvPr>
-        </p:nvSpPr>
-        <p:spPr/>
-        <p:txBody>
-          <a:bodyPr/>
-          <a:lstStyle/>
-          <a:p>
-            <a:r>
-              <a:rPr lang="en-US" dirty="0"/>
-              <a:t>Chief Executive Officer</a:t>
-            </a:r>
-          </a:p>
-        </p:txBody>
-      </p:sp>
-      <p:pic>
-        <p:nvPicPr>
-          <p:cNvPr id="140" name="Picture Placeholder 139" descr="Team member head shot&#10;">
-            <a:extLst>
-              <a:ext uri="{FF2B5EF4-FFF2-40B4-BE49-F238E27FC236}">
-                <a16:creationId xmlns:a16="http://schemas.microsoft.com/office/drawing/2014/main" id="{DAE46AC2-4E04-644A-503C-188DFB2C3463}"/>
-              </a:ext>
-            </a:extLst>
-          </p:cNvPr>
-          <p:cNvPicPr>
-            <a:picLocks noGrp="1" noChangeAspect="1"/>
-          </p:cNvPicPr>
-          <p:nvPr>
-            <p:ph type="pic" sz="quarter" idx="25"/>
-          </p:nvPr>
-        </p:nvPicPr>
-        <p:blipFill rotWithShape="1">
-          <a:blip r:embed="rId5"/>
-          <a:srcRect t="75" b="75"/>
-          <a:stretch/>
-        </p:blipFill>
-        <p:spPr/>
-      </p:pic>
-      <p:sp>
-        <p:nvSpPr>
-          <p:cNvPr id="133" name="Text Placeholder 132">
-            <a:extLst>
-              <a:ext uri="{FF2B5EF4-FFF2-40B4-BE49-F238E27FC236}">
-                <a16:creationId xmlns:a16="http://schemas.microsoft.com/office/drawing/2014/main" id="{F73428BF-556B-39B3-A2E1-A3479B7A4368}"/>
-              </a:ext>
-            </a:extLst>
-          </p:cNvPr>
-          <p:cNvSpPr>
-            <a:spLocks noGrp="1"/>
-          </p:cNvSpPr>
-          <p:nvPr>
-            <p:ph type="body" sz="quarter" idx="30"/>
-          </p:nvPr>
-        </p:nvSpPr>
-        <p:spPr/>
-        <p:txBody>
-          <a:bodyPr/>
-          <a:lstStyle/>
-          <a:p>
-            <a:r>
-              <a:rPr lang="en-US" dirty="0"/>
-              <a:t>Rowan Murphy</a:t>
-            </a:r>
-          </a:p>
-        </p:txBody>
-      </p:sp>
-      <p:sp>
-        <p:nvSpPr>
-          <p:cNvPr id="134" name="Text Placeholder 133">
-            <a:extLst>
-              <a:ext uri="{FF2B5EF4-FFF2-40B4-BE49-F238E27FC236}">
-                <a16:creationId xmlns:a16="http://schemas.microsoft.com/office/drawing/2014/main" id="{3519B91A-73EE-B2B8-4875-2C6A0113D333}"/>
-              </a:ext>
-            </a:extLst>
-          </p:cNvPr>
-          <p:cNvSpPr>
-            <a:spLocks noGrp="1"/>
-          </p:cNvSpPr>
-          <p:nvPr>
-            <p:ph type="body" sz="quarter" idx="31"/>
-          </p:nvPr>
-        </p:nvSpPr>
-        <p:spPr/>
-        <p:txBody>
-          <a:bodyPr/>
-          <a:lstStyle/>
-          <a:p>
-            <a:r>
-              <a:rPr lang="en-US" dirty="0"/>
-              <a:t>SEO Strategist</a:t>
-            </a:r>
-          </a:p>
-        </p:txBody>
-      </p:sp>
-      <p:pic>
-        <p:nvPicPr>
-          <p:cNvPr id="18" name="Picture Placeholder 17" descr="Team member head shot&#10;">
-            <a:extLst>
-              <a:ext uri="{FF2B5EF4-FFF2-40B4-BE49-F238E27FC236}">
-                <a16:creationId xmlns:a16="http://schemas.microsoft.com/office/drawing/2014/main" id="{F4608F53-148D-4D2F-6672-8A90E230C68A}"/>
-              </a:ext>
-            </a:extLst>
-          </p:cNvPr>
-          <p:cNvPicPr>
-            <a:picLocks noGrp="1" noChangeAspect="1"/>
-          </p:cNvPicPr>
-          <p:nvPr>
-            <p:ph type="pic" sz="quarter" idx="22"/>
-          </p:nvPr>
-        </p:nvPicPr>
-        <p:blipFill rotWithShape="1">
-          <a:blip r:embed="rId6"/>
-          <a:srcRect t="75" b="75"/>
-          <a:stretch/>
-        </p:blipFill>
-        <p:spPr/>
-      </p:pic>
-      <p:sp>
-        <p:nvSpPr>
-          <p:cNvPr id="7" name="Text Placeholder 6">
-            <a:extLst>
-              <a:ext uri="{FF2B5EF4-FFF2-40B4-BE49-F238E27FC236}">
-                <a16:creationId xmlns:a16="http://schemas.microsoft.com/office/drawing/2014/main" id="{24AD9EB9-CF0D-0D70-D541-05E1A813D00F}"/>
-              </a:ext>
-            </a:extLst>
-          </p:cNvPr>
-          <p:cNvSpPr>
-            <a:spLocks noGrp="1"/>
-          </p:cNvSpPr>
-          <p:nvPr>
-            <p:ph type="body" sz="quarter" idx="16"/>
-          </p:nvPr>
-        </p:nvSpPr>
-        <p:spPr/>
-        <p:txBody>
-          <a:bodyPr/>
-          <a:lstStyle/>
-          <a:p>
-            <a:r>
-              <a:rPr lang="en-US" dirty="0"/>
-              <a:t>Flora Berggren​</a:t>
-            </a:r>
-          </a:p>
-        </p:txBody>
-      </p:sp>
-      <p:sp>
-        <p:nvSpPr>
-          <p:cNvPr id="8" name="Text Placeholder 7">
-            <a:extLst>
-              <a:ext uri="{FF2B5EF4-FFF2-40B4-BE49-F238E27FC236}">
-                <a16:creationId xmlns:a16="http://schemas.microsoft.com/office/drawing/2014/main" id="{869DE758-CE4B-6136-04AE-85B544CA6F5B}"/>
-              </a:ext>
-            </a:extLst>
-          </p:cNvPr>
-          <p:cNvSpPr>
-            <a:spLocks noGrp="1"/>
-          </p:cNvSpPr>
-          <p:nvPr>
-            <p:ph type="body" sz="quarter" idx="17"/>
-          </p:nvPr>
-        </p:nvSpPr>
-        <p:spPr/>
-        <p:txBody>
-          <a:bodyPr/>
-          <a:lstStyle/>
-          <a:p>
-            <a:r>
-              <a:rPr lang="en-US" dirty="0"/>
-              <a:t>Chief Operations Officer</a:t>
-            </a:r>
-          </a:p>
-        </p:txBody>
-      </p:sp>
-      <p:pic>
-        <p:nvPicPr>
-          <p:cNvPr id="141" name="Picture Placeholder 140" descr="Team member head shot&#10;">
-            <a:extLst>
-              <a:ext uri="{FF2B5EF4-FFF2-40B4-BE49-F238E27FC236}">
-                <a16:creationId xmlns:a16="http://schemas.microsoft.com/office/drawing/2014/main" id="{105B8828-F685-63DD-6F9F-62F8A8DA6D06}"/>
-              </a:ext>
-            </a:extLst>
-          </p:cNvPr>
-          <p:cNvPicPr>
-            <a:picLocks noGrp="1" noChangeAspect="1"/>
-          </p:cNvPicPr>
-          <p:nvPr>
-            <p:ph type="pic" sz="quarter" idx="26"/>
-          </p:nvPr>
-        </p:nvPicPr>
-        <p:blipFill rotWithShape="1">
-          <a:blip r:embed="rId7"/>
-          <a:srcRect l="291" r="291"/>
-          <a:stretch/>
-        </p:blipFill>
-        <p:spPr/>
-      </p:pic>
-      <p:sp>
-        <p:nvSpPr>
-          <p:cNvPr id="135" name="Text Placeholder 134">
-            <a:extLst>
-              <a:ext uri="{FF2B5EF4-FFF2-40B4-BE49-F238E27FC236}">
-                <a16:creationId xmlns:a16="http://schemas.microsoft.com/office/drawing/2014/main" id="{747BF9B3-DF8F-789C-9AF6-94771E1AF5FE}"/>
-              </a:ext>
-            </a:extLst>
-          </p:cNvPr>
-          <p:cNvSpPr>
-            <a:spLocks noGrp="1"/>
-          </p:cNvSpPr>
-          <p:nvPr>
-            <p:ph type="body" sz="quarter" idx="32"/>
-          </p:nvPr>
-        </p:nvSpPr>
-        <p:spPr/>
-        <p:txBody>
-          <a:bodyPr/>
-          <a:lstStyle/>
-          <a:p>
-            <a:r>
-              <a:rPr lang="en-US" dirty="0"/>
-              <a:t>Elizabeth Moore</a:t>
-            </a:r>
-          </a:p>
-        </p:txBody>
-      </p:sp>
-      <p:sp>
-        <p:nvSpPr>
-          <p:cNvPr id="136" name="Text Placeholder 135">
-            <a:extLst>
-              <a:ext uri="{FF2B5EF4-FFF2-40B4-BE49-F238E27FC236}">
-                <a16:creationId xmlns:a16="http://schemas.microsoft.com/office/drawing/2014/main" id="{A2297428-B6BC-F5B5-C82D-3BC4408EC576}"/>
-              </a:ext>
-            </a:extLst>
-          </p:cNvPr>
-          <p:cNvSpPr>
-            <a:spLocks noGrp="1"/>
-          </p:cNvSpPr>
-          <p:nvPr>
-            <p:ph type="body" sz="quarter" idx="33"/>
-          </p:nvPr>
-        </p:nvSpPr>
-        <p:spPr/>
-        <p:txBody>
-          <a:bodyPr/>
-          <a:lstStyle/>
-          <a:p>
-            <a:r>
-              <a:rPr lang="en-US" dirty="0"/>
-              <a:t>Product Designer</a:t>
-            </a:r>
-          </a:p>
-        </p:txBody>
-      </p:sp>
-      <p:pic>
-        <p:nvPicPr>
-          <p:cNvPr id="19" name="Picture Placeholder 18" descr="Team member head shot&#10;">
-            <a:extLst>
-              <a:ext uri="{FF2B5EF4-FFF2-40B4-BE49-F238E27FC236}">
-                <a16:creationId xmlns:a16="http://schemas.microsoft.com/office/drawing/2014/main" id="{34C21939-A4DB-0F96-83D8-AD8FFB45359F}"/>
-              </a:ext>
-            </a:extLst>
-          </p:cNvPr>
-          <p:cNvPicPr>
-            <a:picLocks noGrp="1" noChangeAspect="1"/>
-          </p:cNvPicPr>
-          <p:nvPr>
-            <p:ph type="pic" sz="quarter" idx="23"/>
-          </p:nvPr>
-        </p:nvPicPr>
-        <p:blipFill rotWithShape="1">
-          <a:blip r:embed="rId8"/>
-          <a:srcRect l="99" r="99"/>
-          <a:stretch/>
-        </p:blipFill>
-        <p:spPr/>
-      </p:pic>
-      <p:sp>
-        <p:nvSpPr>
-          <p:cNvPr id="9" name="Text Placeholder 8">
-            <a:extLst>
-              <a:ext uri="{FF2B5EF4-FFF2-40B4-BE49-F238E27FC236}">
-                <a16:creationId xmlns:a16="http://schemas.microsoft.com/office/drawing/2014/main" id="{22A99FBE-9850-5F5D-04D9-E3A83DEEA928}"/>
-              </a:ext>
-            </a:extLst>
-          </p:cNvPr>
-          <p:cNvSpPr>
-            <a:spLocks noGrp="1"/>
-          </p:cNvSpPr>
-          <p:nvPr>
-            <p:ph type="body" sz="quarter" idx="18"/>
-          </p:nvPr>
-        </p:nvSpPr>
-        <p:spPr/>
-        <p:txBody>
-          <a:bodyPr/>
-          <a:lstStyle/>
-          <a:p>
-            <a:r>
-              <a:rPr lang="en-US" dirty="0"/>
-              <a:t>Rajesh Santoshi​</a:t>
-            </a:r>
-          </a:p>
-        </p:txBody>
-      </p:sp>
-      <p:sp>
-        <p:nvSpPr>
-          <p:cNvPr id="10" name="Text Placeholder 9">
-            <a:extLst>
-              <a:ext uri="{FF2B5EF4-FFF2-40B4-BE49-F238E27FC236}">
-                <a16:creationId xmlns:a16="http://schemas.microsoft.com/office/drawing/2014/main" id="{19AAB49A-6730-B2CF-9537-FF9551D4EB80}"/>
-              </a:ext>
-            </a:extLst>
-          </p:cNvPr>
-          <p:cNvSpPr>
-            <a:spLocks noGrp="1"/>
-          </p:cNvSpPr>
-          <p:nvPr>
-            <p:ph type="body" sz="quarter" idx="19"/>
-          </p:nvPr>
-        </p:nvSpPr>
-        <p:spPr/>
-        <p:txBody>
-          <a:bodyPr/>
-          <a:lstStyle/>
-          <a:p>
-            <a:r>
-              <a:rPr lang="en-US" dirty="0"/>
-              <a:t>VP Marketing</a:t>
-            </a:r>
-          </a:p>
-        </p:txBody>
-      </p:sp>
-      <p:pic>
-        <p:nvPicPr>
-          <p:cNvPr id="142" name="Picture Placeholder 141" descr="Team member head shot&#10;">
-            <a:extLst>
-              <a:ext uri="{FF2B5EF4-FFF2-40B4-BE49-F238E27FC236}">
-                <a16:creationId xmlns:a16="http://schemas.microsoft.com/office/drawing/2014/main" id="{E6A455C2-70F1-6DAE-26E6-C7AAE0CFA814}"/>
-              </a:ext>
-            </a:extLst>
-          </p:cNvPr>
-          <p:cNvPicPr>
-            <a:picLocks noGrp="1" noChangeAspect="1"/>
-          </p:cNvPicPr>
-          <p:nvPr>
-            <p:ph type="pic" sz="quarter" idx="27"/>
-          </p:nvPr>
-        </p:nvPicPr>
-        <p:blipFill rotWithShape="1">
-          <a:blip r:embed="rId9"/>
-          <a:srcRect l="291" r="291"/>
-          <a:stretch/>
-        </p:blipFill>
-        <p:spPr/>
-      </p:pic>
-      <p:sp>
-        <p:nvSpPr>
-          <p:cNvPr id="137" name="Text Placeholder 136">
-            <a:extLst>
-              <a:ext uri="{FF2B5EF4-FFF2-40B4-BE49-F238E27FC236}">
-                <a16:creationId xmlns:a16="http://schemas.microsoft.com/office/drawing/2014/main" id="{651B92A3-1DB6-8A7F-09B7-C7969D53FB3A}"/>
-              </a:ext>
-            </a:extLst>
-          </p:cNvPr>
-          <p:cNvSpPr>
-            <a:spLocks noGrp="1"/>
-          </p:cNvSpPr>
-          <p:nvPr>
-            <p:ph type="body" sz="quarter" idx="34"/>
-          </p:nvPr>
-        </p:nvSpPr>
-        <p:spPr/>
-        <p:txBody>
-          <a:bodyPr/>
-          <a:lstStyle/>
-          <a:p>
-            <a:r>
-              <a:rPr lang="en-US" dirty="0"/>
-              <a:t>Robin Kline</a:t>
-            </a:r>
-          </a:p>
-        </p:txBody>
-      </p:sp>
-      <p:sp>
-        <p:nvSpPr>
-          <p:cNvPr id="138" name="Text Placeholder 137">
-            <a:extLst>
-              <a:ext uri="{FF2B5EF4-FFF2-40B4-BE49-F238E27FC236}">
-                <a16:creationId xmlns:a16="http://schemas.microsoft.com/office/drawing/2014/main" id="{462B07C6-5B4D-AB97-3376-C4F8BFC2C143}"/>
-              </a:ext>
-            </a:extLst>
-          </p:cNvPr>
-          <p:cNvSpPr>
-            <a:spLocks noGrp="1"/>
-          </p:cNvSpPr>
-          <p:nvPr>
-            <p:ph type="body" sz="quarter" idx="35"/>
-          </p:nvPr>
-        </p:nvSpPr>
-        <p:spPr/>
-        <p:txBody>
-          <a:bodyPr/>
-          <a:lstStyle/>
-          <a:p>
-            <a:r>
-              <a:rPr lang="en-US" dirty="0"/>
-              <a:t>Content Developer</a:t>
-            </a:r>
-          </a:p>
-        </p:txBody>
-      </p:sp>
-      <p:sp>
-        <p:nvSpPr>
-          <p:cNvPr id="2" name="Footer Placeholder 1">
-            <a:extLst>
-              <a:ext uri="{FF2B5EF4-FFF2-40B4-BE49-F238E27FC236}">
-                <a16:creationId xmlns:a16="http://schemas.microsoft.com/office/drawing/2014/main" id="{E0C0AB0C-E0B6-7838-D865-2AB638122FD9}"/>
-              </a:ext>
-            </a:extLst>
-          </p:cNvPr>
-          <p:cNvSpPr>
-            <a:spLocks noGrp="1"/>
-          </p:cNvSpPr>
-          <p:nvPr>
-            <p:ph type="ftr" sz="quarter" idx="10"/>
-          </p:nvPr>
-        </p:nvSpPr>
-        <p:spPr/>
-        <p:txBody>
-          <a:bodyPr/>
-          <a:lstStyle/>
-          <a:p>
-            <a:r>
-              <a:rPr lang="en-US"/>
-              <a:t>Crypto: investing &amp; trading</a:t>
-            </a:r>
+            <a:pPr marL="457200" indent="-457200" algn="l">
+              <a:buFont typeface="Arial" panose="020B0604020202020204" pitchFamily="34" charset="0"/>
+              <a:buChar char="•"/>
+            </a:pPr>
+            <a:r>
+              <a:rPr lang="en-US" sz="2800" b="0" dirty="0">
+                <a:solidFill>
+                  <a:srgbClr val="CCCCCC"/>
+                </a:solidFill>
+                <a:effectLst/>
+                <a:latin typeface="Consolas" panose="020B0609020204030204" pitchFamily="49" charset="0"/>
+              </a:rPr>
+              <a:t>Relevant notes have been included with all code as well as the Readme.md.</a:t>
+            </a:r>
+          </a:p>
+          <a:p>
+            <a:pPr marL="457200" indent="-457200" algn="l">
+              <a:buFont typeface="Arial" panose="020B0604020202020204" pitchFamily="34" charset="0"/>
+              <a:buChar char="•"/>
+            </a:pPr>
+            <a:r>
+              <a:rPr lang="en-US" sz="2800" b="0" dirty="0">
+                <a:solidFill>
+                  <a:srgbClr val="CCCCCC"/>
+                </a:solidFill>
+                <a:effectLst/>
+                <a:latin typeface="Consolas" panose="020B0609020204030204" pitchFamily="49" charset="0"/>
+              </a:rPr>
+              <a:t>There are no installation requirements.</a:t>
+            </a:r>
+          </a:p>
+          <a:p>
+            <a:pPr marL="457200" indent="-457200" algn="l">
+              <a:buFont typeface="Arial" panose="020B0604020202020204" pitchFamily="34" charset="0"/>
+              <a:buChar char="•"/>
+            </a:pPr>
+            <a:r>
+              <a:rPr lang="en-US" sz="2800" b="0" dirty="0">
+                <a:solidFill>
+                  <a:srgbClr val="CCCCCC"/>
+                </a:solidFill>
+                <a:effectLst/>
+                <a:latin typeface="Consolas" panose="020B0609020204030204" pitchFamily="49" charset="0"/>
+              </a:rPr>
+              <a:t>The Readme.md file contains graphical representation of the research findings.</a:t>
+            </a:r>
+          </a:p>
+          <a:p>
             <a:endParaRPr lang="en-US" dirty="0"/>
           </a:p>
         </p:txBody>
@@ -20207,7 +17967,7 @@
     </p:spTree>
     <p:extLst>
       <p:ext uri="{BB962C8B-B14F-4D97-AF65-F5344CB8AC3E}">
-        <p14:creationId xmlns:p14="http://schemas.microsoft.com/office/powerpoint/2010/main" val="840605972"/>
+        <p14:creationId xmlns:p14="http://schemas.microsoft.com/office/powerpoint/2010/main" val="398114617"/>
       </p:ext>
     </p:extLst>
   </p:cSld>
@@ -20239,7 +17999,7 @@
           <p:cNvPr id="2" name="Title 1">
             <a:extLst>
               <a:ext uri="{FF2B5EF4-FFF2-40B4-BE49-F238E27FC236}">
-                <a16:creationId xmlns:a16="http://schemas.microsoft.com/office/drawing/2014/main" id="{48C5BC92-868A-26B2-CBC0-C9D94E65F1A4}"/>
+                <a16:creationId xmlns:a16="http://schemas.microsoft.com/office/drawing/2014/main" id="{F41F0E99-07CC-9576-AFD7-C52151AD0EA3}"/>
               </a:ext>
             </a:extLst>
           </p:cNvPr>
@@ -20250,27 +18010,20 @@
             <p:ph type="ctrTitle"/>
           </p:nvPr>
         </p:nvSpPr>
-        <p:spPr/>
+        <p:spPr>
+          <a:xfrm>
+            <a:off x="1987456" y="72511"/>
+            <a:ext cx="7735824" cy="1069848"/>
+          </a:xfrm>
+        </p:spPr>
         <p:txBody>
           <a:bodyPr/>
           <a:lstStyle/>
           <a:p>
             <a:r>
-              <a:rPr lang="en-US" sz="4000" b="1" spc="600" dirty="0">
-                <a:ln w="28575">
-                  <a:noFill/>
-                  <a:prstDash val="solid"/>
-                </a:ln>
-                <a:solidFill>
-                  <a:schemeClr val="bg1"/>
-                </a:solidFill>
-                <a:latin typeface="Tw Cen MT" panose="020B0602020104020603" pitchFamily="34" charset="77"/>
-                <a:ea typeface="Verdana" panose="020B0604030504040204" pitchFamily="34" charset="0"/>
-                <a:cs typeface="Verdana" panose="020B0604030504040204" pitchFamily="34" charset="0"/>
-              </a:rPr>
-              <a:t>SUMMARY</a:t>
-            </a:r>
-            <a:endParaRPr lang="en-US" dirty="0"/>
+              <a:rPr lang="en-US" dirty="0"/>
+              <a:t>Future development</a:t>
+            </a:r>
           </a:p>
         </p:txBody>
       </p:sp>
@@ -20279,7 +18032,7 @@
           <p:cNvPr id="3" name="Subtitle 2">
             <a:extLst>
               <a:ext uri="{FF2B5EF4-FFF2-40B4-BE49-F238E27FC236}">
-                <a16:creationId xmlns:a16="http://schemas.microsoft.com/office/drawing/2014/main" id="{6F9C1627-7A56-025E-482D-E2AB014EDF92}"/>
+                <a16:creationId xmlns:a16="http://schemas.microsoft.com/office/drawing/2014/main" id="{5A82A8B0-333F-633E-3FA7-D38DBFB10971}"/>
               </a:ext>
             </a:extLst>
           </p:cNvPr>
@@ -20290,21 +18043,61 @@
             <p:ph type="subTitle" idx="1"/>
           </p:nvPr>
         </p:nvSpPr>
-        <p:spPr/>
+        <p:spPr>
+          <a:xfrm>
+            <a:off x="505325" y="1259305"/>
+            <a:ext cx="11269579" cy="5430253"/>
+          </a:xfrm>
+        </p:spPr>
         <p:txBody>
           <a:bodyPr/>
           <a:lstStyle/>
           <a:p>
-            <a:r>
-              <a:rPr lang="en-US" sz="1800" dirty="0">
+            <a:pPr marL="457200" indent="-457200" algn="l">
+              <a:buFont typeface="Arial" panose="020B0604020202020204" pitchFamily="34" charset="0"/>
+              <a:buChar char="•"/>
+            </a:pPr>
+            <a:r>
+              <a:rPr lang="en-US" sz="2800" b="0" dirty="0">
                 <a:solidFill>
-                  <a:schemeClr val="bg1"/>
+                  <a:srgbClr val="CCCCCC"/>
                 </a:solidFill>
-                <a:latin typeface="Segoe UI Light" panose="020B0502040204020203" pitchFamily="34" charset="0"/>
-                <a:ea typeface="+mn-lt"/>
-                <a:cs typeface="Segoe UI Light" panose="020B0502040204020203" pitchFamily="34" charset="0"/>
+                <a:effectLst/>
+                <a:latin typeface="Consolas" panose="020B0609020204030204" pitchFamily="49" charset="0"/>
               </a:rPr>
-              <a:t>At Krypto Logics, we believe in giving 110%. By using our next-generation data architecture, we help investors virtually manage their portfolios. We thrive because of our market knowledge and great team. As our CEO says, "Efficiencies will come from proactively transforming how we do business."</a:t>
+              <a:t>Future development includes the identification of price range during the 2020 - 2024 timeframe and the average fluctuation of stock prices.  </a:t>
+            </a:r>
+          </a:p>
+          <a:p>
+            <a:pPr marL="457200" indent="-457200" algn="l">
+              <a:buFont typeface="Arial" panose="020B0604020202020204" pitchFamily="34" charset="0"/>
+              <a:buChar char="•"/>
+            </a:pPr>
+            <a:r>
+              <a:rPr lang="en-US" sz="2800" b="0" dirty="0">
+                <a:solidFill>
+                  <a:srgbClr val="CCCCCC"/>
+                </a:solidFill>
+                <a:effectLst/>
+                <a:latin typeface="Consolas" panose="020B0609020204030204" pitchFamily="49" charset="0"/>
+              </a:rPr>
+              <a:t>Highest percentage gains should be determined from initial 2020 price to closing of 2025.  </a:t>
+            </a:r>
+          </a:p>
+          <a:p>
+            <a:pPr marL="457200" indent="-457200" algn="l">
+              <a:buFont typeface="Arial" panose="020B0604020202020204" pitchFamily="34" charset="0"/>
+              <a:buChar char="•"/>
+            </a:pPr>
+            <a:r>
+              <a:rPr lang="en-US" sz="2800" b="0" dirty="0">
+                <a:solidFill>
+                  <a:srgbClr val="CCCCCC"/>
+                </a:solidFill>
+                <a:effectLst/>
+                <a:latin typeface="Consolas" panose="020B0609020204030204" pitchFamily="49" charset="0"/>
+              </a:rPr>
+              <a:t>Recommendations should be made to determine which stock to purchase for maximum profit in 2025.</a:t>
             </a:r>
           </a:p>
           <a:p>
@@ -20315,7 +18108,7 @@
     </p:spTree>
     <p:extLst>
       <p:ext uri="{BB962C8B-B14F-4D97-AF65-F5344CB8AC3E}">
-        <p14:creationId xmlns:p14="http://schemas.microsoft.com/office/powerpoint/2010/main" val="1958759625"/>
+        <p14:creationId xmlns:p14="http://schemas.microsoft.com/office/powerpoint/2010/main" val="87203755"/>
       </p:ext>
     </p:extLst>
   </p:cSld>
@@ -20376,71 +18169,6 @@
               </a:rPr>
               <a:t>THANK YOU</a:t>
             </a:r>
-            <a:endParaRPr lang="en-US" dirty="0"/>
-          </a:p>
-        </p:txBody>
-      </p:sp>
-      <p:sp>
-        <p:nvSpPr>
-          <p:cNvPr id="3" name="Text Placeholder 2">
-            <a:extLst>
-              <a:ext uri="{FF2B5EF4-FFF2-40B4-BE49-F238E27FC236}">
-                <a16:creationId xmlns:a16="http://schemas.microsoft.com/office/drawing/2014/main" id="{55519D01-29BE-BE76-41C5-9D58AD8119DC}"/>
-              </a:ext>
-            </a:extLst>
-          </p:cNvPr>
-          <p:cNvSpPr>
-            <a:spLocks noGrp="1"/>
-          </p:cNvSpPr>
-          <p:nvPr>
-            <p:ph type="body" idx="1"/>
-          </p:nvPr>
-        </p:nvSpPr>
-        <p:spPr/>
-        <p:txBody>
-          <a:bodyPr/>
-          <a:lstStyle/>
-          <a:p>
-            <a:pPr algn="l"/>
-            <a:r>
-              <a:rPr lang="en-US" dirty="0">
-                <a:latin typeface="Segoe UI Light" panose="020B0502040204020203" pitchFamily="34" charset="0"/>
-                <a:cs typeface="Segoe UI Light" panose="020B0502040204020203" pitchFamily="34" charset="0"/>
-              </a:rPr>
-              <a:t>Mirjam Nilsson​</a:t>
-            </a:r>
-          </a:p>
-          <a:p>
-            <a:pPr algn="l"/>
-            <a:r>
-              <a:rPr lang="en-US" dirty="0">
-                <a:latin typeface="Segoe UI Light" panose="020B0502040204020203" pitchFamily="34" charset="0"/>
-                <a:cs typeface="Segoe UI Light" panose="020B0502040204020203" pitchFamily="34" charset="0"/>
-              </a:rPr>
-              <a:t>mirjam@greatsiteaddress.com </a:t>
-            </a:r>
-            <a:endParaRPr lang="en-US" dirty="0">
-              <a:latin typeface="Segoe UI Light" panose="020B0502040204020203" pitchFamily="34" charset="0"/>
-              <a:ea typeface="Calibri"/>
-              <a:cs typeface="Segoe UI Light" panose="020B0502040204020203" pitchFamily="34" charset="0"/>
-            </a:endParaRPr>
-          </a:p>
-          <a:p>
-            <a:pPr algn="l"/>
-            <a:r>
-              <a:rPr lang="en-US" dirty="0">
-                <a:latin typeface="Segoe UI Light" panose="020B0502040204020203" pitchFamily="34" charset="0"/>
-                <a:cs typeface="Segoe UI Light" panose="020B0502040204020203" pitchFamily="34" charset="0"/>
-              </a:rPr>
-              <a:t>www.greatsiteaddress.com </a:t>
-            </a:r>
-            <a:endParaRPr lang="en-US" dirty="0">
-              <a:latin typeface="Segoe UI Light" panose="020B0502040204020203" pitchFamily="34" charset="0"/>
-              <a:ea typeface="Calibri" panose="020F0502020204030204"/>
-              <a:cs typeface="Segoe UI Light" panose="020B0502040204020203" pitchFamily="34" charset="0"/>
-            </a:endParaRPr>
-          </a:p>
-          <a:p>
             <a:endParaRPr lang="en-US" dirty="0"/>
           </a:p>
         </p:txBody>
@@ -20491,7 +18219,12 @@
             <p:ph type="title"/>
           </p:nvPr>
         </p:nvSpPr>
-        <p:spPr/>
+        <p:spPr>
+          <a:xfrm>
+            <a:off x="1656588" y="187452"/>
+            <a:ext cx="8878824" cy="1069848"/>
+          </a:xfrm>
+        </p:spPr>
         <p:txBody>
           <a:bodyPr>
             <a:normAutofit/>
@@ -20509,7 +18242,7 @@
                 </a:solidFill>
                 <a:latin typeface="Tw Cen MT" panose="020B0602020104020603" pitchFamily="34" charset="77"/>
               </a:rPr>
-              <a:t>CONTENTS</a:t>
+              <a:t>Executive Summary</a:t>
             </a:r>
             <a:endParaRPr lang="en-US" dirty="0"/>
           </a:p>
@@ -20561,148 +18294,50 @@
             <p:ph idx="1"/>
           </p:nvPr>
         </p:nvSpPr>
-        <p:spPr/>
+        <p:spPr>
+          <a:xfrm>
+            <a:off x="705853" y="1499937"/>
+            <a:ext cx="11061031" cy="3995607"/>
+          </a:xfrm>
+        </p:spPr>
         <p:txBody>
           <a:bodyPr/>
           <a:lstStyle/>
           <a:p>
-            <a:pPr marL="342900" indent="-342900" algn="l">
-              <a:lnSpc>
-                <a:spcPct val="150000"/>
-              </a:lnSpc>
-              <a:buClr>
-                <a:schemeClr val="accent6"/>
-              </a:buClr>
-              <a:buFont typeface="Courier New" panose="02070309020205020404" pitchFamily="49" charset="0"/>
-              <a:buChar char="o"/>
-            </a:pPr>
-            <a:r>
-              <a:rPr lang="en-US" dirty="0">
+            <a:r>
+              <a:rPr lang="en-US" sz="1800" b="0" dirty="0">
                 <a:solidFill>
-                  <a:schemeClr val="bg1"/>
+                  <a:srgbClr val="CCCCCC"/>
                 </a:solidFill>
-                <a:latin typeface="Segoe UI Light" panose="020B0502040204020203" pitchFamily="34" charset="0"/>
-                <a:cs typeface="Segoe UI Light" panose="020B0502040204020203" pitchFamily="34" charset="0"/>
+                <a:effectLst/>
+                <a:latin typeface="Consolas" panose="020B0609020204030204" pitchFamily="49" charset="0"/>
               </a:rPr>
-              <a:t>Introduction</a:t>
-            </a:r>
-          </a:p>
-          <a:p>
-            <a:pPr marL="342900" indent="-342900" algn="l">
-              <a:lnSpc>
-                <a:spcPct val="150000"/>
-              </a:lnSpc>
-              <a:buClr>
-                <a:schemeClr val="accent6"/>
-              </a:buClr>
-              <a:buFont typeface="Courier New" panose="02070309020205020404" pitchFamily="49" charset="0"/>
-              <a:buChar char="o"/>
-            </a:pPr>
-            <a:r>
-              <a:rPr lang="en-US" dirty="0">
+              <a:t>The purpose of the project was to identify eight (8) companies' stock who had an AI focus and review their performance during the 2020 - 2023 performance years influenced by the Covid pandemic.  </a:t>
+            </a:r>
+          </a:p>
+          <a:p>
+            <a:r>
+              <a:rPr lang="en-US" sz="1800" b="0" dirty="0">
                 <a:solidFill>
-                  <a:schemeClr val="bg1"/>
+                  <a:srgbClr val="CCCCCC"/>
                 </a:solidFill>
-                <a:latin typeface="Segoe UI Light" panose="020B0502040204020203" pitchFamily="34" charset="0"/>
-                <a:cs typeface="Segoe UI Light" panose="020B0502040204020203" pitchFamily="34" charset="0"/>
+                <a:effectLst/>
+                <a:latin typeface="Consolas" panose="020B0609020204030204" pitchFamily="49" charset="0"/>
               </a:rPr>
-              <a:t>Investing &amp; Trading</a:t>
-            </a:r>
-          </a:p>
-          <a:p>
-            <a:pPr marL="342900" indent="-342900" algn="l">
-              <a:lnSpc>
-                <a:spcPct val="150000"/>
-              </a:lnSpc>
-              <a:buClr>
-                <a:schemeClr val="accent6"/>
-              </a:buClr>
-              <a:buFont typeface="Courier New" panose="02070309020205020404" pitchFamily="49" charset="0"/>
-              <a:buChar char="o"/>
-            </a:pPr>
-            <a:r>
-              <a:rPr lang="en-US" dirty="0">
+              <a:t>This information provided historical data to make a prediction using Prophet and determine year end closing prices for 2025.  </a:t>
+            </a:r>
+          </a:p>
+          <a:p>
+            <a:r>
+              <a:rPr lang="en-US" sz="1800" b="0" dirty="0">
                 <a:solidFill>
-                  <a:schemeClr val="bg1"/>
+                  <a:srgbClr val="CCCCCC"/>
                 </a:solidFill>
-                <a:latin typeface="Segoe UI Light" panose="020B0502040204020203" pitchFamily="34" charset="0"/>
-                <a:cs typeface="Segoe UI Light" panose="020B0502040204020203" pitchFamily="34" charset="0"/>
+                <a:effectLst/>
+                <a:latin typeface="Consolas" panose="020B0609020204030204" pitchFamily="49" charset="0"/>
               </a:rPr>
-              <a:t>Portfolio Build Up</a:t>
-            </a:r>
-          </a:p>
-          <a:p>
-            <a:pPr marL="342900" indent="-342900" algn="l">
-              <a:lnSpc>
-                <a:spcPct val="150000"/>
-              </a:lnSpc>
-              <a:buClr>
-                <a:schemeClr val="accent6"/>
-              </a:buClr>
-              <a:buFont typeface="Courier New" panose="02070309020205020404" pitchFamily="49" charset="0"/>
-              <a:buChar char="o"/>
-            </a:pPr>
-            <a:r>
-              <a:rPr lang="en-US" dirty="0">
-                <a:solidFill>
-                  <a:schemeClr val="bg1"/>
-                </a:solidFill>
-                <a:latin typeface="Segoe UI Light" panose="020B0502040204020203" pitchFamily="34" charset="0"/>
-                <a:cs typeface="Segoe UI Light" panose="020B0502040204020203" pitchFamily="34" charset="0"/>
-              </a:rPr>
-              <a:t>Areas Of Focus</a:t>
-            </a:r>
-          </a:p>
-          <a:p>
-            <a:pPr marL="342900" indent="-342900" algn="l">
-              <a:lnSpc>
-                <a:spcPct val="150000"/>
-              </a:lnSpc>
-              <a:buClr>
-                <a:schemeClr val="accent6"/>
-              </a:buClr>
-              <a:buFont typeface="Courier New" panose="02070309020205020404" pitchFamily="49" charset="0"/>
-              <a:buChar char="o"/>
-            </a:pPr>
-            <a:r>
-              <a:rPr lang="en-US" dirty="0">
-                <a:solidFill>
-                  <a:schemeClr val="bg1"/>
-                </a:solidFill>
-                <a:latin typeface="Segoe UI Light" panose="020B0502040204020203" pitchFamily="34" charset="0"/>
-                <a:cs typeface="Segoe UI Light" panose="020B0502040204020203" pitchFamily="34" charset="0"/>
-              </a:rPr>
-              <a:t>Summary</a:t>
-            </a:r>
-          </a:p>
-        </p:txBody>
-      </p:sp>
-      <p:sp>
-        <p:nvSpPr>
-          <p:cNvPr id="4" name="Footer Placeholder 3">
-            <a:extLst>
-              <a:ext uri="{FF2B5EF4-FFF2-40B4-BE49-F238E27FC236}">
-                <a16:creationId xmlns:a16="http://schemas.microsoft.com/office/drawing/2014/main" id="{DDD0AE42-75AF-229C-2692-C10ADA4FFA83}"/>
-              </a:ext>
-            </a:extLst>
-          </p:cNvPr>
-          <p:cNvSpPr>
-            <a:spLocks noGrp="1"/>
-          </p:cNvSpPr>
-          <p:nvPr>
-            <p:ph type="ftr" sz="quarter" idx="10"/>
-          </p:nvPr>
-        </p:nvSpPr>
-        <p:spPr/>
-        <p:txBody>
-          <a:bodyPr/>
-          <a:lstStyle/>
-          <a:p>
-            <a:r>
-              <a:rPr lang="en-US"/>
-              <a:t>Crypto: investing &amp; trading</a:t>
-            </a:r>
-            <a:endParaRPr lang="en-US" dirty="0"/>
+              <a:t>For 2024 year end closing, prices were also identified for all companies to determine an endpoint reference.  </a:t>
+            </a:r>
           </a:p>
         </p:txBody>
       </p:sp>
@@ -20741,7 +18376,7 @@
           <p:cNvPr id="2" name="Title 1">
             <a:extLst>
               <a:ext uri="{FF2B5EF4-FFF2-40B4-BE49-F238E27FC236}">
-                <a16:creationId xmlns:a16="http://schemas.microsoft.com/office/drawing/2014/main" id="{F41F0E99-07CC-9576-AFD7-C52151AD0EA3}"/>
+                <a16:creationId xmlns:a16="http://schemas.microsoft.com/office/drawing/2014/main" id="{C07F7E09-6A9E-9FCC-7867-895F21ABE716}"/>
               </a:ext>
             </a:extLst>
           </p:cNvPr>
@@ -20749,27 +18384,80 @@
             <a:spLocks noGrp="1"/>
           </p:cNvSpPr>
           <p:nvPr>
-            <p:ph type="ctrTitle"/>
+            <p:ph type="title"/>
           </p:nvPr>
         </p:nvSpPr>
-        <p:spPr/>
-        <p:txBody>
-          <a:bodyPr/>
+        <p:spPr>
+          <a:xfrm>
+            <a:off x="1656588" y="187452"/>
+            <a:ext cx="8878824" cy="1069848"/>
+          </a:xfrm>
+        </p:spPr>
+        <p:txBody>
+          <a:bodyPr>
+            <a:normAutofit/>
+          </a:bodyPr>
           <a:lstStyle/>
           <a:p>
             <a:r>
-              <a:rPr lang="en-US" dirty="0"/>
-              <a:t>INTRODUCTION</a:t>
-            </a:r>
-          </a:p>
-        </p:txBody>
-      </p:sp>
-      <p:sp>
-        <p:nvSpPr>
-          <p:cNvPr id="3" name="Subtitle 2">
-            <a:extLst>
-              <a:ext uri="{FF2B5EF4-FFF2-40B4-BE49-F238E27FC236}">
-                <a16:creationId xmlns:a16="http://schemas.microsoft.com/office/drawing/2014/main" id="{5A82A8B0-333F-633E-3FA7-D38DBFB10971}"/>
+              <a:rPr lang="en-US" sz="4000" b="1" spc="600" dirty="0">
+                <a:ln w="28575">
+                  <a:noFill/>
+                  <a:prstDash val="solid"/>
+                </a:ln>
+                <a:solidFill>
+                  <a:schemeClr val="bg1"/>
+                </a:solidFill>
+                <a:latin typeface="Tw Cen MT" panose="020B0602020104020603" pitchFamily="34" charset="77"/>
+              </a:rPr>
+              <a:t>Executive Summary</a:t>
+            </a:r>
+            <a:r>
+              <a:rPr lang="en-US" sz="1800" b="1" spc="600" dirty="0">
+                <a:ln w="28575">
+                  <a:noFill/>
+                  <a:prstDash val="solid"/>
+                </a:ln>
+                <a:solidFill>
+                  <a:schemeClr val="bg1"/>
+                </a:solidFill>
+                <a:latin typeface="Tw Cen MT" panose="020B0602020104020603" pitchFamily="34" charset="77"/>
+              </a:rPr>
+              <a:t>(</a:t>
+            </a:r>
+            <a:r>
+              <a:rPr lang="en-US" sz="1800" b="1" spc="600" dirty="0" err="1">
+                <a:ln w="28575">
+                  <a:noFill/>
+                  <a:prstDash val="solid"/>
+                </a:ln>
+                <a:solidFill>
+                  <a:schemeClr val="bg1"/>
+                </a:solidFill>
+                <a:latin typeface="Tw Cen MT" panose="020B0602020104020603" pitchFamily="34" charset="77"/>
+              </a:rPr>
+              <a:t>con’t</a:t>
+            </a:r>
+            <a:r>
+              <a:rPr lang="en-US" sz="1800" dirty="0">
+                <a:ln w="28575">
+                  <a:noFill/>
+                  <a:prstDash val="solid"/>
+                </a:ln>
+                <a:latin typeface="Tw Cen MT" panose="020B0602020104020603" pitchFamily="34" charset="77"/>
+              </a:rPr>
+              <a:t>)</a:t>
+            </a:r>
+            <a:endParaRPr lang="en-US" sz="1800" dirty="0"/>
+          </a:p>
+        </p:txBody>
+      </p:sp>
+      <p:sp>
+        <p:nvSpPr>
+          <p:cNvPr id="5" name="Slide Number Placeholder 4">
+            <a:extLst>
+              <a:ext uri="{FF2B5EF4-FFF2-40B4-BE49-F238E27FC236}">
+                <a16:creationId xmlns:a16="http://schemas.microsoft.com/office/drawing/2014/main" id="{9157728F-9EA1-A705-8E4D-B7823E4F4C26}"/>
               </a:ext>
             </a:extLst>
           </p:cNvPr>
@@ -20777,7 +18465,7 @@
             <a:spLocks noGrp="1"/>
           </p:cNvSpPr>
           <p:nvPr>
-            <p:ph type="subTitle" idx="1"/>
+            <p:ph type="sldNum" sz="quarter" idx="11"/>
           </p:nvPr>
         </p:nvSpPr>
         <p:spPr/>
@@ -20785,20 +18473,89 @@
           <a:bodyPr/>
           <a:lstStyle/>
           <a:p>
-            <a:r>
-              <a:rPr lang="en-US" dirty="0"/>
-              <a:t>At Krypto Logics, we empower investors to maximize their portfolios to help them meet their financial goals responsibly. By offering customized and sophisticated strategies, we help clients' portfolios grow organically and foster a trusted consumer-consultant relationship.</a:t>
-            </a:r>
-          </a:p>
-          <a:p>
+            <a:fld id="{294A09A9-5501-47C1-A89A-A340965A2BE2}" type="slidenum">
+              <a:rPr lang="en-US" smtClean="0"/>
+              <a:pPr/>
+              <a:t>3</a:t>
+            </a:fld>
             <a:endParaRPr lang="en-US" dirty="0"/>
+          </a:p>
+        </p:txBody>
+      </p:sp>
+      <p:sp>
+        <p:nvSpPr>
+          <p:cNvPr id="3" name="Content Placeholder 2">
+            <a:extLst>
+              <a:ext uri="{FF2B5EF4-FFF2-40B4-BE49-F238E27FC236}">
+                <a16:creationId xmlns:a16="http://schemas.microsoft.com/office/drawing/2014/main" id="{199158D4-7B61-0A48-E33F-792278D05724}"/>
+              </a:ext>
+            </a:extLst>
+          </p:cNvPr>
+          <p:cNvSpPr>
+            <a:spLocks noGrp="1"/>
+          </p:cNvSpPr>
+          <p:nvPr>
+            <p:ph idx="1"/>
+          </p:nvPr>
+        </p:nvSpPr>
+        <p:spPr>
+          <a:xfrm>
+            <a:off x="705853" y="1499937"/>
+            <a:ext cx="11061031" cy="3995607"/>
+          </a:xfrm>
+        </p:spPr>
+        <p:txBody>
+          <a:bodyPr/>
+          <a:lstStyle/>
+          <a:p>
+            <a:r>
+              <a:rPr lang="en-US" sz="1800" b="0" dirty="0">
+                <a:solidFill>
+                  <a:srgbClr val="CCCCCC"/>
+                </a:solidFill>
+                <a:effectLst/>
+                <a:latin typeface="Consolas" panose="020B0609020204030204" pitchFamily="49" charset="0"/>
+              </a:rPr>
+              <a:t>It should be noted all companies maintained original business objectives which included a focus on non-AI factors as well as pre-pandemic product lines.  These factors may influence a higher comparative stock price for companies with broader business objectives than others.  </a:t>
+            </a:r>
+          </a:p>
+          <a:p>
+            <a:r>
+              <a:rPr lang="en-US" sz="1800" b="0" dirty="0">
+                <a:solidFill>
+                  <a:srgbClr val="CCCCCC"/>
+                </a:solidFill>
+                <a:effectLst/>
+                <a:latin typeface="Consolas" panose="020B0609020204030204" pitchFamily="49" charset="0"/>
+              </a:rPr>
+              <a:t>The </a:t>
+            </a:r>
+            <a:r>
+              <a:rPr lang="en-US" sz="1800" dirty="0">
+                <a:solidFill>
+                  <a:srgbClr val="CCCCCC"/>
+                </a:solidFill>
+                <a:latin typeface="Consolas" panose="020B0609020204030204" pitchFamily="49" charset="0"/>
+              </a:rPr>
+              <a:t>research </a:t>
+            </a:r>
+            <a:r>
+              <a:rPr lang="en-US" sz="1800" b="0" dirty="0">
+                <a:solidFill>
+                  <a:srgbClr val="CCCCCC"/>
+                </a:solidFill>
+                <a:effectLst/>
+                <a:latin typeface="Consolas" panose="020B0609020204030204" pitchFamily="49" charset="0"/>
+              </a:rPr>
+              <a:t>concluded NVDA not only had the highest closing stock price but the highest future closing price for 2025 while GOOG had the lowest closing stock price and lowest future price for 2025.</a:t>
+            </a:r>
           </a:p>
         </p:txBody>
       </p:sp>
     </p:spTree>
     <p:extLst>
       <p:ext uri="{BB962C8B-B14F-4D97-AF65-F5344CB8AC3E}">
-        <p14:creationId xmlns:p14="http://schemas.microsoft.com/office/powerpoint/2010/main" val="3380759881"/>
+        <p14:creationId xmlns:p14="http://schemas.microsoft.com/office/powerpoint/2010/main" val="2931036177"/>
       </p:ext>
     </p:extLst>
   </p:cSld>
@@ -20830,7 +18587,7 @@
           <p:cNvPr id="2" name="Title 1">
             <a:extLst>
               <a:ext uri="{FF2B5EF4-FFF2-40B4-BE49-F238E27FC236}">
-                <a16:creationId xmlns:a16="http://schemas.microsoft.com/office/drawing/2014/main" id="{797310B5-D907-A977-7A9C-69F8BEB7BB3F}"/>
+                <a16:creationId xmlns:a16="http://schemas.microsoft.com/office/drawing/2014/main" id="{F41F0E99-07CC-9576-AFD7-C52151AD0EA3}"/>
               </a:ext>
             </a:extLst>
           </p:cNvPr>
@@ -20841,14 +18598,19 @@
             <p:ph type="ctrTitle"/>
           </p:nvPr>
         </p:nvSpPr>
-        <p:spPr/>
+        <p:spPr>
+          <a:xfrm>
+            <a:off x="1987456" y="72511"/>
+            <a:ext cx="8239386" cy="1069848"/>
+          </a:xfrm>
+        </p:spPr>
         <p:txBody>
           <a:bodyPr/>
           <a:lstStyle/>
           <a:p>
             <a:r>
               <a:rPr lang="en-US" dirty="0"/>
-              <a:t>TRADING &amp; INVESTING</a:t>
+              <a:t>Scope/project overview</a:t>
             </a:r>
           </a:p>
         </p:txBody>
@@ -20858,7 +18620,7 @@
           <p:cNvPr id="3" name="Subtitle 2">
             <a:extLst>
               <a:ext uri="{FF2B5EF4-FFF2-40B4-BE49-F238E27FC236}">
-                <a16:creationId xmlns:a16="http://schemas.microsoft.com/office/drawing/2014/main" id="{C05FF0B8-5B51-7376-0271-8D849CA3F8A8}"/>
+                <a16:creationId xmlns:a16="http://schemas.microsoft.com/office/drawing/2014/main" id="{5A82A8B0-333F-633E-3FA7-D38DBFB10971}"/>
               </a:ext>
             </a:extLst>
           </p:cNvPr>
@@ -20869,22 +18631,136 @@
             <p:ph type="subTitle" idx="1"/>
           </p:nvPr>
         </p:nvSpPr>
-        <p:spPr/>
+        <p:spPr>
+          <a:xfrm>
+            <a:off x="505325" y="1403684"/>
+            <a:ext cx="11269579" cy="5285874"/>
+          </a:xfrm>
+        </p:spPr>
         <p:txBody>
           <a:bodyPr/>
           <a:lstStyle/>
           <a:p>
-            <a:r>
-              <a:rPr lang="en-US" dirty="0"/>
-              <a:t>Crypto can be complicated but getting started doesn’t have to be</a:t>
-            </a:r>
+            <a:pPr marL="285750" indent="-285750" algn="l">
+              <a:buFont typeface="Arial" panose="020B0604020202020204" pitchFamily="34" charset="0"/>
+              <a:buChar char="•"/>
+            </a:pPr>
+            <a:r>
+              <a:rPr lang="en-US" sz="2000" b="0" dirty="0">
+                <a:solidFill>
+                  <a:srgbClr val="CCCCCC"/>
+                </a:solidFill>
+                <a:effectLst/>
+                <a:latin typeface="Consolas" panose="020B0609020204030204" pitchFamily="49" charset="0"/>
+              </a:rPr>
+              <a:t>An agile project was set up using GitHub Projects to get the group started and establish a proper focus.</a:t>
+            </a:r>
+          </a:p>
+          <a:p>
+            <a:pPr marL="285750" indent="-285750" algn="l">
+              <a:buFont typeface="Arial" panose="020B0604020202020204" pitchFamily="34" charset="0"/>
+              <a:buChar char="•"/>
+            </a:pPr>
+            <a:r>
+              <a:rPr lang="en-US" sz="2000" b="0" dirty="0">
+                <a:solidFill>
+                  <a:srgbClr val="CCCCCC"/>
+                </a:solidFill>
+                <a:effectLst/>
+                <a:latin typeface="Consolas" panose="020B0609020204030204" pitchFamily="49" charset="0"/>
+              </a:rPr>
+              <a:t>The focus resulted in an analysis of the financial stock market.</a:t>
+            </a:r>
+          </a:p>
+          <a:p>
+            <a:pPr marL="285750" indent="-285750" algn="l">
+              <a:buFont typeface="Arial" panose="020B0604020202020204" pitchFamily="34" charset="0"/>
+              <a:buChar char="•"/>
+            </a:pPr>
+            <a:r>
+              <a:rPr lang="en-US" sz="2000" b="0" dirty="0">
+                <a:solidFill>
+                  <a:srgbClr val="CCCCCC"/>
+                </a:solidFill>
+                <a:effectLst/>
+                <a:latin typeface="Consolas" panose="020B0609020204030204" pitchFamily="49" charset="0"/>
+              </a:rPr>
+              <a:t>The group chose 8 companies who had an Artificial Intelligence focus during the primary Covid years 2020-2023.</a:t>
+            </a:r>
+          </a:p>
+          <a:p>
+            <a:pPr marL="285750" indent="-285750" algn="l">
+              <a:buFont typeface="Arial" panose="020B0604020202020204" pitchFamily="34" charset="0"/>
+              <a:buChar char="•"/>
+            </a:pPr>
+            <a:r>
+              <a:rPr lang="en-US" sz="2000" b="0" dirty="0">
+                <a:solidFill>
+                  <a:srgbClr val="CCCCCC"/>
+                </a:solidFill>
+                <a:effectLst/>
+                <a:latin typeface="Consolas" panose="020B0609020204030204" pitchFamily="49" charset="0"/>
+              </a:rPr>
+              <a:t>The company's stock was analyzed to see how they perform during this time and forecast using Prophet to determine performance through 2024-2025.</a:t>
+            </a:r>
+          </a:p>
+          <a:p>
+            <a:pPr marL="285750" indent="-285750" algn="l">
+              <a:buFont typeface="Arial" panose="020B0604020202020204" pitchFamily="34" charset="0"/>
+              <a:buChar char="•"/>
+            </a:pPr>
+            <a:r>
+              <a:rPr lang="en-US" sz="2000" b="0" dirty="0">
+                <a:solidFill>
+                  <a:srgbClr val="CCCCCC"/>
+                </a:solidFill>
+                <a:effectLst/>
+                <a:latin typeface="Consolas" panose="020B0609020204030204" pitchFamily="49" charset="0"/>
+              </a:rPr>
+              <a:t>Historical data was used to predict how the companies may perform in the future.</a:t>
+            </a:r>
+          </a:p>
+          <a:p>
+            <a:pPr marL="285750" indent="-285750" algn="l">
+              <a:buFont typeface="Arial" panose="020B0604020202020204" pitchFamily="34" charset="0"/>
+              <a:buChar char="•"/>
+            </a:pPr>
+            <a:r>
+              <a:rPr lang="en-US" sz="2000" b="0" dirty="0">
+                <a:solidFill>
+                  <a:srgbClr val="CCCCCC"/>
+                </a:solidFill>
+                <a:effectLst/>
+                <a:latin typeface="Consolas" panose="020B0609020204030204" pitchFamily="49" charset="0"/>
+              </a:rPr>
+              <a:t>Companies chosen were NVidia, Intel, Microsoft, Tesla, Amazon, Alphabet Inc, Arista Networks Inc, Meta</a:t>
+            </a:r>
+          </a:p>
+          <a:p>
+            <a:pPr marL="285750" indent="-285750" algn="l">
+              <a:buFont typeface="Arial" panose="020B0604020202020204" pitchFamily="34" charset="0"/>
+              <a:buChar char="•"/>
+            </a:pPr>
+            <a:r>
+              <a:rPr lang="en-US" sz="2000" b="0" dirty="0">
+                <a:solidFill>
+                  <a:srgbClr val="CCCCCC"/>
+                </a:solidFill>
+                <a:effectLst/>
+                <a:latin typeface="Consolas" panose="020B0609020204030204" pitchFamily="49" charset="0"/>
+              </a:rPr>
+              <a:t>The group met regularly during class hours as well as worked individually during off hours to ensure all milestones were met and a timeline maintained.</a:t>
+            </a:r>
+          </a:p>
+          <a:p>
+            <a:endParaRPr lang="en-US" dirty="0"/>
           </a:p>
         </p:txBody>
       </p:sp>
     </p:spTree>
     <p:extLst>
       <p:ext uri="{BB962C8B-B14F-4D97-AF65-F5344CB8AC3E}">
-        <p14:creationId xmlns:p14="http://schemas.microsoft.com/office/powerpoint/2010/main" val="548476299"/>
+        <p14:creationId xmlns:p14="http://schemas.microsoft.com/office/powerpoint/2010/main" val="3380985140"/>
       </p:ext>
     </p:extLst>
   </p:cSld>
@@ -20916,7 +18792,7 @@
           <p:cNvPr id="2" name="Title 1">
             <a:extLst>
               <a:ext uri="{FF2B5EF4-FFF2-40B4-BE49-F238E27FC236}">
-                <a16:creationId xmlns:a16="http://schemas.microsoft.com/office/drawing/2014/main" id="{C8152FE8-2F9C-9C12-4EB3-9742EA91D653}"/>
+                <a16:creationId xmlns:a16="http://schemas.microsoft.com/office/drawing/2014/main" id="{F41F0E99-07CC-9576-AFD7-C52151AD0EA3}"/>
               </a:ext>
             </a:extLst>
           </p:cNvPr>
@@ -20924,36 +18800,32 @@
             <a:spLocks noGrp="1"/>
           </p:cNvSpPr>
           <p:nvPr>
-            <p:ph type="title"/>
+            <p:ph type="ctrTitle"/>
           </p:nvPr>
         </p:nvSpPr>
-        <p:spPr/>
+        <p:spPr>
+          <a:xfrm>
+            <a:off x="1987456" y="72511"/>
+            <a:ext cx="7735824" cy="1069848"/>
+          </a:xfrm>
+        </p:spPr>
         <p:txBody>
           <a:bodyPr/>
           <a:lstStyle/>
           <a:p>
             <a:r>
-              <a:rPr lang="en-US" sz="4000" b="1" spc="600" dirty="0">
-                <a:ln w="28575">
-                  <a:noFill/>
-                  <a:prstDash val="solid"/>
-                </a:ln>
-                <a:solidFill>
-                  <a:schemeClr val="bg1"/>
-                </a:solidFill>
-                <a:latin typeface="Tw Cen MT" panose="020B0602020104020603" pitchFamily="34" charset="77"/>
-              </a:rPr>
-              <a:t>LONG-TERM VS. SHORT-TERM</a:t>
-            </a:r>
-          </a:p>
-        </p:txBody>
-      </p:sp>
-      <p:sp>
-        <p:nvSpPr>
-          <p:cNvPr id="5" name="Slide Number Placeholder 4">
-            <a:extLst>
-              <a:ext uri="{FF2B5EF4-FFF2-40B4-BE49-F238E27FC236}">
-                <a16:creationId xmlns:a16="http://schemas.microsoft.com/office/drawing/2014/main" id="{2A8E318B-D756-6C57-8657-96C836320839}"/>
+              <a:rPr lang="en-US" dirty="0"/>
+              <a:t>Research Questions</a:t>
+            </a:r>
+          </a:p>
+        </p:txBody>
+      </p:sp>
+      <p:sp>
+        <p:nvSpPr>
+          <p:cNvPr id="3" name="Subtitle 2">
+            <a:extLst>
+              <a:ext uri="{FF2B5EF4-FFF2-40B4-BE49-F238E27FC236}">
+                <a16:creationId xmlns:a16="http://schemas.microsoft.com/office/drawing/2014/main" id="{5A82A8B0-333F-633E-3FA7-D38DBFB10971}"/>
               </a:ext>
             </a:extLst>
           </p:cNvPr>
@@ -20961,79 +18833,57 @@
             <a:spLocks noGrp="1"/>
           </p:cNvSpPr>
           <p:nvPr>
-            <p:ph type="sldNum" sz="quarter" idx="11"/>
+            <p:ph type="subTitle" idx="1"/>
           </p:nvPr>
         </p:nvSpPr>
-        <p:spPr/>
+        <p:spPr>
+          <a:xfrm>
+            <a:off x="505325" y="1259305"/>
+            <a:ext cx="11269579" cy="5430253"/>
+          </a:xfrm>
+        </p:spPr>
         <p:txBody>
           <a:bodyPr/>
           <a:lstStyle/>
           <a:p>
-            <a:fld id="{294A09A9-5501-47C1-A89A-A340965A2BE2}" type="slidenum">
-              <a:rPr lang="en-US" smtClean="0"/>
-              <a:pPr/>
-              <a:t>5</a:t>
-            </a:fld>
-            <a:endParaRPr lang="en-US" dirty="0"/>
-          </a:p>
-        </p:txBody>
-      </p:sp>
-      <p:graphicFrame>
-        <p:nvGraphicFramePr>
-          <p:cNvPr id="4" name="Content Placeholder 5" descr="Bar chart">
-            <a:extLst>
-              <a:ext uri="{FF2B5EF4-FFF2-40B4-BE49-F238E27FC236}">
-                <a16:creationId xmlns:a16="http://schemas.microsoft.com/office/drawing/2014/main" id="{9F02851F-DB0A-09AB-B52A-BE347DDCBD1D}"/>
-              </a:ext>
-            </a:extLst>
-          </p:cNvPr>
-          <p:cNvGraphicFramePr>
-            <a:graphicFrameLocks noGrp="1"/>
-          </p:cNvGraphicFramePr>
-          <p:nvPr>
-            <p:ph idx="1"/>
-            <p:extLst>
-              <p:ext uri="{D42A27DB-BD31-4B8C-83A1-F6EECF244321}">
-                <p14:modId xmlns:p14="http://schemas.microsoft.com/office/powerpoint/2010/main" val="1861876390"/>
-              </p:ext>
-            </p:extLst>
-          </p:nvPr>
-        </p:nvGraphicFramePr>
-        <p:xfrm>
-          <a:off x="1014413" y="2212975"/>
-          <a:ext cx="10333037" cy="3548063"/>
-        </p:xfrm>
-        <a:graphic>
-          <a:graphicData uri="http://schemas.openxmlformats.org/drawingml/2006/chart">
-            <c:chart xmlns:c="http://schemas.openxmlformats.org/drawingml/2006/chart" xmlns:r="http://schemas.openxmlformats.org/officeDocument/2006/relationships" r:id="rId2"/>
-          </a:graphicData>
-        </a:graphic>
-      </p:graphicFrame>
-      <p:sp>
-        <p:nvSpPr>
-          <p:cNvPr id="3" name="Footer Placeholder 2">
-            <a:extLst>
-              <a:ext uri="{FF2B5EF4-FFF2-40B4-BE49-F238E27FC236}">
-                <a16:creationId xmlns:a16="http://schemas.microsoft.com/office/drawing/2014/main" id="{723252A1-51AE-36E1-CE3B-D88466BA8814}"/>
-              </a:ext>
-            </a:extLst>
-          </p:cNvPr>
-          <p:cNvSpPr>
-            <a:spLocks noGrp="1"/>
-          </p:cNvSpPr>
-          <p:nvPr>
-            <p:ph type="ftr" sz="quarter" idx="10"/>
-          </p:nvPr>
-        </p:nvSpPr>
-        <p:spPr/>
-        <p:txBody>
-          <a:bodyPr/>
-          <a:lstStyle/>
-          <a:p>
-            <a:r>
-              <a:rPr lang="en-US"/>
-              <a:t>Crypto: investing &amp; trading</a:t>
-            </a:r>
+            <a:pPr marL="285750" indent="-285750" algn="l">
+              <a:buFont typeface="Arial" panose="020B0604020202020204" pitchFamily="34" charset="0"/>
+              <a:buChar char="•"/>
+            </a:pPr>
+            <a:r>
+              <a:rPr lang="en-US" sz="2800" b="0" dirty="0">
+                <a:solidFill>
+                  <a:srgbClr val="CCCCCC"/>
+                </a:solidFill>
+                <a:effectLst/>
+                <a:latin typeface="Consolas" panose="020B0609020204030204" pitchFamily="49" charset="0"/>
+              </a:rPr>
+              <a:t>What were the closing prices of identified company stock?</a:t>
+            </a:r>
+          </a:p>
+          <a:p>
+            <a:pPr marL="285750" indent="-285750" algn="l">
+              <a:buFont typeface="Arial" panose="020B0604020202020204" pitchFamily="34" charset="0"/>
+              <a:buChar char="•"/>
+            </a:pPr>
+            <a:r>
+              <a:rPr lang="en-US" sz="2800" dirty="0">
+                <a:solidFill>
+                  <a:srgbClr val="CCCCCC"/>
+                </a:solidFill>
+                <a:latin typeface="Consolas" panose="020B0609020204030204" pitchFamily="49" charset="0"/>
+              </a:rPr>
+              <a:t>Using the historical data of closing prices, what are the forecasted closing prices at the end of 2025?</a:t>
+            </a:r>
+            <a:endParaRPr lang="en-US" sz="2800" b="0" dirty="0">
+              <a:solidFill>
+                <a:srgbClr val="CCCCCC"/>
+              </a:solidFill>
+              <a:effectLst/>
+              <a:latin typeface="Consolas" panose="020B0609020204030204" pitchFamily="49" charset="0"/>
+            </a:endParaRPr>
+          </a:p>
+          <a:p>
             <a:endParaRPr lang="en-US" dirty="0"/>
           </a:p>
         </p:txBody>
@@ -21041,7 +18891,7 @@
     </p:spTree>
     <p:extLst>
       <p:ext uri="{BB962C8B-B14F-4D97-AF65-F5344CB8AC3E}">
-        <p14:creationId xmlns:p14="http://schemas.microsoft.com/office/powerpoint/2010/main" val="1372651910"/>
+        <p14:creationId xmlns:p14="http://schemas.microsoft.com/office/powerpoint/2010/main" val="1202246638"/>
       </p:ext>
     </p:extLst>
   </p:cSld>
@@ -21073,7 +18923,7 @@
           <p:cNvPr id="2" name="Title 1">
             <a:extLst>
               <a:ext uri="{FF2B5EF4-FFF2-40B4-BE49-F238E27FC236}">
-                <a16:creationId xmlns:a16="http://schemas.microsoft.com/office/drawing/2014/main" id="{EE30DEE9-2DBD-C997-C208-027230B5A3EA}"/>
+                <a16:creationId xmlns:a16="http://schemas.microsoft.com/office/drawing/2014/main" id="{F41F0E99-07CC-9576-AFD7-C52151AD0EA3}"/>
               </a:ext>
             </a:extLst>
           </p:cNvPr>
@@ -21081,13 +18931,13 @@
             <a:spLocks noGrp="1"/>
           </p:cNvSpPr>
           <p:nvPr>
-            <p:ph type="title"/>
+            <p:ph type="ctrTitle"/>
           </p:nvPr>
         </p:nvSpPr>
         <p:spPr>
           <a:xfrm>
-            <a:off x="1098804" y="832104"/>
-            <a:ext cx="9994392" cy="1069848"/>
+            <a:off x="1987456" y="72511"/>
+            <a:ext cx="7735824" cy="1069848"/>
           </a:xfrm>
         </p:spPr>
         <p:txBody>
@@ -21095,27 +18945,18 @@
           <a:lstStyle/>
           <a:p>
             <a:r>
-              <a:rPr lang="en-US" sz="4000" b="1" spc="600" dirty="0">
-                <a:ln w="28575">
-                  <a:noFill/>
-                  <a:prstDash val="solid"/>
-                </a:ln>
-                <a:solidFill>
-                  <a:schemeClr val="bg1"/>
-                </a:solidFill>
-                <a:latin typeface="Tw Cen MT" panose="020B0602020104020603" pitchFamily="34" charset="77"/>
-              </a:rPr>
-              <a:t>GLOBAL CURRENCY MARKETS</a:t>
-            </a:r>
-          </a:p>
-        </p:txBody>
-      </p:sp>
-      <p:sp>
-        <p:nvSpPr>
-          <p:cNvPr id="5" name="Slide Number Placeholder 4">
-            <a:extLst>
-              <a:ext uri="{FF2B5EF4-FFF2-40B4-BE49-F238E27FC236}">
-                <a16:creationId xmlns:a16="http://schemas.microsoft.com/office/drawing/2014/main" id="{F79CF1F9-4847-1440-0352-6D1284A48D05}"/>
+              <a:rPr lang="en-US" dirty="0"/>
+              <a:t>approach</a:t>
+            </a:r>
+          </a:p>
+        </p:txBody>
+      </p:sp>
+      <p:sp>
+        <p:nvSpPr>
+          <p:cNvPr id="3" name="Subtitle 2">
+            <a:extLst>
+              <a:ext uri="{FF2B5EF4-FFF2-40B4-BE49-F238E27FC236}">
+                <a16:creationId xmlns:a16="http://schemas.microsoft.com/office/drawing/2014/main" id="{5A82A8B0-333F-633E-3FA7-D38DBFB10971}"/>
               </a:ext>
             </a:extLst>
           </p:cNvPr>
@@ -21123,2118 +18964,51 @@
             <a:spLocks noGrp="1"/>
           </p:cNvSpPr>
           <p:nvPr>
-            <p:ph type="sldNum" sz="quarter" idx="11"/>
+            <p:ph type="subTitle" idx="1"/>
           </p:nvPr>
         </p:nvSpPr>
-        <p:spPr/>
+        <p:spPr>
+          <a:xfrm>
+            <a:off x="505325" y="1259305"/>
+            <a:ext cx="11269579" cy="5430253"/>
+          </a:xfrm>
+        </p:spPr>
         <p:txBody>
           <a:bodyPr/>
           <a:lstStyle/>
           <a:p>
-            <a:fld id="{294A09A9-5501-47C1-A89A-A340965A2BE2}" type="slidenum">
-              <a:rPr lang="en-US" smtClean="0"/>
-              <a:pPr/>
-              <a:t>6</a:t>
-            </a:fld>
-            <a:endParaRPr lang="en-US" dirty="0"/>
-          </a:p>
-        </p:txBody>
-      </p:sp>
-      <p:graphicFrame>
-        <p:nvGraphicFramePr>
-          <p:cNvPr id="4" name="Table 4">
-            <a:extLst>
-              <a:ext uri="{FF2B5EF4-FFF2-40B4-BE49-F238E27FC236}">
-                <a16:creationId xmlns:a16="http://schemas.microsoft.com/office/drawing/2014/main" id="{49C20947-A133-32C2-D0F4-654D337A74ED}"/>
-              </a:ext>
-            </a:extLst>
-          </p:cNvPr>
-          <p:cNvGraphicFramePr>
-            <a:graphicFrameLocks noGrp="1"/>
-          </p:cNvGraphicFramePr>
-          <p:nvPr>
-            <p:ph idx="1"/>
-            <p:extLst>
-              <p:ext uri="{D42A27DB-BD31-4B8C-83A1-F6EECF244321}">
-                <p14:modId xmlns:p14="http://schemas.microsoft.com/office/powerpoint/2010/main" val="3951968750"/>
-              </p:ext>
-            </p:extLst>
-          </p:nvPr>
-        </p:nvGraphicFramePr>
-        <p:xfrm>
-          <a:off x="1324266" y="2212975"/>
-          <a:ext cx="9543469" cy="2963361"/>
-        </p:xfrm>
-        <a:graphic>
-          <a:graphicData uri="http://schemas.openxmlformats.org/drawingml/2006/table">
-            <a:tbl>
-              <a:tblPr firstRow="1" lastCol="1" bandRow="1">
-                <a:tableStyleId>{5C22544A-7EE6-4342-B048-85BDC9FD1C3A}</a:tableStyleId>
-              </a:tblPr>
-              <a:tblGrid>
-                <a:gridCol w="925972">
-                  <a:extLst>
-                    <a:ext uri="{9D8B030D-6E8A-4147-A177-3AD203B41FA5}">
-                      <a16:colId xmlns:a16="http://schemas.microsoft.com/office/drawing/2014/main" val="1689330750"/>
-                    </a:ext>
-                  </a:extLst>
-                </a:gridCol>
-                <a:gridCol w="2152890">
-                  <a:extLst>
-                    <a:ext uri="{9D8B030D-6E8A-4147-A177-3AD203B41FA5}">
-                      <a16:colId xmlns:a16="http://schemas.microsoft.com/office/drawing/2014/main" val="2660631934"/>
-                    </a:ext>
-                  </a:extLst>
-                </a:gridCol>
-                <a:gridCol w="2164466">
-                  <a:extLst>
-                    <a:ext uri="{9D8B030D-6E8A-4147-A177-3AD203B41FA5}">
-                      <a16:colId xmlns:a16="http://schemas.microsoft.com/office/drawing/2014/main" val="3909717689"/>
-                    </a:ext>
-                  </a:extLst>
-                </a:gridCol>
-                <a:gridCol w="2141317">
-                  <a:extLst>
-                    <a:ext uri="{9D8B030D-6E8A-4147-A177-3AD203B41FA5}">
-                      <a16:colId xmlns:a16="http://schemas.microsoft.com/office/drawing/2014/main" val="1603189107"/>
-                    </a:ext>
-                  </a:extLst>
-                </a:gridCol>
-                <a:gridCol w="2158824">
-                  <a:extLst>
-                    <a:ext uri="{9D8B030D-6E8A-4147-A177-3AD203B41FA5}">
-                      <a16:colId xmlns:a16="http://schemas.microsoft.com/office/drawing/2014/main" val="2755691855"/>
-                    </a:ext>
-                  </a:extLst>
-                </a:gridCol>
-              </a:tblGrid>
-              <a:tr h="426377">
-                <a:tc>
-                  <a:txBody>
-                    <a:bodyPr/>
-                    <a:lstStyle/>
-                    <a:p>
-                      <a:pPr algn="ctr"/>
-                      <a:endParaRPr lang="en-US" sz="2000" dirty="0">
-                        <a:solidFill>
-                          <a:schemeClr val="bg1"/>
-                        </a:solidFill>
-                        <a:latin typeface="Segoe UI" panose="020B0502040204020203" pitchFamily="34" charset="0"/>
-                        <a:cs typeface="Segoe UI" panose="020B0502040204020203" pitchFamily="34" charset="0"/>
-                      </a:endParaRPr>
-                    </a:p>
-                  </a:txBody>
-                  <a:tcPr anchor="ctr">
-                    <a:lnL w="12700" cap="flat" cmpd="sng" algn="ctr">
-                      <a:solidFill>
-                        <a:schemeClr val="accent3">
-                          <a:lumMod val="25000"/>
-                        </a:schemeClr>
-                      </a:solidFill>
-                      <a:prstDash val="solid"/>
-                      <a:round/>
-                      <a:headEnd type="none" w="med" len="med"/>
-                      <a:tailEnd type="none" w="med" len="med"/>
-                    </a:lnL>
-                    <a:lnR w="12700" cap="flat" cmpd="sng" algn="ctr">
-                      <a:solidFill>
-                        <a:schemeClr val="accent3">
-                          <a:lumMod val="25000"/>
-                        </a:schemeClr>
-                      </a:solidFill>
-                      <a:prstDash val="solid"/>
-                      <a:round/>
-                      <a:headEnd type="none" w="med" len="med"/>
-                      <a:tailEnd type="none" w="med" len="med"/>
-                    </a:lnR>
-                    <a:lnT w="12700" cap="flat" cmpd="sng" algn="ctr">
-                      <a:solidFill>
-                        <a:schemeClr val="accent3">
-                          <a:lumMod val="25000"/>
-                        </a:schemeClr>
-                      </a:solidFill>
-                      <a:prstDash val="solid"/>
-                      <a:round/>
-                      <a:headEnd type="none" w="med" len="med"/>
-                      <a:tailEnd type="none" w="med" len="med"/>
-                    </a:lnT>
-                    <a:lnB w="12700" cap="flat" cmpd="sng" algn="ctr">
-                      <a:solidFill>
-                        <a:schemeClr val="accent3">
-                          <a:lumMod val="25000"/>
-                        </a:schemeClr>
-                      </a:solidFill>
-                      <a:prstDash val="solid"/>
-                      <a:round/>
-                      <a:headEnd type="none" w="med" len="med"/>
-                      <a:tailEnd type="none" w="med" len="med"/>
-                    </a:lnB>
-                    <a:lnTlToBr w="12700" cmpd="sng">
-                      <a:noFill/>
-                      <a:prstDash val="solid"/>
-                    </a:lnTlToBr>
-                    <a:lnBlToTr w="12700" cmpd="sng">
-                      <a:noFill/>
-                      <a:prstDash val="solid"/>
-                    </a:lnBlToTr>
-                    <a:solidFill>
-                      <a:schemeClr val="bg1">
-                        <a:alpha val="40000"/>
-                      </a:schemeClr>
-                    </a:solidFill>
-                  </a:tcPr>
-                </a:tc>
-                <a:tc>
-                  <a:txBody>
-                    <a:bodyPr/>
-                    <a:lstStyle/>
-                    <a:p>
-                      <a:pPr algn="ctr"/>
-                      <a:r>
-                        <a:rPr lang="en-US" sz="2400" b="1" i="0" dirty="0">
-                          <a:solidFill>
-                            <a:schemeClr val="accent3">
-                              <a:lumMod val="25000"/>
-                            </a:schemeClr>
-                          </a:solidFill>
-                          <a:latin typeface="Tw Cen MT" panose="020B0602020104020603" pitchFamily="34" charset="77"/>
-                          <a:cs typeface="Segoe UI Light" panose="020B0502040204020203" pitchFamily="34" charset="0"/>
-                        </a:rPr>
-                        <a:t>$USD</a:t>
-                      </a:r>
-                    </a:p>
-                  </a:txBody>
-                  <a:tcPr anchor="ctr">
-                    <a:lnL w="12700" cap="flat" cmpd="sng" algn="ctr">
-                      <a:solidFill>
-                        <a:schemeClr val="accent3">
-                          <a:lumMod val="25000"/>
-                        </a:schemeClr>
-                      </a:solidFill>
-                      <a:prstDash val="solid"/>
-                      <a:round/>
-                      <a:headEnd type="none" w="med" len="med"/>
-                      <a:tailEnd type="none" w="med" len="med"/>
-                    </a:lnL>
-                    <a:lnR w="12700" cap="flat" cmpd="sng" algn="ctr">
-                      <a:solidFill>
-                        <a:schemeClr val="accent3">
-                          <a:lumMod val="25000"/>
-                        </a:schemeClr>
-                      </a:solidFill>
-                      <a:prstDash val="solid"/>
-                      <a:round/>
-                      <a:headEnd type="none" w="med" len="med"/>
-                      <a:tailEnd type="none" w="med" len="med"/>
-                    </a:lnR>
-                    <a:lnT w="12700" cap="flat" cmpd="sng" algn="ctr">
-                      <a:solidFill>
-                        <a:schemeClr val="accent3">
-                          <a:lumMod val="25000"/>
-                        </a:schemeClr>
-                      </a:solidFill>
-                      <a:prstDash val="solid"/>
-                      <a:round/>
-                      <a:headEnd type="none" w="med" len="med"/>
-                      <a:tailEnd type="none" w="med" len="med"/>
-                    </a:lnT>
-                    <a:lnB w="12700" cap="flat" cmpd="sng" algn="ctr">
-                      <a:solidFill>
-                        <a:schemeClr val="accent3">
-                          <a:lumMod val="25000"/>
-                        </a:schemeClr>
-                      </a:solidFill>
-                      <a:prstDash val="solid"/>
-                      <a:round/>
-                      <a:headEnd type="none" w="med" len="med"/>
-                      <a:tailEnd type="none" w="med" len="med"/>
-                    </a:lnB>
-                    <a:lnTlToBr w="12700" cmpd="sng">
-                      <a:noFill/>
-                      <a:prstDash val="solid"/>
-                    </a:lnTlToBr>
-                    <a:lnBlToTr w="12700" cmpd="sng">
-                      <a:noFill/>
-                      <a:prstDash val="solid"/>
-                    </a:lnBlToTr>
-                    <a:solidFill>
-                      <a:schemeClr val="accent6"/>
-                    </a:solidFill>
-                  </a:tcPr>
-                </a:tc>
-                <a:tc>
-                  <a:txBody>
-                    <a:bodyPr/>
-                    <a:lstStyle/>
-                    <a:p>
-                      <a:pPr algn="ctr"/>
-                      <a:r>
-                        <a:rPr lang="en-US" sz="2400" b="1" i="0" dirty="0">
-                          <a:solidFill>
-                            <a:schemeClr val="accent3">
-                              <a:lumMod val="25000"/>
-                            </a:schemeClr>
-                          </a:solidFill>
-                          <a:latin typeface="Tw Cen MT" panose="020B0602020104020603" pitchFamily="34" charset="77"/>
-                          <a:cs typeface="Segoe UI Light" panose="020B0502040204020203" pitchFamily="34" charset="0"/>
-                        </a:rPr>
-                        <a:t>£EUR</a:t>
-                      </a:r>
-                    </a:p>
-                  </a:txBody>
-                  <a:tcPr anchor="ctr">
-                    <a:lnL w="12700" cap="flat" cmpd="sng" algn="ctr">
-                      <a:solidFill>
-                        <a:schemeClr val="accent3">
-                          <a:lumMod val="25000"/>
-                        </a:schemeClr>
-                      </a:solidFill>
-                      <a:prstDash val="solid"/>
-                      <a:round/>
-                      <a:headEnd type="none" w="med" len="med"/>
-                      <a:tailEnd type="none" w="med" len="med"/>
-                    </a:lnL>
-                    <a:lnR w="12700" cap="flat" cmpd="sng" algn="ctr">
-                      <a:solidFill>
-                        <a:schemeClr val="accent3">
-                          <a:lumMod val="25000"/>
-                        </a:schemeClr>
-                      </a:solidFill>
-                      <a:prstDash val="solid"/>
-                      <a:round/>
-                      <a:headEnd type="none" w="med" len="med"/>
-                      <a:tailEnd type="none" w="med" len="med"/>
-                    </a:lnR>
-                    <a:lnT w="12700" cap="flat" cmpd="sng" algn="ctr">
-                      <a:solidFill>
-                        <a:schemeClr val="accent3">
-                          <a:lumMod val="25000"/>
-                        </a:schemeClr>
-                      </a:solidFill>
-                      <a:prstDash val="solid"/>
-                      <a:round/>
-                      <a:headEnd type="none" w="med" len="med"/>
-                      <a:tailEnd type="none" w="med" len="med"/>
-                    </a:lnT>
-                    <a:lnB w="12700" cap="flat" cmpd="sng" algn="ctr">
-                      <a:solidFill>
-                        <a:schemeClr val="accent3">
-                          <a:lumMod val="25000"/>
-                        </a:schemeClr>
-                      </a:solidFill>
-                      <a:prstDash val="solid"/>
-                      <a:round/>
-                      <a:headEnd type="none" w="med" len="med"/>
-                      <a:tailEnd type="none" w="med" len="med"/>
-                    </a:lnB>
-                    <a:lnTlToBr w="12700" cmpd="sng">
-                      <a:noFill/>
-                      <a:prstDash val="solid"/>
-                    </a:lnTlToBr>
-                    <a:lnBlToTr w="12700" cmpd="sng">
-                      <a:noFill/>
-                      <a:prstDash val="solid"/>
-                    </a:lnBlToTr>
-                    <a:solidFill>
-                      <a:schemeClr val="accent5"/>
-                    </a:solidFill>
-                  </a:tcPr>
-                </a:tc>
-                <a:tc>
-                  <a:txBody>
-                    <a:bodyPr/>
-                    <a:lstStyle/>
-                    <a:p>
-                      <a:pPr lvl="0" algn="ctr">
-                        <a:buNone/>
-                      </a:pPr>
-                      <a:r>
-                        <a:rPr lang="en-US" sz="2400" b="1" i="0" dirty="0">
-                          <a:solidFill>
-                            <a:schemeClr val="accent3">
-                              <a:lumMod val="25000"/>
-                            </a:schemeClr>
-                          </a:solidFill>
-                          <a:latin typeface="Tw Cen MT" panose="020B0602020104020603" pitchFamily="34" charset="77"/>
-                          <a:cs typeface="Segoe UI Light" panose="020B0502040204020203" pitchFamily="34" charset="0"/>
-                        </a:rPr>
-                        <a:t>¥JPY</a:t>
-                      </a:r>
-                    </a:p>
-                  </a:txBody>
-                  <a:tcPr anchor="ctr">
-                    <a:lnL w="12700" cap="flat" cmpd="sng" algn="ctr">
-                      <a:solidFill>
-                        <a:schemeClr val="accent3">
-                          <a:lumMod val="25000"/>
-                        </a:schemeClr>
-                      </a:solidFill>
-                      <a:prstDash val="solid"/>
-                      <a:round/>
-                      <a:headEnd type="none" w="med" len="med"/>
-                      <a:tailEnd type="none" w="med" len="med"/>
-                    </a:lnL>
-                    <a:lnR w="12700" cap="flat" cmpd="sng" algn="ctr">
-                      <a:solidFill>
-                        <a:schemeClr val="accent3">
-                          <a:lumMod val="25000"/>
-                        </a:schemeClr>
-                      </a:solidFill>
-                      <a:prstDash val="solid"/>
-                      <a:round/>
-                      <a:headEnd type="none" w="med" len="med"/>
-                      <a:tailEnd type="none" w="med" len="med"/>
-                    </a:lnR>
-                    <a:lnT w="12700" cap="flat" cmpd="sng" algn="ctr">
-                      <a:solidFill>
-                        <a:schemeClr val="accent3">
-                          <a:lumMod val="25000"/>
-                        </a:schemeClr>
-                      </a:solidFill>
-                      <a:prstDash val="solid"/>
-                      <a:round/>
-                      <a:headEnd type="none" w="med" len="med"/>
-                      <a:tailEnd type="none" w="med" len="med"/>
-                    </a:lnT>
-                    <a:lnB w="12700" cap="flat" cmpd="sng" algn="ctr">
-                      <a:solidFill>
-                        <a:schemeClr val="accent3">
-                          <a:lumMod val="25000"/>
-                        </a:schemeClr>
-                      </a:solidFill>
-                      <a:prstDash val="solid"/>
-                      <a:round/>
-                      <a:headEnd type="none" w="med" len="med"/>
-                      <a:tailEnd type="none" w="med" len="med"/>
-                    </a:lnB>
-                    <a:lnTlToBr w="12700" cmpd="sng">
-                      <a:noFill/>
-                      <a:prstDash val="solid"/>
-                    </a:lnTlToBr>
-                    <a:lnBlToTr w="12700" cmpd="sng">
-                      <a:noFill/>
-                      <a:prstDash val="solid"/>
-                    </a:lnBlToTr>
-                    <a:solidFill>
-                      <a:schemeClr val="accent4"/>
-                    </a:solidFill>
-                  </a:tcPr>
-                </a:tc>
-                <a:tc>
-                  <a:txBody>
-                    <a:bodyPr/>
-                    <a:lstStyle/>
-                    <a:p>
-                      <a:pPr lvl="0" algn="ctr">
-                        <a:buNone/>
-                      </a:pPr>
-                      <a:r>
-                        <a:rPr lang="en-US" sz="2400" b="1" i="0" u="none" strike="noStrike" noProof="0" dirty="0">
-                          <a:solidFill>
-                            <a:schemeClr val="accent3">
-                              <a:lumMod val="25000"/>
-                            </a:schemeClr>
-                          </a:solidFill>
-                          <a:latin typeface="Tw Cen MT" panose="020B0602020104020603" pitchFamily="34" charset="77"/>
-                          <a:cs typeface="Segoe UI Light" panose="020B0502040204020203" pitchFamily="34" charset="0"/>
-                        </a:rPr>
-                        <a:t>₿</a:t>
-                      </a:r>
-                      <a:r>
-                        <a:rPr lang="en-US" sz="2400" b="1" i="0" dirty="0">
-                          <a:solidFill>
-                            <a:schemeClr val="accent3">
-                              <a:lumMod val="25000"/>
-                            </a:schemeClr>
-                          </a:solidFill>
-                          <a:latin typeface="Tw Cen MT" panose="020B0602020104020603" pitchFamily="34" charset="77"/>
-                          <a:cs typeface="Segoe UI Light" panose="020B0502040204020203" pitchFamily="34" charset="0"/>
-                        </a:rPr>
-                        <a:t>BTC</a:t>
-                      </a:r>
-                    </a:p>
-                  </a:txBody>
-                  <a:tcPr anchor="ctr">
-                    <a:lnL w="12700" cap="flat" cmpd="sng" algn="ctr">
-                      <a:solidFill>
-                        <a:schemeClr val="accent3">
-                          <a:lumMod val="25000"/>
-                        </a:schemeClr>
-                      </a:solidFill>
-                      <a:prstDash val="solid"/>
-                      <a:round/>
-                      <a:headEnd type="none" w="med" len="med"/>
-                      <a:tailEnd type="none" w="med" len="med"/>
-                    </a:lnL>
-                    <a:lnR w="12700" cap="flat" cmpd="sng" algn="ctr">
-                      <a:solidFill>
-                        <a:schemeClr val="accent3">
-                          <a:lumMod val="25000"/>
-                        </a:schemeClr>
-                      </a:solidFill>
-                      <a:prstDash val="solid"/>
-                      <a:round/>
-                      <a:headEnd type="none" w="med" len="med"/>
-                      <a:tailEnd type="none" w="med" len="med"/>
-                    </a:lnR>
-                    <a:lnT w="12700" cap="flat" cmpd="sng" algn="ctr">
-                      <a:solidFill>
-                        <a:schemeClr val="accent3">
-                          <a:lumMod val="25000"/>
-                        </a:schemeClr>
-                      </a:solidFill>
-                      <a:prstDash val="solid"/>
-                      <a:round/>
-                      <a:headEnd type="none" w="med" len="med"/>
-                      <a:tailEnd type="none" w="med" len="med"/>
-                    </a:lnT>
-                    <a:lnB w="12700" cap="flat" cmpd="sng" algn="ctr">
-                      <a:solidFill>
-                        <a:schemeClr val="accent3">
-                          <a:lumMod val="25000"/>
-                        </a:schemeClr>
-                      </a:solidFill>
-                      <a:prstDash val="solid"/>
-                      <a:round/>
-                      <a:headEnd type="none" w="med" len="med"/>
-                      <a:tailEnd type="none" w="med" len="med"/>
-                    </a:lnB>
-                    <a:lnTlToBr w="12700" cmpd="sng">
-                      <a:noFill/>
-                      <a:prstDash val="solid"/>
-                    </a:lnTlToBr>
-                    <a:lnBlToTr w="12700" cmpd="sng">
-                      <a:noFill/>
-                      <a:prstDash val="solid"/>
-                    </a:lnBlToTr>
-                    <a:solidFill>
-                      <a:schemeClr val="tx2"/>
-                    </a:solidFill>
-                  </a:tcPr>
-                </a:tc>
-                <a:extLst>
-                  <a:ext uri="{0D108BD9-81ED-4DB2-BD59-A6C34878D82A}">
-                    <a16:rowId xmlns:a16="http://schemas.microsoft.com/office/drawing/2014/main" val="479928716"/>
-                  </a:ext>
-                </a:extLst>
-              </a:tr>
-              <a:tr h="607863">
-                <a:tc>
-                  <a:txBody>
-                    <a:bodyPr/>
-                    <a:lstStyle/>
-                    <a:p>
-                      <a:pPr algn="ctr"/>
-                      <a:r>
-                        <a:rPr lang="en-US" sz="1600" b="0" i="0" dirty="0">
-                          <a:solidFill>
-                            <a:schemeClr val="bg1"/>
-                          </a:solidFill>
-                          <a:latin typeface="Segoe UI Light" panose="020B0502040204020203" pitchFamily="34" charset="0"/>
-                          <a:cs typeface="Segoe UI Light" panose="020B0502040204020203" pitchFamily="34" charset="0"/>
-                        </a:rPr>
-                        <a:t>Q1</a:t>
-                      </a:r>
-                    </a:p>
-                  </a:txBody>
-                  <a:tcPr anchor="ctr">
-                    <a:lnL w="12700" cap="flat" cmpd="sng" algn="ctr">
-                      <a:solidFill>
-                        <a:schemeClr val="accent3">
-                          <a:lumMod val="25000"/>
-                        </a:schemeClr>
-                      </a:solidFill>
-                      <a:prstDash val="solid"/>
-                      <a:round/>
-                      <a:headEnd type="none" w="med" len="med"/>
-                      <a:tailEnd type="none" w="med" len="med"/>
-                    </a:lnL>
-                    <a:lnR w="12700" cap="flat" cmpd="sng" algn="ctr">
-                      <a:solidFill>
-                        <a:schemeClr val="accent3">
-                          <a:lumMod val="25000"/>
-                        </a:schemeClr>
-                      </a:solidFill>
-                      <a:prstDash val="solid"/>
-                      <a:round/>
-                      <a:headEnd type="none" w="med" len="med"/>
-                      <a:tailEnd type="none" w="med" len="med"/>
-                    </a:lnR>
-                    <a:lnT w="12700" cap="flat" cmpd="sng" algn="ctr">
-                      <a:solidFill>
-                        <a:schemeClr val="accent3">
-                          <a:lumMod val="25000"/>
-                        </a:schemeClr>
-                      </a:solidFill>
-                      <a:prstDash val="solid"/>
-                      <a:round/>
-                      <a:headEnd type="none" w="med" len="med"/>
-                      <a:tailEnd type="none" w="med" len="med"/>
-                    </a:lnT>
-                    <a:lnB w="12700" cap="flat" cmpd="sng" algn="ctr">
-                      <a:solidFill>
-                        <a:schemeClr val="accent3">
-                          <a:lumMod val="25000"/>
-                        </a:schemeClr>
-                      </a:solidFill>
-                      <a:prstDash val="solid"/>
-                      <a:round/>
-                      <a:headEnd type="none" w="med" len="med"/>
-                      <a:tailEnd type="none" w="med" len="med"/>
-                    </a:lnB>
-                    <a:lnTlToBr w="12700" cmpd="sng">
-                      <a:noFill/>
-                      <a:prstDash val="solid"/>
-                    </a:lnTlToBr>
-                    <a:lnBlToTr w="12700" cmpd="sng">
-                      <a:noFill/>
-                      <a:prstDash val="solid"/>
-                    </a:lnBlToTr>
-                    <a:solidFill>
-                      <a:schemeClr val="bg1">
-                        <a:alpha val="30000"/>
-                      </a:schemeClr>
-                    </a:solidFill>
-                  </a:tcPr>
-                </a:tc>
-                <a:tc>
-                  <a:txBody>
-                    <a:bodyPr/>
-                    <a:lstStyle/>
-                    <a:p>
-                      <a:pPr algn="ctr"/>
-                      <a:r>
-                        <a:rPr lang="en-US" sz="1600" b="0" i="0" dirty="0">
-                          <a:solidFill>
-                            <a:schemeClr val="bg1"/>
-                          </a:solidFill>
-                          <a:latin typeface="Segoe UI Light" panose="020B0502040204020203" pitchFamily="34" charset="0"/>
-                          <a:cs typeface="Segoe UI Light" panose="020B0502040204020203" pitchFamily="34" charset="0"/>
-                        </a:rPr>
-                        <a:t>4.5</a:t>
-                      </a:r>
-                    </a:p>
-                  </a:txBody>
-                  <a:tcPr anchor="ctr">
-                    <a:lnL w="12700" cap="flat" cmpd="sng" algn="ctr">
-                      <a:solidFill>
-                        <a:schemeClr val="accent3">
-                          <a:lumMod val="25000"/>
-                        </a:schemeClr>
-                      </a:solidFill>
-                      <a:prstDash val="solid"/>
-                      <a:round/>
-                      <a:headEnd type="none" w="med" len="med"/>
-                      <a:tailEnd type="none" w="med" len="med"/>
-                    </a:lnL>
-                    <a:lnR w="12700" cap="flat" cmpd="sng" algn="ctr">
-                      <a:solidFill>
-                        <a:schemeClr val="accent3">
-                          <a:lumMod val="25000"/>
-                        </a:schemeClr>
-                      </a:solidFill>
-                      <a:prstDash val="solid"/>
-                      <a:round/>
-                      <a:headEnd type="none" w="med" len="med"/>
-                      <a:tailEnd type="none" w="med" len="med"/>
-                    </a:lnR>
-                    <a:lnT w="12700" cap="flat" cmpd="sng" algn="ctr">
-                      <a:solidFill>
-                        <a:schemeClr val="accent3">
-                          <a:lumMod val="25000"/>
-                        </a:schemeClr>
-                      </a:solidFill>
-                      <a:prstDash val="solid"/>
-                      <a:round/>
-                      <a:headEnd type="none" w="med" len="med"/>
-                      <a:tailEnd type="none" w="med" len="med"/>
-                    </a:lnT>
-                    <a:lnB w="12700" cap="flat" cmpd="sng" algn="ctr">
-                      <a:solidFill>
-                        <a:schemeClr val="accent3">
-                          <a:lumMod val="25000"/>
-                        </a:schemeClr>
-                      </a:solidFill>
-                      <a:prstDash val="solid"/>
-                      <a:round/>
-                      <a:headEnd type="none" w="med" len="med"/>
-                      <a:tailEnd type="none" w="med" len="med"/>
-                    </a:lnB>
-                    <a:lnTlToBr w="12700" cmpd="sng">
-                      <a:noFill/>
-                      <a:prstDash val="solid"/>
-                    </a:lnTlToBr>
-                    <a:lnBlToTr w="12700" cmpd="sng">
-                      <a:noFill/>
-                      <a:prstDash val="solid"/>
-                    </a:lnBlToTr>
-                    <a:solidFill>
-                      <a:schemeClr val="bg1">
-                        <a:alpha val="30000"/>
-                      </a:schemeClr>
-                    </a:solidFill>
-                  </a:tcPr>
-                </a:tc>
-                <a:tc>
-                  <a:txBody>
-                    <a:bodyPr/>
-                    <a:lstStyle/>
-                    <a:p>
-                      <a:pPr algn="ctr"/>
-                      <a:r>
-                        <a:rPr lang="en-US" sz="1600" b="0" i="0" dirty="0">
-                          <a:solidFill>
-                            <a:schemeClr val="bg1"/>
-                          </a:solidFill>
-                          <a:latin typeface="Segoe UI Light" panose="020B0502040204020203" pitchFamily="34" charset="0"/>
-                          <a:cs typeface="Segoe UI Light" panose="020B0502040204020203" pitchFamily="34" charset="0"/>
-                        </a:rPr>
-                        <a:t>2.3</a:t>
-                      </a:r>
-                    </a:p>
-                  </a:txBody>
-                  <a:tcPr anchor="ctr">
-                    <a:lnL w="12700" cap="flat" cmpd="sng" algn="ctr">
-                      <a:solidFill>
-                        <a:schemeClr val="accent3">
-                          <a:lumMod val="25000"/>
-                        </a:schemeClr>
-                      </a:solidFill>
-                      <a:prstDash val="solid"/>
-                      <a:round/>
-                      <a:headEnd type="none" w="med" len="med"/>
-                      <a:tailEnd type="none" w="med" len="med"/>
-                    </a:lnL>
-                    <a:lnR w="12700" cap="flat" cmpd="sng" algn="ctr">
-                      <a:solidFill>
-                        <a:schemeClr val="accent3">
-                          <a:lumMod val="25000"/>
-                        </a:schemeClr>
-                      </a:solidFill>
-                      <a:prstDash val="solid"/>
-                      <a:round/>
-                      <a:headEnd type="none" w="med" len="med"/>
-                      <a:tailEnd type="none" w="med" len="med"/>
-                    </a:lnR>
-                    <a:lnT w="12700" cap="flat" cmpd="sng" algn="ctr">
-                      <a:solidFill>
-                        <a:schemeClr val="accent3">
-                          <a:lumMod val="25000"/>
-                        </a:schemeClr>
-                      </a:solidFill>
-                      <a:prstDash val="solid"/>
-                      <a:round/>
-                      <a:headEnd type="none" w="med" len="med"/>
-                      <a:tailEnd type="none" w="med" len="med"/>
-                    </a:lnT>
-                    <a:lnB w="12700" cap="flat" cmpd="sng" algn="ctr">
-                      <a:solidFill>
-                        <a:schemeClr val="accent3">
-                          <a:lumMod val="25000"/>
-                        </a:schemeClr>
-                      </a:solidFill>
-                      <a:prstDash val="solid"/>
-                      <a:round/>
-                      <a:headEnd type="none" w="med" len="med"/>
-                      <a:tailEnd type="none" w="med" len="med"/>
-                    </a:lnB>
-                    <a:lnTlToBr w="12700" cmpd="sng">
-                      <a:noFill/>
-                      <a:prstDash val="solid"/>
-                    </a:lnTlToBr>
-                    <a:lnBlToTr w="12700" cmpd="sng">
-                      <a:noFill/>
-                      <a:prstDash val="solid"/>
-                    </a:lnBlToTr>
-                    <a:solidFill>
-                      <a:schemeClr val="bg1">
-                        <a:alpha val="30000"/>
-                      </a:schemeClr>
-                    </a:solidFill>
-                  </a:tcPr>
-                </a:tc>
-                <a:tc>
-                  <a:txBody>
-                    <a:bodyPr/>
-                    <a:lstStyle/>
-                    <a:p>
-                      <a:pPr algn="ctr"/>
-                      <a:r>
-                        <a:rPr lang="en-US" sz="1600" b="0" i="0" dirty="0">
-                          <a:solidFill>
-                            <a:schemeClr val="bg1"/>
-                          </a:solidFill>
-                          <a:latin typeface="Segoe UI Light" panose="020B0502040204020203" pitchFamily="34" charset="0"/>
-                          <a:cs typeface="Segoe UI Light" panose="020B0502040204020203" pitchFamily="34" charset="0"/>
-                        </a:rPr>
-                        <a:t>1.7</a:t>
-                      </a:r>
-                    </a:p>
-                  </a:txBody>
-                  <a:tcPr anchor="ctr">
-                    <a:lnL w="12700" cap="flat" cmpd="sng" algn="ctr">
-                      <a:solidFill>
-                        <a:schemeClr val="accent3">
-                          <a:lumMod val="25000"/>
-                        </a:schemeClr>
-                      </a:solidFill>
-                      <a:prstDash val="solid"/>
-                      <a:round/>
-                      <a:headEnd type="none" w="med" len="med"/>
-                      <a:tailEnd type="none" w="med" len="med"/>
-                    </a:lnL>
-                    <a:lnR w="12700" cap="flat" cmpd="sng" algn="ctr">
-                      <a:solidFill>
-                        <a:schemeClr val="accent3">
-                          <a:lumMod val="25000"/>
-                        </a:schemeClr>
-                      </a:solidFill>
-                      <a:prstDash val="solid"/>
-                      <a:round/>
-                      <a:headEnd type="none" w="med" len="med"/>
-                      <a:tailEnd type="none" w="med" len="med"/>
-                    </a:lnR>
-                    <a:lnT w="12700" cap="flat" cmpd="sng" algn="ctr">
-                      <a:solidFill>
-                        <a:schemeClr val="accent3">
-                          <a:lumMod val="25000"/>
-                        </a:schemeClr>
-                      </a:solidFill>
-                      <a:prstDash val="solid"/>
-                      <a:round/>
-                      <a:headEnd type="none" w="med" len="med"/>
-                      <a:tailEnd type="none" w="med" len="med"/>
-                    </a:lnT>
-                    <a:lnB w="12700" cap="flat" cmpd="sng" algn="ctr">
-                      <a:solidFill>
-                        <a:schemeClr val="accent3">
-                          <a:lumMod val="25000"/>
-                        </a:schemeClr>
-                      </a:solidFill>
-                      <a:prstDash val="solid"/>
-                      <a:round/>
-                      <a:headEnd type="none" w="med" len="med"/>
-                      <a:tailEnd type="none" w="med" len="med"/>
-                    </a:lnB>
-                    <a:lnTlToBr w="12700" cmpd="sng">
-                      <a:noFill/>
-                      <a:prstDash val="solid"/>
-                    </a:lnTlToBr>
-                    <a:lnBlToTr w="12700" cmpd="sng">
-                      <a:noFill/>
-                      <a:prstDash val="solid"/>
-                    </a:lnBlToTr>
-                    <a:solidFill>
-                      <a:schemeClr val="bg1">
-                        <a:alpha val="30000"/>
-                      </a:schemeClr>
-                    </a:solidFill>
-                  </a:tcPr>
-                </a:tc>
-                <a:tc>
-                  <a:txBody>
-                    <a:bodyPr/>
-                    <a:lstStyle/>
-                    <a:p>
-                      <a:pPr algn="ctr"/>
-                      <a:r>
-                        <a:rPr lang="en-US" sz="1600" b="0" i="0" dirty="0">
-                          <a:solidFill>
-                            <a:schemeClr val="bg1"/>
-                          </a:solidFill>
-                          <a:latin typeface="Segoe UI Light" panose="020B0502040204020203" pitchFamily="34" charset="0"/>
-                          <a:cs typeface="Segoe UI Light" panose="020B0502040204020203" pitchFamily="34" charset="0"/>
-                        </a:rPr>
-                        <a:t>5.0</a:t>
-                      </a:r>
-                    </a:p>
-                  </a:txBody>
-                  <a:tcPr anchor="ctr">
-                    <a:lnL w="12700" cap="flat" cmpd="sng" algn="ctr">
-                      <a:solidFill>
-                        <a:schemeClr val="accent3">
-                          <a:lumMod val="25000"/>
-                        </a:schemeClr>
-                      </a:solidFill>
-                      <a:prstDash val="solid"/>
-                      <a:round/>
-                      <a:headEnd type="none" w="med" len="med"/>
-                      <a:tailEnd type="none" w="med" len="med"/>
-                    </a:lnL>
-                    <a:lnR w="12700" cap="flat" cmpd="sng" algn="ctr">
-                      <a:solidFill>
-                        <a:schemeClr val="accent3">
-                          <a:lumMod val="25000"/>
-                        </a:schemeClr>
-                      </a:solidFill>
-                      <a:prstDash val="solid"/>
-                      <a:round/>
-                      <a:headEnd type="none" w="med" len="med"/>
-                      <a:tailEnd type="none" w="med" len="med"/>
-                    </a:lnR>
-                    <a:lnT w="12700" cap="flat" cmpd="sng" algn="ctr">
-                      <a:solidFill>
-                        <a:schemeClr val="accent3">
-                          <a:lumMod val="25000"/>
-                        </a:schemeClr>
-                      </a:solidFill>
-                      <a:prstDash val="solid"/>
-                      <a:round/>
-                      <a:headEnd type="none" w="med" len="med"/>
-                      <a:tailEnd type="none" w="med" len="med"/>
-                    </a:lnT>
-                    <a:lnB w="12700" cap="flat" cmpd="sng" algn="ctr">
-                      <a:solidFill>
-                        <a:schemeClr val="accent3">
-                          <a:lumMod val="25000"/>
-                        </a:schemeClr>
-                      </a:solidFill>
-                      <a:prstDash val="solid"/>
-                      <a:round/>
-                      <a:headEnd type="none" w="med" len="med"/>
-                      <a:tailEnd type="none" w="med" len="med"/>
-                    </a:lnB>
-                    <a:lnTlToBr w="12700" cmpd="sng">
-                      <a:noFill/>
-                      <a:prstDash val="solid"/>
-                    </a:lnTlToBr>
-                    <a:lnBlToTr w="12700" cmpd="sng">
-                      <a:noFill/>
-                      <a:prstDash val="solid"/>
-                    </a:lnBlToTr>
-                    <a:solidFill>
-                      <a:schemeClr val="bg1">
-                        <a:alpha val="30000"/>
-                      </a:schemeClr>
-                    </a:solidFill>
-                  </a:tcPr>
-                </a:tc>
-                <a:extLst>
-                  <a:ext uri="{0D108BD9-81ED-4DB2-BD59-A6C34878D82A}">
-                    <a16:rowId xmlns:a16="http://schemas.microsoft.com/office/drawing/2014/main" val="1760208656"/>
-                  </a:ext>
-                </a:extLst>
-              </a:tr>
-              <a:tr h="610590">
-                <a:tc>
-                  <a:txBody>
-                    <a:bodyPr/>
-                    <a:lstStyle/>
-                    <a:p>
-                      <a:pPr algn="ctr"/>
-                      <a:r>
-                        <a:rPr lang="en-US" sz="1600" b="0" i="0" dirty="0">
-                          <a:solidFill>
-                            <a:schemeClr val="bg1"/>
-                          </a:solidFill>
-                          <a:latin typeface="Segoe UI Light" panose="020B0502040204020203" pitchFamily="34" charset="0"/>
-                          <a:cs typeface="Segoe UI Light" panose="020B0502040204020203" pitchFamily="34" charset="0"/>
-                        </a:rPr>
-                        <a:t>Q2</a:t>
-                      </a:r>
-                    </a:p>
-                  </a:txBody>
-                  <a:tcPr anchor="ctr">
-                    <a:lnL w="12700" cap="flat" cmpd="sng" algn="ctr">
-                      <a:solidFill>
-                        <a:schemeClr val="accent3">
-                          <a:lumMod val="25000"/>
-                        </a:schemeClr>
-                      </a:solidFill>
-                      <a:prstDash val="solid"/>
-                      <a:round/>
-                      <a:headEnd type="none" w="med" len="med"/>
-                      <a:tailEnd type="none" w="med" len="med"/>
-                    </a:lnL>
-                    <a:lnR w="12700" cap="flat" cmpd="sng" algn="ctr">
-                      <a:solidFill>
-                        <a:schemeClr val="accent3">
-                          <a:lumMod val="25000"/>
-                        </a:schemeClr>
-                      </a:solidFill>
-                      <a:prstDash val="solid"/>
-                      <a:round/>
-                      <a:headEnd type="none" w="med" len="med"/>
-                      <a:tailEnd type="none" w="med" len="med"/>
-                    </a:lnR>
-                    <a:lnT w="12700" cap="flat" cmpd="sng" algn="ctr">
-                      <a:solidFill>
-                        <a:schemeClr val="accent3">
-                          <a:lumMod val="25000"/>
-                        </a:schemeClr>
-                      </a:solidFill>
-                      <a:prstDash val="solid"/>
-                      <a:round/>
-                      <a:headEnd type="none" w="med" len="med"/>
-                      <a:tailEnd type="none" w="med" len="med"/>
-                    </a:lnT>
-                    <a:lnB w="12700" cap="flat" cmpd="sng" algn="ctr">
-                      <a:solidFill>
-                        <a:schemeClr val="accent3">
-                          <a:lumMod val="25000"/>
-                        </a:schemeClr>
-                      </a:solidFill>
-                      <a:prstDash val="solid"/>
-                      <a:round/>
-                      <a:headEnd type="none" w="med" len="med"/>
-                      <a:tailEnd type="none" w="med" len="med"/>
-                    </a:lnB>
-                    <a:lnTlToBr w="12700" cmpd="sng">
-                      <a:noFill/>
-                      <a:prstDash val="solid"/>
-                    </a:lnTlToBr>
-                    <a:lnBlToTr w="12700" cmpd="sng">
-                      <a:noFill/>
-                      <a:prstDash val="solid"/>
-                    </a:lnBlToTr>
-                    <a:solidFill>
-                      <a:schemeClr val="bg1">
-                        <a:alpha val="40000"/>
-                      </a:schemeClr>
-                    </a:solidFill>
-                  </a:tcPr>
-                </a:tc>
-                <a:tc>
-                  <a:txBody>
-                    <a:bodyPr/>
-                    <a:lstStyle/>
-                    <a:p>
-                      <a:pPr algn="ctr"/>
-                      <a:r>
-                        <a:rPr lang="en-US" sz="1600" b="0" i="0" dirty="0">
-                          <a:solidFill>
-                            <a:schemeClr val="bg1"/>
-                          </a:solidFill>
-                          <a:latin typeface="Segoe UI Light" panose="020B0502040204020203" pitchFamily="34" charset="0"/>
-                          <a:cs typeface="Segoe UI Light" panose="020B0502040204020203" pitchFamily="34" charset="0"/>
-                        </a:rPr>
-                        <a:t>3.2</a:t>
-                      </a:r>
-                    </a:p>
-                  </a:txBody>
-                  <a:tcPr anchor="ctr">
-                    <a:lnL w="12700" cap="flat" cmpd="sng" algn="ctr">
-                      <a:solidFill>
-                        <a:schemeClr val="accent3">
-                          <a:lumMod val="25000"/>
-                        </a:schemeClr>
-                      </a:solidFill>
-                      <a:prstDash val="solid"/>
-                      <a:round/>
-                      <a:headEnd type="none" w="med" len="med"/>
-                      <a:tailEnd type="none" w="med" len="med"/>
-                    </a:lnL>
-                    <a:lnR w="12700" cap="flat" cmpd="sng" algn="ctr">
-                      <a:solidFill>
-                        <a:schemeClr val="accent3">
-                          <a:lumMod val="25000"/>
-                        </a:schemeClr>
-                      </a:solidFill>
-                      <a:prstDash val="solid"/>
-                      <a:round/>
-                      <a:headEnd type="none" w="med" len="med"/>
-                      <a:tailEnd type="none" w="med" len="med"/>
-                    </a:lnR>
-                    <a:lnT w="12700" cap="flat" cmpd="sng" algn="ctr">
-                      <a:solidFill>
-                        <a:schemeClr val="accent3">
-                          <a:lumMod val="25000"/>
-                        </a:schemeClr>
-                      </a:solidFill>
-                      <a:prstDash val="solid"/>
-                      <a:round/>
-                      <a:headEnd type="none" w="med" len="med"/>
-                      <a:tailEnd type="none" w="med" len="med"/>
-                    </a:lnT>
-                    <a:lnB w="12700" cap="flat" cmpd="sng" algn="ctr">
-                      <a:solidFill>
-                        <a:schemeClr val="accent3">
-                          <a:lumMod val="25000"/>
-                        </a:schemeClr>
-                      </a:solidFill>
-                      <a:prstDash val="solid"/>
-                      <a:round/>
-                      <a:headEnd type="none" w="med" len="med"/>
-                      <a:tailEnd type="none" w="med" len="med"/>
-                    </a:lnB>
-                    <a:lnTlToBr w="12700" cmpd="sng">
-                      <a:noFill/>
-                      <a:prstDash val="solid"/>
-                    </a:lnTlToBr>
-                    <a:lnBlToTr w="12700" cmpd="sng">
-                      <a:noFill/>
-                      <a:prstDash val="solid"/>
-                    </a:lnBlToTr>
-                    <a:solidFill>
-                      <a:schemeClr val="bg1">
-                        <a:alpha val="40000"/>
-                      </a:schemeClr>
-                    </a:solidFill>
-                  </a:tcPr>
-                </a:tc>
-                <a:tc>
-                  <a:txBody>
-                    <a:bodyPr/>
-                    <a:lstStyle/>
-                    <a:p>
-                      <a:pPr algn="ctr"/>
-                      <a:r>
-                        <a:rPr lang="en-US" sz="1600" b="0" i="0" dirty="0">
-                          <a:solidFill>
-                            <a:schemeClr val="bg1"/>
-                          </a:solidFill>
-                          <a:latin typeface="Segoe UI Light" panose="020B0502040204020203" pitchFamily="34" charset="0"/>
-                          <a:cs typeface="Segoe UI Light" panose="020B0502040204020203" pitchFamily="34" charset="0"/>
-                        </a:rPr>
-                        <a:t>5.1</a:t>
-                      </a:r>
-                    </a:p>
-                  </a:txBody>
-                  <a:tcPr anchor="ctr">
-                    <a:lnL w="12700" cap="flat" cmpd="sng" algn="ctr">
-                      <a:solidFill>
-                        <a:schemeClr val="accent3">
-                          <a:lumMod val="25000"/>
-                        </a:schemeClr>
-                      </a:solidFill>
-                      <a:prstDash val="solid"/>
-                      <a:round/>
-                      <a:headEnd type="none" w="med" len="med"/>
-                      <a:tailEnd type="none" w="med" len="med"/>
-                    </a:lnL>
-                    <a:lnR w="12700" cap="flat" cmpd="sng" algn="ctr">
-                      <a:solidFill>
-                        <a:schemeClr val="accent3">
-                          <a:lumMod val="25000"/>
-                        </a:schemeClr>
-                      </a:solidFill>
-                      <a:prstDash val="solid"/>
-                      <a:round/>
-                      <a:headEnd type="none" w="med" len="med"/>
-                      <a:tailEnd type="none" w="med" len="med"/>
-                    </a:lnR>
-                    <a:lnT w="12700" cap="flat" cmpd="sng" algn="ctr">
-                      <a:solidFill>
-                        <a:schemeClr val="accent3">
-                          <a:lumMod val="25000"/>
-                        </a:schemeClr>
-                      </a:solidFill>
-                      <a:prstDash val="solid"/>
-                      <a:round/>
-                      <a:headEnd type="none" w="med" len="med"/>
-                      <a:tailEnd type="none" w="med" len="med"/>
-                    </a:lnT>
-                    <a:lnB w="12700" cap="flat" cmpd="sng" algn="ctr">
-                      <a:solidFill>
-                        <a:schemeClr val="accent3">
-                          <a:lumMod val="25000"/>
-                        </a:schemeClr>
-                      </a:solidFill>
-                      <a:prstDash val="solid"/>
-                      <a:round/>
-                      <a:headEnd type="none" w="med" len="med"/>
-                      <a:tailEnd type="none" w="med" len="med"/>
-                    </a:lnB>
-                    <a:lnTlToBr w="12700" cmpd="sng">
-                      <a:noFill/>
-                      <a:prstDash val="solid"/>
-                    </a:lnTlToBr>
-                    <a:lnBlToTr w="12700" cmpd="sng">
-                      <a:noFill/>
-                      <a:prstDash val="solid"/>
-                    </a:lnBlToTr>
-                    <a:solidFill>
-                      <a:schemeClr val="bg1">
-                        <a:alpha val="40000"/>
-                      </a:schemeClr>
-                    </a:solidFill>
-                  </a:tcPr>
-                </a:tc>
-                <a:tc>
-                  <a:txBody>
-                    <a:bodyPr/>
-                    <a:lstStyle/>
-                    <a:p>
-                      <a:pPr algn="ctr"/>
-                      <a:r>
-                        <a:rPr lang="en-US" sz="1600" b="0" i="0" dirty="0">
-                          <a:solidFill>
-                            <a:schemeClr val="bg1"/>
-                          </a:solidFill>
-                          <a:latin typeface="Segoe UI Light" panose="020B0502040204020203" pitchFamily="34" charset="0"/>
-                          <a:cs typeface="Segoe UI Light" panose="020B0502040204020203" pitchFamily="34" charset="0"/>
-                        </a:rPr>
-                        <a:t>4.4</a:t>
-                      </a:r>
-                    </a:p>
-                  </a:txBody>
-                  <a:tcPr anchor="ctr">
-                    <a:lnL w="12700" cap="flat" cmpd="sng" algn="ctr">
-                      <a:solidFill>
-                        <a:schemeClr val="accent3">
-                          <a:lumMod val="25000"/>
-                        </a:schemeClr>
-                      </a:solidFill>
-                      <a:prstDash val="solid"/>
-                      <a:round/>
-                      <a:headEnd type="none" w="med" len="med"/>
-                      <a:tailEnd type="none" w="med" len="med"/>
-                    </a:lnL>
-                    <a:lnR w="12700" cap="flat" cmpd="sng" algn="ctr">
-                      <a:solidFill>
-                        <a:schemeClr val="accent3">
-                          <a:lumMod val="25000"/>
-                        </a:schemeClr>
-                      </a:solidFill>
-                      <a:prstDash val="solid"/>
-                      <a:round/>
-                      <a:headEnd type="none" w="med" len="med"/>
-                      <a:tailEnd type="none" w="med" len="med"/>
-                    </a:lnR>
-                    <a:lnT w="12700" cap="flat" cmpd="sng" algn="ctr">
-                      <a:solidFill>
-                        <a:schemeClr val="accent3">
-                          <a:lumMod val="25000"/>
-                        </a:schemeClr>
-                      </a:solidFill>
-                      <a:prstDash val="solid"/>
-                      <a:round/>
-                      <a:headEnd type="none" w="med" len="med"/>
-                      <a:tailEnd type="none" w="med" len="med"/>
-                    </a:lnT>
-                    <a:lnB w="12700" cap="flat" cmpd="sng" algn="ctr">
-                      <a:solidFill>
-                        <a:schemeClr val="accent3">
-                          <a:lumMod val="25000"/>
-                        </a:schemeClr>
-                      </a:solidFill>
-                      <a:prstDash val="solid"/>
-                      <a:round/>
-                      <a:headEnd type="none" w="med" len="med"/>
-                      <a:tailEnd type="none" w="med" len="med"/>
-                    </a:lnB>
-                    <a:lnTlToBr w="12700" cmpd="sng">
-                      <a:noFill/>
-                      <a:prstDash val="solid"/>
-                    </a:lnTlToBr>
-                    <a:lnBlToTr w="12700" cmpd="sng">
-                      <a:noFill/>
-                      <a:prstDash val="solid"/>
-                    </a:lnBlToTr>
-                    <a:solidFill>
-                      <a:schemeClr val="bg1">
-                        <a:alpha val="40000"/>
-                      </a:schemeClr>
-                    </a:solidFill>
-                  </a:tcPr>
-                </a:tc>
-                <a:tc>
-                  <a:txBody>
-                    <a:bodyPr/>
-                    <a:lstStyle/>
-                    <a:p>
-                      <a:pPr algn="ctr"/>
-                      <a:r>
-                        <a:rPr lang="en-US" sz="1600" b="0" i="0" dirty="0">
-                          <a:solidFill>
-                            <a:schemeClr val="bg1"/>
-                          </a:solidFill>
-                          <a:latin typeface="Segoe UI Light" panose="020B0502040204020203" pitchFamily="34" charset="0"/>
-                          <a:cs typeface="Segoe UI Light" panose="020B0502040204020203" pitchFamily="34" charset="0"/>
-                        </a:rPr>
-                        <a:t>3.0</a:t>
-                      </a:r>
-                    </a:p>
-                  </a:txBody>
-                  <a:tcPr anchor="ctr">
-                    <a:lnL w="12700" cap="flat" cmpd="sng" algn="ctr">
-                      <a:solidFill>
-                        <a:schemeClr val="accent3">
-                          <a:lumMod val="25000"/>
-                        </a:schemeClr>
-                      </a:solidFill>
-                      <a:prstDash val="solid"/>
-                      <a:round/>
-                      <a:headEnd type="none" w="med" len="med"/>
-                      <a:tailEnd type="none" w="med" len="med"/>
-                    </a:lnL>
-                    <a:lnR w="12700" cap="flat" cmpd="sng" algn="ctr">
-                      <a:solidFill>
-                        <a:schemeClr val="accent3">
-                          <a:lumMod val="25000"/>
-                        </a:schemeClr>
-                      </a:solidFill>
-                      <a:prstDash val="solid"/>
-                      <a:round/>
-                      <a:headEnd type="none" w="med" len="med"/>
-                      <a:tailEnd type="none" w="med" len="med"/>
-                    </a:lnR>
-                    <a:lnT w="12700" cap="flat" cmpd="sng" algn="ctr">
-                      <a:solidFill>
-                        <a:schemeClr val="accent3">
-                          <a:lumMod val="25000"/>
-                        </a:schemeClr>
-                      </a:solidFill>
-                      <a:prstDash val="solid"/>
-                      <a:round/>
-                      <a:headEnd type="none" w="med" len="med"/>
-                      <a:tailEnd type="none" w="med" len="med"/>
-                    </a:lnT>
-                    <a:lnB w="12700" cap="flat" cmpd="sng" algn="ctr">
-                      <a:solidFill>
-                        <a:schemeClr val="accent3">
-                          <a:lumMod val="25000"/>
-                        </a:schemeClr>
-                      </a:solidFill>
-                      <a:prstDash val="solid"/>
-                      <a:round/>
-                      <a:headEnd type="none" w="med" len="med"/>
-                      <a:tailEnd type="none" w="med" len="med"/>
-                    </a:lnB>
-                    <a:lnTlToBr w="12700" cmpd="sng">
-                      <a:noFill/>
-                      <a:prstDash val="solid"/>
-                    </a:lnTlToBr>
-                    <a:lnBlToTr w="12700" cmpd="sng">
-                      <a:noFill/>
-                      <a:prstDash val="solid"/>
-                    </a:lnBlToTr>
-                    <a:solidFill>
-                      <a:schemeClr val="bg1">
-                        <a:alpha val="40000"/>
-                      </a:schemeClr>
-                    </a:solidFill>
-                  </a:tcPr>
-                </a:tc>
-                <a:extLst>
-                  <a:ext uri="{0D108BD9-81ED-4DB2-BD59-A6C34878D82A}">
-                    <a16:rowId xmlns:a16="http://schemas.microsoft.com/office/drawing/2014/main" val="3634243071"/>
-                  </a:ext>
-                </a:extLst>
-              </a:tr>
-              <a:tr h="627902">
-                <a:tc>
-                  <a:txBody>
-                    <a:bodyPr/>
-                    <a:lstStyle/>
-                    <a:p>
-                      <a:pPr algn="ctr"/>
-                      <a:r>
-                        <a:rPr lang="en-US" sz="1600" b="0" i="0" dirty="0">
-                          <a:solidFill>
-                            <a:schemeClr val="bg1"/>
-                          </a:solidFill>
-                          <a:latin typeface="Segoe UI Light" panose="020B0502040204020203" pitchFamily="34" charset="0"/>
-                          <a:cs typeface="Segoe UI Light" panose="020B0502040204020203" pitchFamily="34" charset="0"/>
-                        </a:rPr>
-                        <a:t>Q3</a:t>
-                      </a:r>
-                    </a:p>
-                  </a:txBody>
-                  <a:tcPr anchor="ctr">
-                    <a:lnL w="12700" cap="flat" cmpd="sng" algn="ctr">
-                      <a:solidFill>
-                        <a:schemeClr val="accent3">
-                          <a:lumMod val="25000"/>
-                        </a:schemeClr>
-                      </a:solidFill>
-                      <a:prstDash val="solid"/>
-                      <a:round/>
-                      <a:headEnd type="none" w="med" len="med"/>
-                      <a:tailEnd type="none" w="med" len="med"/>
-                    </a:lnL>
-                    <a:lnR w="12700" cap="flat" cmpd="sng" algn="ctr">
-                      <a:solidFill>
-                        <a:schemeClr val="accent3">
-                          <a:lumMod val="25000"/>
-                        </a:schemeClr>
-                      </a:solidFill>
-                      <a:prstDash val="solid"/>
-                      <a:round/>
-                      <a:headEnd type="none" w="med" len="med"/>
-                      <a:tailEnd type="none" w="med" len="med"/>
-                    </a:lnR>
-                    <a:lnT w="12700" cap="flat" cmpd="sng" algn="ctr">
-                      <a:solidFill>
-                        <a:schemeClr val="accent3">
-                          <a:lumMod val="25000"/>
-                        </a:schemeClr>
-                      </a:solidFill>
-                      <a:prstDash val="solid"/>
-                      <a:round/>
-                      <a:headEnd type="none" w="med" len="med"/>
-                      <a:tailEnd type="none" w="med" len="med"/>
-                    </a:lnT>
-                    <a:lnB w="12700" cap="flat" cmpd="sng" algn="ctr">
-                      <a:solidFill>
-                        <a:schemeClr val="accent3">
-                          <a:lumMod val="25000"/>
-                        </a:schemeClr>
-                      </a:solidFill>
-                      <a:prstDash val="solid"/>
-                      <a:round/>
-                      <a:headEnd type="none" w="med" len="med"/>
-                      <a:tailEnd type="none" w="med" len="med"/>
-                    </a:lnB>
-                    <a:lnTlToBr w="12700" cmpd="sng">
-                      <a:noFill/>
-                      <a:prstDash val="solid"/>
-                    </a:lnTlToBr>
-                    <a:lnBlToTr w="12700" cmpd="sng">
-                      <a:noFill/>
-                      <a:prstDash val="solid"/>
-                    </a:lnBlToTr>
-                    <a:solidFill>
-                      <a:schemeClr val="bg1">
-                        <a:alpha val="30000"/>
-                      </a:schemeClr>
-                    </a:solidFill>
-                  </a:tcPr>
-                </a:tc>
-                <a:tc>
-                  <a:txBody>
-                    <a:bodyPr/>
-                    <a:lstStyle/>
-                    <a:p>
-                      <a:pPr algn="ctr"/>
-                      <a:r>
-                        <a:rPr lang="en-US" sz="1600" b="0" i="0" dirty="0">
-                          <a:solidFill>
-                            <a:schemeClr val="bg1"/>
-                          </a:solidFill>
-                          <a:latin typeface="Segoe UI Light" panose="020B0502040204020203" pitchFamily="34" charset="0"/>
-                          <a:cs typeface="Segoe UI Light" panose="020B0502040204020203" pitchFamily="34" charset="0"/>
-                        </a:rPr>
-                        <a:t>2.1</a:t>
-                      </a:r>
-                    </a:p>
-                  </a:txBody>
-                  <a:tcPr anchor="ctr">
-                    <a:lnL w="12700" cap="flat" cmpd="sng" algn="ctr">
-                      <a:solidFill>
-                        <a:schemeClr val="accent3">
-                          <a:lumMod val="25000"/>
-                        </a:schemeClr>
-                      </a:solidFill>
-                      <a:prstDash val="solid"/>
-                      <a:round/>
-                      <a:headEnd type="none" w="med" len="med"/>
-                      <a:tailEnd type="none" w="med" len="med"/>
-                    </a:lnL>
-                    <a:lnR w="12700" cap="flat" cmpd="sng" algn="ctr">
-                      <a:solidFill>
-                        <a:schemeClr val="accent3">
-                          <a:lumMod val="25000"/>
-                        </a:schemeClr>
-                      </a:solidFill>
-                      <a:prstDash val="solid"/>
-                      <a:round/>
-                      <a:headEnd type="none" w="med" len="med"/>
-                      <a:tailEnd type="none" w="med" len="med"/>
-                    </a:lnR>
-                    <a:lnT w="12700" cap="flat" cmpd="sng" algn="ctr">
-                      <a:solidFill>
-                        <a:schemeClr val="accent3">
-                          <a:lumMod val="25000"/>
-                        </a:schemeClr>
-                      </a:solidFill>
-                      <a:prstDash val="solid"/>
-                      <a:round/>
-                      <a:headEnd type="none" w="med" len="med"/>
-                      <a:tailEnd type="none" w="med" len="med"/>
-                    </a:lnT>
-                    <a:lnB w="12700" cap="flat" cmpd="sng" algn="ctr">
-                      <a:solidFill>
-                        <a:schemeClr val="accent3">
-                          <a:lumMod val="25000"/>
-                        </a:schemeClr>
-                      </a:solidFill>
-                      <a:prstDash val="solid"/>
-                      <a:round/>
-                      <a:headEnd type="none" w="med" len="med"/>
-                      <a:tailEnd type="none" w="med" len="med"/>
-                    </a:lnB>
-                    <a:lnTlToBr w="12700" cmpd="sng">
-                      <a:noFill/>
-                      <a:prstDash val="solid"/>
-                    </a:lnTlToBr>
-                    <a:lnBlToTr w="12700" cmpd="sng">
-                      <a:noFill/>
-                      <a:prstDash val="solid"/>
-                    </a:lnBlToTr>
-                    <a:solidFill>
-                      <a:schemeClr val="bg1">
-                        <a:alpha val="30000"/>
-                      </a:schemeClr>
-                    </a:solidFill>
-                  </a:tcPr>
-                </a:tc>
-                <a:tc>
-                  <a:txBody>
-                    <a:bodyPr/>
-                    <a:lstStyle/>
-                    <a:p>
-                      <a:pPr algn="ctr"/>
-                      <a:r>
-                        <a:rPr lang="en-US" sz="1600" b="0" i="0" dirty="0">
-                          <a:solidFill>
-                            <a:schemeClr val="bg1"/>
-                          </a:solidFill>
-                          <a:latin typeface="Segoe UI Light" panose="020B0502040204020203" pitchFamily="34" charset="0"/>
-                          <a:cs typeface="Segoe UI Light" panose="020B0502040204020203" pitchFamily="34" charset="0"/>
-                        </a:rPr>
-                        <a:t>1.7</a:t>
-                      </a:r>
-                    </a:p>
-                  </a:txBody>
-                  <a:tcPr anchor="ctr">
-                    <a:lnL w="12700" cap="flat" cmpd="sng" algn="ctr">
-                      <a:solidFill>
-                        <a:schemeClr val="accent3">
-                          <a:lumMod val="25000"/>
-                        </a:schemeClr>
-                      </a:solidFill>
-                      <a:prstDash val="solid"/>
-                      <a:round/>
-                      <a:headEnd type="none" w="med" len="med"/>
-                      <a:tailEnd type="none" w="med" len="med"/>
-                    </a:lnL>
-                    <a:lnR w="12700" cap="flat" cmpd="sng" algn="ctr">
-                      <a:solidFill>
-                        <a:schemeClr val="accent3">
-                          <a:lumMod val="25000"/>
-                        </a:schemeClr>
-                      </a:solidFill>
-                      <a:prstDash val="solid"/>
-                      <a:round/>
-                      <a:headEnd type="none" w="med" len="med"/>
-                      <a:tailEnd type="none" w="med" len="med"/>
-                    </a:lnR>
-                    <a:lnT w="12700" cap="flat" cmpd="sng" algn="ctr">
-                      <a:solidFill>
-                        <a:schemeClr val="accent3">
-                          <a:lumMod val="25000"/>
-                        </a:schemeClr>
-                      </a:solidFill>
-                      <a:prstDash val="solid"/>
-                      <a:round/>
-                      <a:headEnd type="none" w="med" len="med"/>
-                      <a:tailEnd type="none" w="med" len="med"/>
-                    </a:lnT>
-                    <a:lnB w="12700" cap="flat" cmpd="sng" algn="ctr">
-                      <a:solidFill>
-                        <a:schemeClr val="accent3">
-                          <a:lumMod val="25000"/>
-                        </a:schemeClr>
-                      </a:solidFill>
-                      <a:prstDash val="solid"/>
-                      <a:round/>
-                      <a:headEnd type="none" w="med" len="med"/>
-                      <a:tailEnd type="none" w="med" len="med"/>
-                    </a:lnB>
-                    <a:lnTlToBr w="12700" cmpd="sng">
-                      <a:noFill/>
-                      <a:prstDash val="solid"/>
-                    </a:lnTlToBr>
-                    <a:lnBlToTr w="12700" cmpd="sng">
-                      <a:noFill/>
-                      <a:prstDash val="solid"/>
-                    </a:lnBlToTr>
-                    <a:solidFill>
-                      <a:schemeClr val="bg1">
-                        <a:alpha val="30000"/>
-                      </a:schemeClr>
-                    </a:solidFill>
-                  </a:tcPr>
-                </a:tc>
-                <a:tc>
-                  <a:txBody>
-                    <a:bodyPr/>
-                    <a:lstStyle/>
-                    <a:p>
-                      <a:pPr algn="ctr"/>
-                      <a:r>
-                        <a:rPr lang="en-US" sz="1600" b="0" i="0" dirty="0">
-                          <a:solidFill>
-                            <a:schemeClr val="bg1"/>
-                          </a:solidFill>
-                          <a:latin typeface="Segoe UI Light" panose="020B0502040204020203" pitchFamily="34" charset="0"/>
-                          <a:cs typeface="Segoe UI Light" panose="020B0502040204020203" pitchFamily="34" charset="0"/>
-                        </a:rPr>
-                        <a:t>2.5</a:t>
-                      </a:r>
-                    </a:p>
-                  </a:txBody>
-                  <a:tcPr anchor="ctr">
-                    <a:lnL w="12700" cap="flat" cmpd="sng" algn="ctr">
-                      <a:solidFill>
-                        <a:schemeClr val="accent3">
-                          <a:lumMod val="25000"/>
-                        </a:schemeClr>
-                      </a:solidFill>
-                      <a:prstDash val="solid"/>
-                      <a:round/>
-                      <a:headEnd type="none" w="med" len="med"/>
-                      <a:tailEnd type="none" w="med" len="med"/>
-                    </a:lnL>
-                    <a:lnR w="12700" cap="flat" cmpd="sng" algn="ctr">
-                      <a:solidFill>
-                        <a:schemeClr val="accent3">
-                          <a:lumMod val="25000"/>
-                        </a:schemeClr>
-                      </a:solidFill>
-                      <a:prstDash val="solid"/>
-                      <a:round/>
-                      <a:headEnd type="none" w="med" len="med"/>
-                      <a:tailEnd type="none" w="med" len="med"/>
-                    </a:lnR>
-                    <a:lnT w="12700" cap="flat" cmpd="sng" algn="ctr">
-                      <a:solidFill>
-                        <a:schemeClr val="accent3">
-                          <a:lumMod val="25000"/>
-                        </a:schemeClr>
-                      </a:solidFill>
-                      <a:prstDash val="solid"/>
-                      <a:round/>
-                      <a:headEnd type="none" w="med" len="med"/>
-                      <a:tailEnd type="none" w="med" len="med"/>
-                    </a:lnT>
-                    <a:lnB w="12700" cap="flat" cmpd="sng" algn="ctr">
-                      <a:solidFill>
-                        <a:schemeClr val="accent3">
-                          <a:lumMod val="25000"/>
-                        </a:schemeClr>
-                      </a:solidFill>
-                      <a:prstDash val="solid"/>
-                      <a:round/>
-                      <a:headEnd type="none" w="med" len="med"/>
-                      <a:tailEnd type="none" w="med" len="med"/>
-                    </a:lnB>
-                    <a:lnTlToBr w="12700" cmpd="sng">
-                      <a:noFill/>
-                      <a:prstDash val="solid"/>
-                    </a:lnTlToBr>
-                    <a:lnBlToTr w="12700" cmpd="sng">
-                      <a:noFill/>
-                      <a:prstDash val="solid"/>
-                    </a:lnBlToTr>
-                    <a:solidFill>
-                      <a:schemeClr val="bg1">
-                        <a:alpha val="30000"/>
-                      </a:schemeClr>
-                    </a:solidFill>
-                  </a:tcPr>
-                </a:tc>
-                <a:tc>
-                  <a:txBody>
-                    <a:bodyPr/>
-                    <a:lstStyle/>
-                    <a:p>
-                      <a:pPr algn="ctr"/>
-                      <a:r>
-                        <a:rPr lang="en-US" sz="1600" b="0" i="0" dirty="0">
-                          <a:solidFill>
-                            <a:schemeClr val="bg1"/>
-                          </a:solidFill>
-                          <a:latin typeface="Segoe UI Light" panose="020B0502040204020203" pitchFamily="34" charset="0"/>
-                          <a:cs typeface="Segoe UI Light" panose="020B0502040204020203" pitchFamily="34" charset="0"/>
-                        </a:rPr>
-                        <a:t>2.8</a:t>
-                      </a:r>
-                    </a:p>
-                  </a:txBody>
-                  <a:tcPr anchor="ctr">
-                    <a:lnL w="12700" cap="flat" cmpd="sng" algn="ctr">
-                      <a:solidFill>
-                        <a:schemeClr val="accent3">
-                          <a:lumMod val="25000"/>
-                        </a:schemeClr>
-                      </a:solidFill>
-                      <a:prstDash val="solid"/>
-                      <a:round/>
-                      <a:headEnd type="none" w="med" len="med"/>
-                      <a:tailEnd type="none" w="med" len="med"/>
-                    </a:lnL>
-                    <a:lnR w="12700" cap="flat" cmpd="sng" algn="ctr">
-                      <a:solidFill>
-                        <a:schemeClr val="accent3">
-                          <a:lumMod val="25000"/>
-                        </a:schemeClr>
-                      </a:solidFill>
-                      <a:prstDash val="solid"/>
-                      <a:round/>
-                      <a:headEnd type="none" w="med" len="med"/>
-                      <a:tailEnd type="none" w="med" len="med"/>
-                    </a:lnR>
-                    <a:lnT w="12700" cap="flat" cmpd="sng" algn="ctr">
-                      <a:solidFill>
-                        <a:schemeClr val="accent3">
-                          <a:lumMod val="25000"/>
-                        </a:schemeClr>
-                      </a:solidFill>
-                      <a:prstDash val="solid"/>
-                      <a:round/>
-                      <a:headEnd type="none" w="med" len="med"/>
-                      <a:tailEnd type="none" w="med" len="med"/>
-                    </a:lnT>
-                    <a:lnB w="12700" cap="flat" cmpd="sng" algn="ctr">
-                      <a:solidFill>
-                        <a:schemeClr val="accent3">
-                          <a:lumMod val="25000"/>
-                        </a:schemeClr>
-                      </a:solidFill>
-                      <a:prstDash val="solid"/>
-                      <a:round/>
-                      <a:headEnd type="none" w="med" len="med"/>
-                      <a:tailEnd type="none" w="med" len="med"/>
-                    </a:lnB>
-                    <a:lnTlToBr w="12700" cmpd="sng">
-                      <a:noFill/>
-                      <a:prstDash val="solid"/>
-                    </a:lnTlToBr>
-                    <a:lnBlToTr w="12700" cmpd="sng">
-                      <a:noFill/>
-                      <a:prstDash val="solid"/>
-                    </a:lnBlToTr>
-                    <a:solidFill>
-                      <a:schemeClr val="bg1">
-                        <a:alpha val="30000"/>
-                      </a:schemeClr>
-                    </a:solidFill>
-                  </a:tcPr>
-                </a:tc>
-                <a:extLst>
-                  <a:ext uri="{0D108BD9-81ED-4DB2-BD59-A6C34878D82A}">
-                    <a16:rowId xmlns:a16="http://schemas.microsoft.com/office/drawing/2014/main" val="415808797"/>
-                  </a:ext>
-                </a:extLst>
-              </a:tr>
-              <a:tr h="659806">
-                <a:tc>
-                  <a:txBody>
-                    <a:bodyPr/>
-                    <a:lstStyle/>
-                    <a:p>
-                      <a:pPr algn="ctr"/>
-                      <a:r>
-                        <a:rPr lang="en-US" sz="1600" b="0" i="0" dirty="0">
-                          <a:solidFill>
-                            <a:schemeClr val="bg1"/>
-                          </a:solidFill>
-                          <a:latin typeface="Segoe UI Light" panose="020B0502040204020203" pitchFamily="34" charset="0"/>
-                          <a:cs typeface="Segoe UI Light" panose="020B0502040204020203" pitchFamily="34" charset="0"/>
-                        </a:rPr>
-                        <a:t>Q4</a:t>
-                      </a:r>
-                    </a:p>
-                  </a:txBody>
-                  <a:tcPr anchor="ctr">
-                    <a:lnL w="12700" cap="flat" cmpd="sng" algn="ctr">
-                      <a:solidFill>
-                        <a:schemeClr val="accent3">
-                          <a:lumMod val="25000"/>
-                        </a:schemeClr>
-                      </a:solidFill>
-                      <a:prstDash val="solid"/>
-                      <a:round/>
-                      <a:headEnd type="none" w="med" len="med"/>
-                      <a:tailEnd type="none" w="med" len="med"/>
-                    </a:lnL>
-                    <a:lnR w="12700" cap="flat" cmpd="sng" algn="ctr">
-                      <a:solidFill>
-                        <a:schemeClr val="accent3">
-                          <a:lumMod val="25000"/>
-                        </a:schemeClr>
-                      </a:solidFill>
-                      <a:prstDash val="solid"/>
-                      <a:round/>
-                      <a:headEnd type="none" w="med" len="med"/>
-                      <a:tailEnd type="none" w="med" len="med"/>
-                    </a:lnR>
-                    <a:lnT w="12700" cap="flat" cmpd="sng" algn="ctr">
-                      <a:solidFill>
-                        <a:schemeClr val="accent3">
-                          <a:lumMod val="25000"/>
-                        </a:schemeClr>
-                      </a:solidFill>
-                      <a:prstDash val="solid"/>
-                      <a:round/>
-                      <a:headEnd type="none" w="med" len="med"/>
-                      <a:tailEnd type="none" w="med" len="med"/>
-                    </a:lnT>
-                    <a:lnB w="12700" cap="flat" cmpd="sng" algn="ctr">
-                      <a:solidFill>
-                        <a:schemeClr val="accent3">
-                          <a:lumMod val="25000"/>
-                        </a:schemeClr>
-                      </a:solidFill>
-                      <a:prstDash val="solid"/>
-                      <a:round/>
-                      <a:headEnd type="none" w="med" len="med"/>
-                      <a:tailEnd type="none" w="med" len="med"/>
-                    </a:lnB>
-                    <a:lnTlToBr w="12700" cmpd="sng">
-                      <a:noFill/>
-                      <a:prstDash val="solid"/>
-                    </a:lnTlToBr>
-                    <a:lnBlToTr w="12700" cmpd="sng">
-                      <a:noFill/>
-                      <a:prstDash val="solid"/>
-                    </a:lnBlToTr>
-                    <a:solidFill>
-                      <a:schemeClr val="bg1">
-                        <a:alpha val="40000"/>
-                      </a:schemeClr>
-                    </a:solidFill>
-                  </a:tcPr>
-                </a:tc>
-                <a:tc>
-                  <a:txBody>
-                    <a:bodyPr/>
-                    <a:lstStyle/>
-                    <a:p>
-                      <a:pPr algn="ctr"/>
-                      <a:r>
-                        <a:rPr lang="en-US" sz="1600" b="0" i="0" dirty="0">
-                          <a:solidFill>
-                            <a:schemeClr val="bg1"/>
-                          </a:solidFill>
-                          <a:latin typeface="Segoe UI Light" panose="020B0502040204020203" pitchFamily="34" charset="0"/>
-                          <a:cs typeface="Segoe UI Light" panose="020B0502040204020203" pitchFamily="34" charset="0"/>
-                        </a:rPr>
-                        <a:t>4.5</a:t>
-                      </a:r>
-                    </a:p>
-                  </a:txBody>
-                  <a:tcPr anchor="ctr">
-                    <a:lnL w="12700" cap="flat" cmpd="sng" algn="ctr">
-                      <a:solidFill>
-                        <a:schemeClr val="accent3">
-                          <a:lumMod val="25000"/>
-                        </a:schemeClr>
-                      </a:solidFill>
-                      <a:prstDash val="solid"/>
-                      <a:round/>
-                      <a:headEnd type="none" w="med" len="med"/>
-                      <a:tailEnd type="none" w="med" len="med"/>
-                    </a:lnL>
-                    <a:lnR w="12700" cap="flat" cmpd="sng" algn="ctr">
-                      <a:solidFill>
-                        <a:schemeClr val="accent3">
-                          <a:lumMod val="25000"/>
-                        </a:schemeClr>
-                      </a:solidFill>
-                      <a:prstDash val="solid"/>
-                      <a:round/>
-                      <a:headEnd type="none" w="med" len="med"/>
-                      <a:tailEnd type="none" w="med" len="med"/>
-                    </a:lnR>
-                    <a:lnT w="12700" cap="flat" cmpd="sng" algn="ctr">
-                      <a:solidFill>
-                        <a:schemeClr val="accent3">
-                          <a:lumMod val="25000"/>
-                        </a:schemeClr>
-                      </a:solidFill>
-                      <a:prstDash val="solid"/>
-                      <a:round/>
-                      <a:headEnd type="none" w="med" len="med"/>
-                      <a:tailEnd type="none" w="med" len="med"/>
-                    </a:lnT>
-                    <a:lnB w="12700" cap="flat" cmpd="sng" algn="ctr">
-                      <a:solidFill>
-                        <a:schemeClr val="accent3">
-                          <a:lumMod val="25000"/>
-                        </a:schemeClr>
-                      </a:solidFill>
-                      <a:prstDash val="solid"/>
-                      <a:round/>
-                      <a:headEnd type="none" w="med" len="med"/>
-                      <a:tailEnd type="none" w="med" len="med"/>
-                    </a:lnB>
-                    <a:lnTlToBr w="12700" cmpd="sng">
-                      <a:noFill/>
-                      <a:prstDash val="solid"/>
-                    </a:lnTlToBr>
-                    <a:lnBlToTr w="12700" cmpd="sng">
-                      <a:noFill/>
-                      <a:prstDash val="solid"/>
-                    </a:lnBlToTr>
-                    <a:solidFill>
-                      <a:schemeClr val="bg1">
-                        <a:alpha val="40000"/>
-                      </a:schemeClr>
-                    </a:solidFill>
-                  </a:tcPr>
-                </a:tc>
-                <a:tc>
-                  <a:txBody>
-                    <a:bodyPr/>
-                    <a:lstStyle/>
-                    <a:p>
-                      <a:pPr algn="ctr"/>
-                      <a:r>
-                        <a:rPr lang="en-US" sz="1600" b="0" i="0" dirty="0">
-                          <a:solidFill>
-                            <a:schemeClr val="bg1"/>
-                          </a:solidFill>
-                          <a:latin typeface="Segoe UI Light" panose="020B0502040204020203" pitchFamily="34" charset="0"/>
-                          <a:cs typeface="Segoe UI Light" panose="020B0502040204020203" pitchFamily="34" charset="0"/>
-                        </a:rPr>
-                        <a:t>2.2</a:t>
-                      </a:r>
-                    </a:p>
-                  </a:txBody>
-                  <a:tcPr anchor="ctr">
-                    <a:lnL w="12700" cap="flat" cmpd="sng" algn="ctr">
-                      <a:solidFill>
-                        <a:schemeClr val="accent3">
-                          <a:lumMod val="25000"/>
-                        </a:schemeClr>
-                      </a:solidFill>
-                      <a:prstDash val="solid"/>
-                      <a:round/>
-                      <a:headEnd type="none" w="med" len="med"/>
-                      <a:tailEnd type="none" w="med" len="med"/>
-                    </a:lnL>
-                    <a:lnR w="12700" cap="flat" cmpd="sng" algn="ctr">
-                      <a:solidFill>
-                        <a:schemeClr val="accent3">
-                          <a:lumMod val="25000"/>
-                        </a:schemeClr>
-                      </a:solidFill>
-                      <a:prstDash val="solid"/>
-                      <a:round/>
-                      <a:headEnd type="none" w="med" len="med"/>
-                      <a:tailEnd type="none" w="med" len="med"/>
-                    </a:lnR>
-                    <a:lnT w="12700" cap="flat" cmpd="sng" algn="ctr">
-                      <a:solidFill>
-                        <a:schemeClr val="accent3">
-                          <a:lumMod val="25000"/>
-                        </a:schemeClr>
-                      </a:solidFill>
-                      <a:prstDash val="solid"/>
-                      <a:round/>
-                      <a:headEnd type="none" w="med" len="med"/>
-                      <a:tailEnd type="none" w="med" len="med"/>
-                    </a:lnT>
-                    <a:lnB w="12700" cap="flat" cmpd="sng" algn="ctr">
-                      <a:solidFill>
-                        <a:schemeClr val="accent3">
-                          <a:lumMod val="25000"/>
-                        </a:schemeClr>
-                      </a:solidFill>
-                      <a:prstDash val="solid"/>
-                      <a:round/>
-                      <a:headEnd type="none" w="med" len="med"/>
-                      <a:tailEnd type="none" w="med" len="med"/>
-                    </a:lnB>
-                    <a:lnTlToBr w="12700" cmpd="sng">
-                      <a:noFill/>
-                      <a:prstDash val="solid"/>
-                    </a:lnTlToBr>
-                    <a:lnBlToTr w="12700" cmpd="sng">
-                      <a:noFill/>
-                      <a:prstDash val="solid"/>
-                    </a:lnBlToTr>
-                    <a:solidFill>
-                      <a:schemeClr val="bg1">
-                        <a:alpha val="40000"/>
-                      </a:schemeClr>
-                    </a:solidFill>
-                  </a:tcPr>
-                </a:tc>
-                <a:tc>
-                  <a:txBody>
-                    <a:bodyPr/>
-                    <a:lstStyle/>
-                    <a:p>
-                      <a:pPr algn="ctr"/>
-                      <a:r>
-                        <a:rPr lang="en-US" sz="1600" b="0" i="0" dirty="0">
-                          <a:solidFill>
-                            <a:schemeClr val="bg1"/>
-                          </a:solidFill>
-                          <a:latin typeface="Segoe UI Light" panose="020B0502040204020203" pitchFamily="34" charset="0"/>
-                          <a:cs typeface="Segoe UI Light" panose="020B0502040204020203" pitchFamily="34" charset="0"/>
-                        </a:rPr>
-                        <a:t>1.7</a:t>
-                      </a:r>
-                    </a:p>
-                  </a:txBody>
-                  <a:tcPr anchor="ctr">
-                    <a:lnL w="12700" cap="flat" cmpd="sng" algn="ctr">
-                      <a:solidFill>
-                        <a:schemeClr val="accent3">
-                          <a:lumMod val="25000"/>
-                        </a:schemeClr>
-                      </a:solidFill>
-                      <a:prstDash val="solid"/>
-                      <a:round/>
-                      <a:headEnd type="none" w="med" len="med"/>
-                      <a:tailEnd type="none" w="med" len="med"/>
-                    </a:lnL>
-                    <a:lnR w="12700" cap="flat" cmpd="sng" algn="ctr">
-                      <a:solidFill>
-                        <a:schemeClr val="accent3">
-                          <a:lumMod val="25000"/>
-                        </a:schemeClr>
-                      </a:solidFill>
-                      <a:prstDash val="solid"/>
-                      <a:round/>
-                      <a:headEnd type="none" w="med" len="med"/>
-                      <a:tailEnd type="none" w="med" len="med"/>
-                    </a:lnR>
-                    <a:lnT w="12700" cap="flat" cmpd="sng" algn="ctr">
-                      <a:solidFill>
-                        <a:schemeClr val="accent3">
-                          <a:lumMod val="25000"/>
-                        </a:schemeClr>
-                      </a:solidFill>
-                      <a:prstDash val="solid"/>
-                      <a:round/>
-                      <a:headEnd type="none" w="med" len="med"/>
-                      <a:tailEnd type="none" w="med" len="med"/>
-                    </a:lnT>
-                    <a:lnB w="12700" cap="flat" cmpd="sng" algn="ctr">
-                      <a:solidFill>
-                        <a:schemeClr val="accent3">
-                          <a:lumMod val="25000"/>
-                        </a:schemeClr>
-                      </a:solidFill>
-                      <a:prstDash val="solid"/>
-                      <a:round/>
-                      <a:headEnd type="none" w="med" len="med"/>
-                      <a:tailEnd type="none" w="med" len="med"/>
-                    </a:lnB>
-                    <a:lnTlToBr w="12700" cmpd="sng">
-                      <a:noFill/>
-                      <a:prstDash val="solid"/>
-                    </a:lnTlToBr>
-                    <a:lnBlToTr w="12700" cmpd="sng">
-                      <a:noFill/>
-                      <a:prstDash val="solid"/>
-                    </a:lnBlToTr>
-                    <a:solidFill>
-                      <a:schemeClr val="bg1">
-                        <a:alpha val="40000"/>
-                      </a:schemeClr>
-                    </a:solidFill>
-                  </a:tcPr>
-                </a:tc>
-                <a:tc>
-                  <a:txBody>
-                    <a:bodyPr/>
-                    <a:lstStyle/>
-                    <a:p>
-                      <a:pPr algn="ctr"/>
-                      <a:r>
-                        <a:rPr lang="en-US" sz="1600" b="0" i="0" dirty="0">
-                          <a:solidFill>
-                            <a:schemeClr val="bg1"/>
-                          </a:solidFill>
-                          <a:latin typeface="Segoe UI Light" panose="020B0502040204020203" pitchFamily="34" charset="0"/>
-                          <a:cs typeface="Segoe UI Light" panose="020B0502040204020203" pitchFamily="34" charset="0"/>
-                        </a:rPr>
-                        <a:t>7.0</a:t>
-                      </a:r>
-                    </a:p>
-                  </a:txBody>
-                  <a:tcPr anchor="ctr">
-                    <a:lnL w="12700" cap="flat" cmpd="sng" algn="ctr">
-                      <a:solidFill>
-                        <a:schemeClr val="accent3">
-                          <a:lumMod val="25000"/>
-                        </a:schemeClr>
-                      </a:solidFill>
-                      <a:prstDash val="solid"/>
-                      <a:round/>
-                      <a:headEnd type="none" w="med" len="med"/>
-                      <a:tailEnd type="none" w="med" len="med"/>
-                    </a:lnL>
-                    <a:lnR w="12700" cap="flat" cmpd="sng" algn="ctr">
-                      <a:solidFill>
-                        <a:schemeClr val="accent3">
-                          <a:lumMod val="25000"/>
-                        </a:schemeClr>
-                      </a:solidFill>
-                      <a:prstDash val="solid"/>
-                      <a:round/>
-                      <a:headEnd type="none" w="med" len="med"/>
-                      <a:tailEnd type="none" w="med" len="med"/>
-                    </a:lnR>
-                    <a:lnT w="12700" cap="flat" cmpd="sng" algn="ctr">
-                      <a:solidFill>
-                        <a:schemeClr val="accent3">
-                          <a:lumMod val="25000"/>
-                        </a:schemeClr>
-                      </a:solidFill>
-                      <a:prstDash val="solid"/>
-                      <a:round/>
-                      <a:headEnd type="none" w="med" len="med"/>
-                      <a:tailEnd type="none" w="med" len="med"/>
-                    </a:lnT>
-                    <a:lnB w="12700" cap="flat" cmpd="sng" algn="ctr">
-                      <a:solidFill>
-                        <a:schemeClr val="accent3">
-                          <a:lumMod val="25000"/>
-                        </a:schemeClr>
-                      </a:solidFill>
-                      <a:prstDash val="solid"/>
-                      <a:round/>
-                      <a:headEnd type="none" w="med" len="med"/>
-                      <a:tailEnd type="none" w="med" len="med"/>
-                    </a:lnB>
-                    <a:lnTlToBr w="12700" cmpd="sng">
-                      <a:noFill/>
-                      <a:prstDash val="solid"/>
-                    </a:lnTlToBr>
-                    <a:lnBlToTr w="12700" cmpd="sng">
-                      <a:noFill/>
-                      <a:prstDash val="solid"/>
-                    </a:lnBlToTr>
-                    <a:solidFill>
-                      <a:schemeClr val="bg1">
-                        <a:alpha val="40000"/>
-                      </a:schemeClr>
-                    </a:solidFill>
-                  </a:tcPr>
-                </a:tc>
-                <a:extLst>
-                  <a:ext uri="{0D108BD9-81ED-4DB2-BD59-A6C34878D82A}">
-                    <a16:rowId xmlns:a16="http://schemas.microsoft.com/office/drawing/2014/main" val="380950325"/>
-                  </a:ext>
-                </a:extLst>
-              </a:tr>
-            </a:tbl>
-          </a:graphicData>
-        </a:graphic>
-      </p:graphicFrame>
-      <p:sp>
-        <p:nvSpPr>
-          <p:cNvPr id="3" name="Footer Placeholder 2">
-            <a:extLst>
-              <a:ext uri="{FF2B5EF4-FFF2-40B4-BE49-F238E27FC236}">
-                <a16:creationId xmlns:a16="http://schemas.microsoft.com/office/drawing/2014/main" id="{D534491D-AF3A-C879-49E6-F11A17AC3008}"/>
-              </a:ext>
-            </a:extLst>
-          </p:cNvPr>
-          <p:cNvSpPr>
-            <a:spLocks noGrp="1"/>
-          </p:cNvSpPr>
-          <p:nvPr>
-            <p:ph type="ftr" sz="quarter" idx="10"/>
-          </p:nvPr>
-        </p:nvSpPr>
-        <p:spPr/>
-        <p:txBody>
-          <a:bodyPr/>
-          <a:lstStyle/>
-          <a:p>
-            <a:r>
-              <a:rPr lang="en-US"/>
-              <a:t>Crypto: investing &amp; trading</a:t>
-            </a:r>
+            <a:pPr marL="457200" indent="-457200" algn="l">
+              <a:buFont typeface="Arial" panose="020B0604020202020204" pitchFamily="34" charset="0"/>
+              <a:buChar char="•"/>
+            </a:pPr>
+            <a:r>
+              <a:rPr lang="en-US" sz="2800" b="0" dirty="0">
+                <a:solidFill>
+                  <a:srgbClr val="CCCCCC"/>
+                </a:solidFill>
+                <a:effectLst/>
+                <a:latin typeface="Consolas" panose="020B0609020204030204" pitchFamily="49" charset="0"/>
+              </a:rPr>
+              <a:t>The group approached its objective by obtaining a clean and functional dataset.  This was found on Yahoo Finance.  </a:t>
+            </a:r>
+          </a:p>
+          <a:p>
+            <a:pPr marL="457200" indent="-457200" algn="l">
+              <a:buFont typeface="Arial" panose="020B0604020202020204" pitchFamily="34" charset="0"/>
+              <a:buChar char="•"/>
+            </a:pPr>
+            <a:r>
+              <a:rPr lang="en-US" sz="2800" b="0" dirty="0">
+                <a:solidFill>
+                  <a:srgbClr val="CCCCCC"/>
+                </a:solidFill>
+                <a:effectLst/>
+                <a:latin typeface="Consolas" panose="020B0609020204030204" pitchFamily="49" charset="0"/>
+              </a:rPr>
+              <a:t>Data was obtained by accessing the dataset for each company with an AI focus and establishing a date and time stamp.  </a:t>
+            </a:r>
+          </a:p>
+          <a:p>
             <a:endParaRPr lang="en-US" dirty="0"/>
           </a:p>
         </p:txBody>
@@ -23242,7 +19016,7 @@
     </p:spTree>
     <p:extLst>
       <p:ext uri="{BB962C8B-B14F-4D97-AF65-F5344CB8AC3E}">
-        <p14:creationId xmlns:p14="http://schemas.microsoft.com/office/powerpoint/2010/main" val="1208724409"/>
+        <p14:creationId xmlns:p14="http://schemas.microsoft.com/office/powerpoint/2010/main" val="1267860976"/>
       </p:ext>
     </p:extLst>
   </p:cSld>
@@ -23269,682 +19043,12 @@
           <a:chExt cx="0" cy="0"/>
         </a:xfrm>
       </p:grpSpPr>
-      <p:grpSp>
-        <p:nvGrpSpPr>
-          <p:cNvPr id="4" name="Group 3">
-            <a:extLst>
-              <a:ext uri="{FF2B5EF4-FFF2-40B4-BE49-F238E27FC236}">
-                <a16:creationId xmlns:a16="http://schemas.microsoft.com/office/drawing/2014/main" id="{B4C44EC9-F730-00B6-E479-530EC276D851}"/>
-              </a:ext>
-              <a:ext uri="{C183D7F6-B498-43B3-948B-1728B52AA6E4}">
-                <adec:decorative xmlns:adec="http://schemas.microsoft.com/office/drawing/2017/decorative" val="1"/>
-              </a:ext>
-            </a:extLst>
-          </p:cNvPr>
-          <p:cNvGrpSpPr/>
-          <p:nvPr/>
-        </p:nvGrpSpPr>
-        <p:grpSpPr>
-          <a:xfrm rot="10800000">
-            <a:off x="1497321" y="2736484"/>
-            <a:ext cx="1512407" cy="938717"/>
-            <a:chOff x="4779792" y="2384561"/>
-            <a:chExt cx="3365480" cy="2088878"/>
-          </a:xfrm>
-          <a:solidFill>
-            <a:schemeClr val="accent6">
-              <a:alpha val="50231"/>
-            </a:schemeClr>
-          </a:solidFill>
-        </p:grpSpPr>
-        <p:sp>
-          <p:nvSpPr>
-            <p:cNvPr id="5" name="Freeform 4">
-              <a:extLst>
-                <a:ext uri="{FF2B5EF4-FFF2-40B4-BE49-F238E27FC236}">
-                  <a16:creationId xmlns:a16="http://schemas.microsoft.com/office/drawing/2014/main" id="{8B6D2F8E-4F98-B89F-E4FB-DD9F900821E1}"/>
-                </a:ext>
-              </a:extLst>
-            </p:cNvPr>
-            <p:cNvSpPr/>
-            <p:nvPr/>
-          </p:nvSpPr>
-          <p:spPr>
-            <a:xfrm flipH="1">
-              <a:off x="6582137" y="2384561"/>
-              <a:ext cx="1563135" cy="2088878"/>
-            </a:xfrm>
-            <a:custGeom>
-              <a:avLst/>
-              <a:gdLst>
-                <a:gd name="connsiteX0" fmla="*/ 520700 w 1041400"/>
-                <a:gd name="connsiteY0" fmla="*/ 0 h 1391663"/>
-                <a:gd name="connsiteX1" fmla="*/ 0 w 1041400"/>
-                <a:gd name="connsiteY1" fmla="*/ 520700 h 1391663"/>
-                <a:gd name="connsiteX2" fmla="*/ 601 w 1041400"/>
-                <a:gd name="connsiteY2" fmla="*/ 526665 h 1391663"/>
-                <a:gd name="connsiteX3" fmla="*/ 0 w 1041400"/>
-                <a:gd name="connsiteY3" fmla="*/ 530884 h 1391663"/>
-                <a:gd name="connsiteX4" fmla="*/ 839841 w 1041400"/>
-                <a:gd name="connsiteY4" fmla="*/ 1391663 h 1391663"/>
-                <a:gd name="connsiteX5" fmla="*/ 596988 w 1041400"/>
-                <a:gd name="connsiteY5" fmla="*/ 1070463 h 1391663"/>
-                <a:gd name="connsiteX6" fmla="*/ 595327 w 1041400"/>
-                <a:gd name="connsiteY6" fmla="*/ 1033877 h 1391663"/>
-                <a:gd name="connsiteX7" fmla="*/ 625639 w 1041400"/>
-                <a:gd name="connsiteY7" fmla="*/ 1030821 h 1391663"/>
-                <a:gd name="connsiteX8" fmla="*/ 1041400 w 1041400"/>
-                <a:gd name="connsiteY8" fmla="*/ 520700 h 1391663"/>
-                <a:gd name="connsiteX9" fmla="*/ 520700 w 1041400"/>
-                <a:gd name="connsiteY9" fmla="*/ 0 h 1391663"/>
-              </a:gdLst>
-              <a:ahLst/>
-              <a:cxnLst>
-                <a:cxn ang="0">
-                  <a:pos x="connsiteX0" y="connsiteY0"/>
-                </a:cxn>
-                <a:cxn ang="0">
-                  <a:pos x="connsiteX1" y="connsiteY1"/>
-                </a:cxn>
-                <a:cxn ang="0">
-                  <a:pos x="connsiteX2" y="connsiteY2"/>
-                </a:cxn>
-                <a:cxn ang="0">
-                  <a:pos x="connsiteX3" y="connsiteY3"/>
-                </a:cxn>
-                <a:cxn ang="0">
-                  <a:pos x="connsiteX4" y="connsiteY4"/>
-                </a:cxn>
-                <a:cxn ang="0">
-                  <a:pos x="connsiteX5" y="connsiteY5"/>
-                </a:cxn>
-                <a:cxn ang="0">
-                  <a:pos x="connsiteX6" y="connsiteY6"/>
-                </a:cxn>
-                <a:cxn ang="0">
-                  <a:pos x="connsiteX7" y="connsiteY7"/>
-                </a:cxn>
-                <a:cxn ang="0">
-                  <a:pos x="connsiteX8" y="connsiteY8"/>
-                </a:cxn>
-                <a:cxn ang="0">
-                  <a:pos x="connsiteX9" y="connsiteY9"/>
-                </a:cxn>
-              </a:cxnLst>
-              <a:rect l="l" t="t" r="r" b="b"/>
-              <a:pathLst>
-                <a:path w="1041400" h="1391663">
-                  <a:moveTo>
-                    <a:pt x="520700" y="0"/>
-                  </a:moveTo>
-                  <a:cubicBezTo>
-                    <a:pt x="233125" y="0"/>
-                    <a:pt x="0" y="233125"/>
-                    <a:pt x="0" y="520700"/>
-                  </a:cubicBezTo>
-                  <a:lnTo>
-                    <a:pt x="601" y="526665"/>
-                  </a:lnTo>
-                  <a:lnTo>
-                    <a:pt x="0" y="530884"/>
-                  </a:lnTo>
-                  <a:cubicBezTo>
-                    <a:pt x="1270" y="763309"/>
-                    <a:pt x="141037" y="1339599"/>
-                    <a:pt x="839841" y="1391663"/>
-                  </a:cubicBezTo>
-                  <a:cubicBezTo>
-                    <a:pt x="756282" y="1328754"/>
-                    <a:pt x="622088" y="1243235"/>
-                    <a:pt x="596988" y="1070463"/>
-                  </a:cubicBezTo>
-                  <a:lnTo>
-                    <a:pt x="595327" y="1033877"/>
-                  </a:lnTo>
-                  <a:lnTo>
-                    <a:pt x="625639" y="1030821"/>
-                  </a:lnTo>
-                  <a:cubicBezTo>
-                    <a:pt x="862914" y="982268"/>
-                    <a:pt x="1041400" y="772328"/>
-                    <a:pt x="1041400" y="520700"/>
-                  </a:cubicBezTo>
-                  <a:cubicBezTo>
-                    <a:pt x="1041400" y="233125"/>
-                    <a:pt x="808275" y="0"/>
-                    <a:pt x="520700" y="0"/>
-                  </a:cubicBezTo>
-                  <a:close/>
-                </a:path>
-              </a:pathLst>
-            </a:custGeom>
-            <a:grpFill/>
-            <a:ln>
-              <a:noFill/>
-            </a:ln>
-          </p:spPr>
-          <p:style>
-            <a:lnRef idx="2">
-              <a:schemeClr val="accent1">
-                <a:shade val="50000"/>
-              </a:schemeClr>
-            </a:lnRef>
-            <a:fillRef idx="1">
-              <a:schemeClr val="accent1"/>
-            </a:fillRef>
-            <a:effectRef idx="0">
-              <a:schemeClr val="accent1"/>
-            </a:effectRef>
-            <a:fontRef idx="minor">
-              <a:schemeClr val="lt1"/>
-            </a:fontRef>
-          </p:style>
-          <p:txBody>
-            <a:bodyPr wrap="square" rtlCol="0" anchor="ctr">
-              <a:noAutofit/>
-            </a:bodyPr>
-            <a:lstStyle/>
-            <a:p>
-              <a:pPr algn="ctr"/>
-              <a:endParaRPr lang="en-US" dirty="0"/>
-            </a:p>
-          </p:txBody>
-        </p:sp>
-        <p:sp>
-          <p:nvSpPr>
-            <p:cNvPr id="6" name="Freeform 5">
-              <a:extLst>
-                <a:ext uri="{FF2B5EF4-FFF2-40B4-BE49-F238E27FC236}">
-                  <a16:creationId xmlns:a16="http://schemas.microsoft.com/office/drawing/2014/main" id="{99EBD7AD-ED91-CC5F-0110-3EE43A60F946}"/>
-                </a:ext>
-              </a:extLst>
-            </p:cNvPr>
-            <p:cNvSpPr/>
-            <p:nvPr/>
-          </p:nvSpPr>
-          <p:spPr>
-            <a:xfrm flipH="1">
-              <a:off x="4779792" y="2384561"/>
-              <a:ext cx="1563135" cy="2088878"/>
-            </a:xfrm>
-            <a:custGeom>
-              <a:avLst/>
-              <a:gdLst>
-                <a:gd name="connsiteX0" fmla="*/ 520700 w 1041400"/>
-                <a:gd name="connsiteY0" fmla="*/ 0 h 1391663"/>
-                <a:gd name="connsiteX1" fmla="*/ 0 w 1041400"/>
-                <a:gd name="connsiteY1" fmla="*/ 520700 h 1391663"/>
-                <a:gd name="connsiteX2" fmla="*/ 601 w 1041400"/>
-                <a:gd name="connsiteY2" fmla="*/ 526665 h 1391663"/>
-                <a:gd name="connsiteX3" fmla="*/ 0 w 1041400"/>
-                <a:gd name="connsiteY3" fmla="*/ 530884 h 1391663"/>
-                <a:gd name="connsiteX4" fmla="*/ 839841 w 1041400"/>
-                <a:gd name="connsiteY4" fmla="*/ 1391663 h 1391663"/>
-                <a:gd name="connsiteX5" fmla="*/ 596988 w 1041400"/>
-                <a:gd name="connsiteY5" fmla="*/ 1070463 h 1391663"/>
-                <a:gd name="connsiteX6" fmla="*/ 595327 w 1041400"/>
-                <a:gd name="connsiteY6" fmla="*/ 1033877 h 1391663"/>
-                <a:gd name="connsiteX7" fmla="*/ 625639 w 1041400"/>
-                <a:gd name="connsiteY7" fmla="*/ 1030821 h 1391663"/>
-                <a:gd name="connsiteX8" fmla="*/ 1041400 w 1041400"/>
-                <a:gd name="connsiteY8" fmla="*/ 520700 h 1391663"/>
-                <a:gd name="connsiteX9" fmla="*/ 520700 w 1041400"/>
-                <a:gd name="connsiteY9" fmla="*/ 0 h 1391663"/>
-              </a:gdLst>
-              <a:ahLst/>
-              <a:cxnLst>
-                <a:cxn ang="0">
-                  <a:pos x="connsiteX0" y="connsiteY0"/>
-                </a:cxn>
-                <a:cxn ang="0">
-                  <a:pos x="connsiteX1" y="connsiteY1"/>
-                </a:cxn>
-                <a:cxn ang="0">
-                  <a:pos x="connsiteX2" y="connsiteY2"/>
-                </a:cxn>
-                <a:cxn ang="0">
-                  <a:pos x="connsiteX3" y="connsiteY3"/>
-                </a:cxn>
-                <a:cxn ang="0">
-                  <a:pos x="connsiteX4" y="connsiteY4"/>
-                </a:cxn>
-                <a:cxn ang="0">
-                  <a:pos x="connsiteX5" y="connsiteY5"/>
-                </a:cxn>
-                <a:cxn ang="0">
-                  <a:pos x="connsiteX6" y="connsiteY6"/>
-                </a:cxn>
-                <a:cxn ang="0">
-                  <a:pos x="connsiteX7" y="connsiteY7"/>
-                </a:cxn>
-                <a:cxn ang="0">
-                  <a:pos x="connsiteX8" y="connsiteY8"/>
-                </a:cxn>
-                <a:cxn ang="0">
-                  <a:pos x="connsiteX9" y="connsiteY9"/>
-                </a:cxn>
-              </a:cxnLst>
-              <a:rect l="l" t="t" r="r" b="b"/>
-              <a:pathLst>
-                <a:path w="1041400" h="1391663">
-                  <a:moveTo>
-                    <a:pt x="520700" y="0"/>
-                  </a:moveTo>
-                  <a:cubicBezTo>
-                    <a:pt x="233125" y="0"/>
-                    <a:pt x="0" y="233125"/>
-                    <a:pt x="0" y="520700"/>
-                  </a:cubicBezTo>
-                  <a:lnTo>
-                    <a:pt x="601" y="526665"/>
-                  </a:lnTo>
-                  <a:lnTo>
-                    <a:pt x="0" y="530884"/>
-                  </a:lnTo>
-                  <a:cubicBezTo>
-                    <a:pt x="1270" y="763309"/>
-                    <a:pt x="141037" y="1339599"/>
-                    <a:pt x="839841" y="1391663"/>
-                  </a:cubicBezTo>
-                  <a:cubicBezTo>
-                    <a:pt x="756282" y="1328754"/>
-                    <a:pt x="622088" y="1243235"/>
-                    <a:pt x="596988" y="1070463"/>
-                  </a:cubicBezTo>
-                  <a:lnTo>
-                    <a:pt x="595327" y="1033877"/>
-                  </a:lnTo>
-                  <a:lnTo>
-                    <a:pt x="625639" y="1030821"/>
-                  </a:lnTo>
-                  <a:cubicBezTo>
-                    <a:pt x="862914" y="982268"/>
-                    <a:pt x="1041400" y="772328"/>
-                    <a:pt x="1041400" y="520700"/>
-                  </a:cubicBezTo>
-                  <a:cubicBezTo>
-                    <a:pt x="1041400" y="233125"/>
-                    <a:pt x="808275" y="0"/>
-                    <a:pt x="520700" y="0"/>
-                  </a:cubicBezTo>
-                  <a:close/>
-                </a:path>
-              </a:pathLst>
-            </a:custGeom>
-            <a:grpFill/>
-            <a:ln>
-              <a:noFill/>
-            </a:ln>
-          </p:spPr>
-          <p:style>
-            <a:lnRef idx="2">
-              <a:schemeClr val="accent1">
-                <a:shade val="50000"/>
-              </a:schemeClr>
-            </a:lnRef>
-            <a:fillRef idx="1">
-              <a:schemeClr val="accent1"/>
-            </a:fillRef>
-            <a:effectRef idx="0">
-              <a:schemeClr val="accent1"/>
-            </a:effectRef>
-            <a:fontRef idx="minor">
-              <a:schemeClr val="lt1"/>
-            </a:fontRef>
-          </p:style>
-          <p:txBody>
-            <a:bodyPr wrap="square" rtlCol="0" anchor="ctr">
-              <a:noAutofit/>
-            </a:bodyPr>
-            <a:lstStyle/>
-            <a:p>
-              <a:pPr algn="ctr"/>
-              <a:endParaRPr lang="en-US" dirty="0"/>
-            </a:p>
-          </p:txBody>
-        </p:sp>
-      </p:grpSp>
-      <p:grpSp>
-        <p:nvGrpSpPr>
-          <p:cNvPr id="7" name="Group 6">
-            <a:extLst>
-              <a:ext uri="{FF2B5EF4-FFF2-40B4-BE49-F238E27FC236}">
-                <a16:creationId xmlns:a16="http://schemas.microsoft.com/office/drawing/2014/main" id="{56B0BED4-B4D2-A8C2-9E8E-FA7D1819E15A}"/>
-              </a:ext>
-              <a:ext uri="{C183D7F6-B498-43B3-948B-1728B52AA6E4}">
-                <adec:decorative xmlns:adec="http://schemas.microsoft.com/office/drawing/2017/decorative" val="1"/>
-              </a:ext>
-            </a:extLst>
-          </p:cNvPr>
-          <p:cNvGrpSpPr/>
-          <p:nvPr/>
-        </p:nvGrpSpPr>
-        <p:grpSpPr>
-          <a:xfrm>
-            <a:off x="9199707" y="3205843"/>
-            <a:ext cx="1512408" cy="938718"/>
-            <a:chOff x="4779792" y="2384561"/>
-            <a:chExt cx="3365480" cy="2088878"/>
-          </a:xfrm>
-          <a:solidFill>
-            <a:schemeClr val="accent1">
-              <a:alpha val="48174"/>
-            </a:schemeClr>
-          </a:solidFill>
-        </p:grpSpPr>
-        <p:sp>
-          <p:nvSpPr>
-            <p:cNvPr id="8" name="Freeform 1">
-              <a:extLst>
-                <a:ext uri="{FF2B5EF4-FFF2-40B4-BE49-F238E27FC236}">
-                  <a16:creationId xmlns:a16="http://schemas.microsoft.com/office/drawing/2014/main" id="{B542C6FD-B908-03BB-DE9D-1E76EE849265}"/>
-                </a:ext>
-              </a:extLst>
-            </p:cNvPr>
-            <p:cNvSpPr/>
-            <p:nvPr/>
-          </p:nvSpPr>
-          <p:spPr>
-            <a:xfrm flipH="1">
-              <a:off x="6582137" y="2384561"/>
-              <a:ext cx="1563135" cy="2088878"/>
-            </a:xfrm>
-            <a:custGeom>
-              <a:avLst/>
-              <a:gdLst>
-                <a:gd name="connsiteX0" fmla="*/ 520700 w 1041400"/>
-                <a:gd name="connsiteY0" fmla="*/ 0 h 1391663"/>
-                <a:gd name="connsiteX1" fmla="*/ 0 w 1041400"/>
-                <a:gd name="connsiteY1" fmla="*/ 520700 h 1391663"/>
-                <a:gd name="connsiteX2" fmla="*/ 601 w 1041400"/>
-                <a:gd name="connsiteY2" fmla="*/ 526665 h 1391663"/>
-                <a:gd name="connsiteX3" fmla="*/ 0 w 1041400"/>
-                <a:gd name="connsiteY3" fmla="*/ 530884 h 1391663"/>
-                <a:gd name="connsiteX4" fmla="*/ 839841 w 1041400"/>
-                <a:gd name="connsiteY4" fmla="*/ 1391663 h 1391663"/>
-                <a:gd name="connsiteX5" fmla="*/ 596988 w 1041400"/>
-                <a:gd name="connsiteY5" fmla="*/ 1070463 h 1391663"/>
-                <a:gd name="connsiteX6" fmla="*/ 595327 w 1041400"/>
-                <a:gd name="connsiteY6" fmla="*/ 1033877 h 1391663"/>
-                <a:gd name="connsiteX7" fmla="*/ 625639 w 1041400"/>
-                <a:gd name="connsiteY7" fmla="*/ 1030821 h 1391663"/>
-                <a:gd name="connsiteX8" fmla="*/ 1041400 w 1041400"/>
-                <a:gd name="connsiteY8" fmla="*/ 520700 h 1391663"/>
-                <a:gd name="connsiteX9" fmla="*/ 520700 w 1041400"/>
-                <a:gd name="connsiteY9" fmla="*/ 0 h 1391663"/>
-              </a:gdLst>
-              <a:ahLst/>
-              <a:cxnLst>
-                <a:cxn ang="0">
-                  <a:pos x="connsiteX0" y="connsiteY0"/>
-                </a:cxn>
-                <a:cxn ang="0">
-                  <a:pos x="connsiteX1" y="connsiteY1"/>
-                </a:cxn>
-                <a:cxn ang="0">
-                  <a:pos x="connsiteX2" y="connsiteY2"/>
-                </a:cxn>
-                <a:cxn ang="0">
-                  <a:pos x="connsiteX3" y="connsiteY3"/>
-                </a:cxn>
-                <a:cxn ang="0">
-                  <a:pos x="connsiteX4" y="connsiteY4"/>
-                </a:cxn>
-                <a:cxn ang="0">
-                  <a:pos x="connsiteX5" y="connsiteY5"/>
-                </a:cxn>
-                <a:cxn ang="0">
-                  <a:pos x="connsiteX6" y="connsiteY6"/>
-                </a:cxn>
-                <a:cxn ang="0">
-                  <a:pos x="connsiteX7" y="connsiteY7"/>
-                </a:cxn>
-                <a:cxn ang="0">
-                  <a:pos x="connsiteX8" y="connsiteY8"/>
-                </a:cxn>
-                <a:cxn ang="0">
-                  <a:pos x="connsiteX9" y="connsiteY9"/>
-                </a:cxn>
-              </a:cxnLst>
-              <a:rect l="l" t="t" r="r" b="b"/>
-              <a:pathLst>
-                <a:path w="1041400" h="1391663">
-                  <a:moveTo>
-                    <a:pt x="520700" y="0"/>
-                  </a:moveTo>
-                  <a:cubicBezTo>
-                    <a:pt x="233125" y="0"/>
-                    <a:pt x="0" y="233125"/>
-                    <a:pt x="0" y="520700"/>
-                  </a:cubicBezTo>
-                  <a:lnTo>
-                    <a:pt x="601" y="526665"/>
-                  </a:lnTo>
-                  <a:lnTo>
-                    <a:pt x="0" y="530884"/>
-                  </a:lnTo>
-                  <a:cubicBezTo>
-                    <a:pt x="1270" y="763309"/>
-                    <a:pt x="141037" y="1339599"/>
-                    <a:pt x="839841" y="1391663"/>
-                  </a:cubicBezTo>
-                  <a:cubicBezTo>
-                    <a:pt x="756282" y="1328754"/>
-                    <a:pt x="622088" y="1243235"/>
-                    <a:pt x="596988" y="1070463"/>
-                  </a:cubicBezTo>
-                  <a:lnTo>
-                    <a:pt x="595327" y="1033877"/>
-                  </a:lnTo>
-                  <a:lnTo>
-                    <a:pt x="625639" y="1030821"/>
-                  </a:lnTo>
-                  <a:cubicBezTo>
-                    <a:pt x="862914" y="982268"/>
-                    <a:pt x="1041400" y="772328"/>
-                    <a:pt x="1041400" y="520700"/>
-                  </a:cubicBezTo>
-                  <a:cubicBezTo>
-                    <a:pt x="1041400" y="233125"/>
-                    <a:pt x="808275" y="0"/>
-                    <a:pt x="520700" y="0"/>
-                  </a:cubicBezTo>
-                  <a:close/>
-                </a:path>
-              </a:pathLst>
-            </a:custGeom>
-            <a:grpFill/>
-            <a:ln>
-              <a:noFill/>
-            </a:ln>
-          </p:spPr>
-          <p:style>
-            <a:lnRef idx="2">
-              <a:schemeClr val="accent1">
-                <a:shade val="50000"/>
-              </a:schemeClr>
-            </a:lnRef>
-            <a:fillRef idx="1">
-              <a:schemeClr val="accent1"/>
-            </a:fillRef>
-            <a:effectRef idx="0">
-              <a:schemeClr val="accent1"/>
-            </a:effectRef>
-            <a:fontRef idx="minor">
-              <a:schemeClr val="lt1"/>
-            </a:fontRef>
-          </p:style>
-          <p:txBody>
-            <a:bodyPr wrap="square" rtlCol="0" anchor="ctr">
-              <a:noAutofit/>
-            </a:bodyPr>
-            <a:lstStyle/>
-            <a:p>
-              <a:pPr algn="ctr"/>
-              <a:endParaRPr lang="en-US" dirty="0"/>
-            </a:p>
-          </p:txBody>
-        </p:sp>
-        <p:sp>
-          <p:nvSpPr>
-            <p:cNvPr id="9" name="Freeform 21">
-              <a:extLst>
-                <a:ext uri="{FF2B5EF4-FFF2-40B4-BE49-F238E27FC236}">
-                  <a16:creationId xmlns:a16="http://schemas.microsoft.com/office/drawing/2014/main" id="{594F7F18-2B8D-7493-904B-1BD252DFC677}"/>
-                </a:ext>
-              </a:extLst>
-            </p:cNvPr>
-            <p:cNvSpPr/>
-            <p:nvPr/>
-          </p:nvSpPr>
-          <p:spPr>
-            <a:xfrm flipH="1">
-              <a:off x="4779792" y="2384561"/>
-              <a:ext cx="1563135" cy="2088878"/>
-            </a:xfrm>
-            <a:custGeom>
-              <a:avLst/>
-              <a:gdLst>
-                <a:gd name="connsiteX0" fmla="*/ 520700 w 1041400"/>
-                <a:gd name="connsiteY0" fmla="*/ 0 h 1391663"/>
-                <a:gd name="connsiteX1" fmla="*/ 0 w 1041400"/>
-                <a:gd name="connsiteY1" fmla="*/ 520700 h 1391663"/>
-                <a:gd name="connsiteX2" fmla="*/ 601 w 1041400"/>
-                <a:gd name="connsiteY2" fmla="*/ 526665 h 1391663"/>
-                <a:gd name="connsiteX3" fmla="*/ 0 w 1041400"/>
-                <a:gd name="connsiteY3" fmla="*/ 530884 h 1391663"/>
-                <a:gd name="connsiteX4" fmla="*/ 839841 w 1041400"/>
-                <a:gd name="connsiteY4" fmla="*/ 1391663 h 1391663"/>
-                <a:gd name="connsiteX5" fmla="*/ 596988 w 1041400"/>
-                <a:gd name="connsiteY5" fmla="*/ 1070463 h 1391663"/>
-                <a:gd name="connsiteX6" fmla="*/ 595327 w 1041400"/>
-                <a:gd name="connsiteY6" fmla="*/ 1033877 h 1391663"/>
-                <a:gd name="connsiteX7" fmla="*/ 625639 w 1041400"/>
-                <a:gd name="connsiteY7" fmla="*/ 1030821 h 1391663"/>
-                <a:gd name="connsiteX8" fmla="*/ 1041400 w 1041400"/>
-                <a:gd name="connsiteY8" fmla="*/ 520700 h 1391663"/>
-                <a:gd name="connsiteX9" fmla="*/ 520700 w 1041400"/>
-                <a:gd name="connsiteY9" fmla="*/ 0 h 1391663"/>
-              </a:gdLst>
-              <a:ahLst/>
-              <a:cxnLst>
-                <a:cxn ang="0">
-                  <a:pos x="connsiteX0" y="connsiteY0"/>
-                </a:cxn>
-                <a:cxn ang="0">
-                  <a:pos x="connsiteX1" y="connsiteY1"/>
-                </a:cxn>
-                <a:cxn ang="0">
-                  <a:pos x="connsiteX2" y="connsiteY2"/>
-                </a:cxn>
-                <a:cxn ang="0">
-                  <a:pos x="connsiteX3" y="connsiteY3"/>
-                </a:cxn>
-                <a:cxn ang="0">
-                  <a:pos x="connsiteX4" y="connsiteY4"/>
-                </a:cxn>
-                <a:cxn ang="0">
-                  <a:pos x="connsiteX5" y="connsiteY5"/>
-                </a:cxn>
-                <a:cxn ang="0">
-                  <a:pos x="connsiteX6" y="connsiteY6"/>
-                </a:cxn>
-                <a:cxn ang="0">
-                  <a:pos x="connsiteX7" y="connsiteY7"/>
-                </a:cxn>
-                <a:cxn ang="0">
-                  <a:pos x="connsiteX8" y="connsiteY8"/>
-                </a:cxn>
-                <a:cxn ang="0">
-                  <a:pos x="connsiteX9" y="connsiteY9"/>
-                </a:cxn>
-              </a:cxnLst>
-              <a:rect l="l" t="t" r="r" b="b"/>
-              <a:pathLst>
-                <a:path w="1041400" h="1391663">
-                  <a:moveTo>
-                    <a:pt x="520700" y="0"/>
-                  </a:moveTo>
-                  <a:cubicBezTo>
-                    <a:pt x="233125" y="0"/>
-                    <a:pt x="0" y="233125"/>
-                    <a:pt x="0" y="520700"/>
-                  </a:cubicBezTo>
-                  <a:lnTo>
-                    <a:pt x="601" y="526665"/>
-                  </a:lnTo>
-                  <a:lnTo>
-                    <a:pt x="0" y="530884"/>
-                  </a:lnTo>
-                  <a:cubicBezTo>
-                    <a:pt x="1270" y="763309"/>
-                    <a:pt x="141037" y="1339599"/>
-                    <a:pt x="839841" y="1391663"/>
-                  </a:cubicBezTo>
-                  <a:cubicBezTo>
-                    <a:pt x="756282" y="1328754"/>
-                    <a:pt x="622088" y="1243235"/>
-                    <a:pt x="596988" y="1070463"/>
-                  </a:cubicBezTo>
-                  <a:lnTo>
-                    <a:pt x="595327" y="1033877"/>
-                  </a:lnTo>
-                  <a:lnTo>
-                    <a:pt x="625639" y="1030821"/>
-                  </a:lnTo>
-                  <a:cubicBezTo>
-                    <a:pt x="862914" y="982268"/>
-                    <a:pt x="1041400" y="772328"/>
-                    <a:pt x="1041400" y="520700"/>
-                  </a:cubicBezTo>
-                  <a:cubicBezTo>
-                    <a:pt x="1041400" y="233125"/>
-                    <a:pt x="808275" y="0"/>
-                    <a:pt x="520700" y="0"/>
-                  </a:cubicBezTo>
-                  <a:close/>
-                </a:path>
-              </a:pathLst>
-            </a:custGeom>
-            <a:grpFill/>
-            <a:ln>
-              <a:noFill/>
-            </a:ln>
-          </p:spPr>
-          <p:style>
-            <a:lnRef idx="2">
-              <a:schemeClr val="accent1">
-                <a:shade val="50000"/>
-              </a:schemeClr>
-            </a:lnRef>
-            <a:fillRef idx="1">
-              <a:schemeClr val="accent1"/>
-            </a:fillRef>
-            <a:effectRef idx="0">
-              <a:schemeClr val="accent1"/>
-            </a:effectRef>
-            <a:fontRef idx="minor">
-              <a:schemeClr val="lt1"/>
-            </a:fontRef>
-          </p:style>
-          <p:txBody>
-            <a:bodyPr wrap="square" rtlCol="0" anchor="ctr">
-              <a:noAutofit/>
-            </a:bodyPr>
-            <a:lstStyle/>
-            <a:p>
-              <a:pPr algn="ctr"/>
-              <a:endParaRPr lang="en-US" dirty="0"/>
-            </a:p>
-          </p:txBody>
-        </p:sp>
-      </p:grpSp>
       <p:sp>
         <p:nvSpPr>
           <p:cNvPr id="2" name="Title 1">
             <a:extLst>
               <a:ext uri="{FF2B5EF4-FFF2-40B4-BE49-F238E27FC236}">
-                <a16:creationId xmlns:a16="http://schemas.microsoft.com/office/drawing/2014/main" id="{D04F090D-C862-CF85-1001-A82E54365597}"/>
+                <a16:creationId xmlns:a16="http://schemas.microsoft.com/office/drawing/2014/main" id="{F41F0E99-07CC-9576-AFD7-C52151AD0EA3}"/>
               </a:ext>
             </a:extLst>
           </p:cNvPr>
@@ -23955,19 +19059,32 @@
             <p:ph type="ctrTitle"/>
           </p:nvPr>
         </p:nvSpPr>
-        <p:spPr/>
+        <p:spPr>
+          <a:xfrm>
+            <a:off x="1987456" y="72511"/>
+            <a:ext cx="7735824" cy="1069848"/>
+          </a:xfrm>
+        </p:spPr>
         <p:txBody>
           <a:bodyPr/>
           <a:lstStyle/>
           <a:p>
             <a:r>
               <a:rPr lang="en-US" dirty="0"/>
-              <a:t>WEALTH IS THE ABILITY TO FULLY EXPERIENCE LIFE.</a:t>
-            </a:r>
-            <a:br>
-              <a:rPr lang="en-US" dirty="0"/>
-            </a:br>
-            <a:endParaRPr lang="en-US" dirty="0"/>
+              <a:t>Approach </a:t>
+            </a:r>
+            <a:r>
+              <a:rPr lang="en-US" sz="1800" dirty="0"/>
+              <a:t>(</a:t>
+            </a:r>
+            <a:r>
+              <a:rPr lang="en-US" sz="1800" dirty="0" err="1"/>
+              <a:t>con’t</a:t>
+            </a:r>
+            <a:r>
+              <a:rPr lang="en-US" sz="1800" dirty="0"/>
+              <a:t>)</a:t>
+            </a:r>
           </a:p>
         </p:txBody>
       </p:sp>
@@ -23976,7 +19093,7 @@
           <p:cNvPr id="3" name="Subtitle 2">
             <a:extLst>
               <a:ext uri="{FF2B5EF4-FFF2-40B4-BE49-F238E27FC236}">
-                <a16:creationId xmlns:a16="http://schemas.microsoft.com/office/drawing/2014/main" id="{4CE82C04-6445-9E02-B0E8-8D809278C37D}"/>
+                <a16:creationId xmlns:a16="http://schemas.microsoft.com/office/drawing/2014/main" id="{5A82A8B0-333F-633E-3FA7-D38DBFB10971}"/>
               </a:ext>
             </a:extLst>
           </p:cNvPr>
@@ -23987,22 +19104,56 @@
             <p:ph type="subTitle" idx="1"/>
           </p:nvPr>
         </p:nvSpPr>
-        <p:spPr/>
+        <p:spPr>
+          <a:xfrm>
+            <a:off x="505325" y="1259305"/>
+            <a:ext cx="11269579" cy="5430253"/>
+          </a:xfrm>
+        </p:spPr>
         <p:txBody>
           <a:bodyPr/>
           <a:lstStyle/>
           <a:p>
-            <a:r>
-              <a:rPr lang="en-US" dirty="0"/>
-              <a:t>-Henry David Thoreau</a:t>
-            </a:r>
+            <a:pPr marL="457200" indent="-457200" algn="l">
+              <a:buFont typeface="Arial" panose="020B0604020202020204" pitchFamily="34" charset="0"/>
+              <a:buChar char="•"/>
+            </a:pPr>
+            <a:r>
+              <a:rPr lang="en-US" sz="2800" b="0" dirty="0">
+                <a:solidFill>
+                  <a:srgbClr val="CCCCCC"/>
+                </a:solidFill>
+                <a:effectLst/>
+                <a:latin typeface="Consolas" panose="020B0609020204030204" pitchFamily="49" charset="0"/>
+              </a:rPr>
+              <a:t>All record sets contained identical formatting which was used to incorporate data into analysis and determine closing price.  </a:t>
+            </a:r>
+          </a:p>
+          <a:p>
+            <a:pPr marL="457200" indent="-457200" algn="l">
+              <a:buFont typeface="Arial" panose="020B0604020202020204" pitchFamily="34" charset="0"/>
+              <a:buChar char="•"/>
+            </a:pPr>
+            <a:r>
+              <a:rPr lang="en-US" sz="2800" b="0" dirty="0">
+                <a:solidFill>
+                  <a:srgbClr val="CCCCCC"/>
+                </a:solidFill>
+                <a:effectLst/>
+                <a:latin typeface="Consolas" panose="020B0609020204030204" pitchFamily="49" charset="0"/>
+              </a:rPr>
+              <a:t>Data was then plotted for visual determination.</a:t>
+            </a:r>
+          </a:p>
+          <a:p>
+            <a:endParaRPr lang="en-US" dirty="0"/>
           </a:p>
         </p:txBody>
       </p:sp>
     </p:spTree>
     <p:extLst>
       <p:ext uri="{BB962C8B-B14F-4D97-AF65-F5344CB8AC3E}">
-        <p14:creationId xmlns:p14="http://schemas.microsoft.com/office/powerpoint/2010/main" val="1213210011"/>
+        <p14:creationId xmlns:p14="http://schemas.microsoft.com/office/powerpoint/2010/main" val="1921111971"/>
       </p:ext>
     </p:extLst>
   </p:cSld>
@@ -24031,10 +19182,10 @@
       </p:grpSpPr>
       <p:sp>
         <p:nvSpPr>
-          <p:cNvPr id="69" name="Title 68">
-            <a:extLst>
-              <a:ext uri="{FF2B5EF4-FFF2-40B4-BE49-F238E27FC236}">
-                <a16:creationId xmlns:a16="http://schemas.microsoft.com/office/drawing/2014/main" id="{0B07383B-6310-56A6-B051-F4B962E11786}"/>
+          <p:cNvPr id="2" name="Title 1">
+            <a:extLst>
+              <a:ext uri="{FF2B5EF4-FFF2-40B4-BE49-F238E27FC236}">
+                <a16:creationId xmlns:a16="http://schemas.microsoft.com/office/drawing/2014/main" id="{F41F0E99-07CC-9576-AFD7-C52151AD0EA3}"/>
               </a:ext>
             </a:extLst>
           </p:cNvPr>
@@ -24042,27 +19193,32 @@
             <a:spLocks noGrp="1"/>
           </p:cNvSpPr>
           <p:nvPr>
-            <p:ph type="title"/>
+            <p:ph type="ctrTitle"/>
           </p:nvPr>
         </p:nvSpPr>
-        <p:spPr/>
+        <p:spPr>
+          <a:xfrm>
+            <a:off x="1987456" y="72511"/>
+            <a:ext cx="7735824" cy="1069848"/>
+          </a:xfrm>
+        </p:spPr>
         <p:txBody>
           <a:bodyPr/>
           <a:lstStyle/>
           <a:p>
             <a:r>
               <a:rPr lang="en-US" dirty="0"/>
-              <a:t>TYPES OF TOKENS</a:t>
-            </a:r>
-          </a:p>
-        </p:txBody>
-      </p:sp>
-      <p:sp>
-        <p:nvSpPr>
-          <p:cNvPr id="4" name="Text Placeholder 3">
-            <a:extLst>
-              <a:ext uri="{FF2B5EF4-FFF2-40B4-BE49-F238E27FC236}">
-                <a16:creationId xmlns:a16="http://schemas.microsoft.com/office/drawing/2014/main" id="{55DA2D8B-92F5-22B2-084C-934BCBC00DFD}"/>
+              <a:t>Data collection</a:t>
+            </a:r>
+          </a:p>
+        </p:txBody>
+      </p:sp>
+      <p:sp>
+        <p:nvSpPr>
+          <p:cNvPr id="3" name="Subtitle 2">
+            <a:extLst>
+              <a:ext uri="{FF2B5EF4-FFF2-40B4-BE49-F238E27FC236}">
+                <a16:creationId xmlns:a16="http://schemas.microsoft.com/office/drawing/2014/main" id="{5A82A8B0-333F-633E-3FA7-D38DBFB10971}"/>
               </a:ext>
             </a:extLst>
           </p:cNvPr>
@@ -24070,290 +19226,69 @@
             <a:spLocks noGrp="1"/>
           </p:cNvSpPr>
           <p:nvPr>
-            <p:ph type="body" sz="quarter" idx="12"/>
+            <p:ph type="subTitle" idx="1"/>
           </p:nvPr>
         </p:nvSpPr>
-        <p:spPr/>
+        <p:spPr>
+          <a:xfrm>
+            <a:off x="505325" y="1259305"/>
+            <a:ext cx="11269579" cy="5430253"/>
+          </a:xfrm>
+        </p:spPr>
         <p:txBody>
           <a:bodyPr/>
           <a:lstStyle/>
           <a:p>
-            <a:r>
-              <a:rPr lang="en-US" dirty="0"/>
-              <a:t>Payment</a:t>
-            </a:r>
-          </a:p>
-        </p:txBody>
-      </p:sp>
-      <p:sp>
-        <p:nvSpPr>
-          <p:cNvPr id="5" name="Text Placeholder 4">
-            <a:extLst>
-              <a:ext uri="{FF2B5EF4-FFF2-40B4-BE49-F238E27FC236}">
-                <a16:creationId xmlns:a16="http://schemas.microsoft.com/office/drawing/2014/main" id="{8B004B5D-BB88-E446-FDC1-8BE748EFE8B6}"/>
-              </a:ext>
-            </a:extLst>
-          </p:cNvPr>
-          <p:cNvSpPr>
-            <a:spLocks noGrp="1"/>
-          </p:cNvSpPr>
-          <p:nvPr>
-            <p:ph type="body" sz="quarter" idx="13"/>
-          </p:nvPr>
-        </p:nvSpPr>
-        <p:spPr/>
-        <p:txBody>
-          <a:bodyPr/>
-          <a:lstStyle/>
-          <a:p>
-            <a:r>
-              <a:rPr lang="en-US" dirty="0"/>
-              <a:t>Used to complete transactions anywhere crypto is accepted</a:t>
-            </a:r>
-          </a:p>
-          <a:p>
-            <a:endParaRPr lang="en-US" dirty="0"/>
-          </a:p>
-        </p:txBody>
-      </p:sp>
-      <p:sp>
-        <p:nvSpPr>
-          <p:cNvPr id="6" name="Text Placeholder 5">
-            <a:extLst>
-              <a:ext uri="{FF2B5EF4-FFF2-40B4-BE49-F238E27FC236}">
-                <a16:creationId xmlns:a16="http://schemas.microsoft.com/office/drawing/2014/main" id="{98AC0C5B-16A7-E317-7222-BF9FA26C0DC6}"/>
-              </a:ext>
-            </a:extLst>
-          </p:cNvPr>
-          <p:cNvSpPr>
-            <a:spLocks noGrp="1"/>
-          </p:cNvSpPr>
-          <p:nvPr>
-            <p:ph type="body" sz="quarter" idx="14"/>
-          </p:nvPr>
-        </p:nvSpPr>
-        <p:spPr/>
-        <p:txBody>
-          <a:bodyPr/>
-          <a:lstStyle/>
-          <a:p>
-            <a:r>
-              <a:rPr lang="en-US" dirty="0"/>
-              <a:t>Utility</a:t>
-            </a:r>
-          </a:p>
-        </p:txBody>
-      </p:sp>
-      <p:sp>
-        <p:nvSpPr>
-          <p:cNvPr id="7" name="Text Placeholder 6">
-            <a:extLst>
-              <a:ext uri="{FF2B5EF4-FFF2-40B4-BE49-F238E27FC236}">
-                <a16:creationId xmlns:a16="http://schemas.microsoft.com/office/drawing/2014/main" id="{77D9B67F-AD02-4BA5-209B-C91070303A72}"/>
-              </a:ext>
-            </a:extLst>
-          </p:cNvPr>
-          <p:cNvSpPr>
-            <a:spLocks noGrp="1"/>
-          </p:cNvSpPr>
-          <p:nvPr>
-            <p:ph type="body" sz="quarter" idx="15"/>
-          </p:nvPr>
-        </p:nvSpPr>
-        <p:spPr/>
-        <p:txBody>
-          <a:bodyPr/>
-          <a:lstStyle/>
-          <a:p>
-            <a:r>
-              <a:rPr lang="en-US" dirty="0"/>
-              <a:t>These tokens have a specific use within a blockchain</a:t>
-            </a:r>
-          </a:p>
-          <a:p>
-            <a:endParaRPr lang="en-US" dirty="0"/>
-          </a:p>
-        </p:txBody>
-      </p:sp>
-      <p:sp>
-        <p:nvSpPr>
-          <p:cNvPr id="8" name="Text Placeholder 7">
-            <a:extLst>
-              <a:ext uri="{FF2B5EF4-FFF2-40B4-BE49-F238E27FC236}">
-                <a16:creationId xmlns:a16="http://schemas.microsoft.com/office/drawing/2014/main" id="{6269FBD2-F371-6F7E-1D42-95EFADFA10DD}"/>
-              </a:ext>
-            </a:extLst>
-          </p:cNvPr>
-          <p:cNvSpPr>
-            <a:spLocks noGrp="1"/>
-          </p:cNvSpPr>
-          <p:nvPr>
-            <p:ph type="body" sz="quarter" idx="16"/>
-          </p:nvPr>
-        </p:nvSpPr>
-        <p:spPr/>
-        <p:txBody>
-          <a:bodyPr/>
-          <a:lstStyle/>
-          <a:p>
-            <a:r>
-              <a:rPr lang="en-US" dirty="0"/>
-              <a:t>Security</a:t>
-            </a:r>
-          </a:p>
-        </p:txBody>
-      </p:sp>
-      <p:sp>
-        <p:nvSpPr>
-          <p:cNvPr id="9" name="Text Placeholder 8">
-            <a:extLst>
-              <a:ext uri="{FF2B5EF4-FFF2-40B4-BE49-F238E27FC236}">
-                <a16:creationId xmlns:a16="http://schemas.microsoft.com/office/drawing/2014/main" id="{F039B280-D4F1-D5B7-9D62-C1DA10C605C9}"/>
-              </a:ext>
-            </a:extLst>
-          </p:cNvPr>
-          <p:cNvSpPr>
-            <a:spLocks noGrp="1"/>
-          </p:cNvSpPr>
-          <p:nvPr>
-            <p:ph type="body" sz="quarter" idx="17"/>
-          </p:nvPr>
-        </p:nvSpPr>
-        <p:spPr/>
-        <p:txBody>
-          <a:bodyPr/>
-          <a:lstStyle/>
-          <a:p>
-            <a:r>
-              <a:rPr lang="en-US" dirty="0"/>
-              <a:t>Tokens backed by securities</a:t>
-            </a:r>
-          </a:p>
-          <a:p>
-            <a:endParaRPr lang="en-US" dirty="0"/>
-          </a:p>
-        </p:txBody>
-      </p:sp>
-      <p:sp>
-        <p:nvSpPr>
-          <p:cNvPr id="10" name="Text Placeholder 9">
-            <a:extLst>
-              <a:ext uri="{FF2B5EF4-FFF2-40B4-BE49-F238E27FC236}">
-                <a16:creationId xmlns:a16="http://schemas.microsoft.com/office/drawing/2014/main" id="{6A9C835B-EE7B-2801-6842-7044F690144A}"/>
-              </a:ext>
-            </a:extLst>
-          </p:cNvPr>
-          <p:cNvSpPr>
-            <a:spLocks noGrp="1"/>
-          </p:cNvSpPr>
-          <p:nvPr>
-            <p:ph type="body" sz="quarter" idx="18"/>
-          </p:nvPr>
-        </p:nvSpPr>
-        <p:spPr/>
-        <p:txBody>
-          <a:bodyPr/>
-          <a:lstStyle/>
-          <a:p>
-            <a:r>
-              <a:rPr lang="en-US" dirty="0"/>
-              <a:t>NFT</a:t>
-            </a:r>
-          </a:p>
-        </p:txBody>
-      </p:sp>
-      <p:sp>
-        <p:nvSpPr>
-          <p:cNvPr id="11" name="Text Placeholder 10">
-            <a:extLst>
-              <a:ext uri="{FF2B5EF4-FFF2-40B4-BE49-F238E27FC236}">
-                <a16:creationId xmlns:a16="http://schemas.microsoft.com/office/drawing/2014/main" id="{429544CE-BE3D-F6DD-FADE-D85F729A9BCC}"/>
-              </a:ext>
-            </a:extLst>
-          </p:cNvPr>
-          <p:cNvSpPr>
-            <a:spLocks noGrp="1"/>
-          </p:cNvSpPr>
-          <p:nvPr>
-            <p:ph type="body" sz="quarter" idx="19"/>
-          </p:nvPr>
-        </p:nvSpPr>
-        <p:spPr/>
-        <p:txBody>
-          <a:bodyPr/>
-          <a:lstStyle/>
-          <a:p>
-            <a:r>
-              <a:rPr lang="en-US" dirty="0"/>
-              <a:t>Authenticates ownership of specific assets</a:t>
-            </a:r>
-          </a:p>
-          <a:p>
-            <a:endParaRPr lang="en-US" dirty="0"/>
-          </a:p>
-        </p:txBody>
-      </p:sp>
-      <p:sp>
-        <p:nvSpPr>
-          <p:cNvPr id="81" name="Text Placeholder 80">
-            <a:extLst>
-              <a:ext uri="{FF2B5EF4-FFF2-40B4-BE49-F238E27FC236}">
-                <a16:creationId xmlns:a16="http://schemas.microsoft.com/office/drawing/2014/main" id="{2AF0BD8F-E098-8282-AE8C-8BFAB5EBBFC2}"/>
-              </a:ext>
-            </a:extLst>
-          </p:cNvPr>
-          <p:cNvSpPr>
-            <a:spLocks noGrp="1"/>
-          </p:cNvSpPr>
-          <p:nvPr>
-            <p:ph type="body" sz="quarter" idx="20"/>
-          </p:nvPr>
-        </p:nvSpPr>
-        <p:spPr/>
-        <p:txBody>
-          <a:bodyPr/>
-          <a:lstStyle/>
-          <a:p>
-            <a:r>
-              <a:rPr lang="en-US" sz="2400" b="1" dirty="0">
+            <a:pPr marL="285750" indent="-285750" algn="l">
+              <a:buFont typeface="Arial" panose="020B0604020202020204" pitchFamily="34" charset="0"/>
+              <a:buChar char="•"/>
+            </a:pPr>
+            <a:r>
+              <a:rPr lang="en-US" sz="2800" b="0" dirty="0">
                 <a:solidFill>
-                  <a:schemeClr val="accent3">
-                    <a:lumMod val="25000"/>
-                  </a:schemeClr>
+                  <a:srgbClr val="CCCCCC"/>
                 </a:solidFill>
-                <a:latin typeface="Tw Cen MT" panose="020B0602020104020603" pitchFamily="34" charset="77"/>
-                <a:ea typeface="Source Sans Pro" panose="020B0503030403020204" pitchFamily="34" charset="0"/>
+                <a:effectLst/>
+                <a:latin typeface="Consolas" panose="020B0609020204030204" pitchFamily="49" charset="0"/>
               </a:rPr>
-              <a:t>Gaming</a:t>
-            </a:r>
-            <a:endParaRPr lang="en-US" dirty="0"/>
-          </a:p>
-        </p:txBody>
-      </p:sp>
-      <p:sp>
-        <p:nvSpPr>
-          <p:cNvPr id="2" name="Text Placeholder 1">
-            <a:extLst>
-              <a:ext uri="{FF2B5EF4-FFF2-40B4-BE49-F238E27FC236}">
-                <a16:creationId xmlns:a16="http://schemas.microsoft.com/office/drawing/2014/main" id="{D733E31E-F298-485B-42BF-303CC635241F}"/>
-              </a:ext>
-            </a:extLst>
-          </p:cNvPr>
-          <p:cNvSpPr>
-            <a:spLocks noGrp="1"/>
-          </p:cNvSpPr>
-          <p:nvPr>
-            <p:ph type="body" sz="quarter" idx="21"/>
-          </p:nvPr>
-        </p:nvSpPr>
-        <p:spPr/>
-        <p:txBody>
-          <a:bodyPr/>
-          <a:lstStyle/>
-          <a:p>
-            <a:r>
-              <a:rPr lang="en-US" dirty="0"/>
-              <a:t>Used as in-game currency and traded with real world value</a:t>
+              <a:t>Data Collection was obtained from </a:t>
+            </a:r>
+            <a:r>
+              <a:rPr lang="en-US" sz="2800" b="0" dirty="0">
+                <a:solidFill>
+                  <a:srgbClr val="CCCCCC"/>
+                </a:solidFill>
+                <a:effectLst/>
+                <a:latin typeface="Consolas" panose="020B0609020204030204" pitchFamily="49" charset="0"/>
+                <a:hlinkClick r:id="rId2"/>
+              </a:rPr>
+              <a:t>https://finance.yahoo.com</a:t>
+            </a:r>
+            <a:r>
+              <a:rPr lang="en-US" sz="2800" b="0" dirty="0">
+                <a:solidFill>
+                  <a:srgbClr val="CCCCCC"/>
+                </a:solidFill>
+                <a:effectLst/>
+                <a:latin typeface="Consolas" panose="020B0609020204030204" pitchFamily="49" charset="0"/>
+              </a:rPr>
+              <a:t>.</a:t>
+            </a:r>
+          </a:p>
+          <a:p>
+            <a:pPr marL="285750" indent="-285750" algn="l">
+              <a:buFont typeface="Arial" panose="020B0604020202020204" pitchFamily="34" charset="0"/>
+              <a:buChar char="•"/>
+            </a:pPr>
+            <a:r>
+              <a:rPr lang="en-US" sz="2800" b="0" dirty="0">
+                <a:solidFill>
+                  <a:srgbClr val="CCCCCC"/>
+                </a:solidFill>
+                <a:effectLst/>
+                <a:latin typeface="Consolas" panose="020B0609020204030204" pitchFamily="49" charset="0"/>
+              </a:rPr>
+              <a:t>Reference research was obtained from various web sites specifically listed in Appendices of Readme.md.</a:t>
             </a:r>
           </a:p>
           <a:p>
@@ -24364,7 +19299,7 @@
     </p:spTree>
     <p:extLst>
       <p:ext uri="{BB962C8B-B14F-4D97-AF65-F5344CB8AC3E}">
-        <p14:creationId xmlns:p14="http://schemas.microsoft.com/office/powerpoint/2010/main" val="1430138192"/>
+        <p14:creationId xmlns:p14="http://schemas.microsoft.com/office/powerpoint/2010/main" val="3380759881"/>
       </p:ext>
     </p:extLst>
   </p:cSld>
@@ -24393,10 +19328,10 @@
       </p:grpSpPr>
       <p:sp>
         <p:nvSpPr>
-          <p:cNvPr id="106" name="Title 105">
-            <a:extLst>
-              <a:ext uri="{FF2B5EF4-FFF2-40B4-BE49-F238E27FC236}">
-                <a16:creationId xmlns:a16="http://schemas.microsoft.com/office/drawing/2014/main" id="{734F8B63-0C1D-770B-CA9D-EE7ACF817C1F}"/>
+          <p:cNvPr id="2" name="Title 1">
+            <a:extLst>
+              <a:ext uri="{FF2B5EF4-FFF2-40B4-BE49-F238E27FC236}">
+                <a16:creationId xmlns:a16="http://schemas.microsoft.com/office/drawing/2014/main" id="{F41F0E99-07CC-9576-AFD7-C52151AD0EA3}"/>
               </a:ext>
             </a:extLst>
           </p:cNvPr>
@@ -24404,27 +19339,32 @@
             <a:spLocks noGrp="1"/>
           </p:cNvSpPr>
           <p:nvPr>
-            <p:ph type="title"/>
+            <p:ph type="ctrTitle"/>
           </p:nvPr>
         </p:nvSpPr>
-        <p:spPr/>
+        <p:spPr>
+          <a:xfrm>
+            <a:off x="1987456" y="72511"/>
+            <a:ext cx="7735824" cy="1069848"/>
+          </a:xfrm>
+        </p:spPr>
         <p:txBody>
           <a:bodyPr/>
           <a:lstStyle/>
           <a:p>
             <a:r>
               <a:rPr lang="en-US" dirty="0"/>
-              <a:t>PORTFOLIO BUILDUP</a:t>
-            </a:r>
-          </a:p>
-        </p:txBody>
-      </p:sp>
-      <p:sp>
-        <p:nvSpPr>
-          <p:cNvPr id="139" name="Slide Number Placeholder 138">
-            <a:extLst>
-              <a:ext uri="{FF2B5EF4-FFF2-40B4-BE49-F238E27FC236}">
-                <a16:creationId xmlns:a16="http://schemas.microsoft.com/office/drawing/2014/main" id="{0C6CCCC3-BCC9-AE9B-C2AE-4D9986B5F8AE}"/>
+              <a:t>Data Cleanup</a:t>
+            </a:r>
+          </a:p>
+        </p:txBody>
+      </p:sp>
+      <p:sp>
+        <p:nvSpPr>
+          <p:cNvPr id="3" name="Subtitle 2">
+            <a:extLst>
+              <a:ext uri="{FF2B5EF4-FFF2-40B4-BE49-F238E27FC236}">
+                <a16:creationId xmlns:a16="http://schemas.microsoft.com/office/drawing/2014/main" id="{5A82A8B0-333F-633E-3FA7-D38DBFB10971}"/>
               </a:ext>
             </a:extLst>
           </p:cNvPr>
@@ -24432,590 +19372,35 @@
             <a:spLocks noGrp="1"/>
           </p:cNvSpPr>
           <p:nvPr>
-            <p:ph type="sldNum" sz="quarter" idx="11"/>
+            <p:ph type="subTitle" idx="1"/>
           </p:nvPr>
         </p:nvSpPr>
-        <p:spPr/>
+        <p:spPr>
+          <a:xfrm>
+            <a:off x="505325" y="1259305"/>
+            <a:ext cx="11269579" cy="5430253"/>
+          </a:xfrm>
+        </p:spPr>
         <p:txBody>
           <a:bodyPr/>
           <a:lstStyle/>
           <a:p>
-            <a:fld id="{294A09A9-5501-47C1-A89A-A340965A2BE2}" type="slidenum">
-              <a:rPr lang="en-US" smtClean="0"/>
-              <a:pPr/>
-              <a:t>9</a:t>
-            </a:fld>
-            <a:endParaRPr lang="en-US" dirty="0"/>
-          </a:p>
-        </p:txBody>
-      </p:sp>
-      <p:pic>
-        <p:nvPicPr>
-          <p:cNvPr id="85" name="Picture Placeholder 84" descr="Continuous Improvement outline">
-            <a:extLst>
-              <a:ext uri="{FF2B5EF4-FFF2-40B4-BE49-F238E27FC236}">
-                <a16:creationId xmlns:a16="http://schemas.microsoft.com/office/drawing/2014/main" id="{D65F5CE9-1D9A-9BF0-5ADD-C4E2693DA4CB}"/>
-              </a:ext>
-            </a:extLst>
-          </p:cNvPr>
-          <p:cNvPicPr>
-            <a:picLocks noGrp="1" noChangeAspect="1"/>
-          </p:cNvPicPr>
-          <p:nvPr>
-            <p:ph type="pic" sz="quarter" idx="22"/>
-          </p:nvPr>
-        </p:nvPicPr>
-        <p:blipFill rotWithShape="1">
-          <a:blip r:embed="rId2"/>
-          <a:srcRect t="517" b="517"/>
-          <a:stretch/>
-        </p:blipFill>
-        <p:spPr>
-          <a:xfrm>
-            <a:off x="1583555" y="2980517"/>
-            <a:ext cx="713074" cy="713074"/>
-          </a:xfrm>
-        </p:spPr>
-      </p:pic>
-      <p:pic>
-        <p:nvPicPr>
-          <p:cNvPr id="86" name="Picture Placeholder 85" descr="Wallet outline">
-            <a:extLst>
-              <a:ext uri="{FF2B5EF4-FFF2-40B4-BE49-F238E27FC236}">
-                <a16:creationId xmlns:a16="http://schemas.microsoft.com/office/drawing/2014/main" id="{EDC60F06-D73E-F719-14FA-A6F1ECF09300}"/>
-              </a:ext>
-            </a:extLst>
-          </p:cNvPr>
-          <p:cNvPicPr>
-            <a:picLocks noGrp="1" noChangeAspect="1"/>
-          </p:cNvPicPr>
-          <p:nvPr>
-            <p:ph type="pic" sz="quarter" idx="23"/>
-          </p:nvPr>
-        </p:nvPicPr>
-        <p:blipFill rotWithShape="1">
-          <a:blip r:embed="rId3"/>
-          <a:srcRect t="128" b="128"/>
-          <a:stretch/>
-        </p:blipFill>
-        <p:spPr/>
-      </p:pic>
-      <p:pic>
-        <p:nvPicPr>
-          <p:cNvPr id="87" name="Picture Placeholder 86" descr="Piggy Bank outline">
-            <a:extLst>
-              <a:ext uri="{FF2B5EF4-FFF2-40B4-BE49-F238E27FC236}">
-                <a16:creationId xmlns:a16="http://schemas.microsoft.com/office/drawing/2014/main" id="{ED53247D-56A2-6AB9-6FF9-0313BD7DB9E8}"/>
-              </a:ext>
-            </a:extLst>
-          </p:cNvPr>
-          <p:cNvPicPr>
-            <a:picLocks noGrp="1" noChangeAspect="1"/>
-          </p:cNvPicPr>
-          <p:nvPr>
-            <p:ph type="pic" sz="quarter" idx="24"/>
-          </p:nvPr>
-        </p:nvPicPr>
-        <p:blipFill rotWithShape="1">
-          <a:blip r:embed="rId4"/>
-          <a:srcRect/>
-          <a:stretch/>
-        </p:blipFill>
-        <p:spPr/>
-      </p:pic>
-      <p:pic>
-        <p:nvPicPr>
-          <p:cNvPr id="88" name="Picture Placeholder 87" descr="Bitcoin outline">
-            <a:extLst>
-              <a:ext uri="{FF2B5EF4-FFF2-40B4-BE49-F238E27FC236}">
-                <a16:creationId xmlns:a16="http://schemas.microsoft.com/office/drawing/2014/main" id="{32BC0F61-A0C8-5BEF-A6E9-0E7ADE645FA6}"/>
-              </a:ext>
-            </a:extLst>
-          </p:cNvPr>
-          <p:cNvPicPr>
-            <a:picLocks noGrp="1" noChangeAspect="1"/>
-          </p:cNvPicPr>
-          <p:nvPr>
-            <p:ph type="pic" sz="quarter" idx="25"/>
-          </p:nvPr>
-        </p:nvPicPr>
-        <p:blipFill rotWithShape="1">
-          <a:blip r:embed="rId5"/>
-          <a:srcRect l="345" r="345"/>
-          <a:stretch/>
-        </p:blipFill>
-        <p:spPr/>
-      </p:pic>
-      <p:pic>
-        <p:nvPicPr>
-          <p:cNvPr id="90" name="Picture Placeholder 89" descr="Exponential Graph outline">
-            <a:extLst>
-              <a:ext uri="{FF2B5EF4-FFF2-40B4-BE49-F238E27FC236}">
-                <a16:creationId xmlns:a16="http://schemas.microsoft.com/office/drawing/2014/main" id="{86472D92-CAA9-AF6F-549B-2EE170C70DD7}"/>
-              </a:ext>
-            </a:extLst>
-          </p:cNvPr>
-          <p:cNvPicPr>
-            <a:picLocks noGrp="1" noChangeAspect="1"/>
-          </p:cNvPicPr>
-          <p:nvPr>
-            <p:ph type="pic" sz="quarter" idx="26"/>
-          </p:nvPr>
-        </p:nvPicPr>
-        <p:blipFill rotWithShape="1">
-          <a:blip r:embed="rId6"/>
-          <a:srcRect/>
-          <a:stretch/>
-        </p:blipFill>
-        <p:spPr/>
-      </p:pic>
-      <p:sp>
-        <p:nvSpPr>
-          <p:cNvPr id="3" name="Text Placeholder 2">
-            <a:extLst>
-              <a:ext uri="{FF2B5EF4-FFF2-40B4-BE49-F238E27FC236}">
-                <a16:creationId xmlns:a16="http://schemas.microsoft.com/office/drawing/2014/main" id="{0CF4EECB-47E7-26A0-F3A1-ACAE7AEE5741}"/>
-              </a:ext>
-            </a:extLst>
-          </p:cNvPr>
-          <p:cNvSpPr>
-            <a:spLocks noGrp="1"/>
-          </p:cNvSpPr>
-          <p:nvPr>
-            <p:ph type="body" sz="quarter" idx="12"/>
-          </p:nvPr>
-        </p:nvSpPr>
-        <p:spPr/>
-        <p:txBody>
-          <a:bodyPr/>
-          <a:lstStyle/>
-          <a:p>
-            <a:r>
-              <a:rPr lang="en-US" dirty="0"/>
-              <a:t>Step 1</a:t>
-            </a:r>
-          </a:p>
-        </p:txBody>
-      </p:sp>
-      <p:sp>
-        <p:nvSpPr>
-          <p:cNvPr id="133" name="Text Placeholder 132">
-            <a:extLst>
-              <a:ext uri="{FF2B5EF4-FFF2-40B4-BE49-F238E27FC236}">
-                <a16:creationId xmlns:a16="http://schemas.microsoft.com/office/drawing/2014/main" id="{0D7DF893-CDC1-A213-86BF-C9C73F979CC5}"/>
-              </a:ext>
-            </a:extLst>
-          </p:cNvPr>
-          <p:cNvSpPr>
-            <a:spLocks noGrp="1"/>
-          </p:cNvSpPr>
-          <p:nvPr>
-            <p:ph type="body" sz="quarter" idx="28"/>
-          </p:nvPr>
-        </p:nvSpPr>
-        <p:spPr/>
-        <p:txBody>
-          <a:bodyPr/>
-          <a:lstStyle/>
-          <a:p>
-            <a:endParaRPr lang="en-US" dirty="0"/>
-          </a:p>
-        </p:txBody>
-      </p:sp>
-      <p:sp>
-        <p:nvSpPr>
-          <p:cNvPr id="5" name="Text Placeholder 4">
-            <a:extLst>
-              <a:ext uri="{FF2B5EF4-FFF2-40B4-BE49-F238E27FC236}">
-                <a16:creationId xmlns:a16="http://schemas.microsoft.com/office/drawing/2014/main" id="{AC2F0535-53EA-30FB-770D-0C92BEEF3F6D}"/>
-              </a:ext>
-            </a:extLst>
-          </p:cNvPr>
-          <p:cNvSpPr>
-            <a:spLocks noGrp="1"/>
-          </p:cNvSpPr>
-          <p:nvPr>
-            <p:ph type="body" sz="quarter" idx="14"/>
-          </p:nvPr>
-        </p:nvSpPr>
-        <p:spPr/>
-        <p:txBody>
-          <a:bodyPr/>
-          <a:lstStyle/>
-          <a:p>
-            <a:pPr lvl="0"/>
-            <a:r>
-              <a:rPr lang="en-US" dirty="0"/>
-              <a:t>Step 2</a:t>
-            </a:r>
-          </a:p>
-        </p:txBody>
-      </p:sp>
-      <p:sp>
-        <p:nvSpPr>
-          <p:cNvPr id="134" name="Text Placeholder 133">
-            <a:extLst>
-              <a:ext uri="{FF2B5EF4-FFF2-40B4-BE49-F238E27FC236}">
-                <a16:creationId xmlns:a16="http://schemas.microsoft.com/office/drawing/2014/main" id="{9CE100CE-4574-F901-234D-B9BEED642B9B}"/>
-              </a:ext>
-            </a:extLst>
-          </p:cNvPr>
-          <p:cNvSpPr>
-            <a:spLocks noGrp="1"/>
-          </p:cNvSpPr>
-          <p:nvPr>
-            <p:ph type="body" sz="quarter" idx="29"/>
-          </p:nvPr>
-        </p:nvSpPr>
-        <p:spPr/>
-        <p:txBody>
-          <a:bodyPr/>
-          <a:lstStyle/>
-          <a:p>
-            <a:endParaRPr lang="en-US" dirty="0"/>
-          </a:p>
-        </p:txBody>
-      </p:sp>
-      <p:sp>
-        <p:nvSpPr>
-          <p:cNvPr id="7" name="Text Placeholder 6">
-            <a:extLst>
-              <a:ext uri="{FF2B5EF4-FFF2-40B4-BE49-F238E27FC236}">
-                <a16:creationId xmlns:a16="http://schemas.microsoft.com/office/drawing/2014/main" id="{31511481-29C6-275B-963E-B5AF2E87ADA2}"/>
-              </a:ext>
-            </a:extLst>
-          </p:cNvPr>
-          <p:cNvSpPr>
-            <a:spLocks noGrp="1"/>
-          </p:cNvSpPr>
-          <p:nvPr>
-            <p:ph type="body" sz="quarter" idx="16"/>
-          </p:nvPr>
-        </p:nvSpPr>
-        <p:spPr/>
-        <p:txBody>
-          <a:bodyPr/>
-          <a:lstStyle/>
-          <a:p>
-            <a:pPr lvl="0"/>
-            <a:r>
-              <a:rPr lang="en-US" dirty="0"/>
-              <a:t>Step 3</a:t>
-            </a:r>
-          </a:p>
-        </p:txBody>
-      </p:sp>
-      <p:sp>
-        <p:nvSpPr>
-          <p:cNvPr id="135" name="Text Placeholder 134">
-            <a:extLst>
-              <a:ext uri="{FF2B5EF4-FFF2-40B4-BE49-F238E27FC236}">
-                <a16:creationId xmlns:a16="http://schemas.microsoft.com/office/drawing/2014/main" id="{288EBDBE-0ABC-82CE-4598-09F65E315AD7}"/>
-              </a:ext>
-            </a:extLst>
-          </p:cNvPr>
-          <p:cNvSpPr>
-            <a:spLocks noGrp="1"/>
-          </p:cNvSpPr>
-          <p:nvPr>
-            <p:ph type="body" sz="quarter" idx="30"/>
-          </p:nvPr>
-        </p:nvSpPr>
-        <p:spPr/>
-        <p:txBody>
-          <a:bodyPr/>
-          <a:lstStyle/>
-          <a:p>
-            <a:endParaRPr lang="en-US" dirty="0"/>
-          </a:p>
-        </p:txBody>
-      </p:sp>
-      <p:sp>
-        <p:nvSpPr>
-          <p:cNvPr id="9" name="Text Placeholder 8">
-            <a:extLst>
-              <a:ext uri="{FF2B5EF4-FFF2-40B4-BE49-F238E27FC236}">
-                <a16:creationId xmlns:a16="http://schemas.microsoft.com/office/drawing/2014/main" id="{2F32973A-CF94-1C2B-BB12-B563173CC79A}"/>
-              </a:ext>
-            </a:extLst>
-          </p:cNvPr>
-          <p:cNvSpPr>
-            <a:spLocks noGrp="1"/>
-          </p:cNvSpPr>
-          <p:nvPr>
-            <p:ph type="body" sz="quarter" idx="18"/>
-          </p:nvPr>
-        </p:nvSpPr>
-        <p:spPr/>
-        <p:txBody>
-          <a:bodyPr/>
-          <a:lstStyle/>
-          <a:p>
-            <a:pPr lvl="0"/>
-            <a:r>
-              <a:rPr lang="en-US" dirty="0"/>
-              <a:t>Step 4</a:t>
-            </a:r>
-          </a:p>
-        </p:txBody>
-      </p:sp>
-      <p:sp>
-        <p:nvSpPr>
-          <p:cNvPr id="136" name="Text Placeholder 135">
-            <a:extLst>
-              <a:ext uri="{FF2B5EF4-FFF2-40B4-BE49-F238E27FC236}">
-                <a16:creationId xmlns:a16="http://schemas.microsoft.com/office/drawing/2014/main" id="{14F6CD04-2A18-A6BD-AAB9-1D30D1563399}"/>
-              </a:ext>
-            </a:extLst>
-          </p:cNvPr>
-          <p:cNvSpPr>
-            <a:spLocks noGrp="1"/>
-          </p:cNvSpPr>
-          <p:nvPr>
-            <p:ph type="body" sz="quarter" idx="31"/>
-          </p:nvPr>
-        </p:nvSpPr>
-        <p:spPr/>
-        <p:txBody>
-          <a:bodyPr/>
-          <a:lstStyle/>
-          <a:p>
-            <a:endParaRPr lang="en-US" dirty="0"/>
-          </a:p>
-        </p:txBody>
-      </p:sp>
-      <p:sp>
-        <p:nvSpPr>
-          <p:cNvPr id="11" name="Text Placeholder 10">
-            <a:extLst>
-              <a:ext uri="{FF2B5EF4-FFF2-40B4-BE49-F238E27FC236}">
-                <a16:creationId xmlns:a16="http://schemas.microsoft.com/office/drawing/2014/main" id="{CE7AA813-84F0-DB50-F6B6-A29A94662DAD}"/>
-              </a:ext>
-            </a:extLst>
-          </p:cNvPr>
-          <p:cNvSpPr>
-            <a:spLocks noGrp="1"/>
-          </p:cNvSpPr>
-          <p:nvPr>
-            <p:ph type="body" sz="quarter" idx="20"/>
-          </p:nvPr>
-        </p:nvSpPr>
-        <p:spPr/>
-        <p:txBody>
-          <a:bodyPr/>
-          <a:lstStyle/>
-          <a:p>
-            <a:pPr lvl="0"/>
-            <a:r>
-              <a:rPr lang="en-US" dirty="0"/>
-              <a:t>Step 5</a:t>
-            </a:r>
-          </a:p>
-        </p:txBody>
-      </p:sp>
-      <p:sp>
-        <p:nvSpPr>
-          <p:cNvPr id="137" name="Text Placeholder 136">
-            <a:extLst>
-              <a:ext uri="{FF2B5EF4-FFF2-40B4-BE49-F238E27FC236}">
-                <a16:creationId xmlns:a16="http://schemas.microsoft.com/office/drawing/2014/main" id="{C171CBDB-4593-F4D1-30E9-A47F4C7CADAF}"/>
-              </a:ext>
-            </a:extLst>
-          </p:cNvPr>
-          <p:cNvSpPr>
-            <a:spLocks noGrp="1"/>
-          </p:cNvSpPr>
-          <p:nvPr>
-            <p:ph type="body" sz="quarter" idx="32"/>
-          </p:nvPr>
-        </p:nvSpPr>
-        <p:spPr/>
-        <p:txBody>
-          <a:bodyPr/>
-          <a:lstStyle/>
-          <a:p>
-            <a:endParaRPr lang="en-US" dirty="0"/>
-          </a:p>
-        </p:txBody>
-      </p:sp>
-      <p:sp>
-        <p:nvSpPr>
-          <p:cNvPr id="69" name="Text Placeholder 68">
-            <a:extLst>
-              <a:ext uri="{FF2B5EF4-FFF2-40B4-BE49-F238E27FC236}">
-                <a16:creationId xmlns:a16="http://schemas.microsoft.com/office/drawing/2014/main" id="{4BBDF45D-9B32-0154-7602-2C43DAF6C0A6}"/>
-              </a:ext>
-            </a:extLst>
-          </p:cNvPr>
-          <p:cNvSpPr>
-            <a:spLocks noGrp="1"/>
-          </p:cNvSpPr>
-          <p:nvPr>
-            <p:ph type="body" sz="quarter" idx="13"/>
-          </p:nvPr>
-        </p:nvSpPr>
-        <p:spPr/>
-        <p:txBody>
-          <a:bodyPr/>
-          <a:lstStyle/>
-          <a:p>
-            <a:r>
-              <a:rPr lang="en-US" dirty="0"/>
-              <a:t>Choose a cryptocurrency exchange</a:t>
-            </a:r>
-          </a:p>
-          <a:p>
-            <a:endParaRPr lang="en-US" dirty="0"/>
-          </a:p>
-        </p:txBody>
-      </p:sp>
-      <p:sp>
-        <p:nvSpPr>
-          <p:cNvPr id="70" name="Text Placeholder 69">
-            <a:extLst>
-              <a:ext uri="{FF2B5EF4-FFF2-40B4-BE49-F238E27FC236}">
-                <a16:creationId xmlns:a16="http://schemas.microsoft.com/office/drawing/2014/main" id="{38FF6C9F-C7C5-37D5-4C61-BA14A636B732}"/>
-              </a:ext>
-            </a:extLst>
-          </p:cNvPr>
-          <p:cNvSpPr>
-            <a:spLocks noGrp="1"/>
-          </p:cNvSpPr>
-          <p:nvPr>
-            <p:ph type="body" sz="quarter" idx="15"/>
-          </p:nvPr>
-        </p:nvSpPr>
-        <p:spPr/>
-        <p:txBody>
-          <a:bodyPr/>
-          <a:lstStyle/>
-          <a:p>
-            <a:r>
-              <a:rPr lang="en-US" dirty="0"/>
-              <a:t>Purchase preferred coins &amp; create "wallet"</a:t>
-            </a:r>
-          </a:p>
-          <a:p>
-            <a:endParaRPr lang="en-US" dirty="0"/>
-          </a:p>
-        </p:txBody>
-      </p:sp>
-      <p:sp>
-        <p:nvSpPr>
-          <p:cNvPr id="71" name="Text Placeholder 70">
-            <a:extLst>
-              <a:ext uri="{FF2B5EF4-FFF2-40B4-BE49-F238E27FC236}">
-                <a16:creationId xmlns:a16="http://schemas.microsoft.com/office/drawing/2014/main" id="{5973BD56-1612-983E-EA67-F4039B062085}"/>
-              </a:ext>
-            </a:extLst>
-          </p:cNvPr>
-          <p:cNvSpPr>
-            <a:spLocks noGrp="1"/>
-          </p:cNvSpPr>
-          <p:nvPr>
-            <p:ph type="body" sz="quarter" idx="17"/>
-          </p:nvPr>
-        </p:nvSpPr>
-        <p:spPr/>
-        <p:txBody>
-          <a:bodyPr/>
-          <a:lstStyle/>
-          <a:p>
-            <a:r>
-              <a:rPr lang="en-US" dirty="0"/>
-              <a:t>Research investment and trading options</a:t>
-            </a:r>
-          </a:p>
-          <a:p>
-            <a:endParaRPr lang="en-US" dirty="0"/>
-          </a:p>
-        </p:txBody>
-      </p:sp>
-      <p:sp>
-        <p:nvSpPr>
-          <p:cNvPr id="72" name="Text Placeholder 71">
-            <a:extLst>
-              <a:ext uri="{FF2B5EF4-FFF2-40B4-BE49-F238E27FC236}">
-                <a16:creationId xmlns:a16="http://schemas.microsoft.com/office/drawing/2014/main" id="{840CFADA-CAD6-2A04-5B15-5DB4DD6A84E0}"/>
-              </a:ext>
-            </a:extLst>
-          </p:cNvPr>
-          <p:cNvSpPr>
-            <a:spLocks noGrp="1"/>
-          </p:cNvSpPr>
-          <p:nvPr>
-            <p:ph type="body" sz="quarter" idx="19"/>
-          </p:nvPr>
-        </p:nvSpPr>
-        <p:spPr/>
-        <p:txBody>
-          <a:bodyPr/>
-          <a:lstStyle/>
-          <a:p>
-            <a:r>
-              <a:rPr lang="en-US" dirty="0"/>
-              <a:t>Stake preferred coins in chosen company</a:t>
-            </a:r>
-          </a:p>
-          <a:p>
-            <a:endParaRPr lang="en-US" dirty="0"/>
-          </a:p>
-        </p:txBody>
-      </p:sp>
-      <p:sp>
-        <p:nvSpPr>
-          <p:cNvPr id="73" name="Text Placeholder 72">
-            <a:extLst>
-              <a:ext uri="{FF2B5EF4-FFF2-40B4-BE49-F238E27FC236}">
-                <a16:creationId xmlns:a16="http://schemas.microsoft.com/office/drawing/2014/main" id="{DB3347BB-2913-A230-8362-2B778394E7CE}"/>
-              </a:ext>
-            </a:extLst>
-          </p:cNvPr>
-          <p:cNvSpPr>
-            <a:spLocks noGrp="1"/>
-          </p:cNvSpPr>
-          <p:nvPr>
-            <p:ph type="body" sz="quarter" idx="21"/>
-          </p:nvPr>
-        </p:nvSpPr>
-        <p:spPr/>
-        <p:txBody>
-          <a:bodyPr/>
-          <a:lstStyle/>
-          <a:p>
-            <a:pPr lvl="0"/>
-            <a:r>
-              <a:rPr lang="en-US" dirty="0"/>
-              <a:t>Set exponential growth goals</a:t>
-            </a:r>
-          </a:p>
-        </p:txBody>
-      </p:sp>
-      <p:sp>
-        <p:nvSpPr>
-          <p:cNvPr id="138" name="Footer Placeholder 137">
-            <a:extLst>
-              <a:ext uri="{FF2B5EF4-FFF2-40B4-BE49-F238E27FC236}">
-                <a16:creationId xmlns:a16="http://schemas.microsoft.com/office/drawing/2014/main" id="{8BC11123-4B26-8100-E85C-F218651524A5}"/>
-              </a:ext>
-            </a:extLst>
-          </p:cNvPr>
-          <p:cNvSpPr>
-            <a:spLocks noGrp="1"/>
-          </p:cNvSpPr>
-          <p:nvPr>
-            <p:ph type="ftr" sz="quarter" idx="10"/>
-          </p:nvPr>
-        </p:nvSpPr>
-        <p:spPr/>
-        <p:txBody>
-          <a:bodyPr/>
-          <a:lstStyle/>
-          <a:p>
-            <a:r>
-              <a:rPr lang="en-US"/>
-              <a:t>Crypto: investing &amp; trading</a:t>
-            </a:r>
+            <a:pPr marL="457200" indent="-457200" algn="l">
+              <a:buFont typeface="Arial" panose="020B0604020202020204" pitchFamily="34" charset="0"/>
+              <a:buChar char="•"/>
+            </a:pPr>
+            <a:r>
+              <a:rPr lang="en-US" sz="2800" b="0" dirty="0">
+                <a:solidFill>
+                  <a:srgbClr val="CCCCCC"/>
+                </a:solidFill>
+                <a:effectLst/>
+                <a:latin typeface="Consolas" panose="020B0609020204030204" pitchFamily="49" charset="0"/>
+              </a:rPr>
+              <a:t>Cleanup was achieved by originally plotting all companies together and then plotting individually to determine if each company contained sufficient data to include in the analysis.</a:t>
+            </a:r>
+          </a:p>
+          <a:p>
             <a:endParaRPr lang="en-US" dirty="0"/>
           </a:p>
         </p:txBody>
@@ -25023,7 +19408,7 @@
     </p:spTree>
     <p:extLst>
       <p:ext uri="{BB962C8B-B14F-4D97-AF65-F5344CB8AC3E}">
-        <p14:creationId xmlns:p14="http://schemas.microsoft.com/office/powerpoint/2010/main" val="3510130985"/>
+        <p14:creationId xmlns:p14="http://schemas.microsoft.com/office/powerpoint/2010/main" val="598598603"/>
       </p:ext>
     </p:extLst>
   </p:cSld>
@@ -25530,12 +19915,23 @@
 </file>
 
 <file path=customXml/item1.xml><?xml version="1.0" encoding="utf-8"?>
-<?mso-contentType ?>
-<FormTemplates xmlns="http://schemas.microsoft.com/sharepoint/v3/contenttype/forms">
-  <Display>DocumentLibraryForm</Display>
-  <Edit>DocumentLibraryForm</Edit>
-  <New>DocumentLibraryForm</New>
-</FormTemplates>
+<p:properties xmlns:p="http://schemas.microsoft.com/office/2006/metadata/properties" xmlns:xsi="http://www.w3.org/2001/XMLSchema-instance" xmlns:pc="http://schemas.microsoft.com/office/infopath/2007/PartnerControls">
+  <documentManagement>
+    <_ip_UnifiedCompliancePolicyUIAction xmlns="http://schemas.microsoft.com/sharepoint/v3" xsi:nil="true"/>
+    <Image xmlns="71af3243-3dd4-4a8d-8c0d-dd76da1f02a5">
+      <Url xsi:nil="true"/>
+      <Description xsi:nil="true"/>
+    </Image>
+    <Status xmlns="71af3243-3dd4-4a8d-8c0d-dd76da1f02a5">Not started</Status>
+    <Background xmlns="71af3243-3dd4-4a8d-8c0d-dd76da1f02a5">false</Background>
+    <_ip_UnifiedCompliancePolicyProperties xmlns="http://schemas.microsoft.com/sharepoint/v3" xsi:nil="true"/>
+    <ImageTagsTaxHTField xmlns="71af3243-3dd4-4a8d-8c0d-dd76da1f02a5">
+      <Terms xmlns="http://schemas.microsoft.com/office/infopath/2007/PartnerControls"/>
+    </ImageTagsTaxHTField>
+    <TaxCatchAll xmlns="230e9df3-be65-4c73-a93b-d1236ebd677e" xsi:nil="true"/>
+    <MediaServiceKeyPoints xmlns="71af3243-3dd4-4a8d-8c0d-dd76da1f02a5" xsi:nil="true"/>
+  </documentManagement>
+</p:properties>
 </file>
 
 <file path=customXml/item2.xml><?xml version="1.0" encoding="utf-8"?>
@@ -25833,29 +20229,22 @@
 </file>
 
 <file path=customXml/item3.xml><?xml version="1.0" encoding="utf-8"?>
-<p:properties xmlns:p="http://schemas.microsoft.com/office/2006/metadata/properties" xmlns:xsi="http://www.w3.org/2001/XMLSchema-instance" xmlns:pc="http://schemas.microsoft.com/office/infopath/2007/PartnerControls">
-  <documentManagement>
-    <_ip_UnifiedCompliancePolicyUIAction xmlns="http://schemas.microsoft.com/sharepoint/v3" xsi:nil="true"/>
-    <Image xmlns="71af3243-3dd4-4a8d-8c0d-dd76da1f02a5">
-      <Url xsi:nil="true"/>
-      <Description xsi:nil="true"/>
-    </Image>
-    <Status xmlns="71af3243-3dd4-4a8d-8c0d-dd76da1f02a5">Not started</Status>
-    <Background xmlns="71af3243-3dd4-4a8d-8c0d-dd76da1f02a5">false</Background>
-    <_ip_UnifiedCompliancePolicyProperties xmlns="http://schemas.microsoft.com/sharepoint/v3" xsi:nil="true"/>
-    <ImageTagsTaxHTField xmlns="71af3243-3dd4-4a8d-8c0d-dd76da1f02a5">
-      <Terms xmlns="http://schemas.microsoft.com/office/infopath/2007/PartnerControls"/>
-    </ImageTagsTaxHTField>
-    <TaxCatchAll xmlns="230e9df3-be65-4c73-a93b-d1236ebd677e" xsi:nil="true"/>
-    <MediaServiceKeyPoints xmlns="71af3243-3dd4-4a8d-8c0d-dd76da1f02a5" xsi:nil="true"/>
-  </documentManagement>
-</p:properties>
+<?mso-contentType ?>
+<FormTemplates xmlns="http://schemas.microsoft.com/sharepoint/v3/contenttype/forms">
+  <Display>DocumentLibraryForm</Display>
+  <Edit>DocumentLibraryForm</Edit>
+  <New>DocumentLibraryForm</New>
+</FormTemplates>
 </file>
 
 <file path=customXml/itemProps1.xml><?xml version="1.0" encoding="utf-8"?>
-<ds:datastoreItem xmlns:ds="http://schemas.openxmlformats.org/officeDocument/2006/customXml" ds:itemID="{4F1F1912-3146-44AF-A389-9E8B77BB3688}">
+<ds:datastoreItem xmlns:ds="http://schemas.openxmlformats.org/officeDocument/2006/customXml" ds:itemID="{F8B8ECF1-2A9D-464C-AFE8-2B3295D0BF97}">
   <ds:schemaRefs>
-    <ds:schemaRef ds:uri="http://schemas.microsoft.com/sharepoint/v3/contenttype/forms"/>
+    <ds:schemaRef ds:uri="http://schemas.microsoft.com/office/2006/metadata/properties"/>
+    <ds:schemaRef ds:uri="http://schemas.microsoft.com/office/infopath/2007/PartnerControls"/>
+    <ds:schemaRef ds:uri="http://schemas.microsoft.com/sharepoint/v3"/>
+    <ds:schemaRef ds:uri="71af3243-3dd4-4a8d-8c0d-dd76da1f02a5"/>
+    <ds:schemaRef ds:uri="230e9df3-be65-4c73-a93b-d1236ebd677e"/>
   </ds:schemaRefs>
 </ds:datastoreItem>
 </file>
@@ -25882,13 +20271,9 @@
 </file>
 
 <file path=customXml/itemProps3.xml><?xml version="1.0" encoding="utf-8"?>
-<ds:datastoreItem xmlns:ds="http://schemas.openxmlformats.org/officeDocument/2006/customXml" ds:itemID="{F8B8ECF1-2A9D-464C-AFE8-2B3295D0BF97}">
+<ds:datastoreItem xmlns:ds="http://schemas.openxmlformats.org/officeDocument/2006/customXml" ds:itemID="{4F1F1912-3146-44AF-A389-9E8B77BB3688}">
   <ds:schemaRefs>
-    <ds:schemaRef ds:uri="http://schemas.microsoft.com/office/2006/metadata/properties"/>
-    <ds:schemaRef ds:uri="http://schemas.microsoft.com/office/infopath/2007/PartnerControls"/>
-    <ds:schemaRef ds:uri="http://schemas.microsoft.com/sharepoint/v3"/>
-    <ds:schemaRef ds:uri="71af3243-3dd4-4a8d-8c0d-dd76da1f02a5"/>
-    <ds:schemaRef ds:uri="230e9df3-be65-4c73-a93b-d1236ebd677e"/>
+    <ds:schemaRef ds:uri="http://schemas.microsoft.com/sharepoint/v3/contenttype/forms"/>
   </ds:schemaRefs>
 </ds:datastoreItem>
 </file>

--- a/Project_1_Presentation.pptx
+++ b/Project_1_Presentation.pptx
@@ -5,7 +5,7 @@
     <p:sldMasterId id="2147483648" r:id="rId4"/>
   </p:sldMasterIdLst>
   <p:notesMasterIdLst>
-    <p:notesMasterId r:id="rId20"/>
+    <p:notesMasterId r:id="rId29"/>
   </p:notesMasterIdLst>
   <p:sldIdLst>
     <p:sldId id="530" r:id="rId5"/>
@@ -18,11 +18,20 @@
     <p:sldId id="533" r:id="rId12"/>
     <p:sldId id="547" r:id="rId13"/>
     <p:sldId id="555" r:id="rId14"/>
-    <p:sldId id="552" r:id="rId15"/>
-    <p:sldId id="553" r:id="rId16"/>
-    <p:sldId id="554" r:id="rId17"/>
-    <p:sldId id="549" r:id="rId18"/>
-    <p:sldId id="544" r:id="rId19"/>
+    <p:sldId id="566" r:id="rId15"/>
+    <p:sldId id="564" r:id="rId16"/>
+    <p:sldId id="563" r:id="rId17"/>
+    <p:sldId id="562" r:id="rId18"/>
+    <p:sldId id="565" r:id="rId19"/>
+    <p:sldId id="559" r:id="rId20"/>
+    <p:sldId id="558" r:id="rId21"/>
+    <p:sldId id="560" r:id="rId22"/>
+    <p:sldId id="561" r:id="rId23"/>
+    <p:sldId id="552" r:id="rId24"/>
+    <p:sldId id="553" r:id="rId25"/>
+    <p:sldId id="554" r:id="rId26"/>
+    <p:sldId id="549" r:id="rId27"/>
+    <p:sldId id="544" r:id="rId28"/>
   </p:sldIdLst>
   <p:sldSz cx="12192000" cy="6858000"/>
   <p:notesSz cx="6858000" cy="9144000"/>
@@ -17503,6 +17512,25 @@
             </a:r>
           </a:p>
           <a:p>
+            <a:pPr algn="r"/>
+            <a:r>
+              <a:rPr lang="en-US" sz="2400" dirty="0">
+                <a:solidFill>
+                  <a:srgbClr val="CCCCCC"/>
+                </a:solidFill>
+                <a:latin typeface="Consolas" panose="020B0609020204030204" pitchFamily="49" charset="0"/>
+              </a:rPr>
+              <a:t>*Scrubbed Data</a:t>
+            </a:r>
+            <a:endParaRPr lang="en-US" sz="2400" b="0" dirty="0">
+              <a:solidFill>
+                <a:srgbClr val="CCCCCC"/>
+              </a:solidFill>
+              <a:effectLst/>
+              <a:latin typeface="Consolas" panose="020B0609020204030204" pitchFamily="49" charset="0"/>
+            </a:endParaRPr>
+          </a:p>
+          <a:p>
             <a:endParaRPr lang="en-US" dirty="0"/>
           </a:p>
         </p:txBody>
@@ -17555,8 +17583,8 @@
         </p:nvSpPr>
         <p:spPr>
           <a:xfrm>
-            <a:off x="1987455" y="72511"/>
-            <a:ext cx="8776797" cy="1069848"/>
+            <a:off x="441159" y="72511"/>
+            <a:ext cx="10844462" cy="1069848"/>
           </a:xfrm>
         </p:spPr>
         <p:txBody>
@@ -17565,127 +17593,62 @@
           <a:p>
             <a:r>
               <a:rPr lang="en-US" dirty="0"/>
-              <a:t>Findings and implications</a:t>
-            </a:r>
-          </a:p>
-        </p:txBody>
-      </p:sp>
-      <p:sp>
-        <p:nvSpPr>
-          <p:cNvPr id="3" name="Subtitle 2">
-            <a:extLst>
-              <a:ext uri="{FF2B5EF4-FFF2-40B4-BE49-F238E27FC236}">
-                <a16:creationId xmlns:a16="http://schemas.microsoft.com/office/drawing/2014/main" id="{5A82A8B0-333F-633E-3FA7-D38DBFB10971}"/>
-              </a:ext>
-            </a:extLst>
-          </p:cNvPr>
-          <p:cNvSpPr>
-            <a:spLocks noGrp="1"/>
-          </p:cNvSpPr>
-          <p:nvPr>
-            <p:ph type="subTitle" idx="1"/>
-          </p:nvPr>
-        </p:nvSpPr>
-        <p:spPr>
+              <a:t>All companies' Historical data</a:t>
+            </a:r>
+          </a:p>
+        </p:txBody>
+      </p:sp>
+      <p:pic>
+        <p:nvPicPr>
+          <p:cNvPr id="9218" name="Picture 2">
+            <a:extLst>
+              <a:ext uri="{FF2B5EF4-FFF2-40B4-BE49-F238E27FC236}">
+                <a16:creationId xmlns:a16="http://schemas.microsoft.com/office/drawing/2014/main" id="{9F87E822-9551-9F16-1AE6-4027C68733E4}"/>
+              </a:ext>
+            </a:extLst>
+          </p:cNvPr>
+          <p:cNvPicPr>
+            <a:picLocks noChangeAspect="1" noChangeArrowheads="1"/>
+          </p:cNvPicPr>
+          <p:nvPr/>
+        </p:nvPicPr>
+        <p:blipFill>
+          <a:blip r:embed="rId2">
+            <a:extLst>
+              <a:ext uri="{28A0092B-C50C-407E-A947-70E740481C1C}">
+                <a14:useLocalDpi xmlns:a14="http://schemas.microsoft.com/office/drawing/2010/main" val="0"/>
+              </a:ext>
+            </a:extLst>
+          </a:blip>
+          <a:srcRect/>
+          <a:stretch>
+            <a:fillRect/>
+          </a:stretch>
+        </p:blipFill>
+        <p:spPr bwMode="auto">
           <a:xfrm>
-            <a:off x="505325" y="1259305"/>
-            <a:ext cx="11269579" cy="5430253"/>
-          </a:xfrm>
-        </p:spPr>
-        <p:txBody>
-          <a:bodyPr/>
-          <a:lstStyle/>
-          <a:p>
-            <a:pPr marL="457200" indent="-457200" algn="l">
-              <a:buFont typeface="Arial" panose="020B0604020202020204" pitchFamily="34" charset="0"/>
-              <a:buChar char="•"/>
-            </a:pPr>
-            <a:r>
-              <a:rPr lang="en-US" sz="2800" b="0" dirty="0">
+            <a:off x="3015164" y="1976438"/>
+            <a:ext cx="5953125" cy="4429125"/>
+          </a:xfrm>
+          <a:prstGeom prst="rect">
+            <a:avLst/>
+          </a:prstGeom>
+          <a:noFill/>
+          <a:extLst>
+            <a:ext uri="{909E8E84-426E-40DD-AFC4-6F175D3DCCD1}">
+              <a14:hiddenFill xmlns:a14="http://schemas.microsoft.com/office/drawing/2010/main">
                 <a:solidFill>
-                  <a:srgbClr val="CCCCCC"/>
+                  <a:srgbClr val="FFFFFF"/>
                 </a:solidFill>
-                <a:effectLst/>
-                <a:latin typeface="Consolas" panose="020B0609020204030204" pitchFamily="49" charset="0"/>
-              </a:rPr>
-              <a:t>The findings indicate NVDA had the highest closing prices with the largest growth in closing dollar amount for 2025.</a:t>
-            </a:r>
-          </a:p>
-          <a:p>
-            <a:pPr marL="457200" indent="-457200" algn="l">
-              <a:buFont typeface="Arial" panose="020B0604020202020204" pitchFamily="34" charset="0"/>
-              <a:buChar char="•"/>
-            </a:pPr>
-            <a:r>
-              <a:rPr lang="en-US" sz="2800" b="0" dirty="0">
-                <a:solidFill>
-                  <a:srgbClr val="CCCCCC"/>
-                </a:solidFill>
-                <a:effectLst/>
-                <a:latin typeface="Consolas" panose="020B0609020204030204" pitchFamily="49" charset="0"/>
-              </a:rPr>
-              <a:t>The findings indicate GOOG had the lowest closing prices with the smallest growth in closing dollar amount for 2025.</a:t>
-            </a:r>
-          </a:p>
-          <a:p>
-            <a:pPr marL="457200" indent="-457200" algn="l">
-              <a:buFont typeface="Arial" panose="020B0604020202020204" pitchFamily="34" charset="0"/>
-              <a:buChar char="•"/>
-            </a:pPr>
-            <a:r>
-              <a:rPr lang="en-US" sz="2800" b="0" dirty="0">
-                <a:solidFill>
-                  <a:srgbClr val="CCCCCC"/>
-                </a:solidFill>
-                <a:effectLst/>
-                <a:latin typeface="Consolas" panose="020B0609020204030204" pitchFamily="49" charset="0"/>
-              </a:rPr>
-              <a:t>INTC did not contain enough data for a comparative analysis resulting in a small scrubbing or cleaning of data.</a:t>
-            </a:r>
-          </a:p>
-          <a:p>
-            <a:pPr marL="457200" indent="-457200" algn="l">
-              <a:buFont typeface="Arial" panose="020B0604020202020204" pitchFamily="34" charset="0"/>
-              <a:buChar char="•"/>
-            </a:pPr>
-            <a:r>
-              <a:rPr lang="en-US" sz="2800" b="0" dirty="0">
-                <a:solidFill>
-                  <a:srgbClr val="CCCCCC"/>
-                </a:solidFill>
-                <a:effectLst/>
-                <a:latin typeface="Consolas" panose="020B0609020204030204" pitchFamily="49" charset="0"/>
-              </a:rPr>
-              <a:t>All companies had an Artificial Intelligence focus while still maintaining pre-AI and pre-Covid business objectives.</a:t>
-            </a:r>
-          </a:p>
-          <a:p>
-            <a:br>
-              <a:rPr lang="en-US" sz="2800" b="0" dirty="0">
-                <a:solidFill>
-                  <a:srgbClr val="CCCCCC"/>
-                </a:solidFill>
-                <a:effectLst/>
-                <a:latin typeface="Consolas" panose="020B0609020204030204" pitchFamily="49" charset="0"/>
-              </a:rPr>
-            </a:br>
-            <a:endParaRPr lang="en-US" sz="2800" b="0" dirty="0">
-              <a:solidFill>
-                <a:srgbClr val="CCCCCC"/>
-              </a:solidFill>
-              <a:effectLst/>
-              <a:latin typeface="Consolas" panose="020B0609020204030204" pitchFamily="49" charset="0"/>
-            </a:endParaRPr>
-          </a:p>
-          <a:p>
-            <a:endParaRPr lang="en-US" dirty="0"/>
-          </a:p>
-        </p:txBody>
-      </p:sp>
+              </a14:hiddenFill>
+            </a:ext>
+          </a:extLst>
+        </p:spPr>
+      </p:pic>
     </p:spTree>
     <p:extLst>
       <p:ext uri="{BB962C8B-B14F-4D97-AF65-F5344CB8AC3E}">
-        <p14:creationId xmlns:p14="http://schemas.microsoft.com/office/powerpoint/2010/main" val="4174470146"/>
+        <p14:creationId xmlns:p14="http://schemas.microsoft.com/office/powerpoint/2010/main" val="4207463833"/>
       </p:ext>
     </p:extLst>
   </p:cSld>
@@ -17730,8 +17693,8 @@
         </p:nvSpPr>
         <p:spPr>
           <a:xfrm>
-            <a:off x="1987456" y="72511"/>
-            <a:ext cx="8937218" cy="1069848"/>
+            <a:off x="1155032" y="72511"/>
+            <a:ext cx="8568248" cy="1069848"/>
           </a:xfrm>
         </p:spPr>
         <p:txBody>
@@ -17739,94 +17702,67 @@
           <a:lstStyle/>
           <a:p>
             <a:r>
+              <a:rPr lang="en-US" dirty="0" err="1"/>
+              <a:t>Nvda</a:t>
+            </a:r>
+            <a:r>
               <a:rPr lang="en-US" dirty="0"/>
-              <a:t>Software version control</a:t>
-            </a:r>
-          </a:p>
-        </p:txBody>
-      </p:sp>
-      <p:sp>
-        <p:nvSpPr>
-          <p:cNvPr id="3" name="Subtitle 2">
-            <a:extLst>
-              <a:ext uri="{FF2B5EF4-FFF2-40B4-BE49-F238E27FC236}">
-                <a16:creationId xmlns:a16="http://schemas.microsoft.com/office/drawing/2014/main" id="{5A82A8B0-333F-633E-3FA7-D38DBFB10971}"/>
-              </a:ext>
-            </a:extLst>
-          </p:cNvPr>
-          <p:cNvSpPr>
-            <a:spLocks noGrp="1"/>
-          </p:cNvSpPr>
-          <p:nvPr>
-            <p:ph type="subTitle" idx="1"/>
-          </p:nvPr>
-        </p:nvSpPr>
-        <p:spPr>
+              <a:t> projection</a:t>
+            </a:r>
+          </a:p>
+        </p:txBody>
+      </p:sp>
+      <p:pic>
+        <p:nvPicPr>
+          <p:cNvPr id="7170" name="Picture 2">
+            <a:extLst>
+              <a:ext uri="{FF2B5EF4-FFF2-40B4-BE49-F238E27FC236}">
+                <a16:creationId xmlns:a16="http://schemas.microsoft.com/office/drawing/2014/main" id="{901A2640-DB7F-E446-A63E-55E02B5C266D}"/>
+              </a:ext>
+            </a:extLst>
+          </p:cNvPr>
+          <p:cNvPicPr>
+            <a:picLocks noChangeAspect="1" noChangeArrowheads="1"/>
+          </p:cNvPicPr>
+          <p:nvPr/>
+        </p:nvPicPr>
+        <p:blipFill>
+          <a:blip r:embed="rId2">
+            <a:extLst>
+              <a:ext uri="{28A0092B-C50C-407E-A947-70E740481C1C}">
+                <a14:useLocalDpi xmlns:a14="http://schemas.microsoft.com/office/drawing/2010/main" val="0"/>
+              </a:ext>
+            </a:extLst>
+          </a:blip>
+          <a:srcRect/>
+          <a:stretch>
+            <a:fillRect/>
+          </a:stretch>
+        </p:blipFill>
+        <p:spPr bwMode="auto">
           <a:xfrm>
-            <a:off x="505325" y="1259305"/>
-            <a:ext cx="11269579" cy="5430253"/>
-          </a:xfrm>
-        </p:spPr>
-        <p:txBody>
-          <a:bodyPr/>
-          <a:lstStyle/>
-          <a:p>
-            <a:pPr marL="457200" indent="-457200" algn="l">
-              <a:buFont typeface="Arial" panose="020B0604020202020204" pitchFamily="34" charset="0"/>
-              <a:buChar char="•"/>
-            </a:pPr>
-            <a:r>
-              <a:rPr lang="en-US" sz="2800" b="0" dirty="0">
+            <a:off x="1414462" y="1232414"/>
+            <a:ext cx="9363075" cy="5553075"/>
+          </a:xfrm>
+          <a:prstGeom prst="rect">
+            <a:avLst/>
+          </a:prstGeom>
+          <a:noFill/>
+          <a:extLst>
+            <a:ext uri="{909E8E84-426E-40DD-AFC4-6F175D3DCCD1}">
+              <a14:hiddenFill xmlns:a14="http://schemas.microsoft.com/office/drawing/2010/main">
                 <a:solidFill>
-                  <a:srgbClr val="CCCCCC"/>
+                  <a:srgbClr val="FFFFFF"/>
                 </a:solidFill>
-                <a:effectLst/>
-                <a:latin typeface="Consolas" panose="020B0609020204030204" pitchFamily="49" charset="0"/>
-              </a:rPr>
-              <a:t>A GitHub repository was created - all group members contributed to repository.</a:t>
-            </a:r>
-          </a:p>
-          <a:p>
-            <a:pPr marL="457200" indent="-457200" algn="l">
-              <a:buFont typeface="Arial" panose="020B0604020202020204" pitchFamily="34" charset="0"/>
-              <a:buChar char="•"/>
-            </a:pPr>
-            <a:r>
-              <a:rPr lang="en-US" sz="2800" b="0" dirty="0">
-                <a:solidFill>
-                  <a:srgbClr val="CCCCCC"/>
-                </a:solidFill>
-                <a:effectLst/>
-                <a:latin typeface="Consolas" panose="020B0609020204030204" pitchFamily="49" charset="0"/>
-              </a:rPr>
-              <a:t>Each GitHub commit was annotated to ensure proper communication between group members.</a:t>
-            </a:r>
-          </a:p>
-          <a:p>
-            <a:pPr marL="457200" indent="-457200" algn="l">
-              <a:buFont typeface="Arial" panose="020B0604020202020204" pitchFamily="34" charset="0"/>
-              <a:buChar char="•"/>
-            </a:pPr>
-            <a:r>
-              <a:rPr lang="en-US" sz="2800" b="0" dirty="0">
-                <a:solidFill>
-                  <a:srgbClr val="CCCCCC"/>
-                </a:solidFill>
-                <a:effectLst/>
-                <a:latin typeface="Consolas" panose="020B0609020204030204" pitchFamily="49" charset="0"/>
-              </a:rPr>
-              <a:t>Supporting files were also uploaded and evaluated by the group.</a:t>
-            </a:r>
-          </a:p>
-          <a:p>
-            <a:endParaRPr lang="en-US" dirty="0"/>
-          </a:p>
-        </p:txBody>
-      </p:sp>
+              </a14:hiddenFill>
+            </a:ext>
+          </a:extLst>
+        </p:spPr>
+      </p:pic>
     </p:spTree>
     <p:extLst>
       <p:ext uri="{BB962C8B-B14F-4D97-AF65-F5344CB8AC3E}">
-        <p14:creationId xmlns:p14="http://schemas.microsoft.com/office/powerpoint/2010/main" val="4153323784"/>
+        <p14:creationId xmlns:p14="http://schemas.microsoft.com/office/powerpoint/2010/main" val="1470261900"/>
       </p:ext>
     </p:extLst>
   </p:cSld>
@@ -17871,8 +17807,8 @@
         </p:nvSpPr>
         <p:spPr>
           <a:xfrm>
-            <a:off x="1987456" y="72511"/>
-            <a:ext cx="7735824" cy="1069848"/>
+            <a:off x="1155032" y="72511"/>
+            <a:ext cx="8568248" cy="1069848"/>
           </a:xfrm>
         </p:spPr>
         <p:txBody>
@@ -17880,94 +17816,67 @@
           <a:lstStyle/>
           <a:p>
             <a:r>
+              <a:rPr lang="en-US" dirty="0" err="1"/>
+              <a:t>Msft</a:t>
+            </a:r>
+            <a:r>
               <a:rPr lang="en-US" dirty="0"/>
-              <a:t>documentation</a:t>
-            </a:r>
-          </a:p>
-        </p:txBody>
-      </p:sp>
-      <p:sp>
-        <p:nvSpPr>
-          <p:cNvPr id="3" name="Subtitle 2">
-            <a:extLst>
-              <a:ext uri="{FF2B5EF4-FFF2-40B4-BE49-F238E27FC236}">
-                <a16:creationId xmlns:a16="http://schemas.microsoft.com/office/drawing/2014/main" id="{5A82A8B0-333F-633E-3FA7-D38DBFB10971}"/>
-              </a:ext>
-            </a:extLst>
-          </p:cNvPr>
-          <p:cNvSpPr>
-            <a:spLocks noGrp="1"/>
-          </p:cNvSpPr>
-          <p:nvPr>
-            <p:ph type="subTitle" idx="1"/>
-          </p:nvPr>
-        </p:nvSpPr>
-        <p:spPr>
+              <a:t> projection</a:t>
+            </a:r>
+          </a:p>
+        </p:txBody>
+      </p:sp>
+      <p:pic>
+        <p:nvPicPr>
+          <p:cNvPr id="6146" name="Picture 2">
+            <a:extLst>
+              <a:ext uri="{FF2B5EF4-FFF2-40B4-BE49-F238E27FC236}">
+                <a16:creationId xmlns:a16="http://schemas.microsoft.com/office/drawing/2014/main" id="{052CEBCB-3CB4-65C6-9971-1085B1D681F6}"/>
+              </a:ext>
+            </a:extLst>
+          </p:cNvPr>
+          <p:cNvPicPr>
+            <a:picLocks noChangeAspect="1" noChangeArrowheads="1"/>
+          </p:cNvPicPr>
+          <p:nvPr/>
+        </p:nvPicPr>
+        <p:blipFill>
+          <a:blip r:embed="rId2">
+            <a:extLst>
+              <a:ext uri="{28A0092B-C50C-407E-A947-70E740481C1C}">
+                <a14:useLocalDpi xmlns:a14="http://schemas.microsoft.com/office/drawing/2010/main" val="0"/>
+              </a:ext>
+            </a:extLst>
+          </a:blip>
+          <a:srcRect/>
+          <a:stretch>
+            <a:fillRect/>
+          </a:stretch>
+        </p:blipFill>
+        <p:spPr bwMode="auto">
           <a:xfrm>
-            <a:off x="505325" y="1259305"/>
-            <a:ext cx="11269579" cy="5430253"/>
-          </a:xfrm>
-        </p:spPr>
-        <p:txBody>
-          <a:bodyPr/>
-          <a:lstStyle/>
-          <a:p>
-            <a:pPr marL="457200" indent="-457200" algn="l">
-              <a:buFont typeface="Arial" panose="020B0604020202020204" pitchFamily="34" charset="0"/>
-              <a:buChar char="•"/>
-            </a:pPr>
-            <a:r>
-              <a:rPr lang="en-US" sz="2800" b="0" dirty="0">
+            <a:off x="1630773" y="1232414"/>
+            <a:ext cx="9363075" cy="5553075"/>
+          </a:xfrm>
+          <a:prstGeom prst="rect">
+            <a:avLst/>
+          </a:prstGeom>
+          <a:noFill/>
+          <a:extLst>
+            <a:ext uri="{909E8E84-426E-40DD-AFC4-6F175D3DCCD1}">
+              <a14:hiddenFill xmlns:a14="http://schemas.microsoft.com/office/drawing/2010/main">
                 <a:solidFill>
-                  <a:srgbClr val="CCCCCC"/>
+                  <a:srgbClr val="FFFFFF"/>
                 </a:solidFill>
-                <a:effectLst/>
-                <a:latin typeface="Consolas" panose="020B0609020204030204" pitchFamily="49" charset="0"/>
-              </a:rPr>
-              <a:t>Relevant notes have been included with all code as well as the Readme.md.</a:t>
-            </a:r>
-          </a:p>
-          <a:p>
-            <a:pPr marL="457200" indent="-457200" algn="l">
-              <a:buFont typeface="Arial" panose="020B0604020202020204" pitchFamily="34" charset="0"/>
-              <a:buChar char="•"/>
-            </a:pPr>
-            <a:r>
-              <a:rPr lang="en-US" sz="2800" b="0" dirty="0">
-                <a:solidFill>
-                  <a:srgbClr val="CCCCCC"/>
-                </a:solidFill>
-                <a:effectLst/>
-                <a:latin typeface="Consolas" panose="020B0609020204030204" pitchFamily="49" charset="0"/>
-              </a:rPr>
-              <a:t>There are no installation requirements.</a:t>
-            </a:r>
-          </a:p>
-          <a:p>
-            <a:pPr marL="457200" indent="-457200" algn="l">
-              <a:buFont typeface="Arial" panose="020B0604020202020204" pitchFamily="34" charset="0"/>
-              <a:buChar char="•"/>
-            </a:pPr>
-            <a:r>
-              <a:rPr lang="en-US" sz="2800" b="0" dirty="0">
-                <a:solidFill>
-                  <a:srgbClr val="CCCCCC"/>
-                </a:solidFill>
-                <a:effectLst/>
-                <a:latin typeface="Consolas" panose="020B0609020204030204" pitchFamily="49" charset="0"/>
-              </a:rPr>
-              <a:t>The Readme.md file contains graphical representation of the research findings.</a:t>
-            </a:r>
-          </a:p>
-          <a:p>
-            <a:endParaRPr lang="en-US" dirty="0"/>
-          </a:p>
-        </p:txBody>
-      </p:sp>
+              </a14:hiddenFill>
+            </a:ext>
+          </a:extLst>
+        </p:spPr>
+      </p:pic>
     </p:spTree>
     <p:extLst>
       <p:ext uri="{BB962C8B-B14F-4D97-AF65-F5344CB8AC3E}">
-        <p14:creationId xmlns:p14="http://schemas.microsoft.com/office/powerpoint/2010/main" val="398114617"/>
+        <p14:creationId xmlns:p14="http://schemas.microsoft.com/office/powerpoint/2010/main" val="3664699840"/>
       </p:ext>
     </p:extLst>
   </p:cSld>
@@ -18012,8 +17921,8 @@
         </p:nvSpPr>
         <p:spPr>
           <a:xfrm>
-            <a:off x="1987456" y="72511"/>
-            <a:ext cx="7735824" cy="1069848"/>
+            <a:off x="1155032" y="72511"/>
+            <a:ext cx="8568248" cy="1069848"/>
           </a:xfrm>
         </p:spPr>
         <p:txBody>
@@ -18022,93 +17931,62 @@
           <a:p>
             <a:r>
               <a:rPr lang="en-US" dirty="0"/>
-              <a:t>Future development</a:t>
-            </a:r>
-          </a:p>
-        </p:txBody>
-      </p:sp>
-      <p:sp>
-        <p:nvSpPr>
-          <p:cNvPr id="3" name="Subtitle 2">
-            <a:extLst>
-              <a:ext uri="{FF2B5EF4-FFF2-40B4-BE49-F238E27FC236}">
-                <a16:creationId xmlns:a16="http://schemas.microsoft.com/office/drawing/2014/main" id="{5A82A8B0-333F-633E-3FA7-D38DBFB10971}"/>
-              </a:ext>
-            </a:extLst>
-          </p:cNvPr>
-          <p:cNvSpPr>
-            <a:spLocks noGrp="1"/>
-          </p:cNvSpPr>
-          <p:nvPr>
-            <p:ph type="subTitle" idx="1"/>
-          </p:nvPr>
-        </p:nvSpPr>
-        <p:spPr>
+              <a:t>Meta projection</a:t>
+            </a:r>
+          </a:p>
+        </p:txBody>
+      </p:sp>
+      <p:pic>
+        <p:nvPicPr>
+          <p:cNvPr id="5122" name="Picture 2">
+            <a:extLst>
+              <a:ext uri="{FF2B5EF4-FFF2-40B4-BE49-F238E27FC236}">
+                <a16:creationId xmlns:a16="http://schemas.microsoft.com/office/drawing/2014/main" id="{281F87F7-A6A7-27CE-47A8-6ABD70B8E936}"/>
+              </a:ext>
+            </a:extLst>
+          </p:cNvPr>
+          <p:cNvPicPr>
+            <a:picLocks noChangeAspect="1" noChangeArrowheads="1"/>
+          </p:cNvPicPr>
+          <p:nvPr/>
+        </p:nvPicPr>
+        <p:blipFill>
+          <a:blip r:embed="rId2">
+            <a:extLst>
+              <a:ext uri="{28A0092B-C50C-407E-A947-70E740481C1C}">
+                <a14:useLocalDpi xmlns:a14="http://schemas.microsoft.com/office/drawing/2010/main" val="0"/>
+              </a:ext>
+            </a:extLst>
+          </a:blip>
+          <a:srcRect/>
+          <a:stretch>
+            <a:fillRect/>
+          </a:stretch>
+        </p:blipFill>
+        <p:spPr bwMode="auto">
           <a:xfrm>
-            <a:off x="505325" y="1259305"/>
-            <a:ext cx="11269579" cy="5430253"/>
-          </a:xfrm>
-        </p:spPr>
-        <p:txBody>
-          <a:bodyPr/>
-          <a:lstStyle/>
-          <a:p>
-            <a:pPr marL="457200" indent="-457200" algn="l">
-              <a:buFont typeface="Arial" panose="020B0604020202020204" pitchFamily="34" charset="0"/>
-              <a:buChar char="•"/>
-            </a:pPr>
-            <a:r>
-              <a:rPr lang="en-US" sz="2800" b="0" dirty="0">
+            <a:off x="1551807" y="1232414"/>
+            <a:ext cx="9344025" cy="5553075"/>
+          </a:xfrm>
+          <a:prstGeom prst="rect">
+            <a:avLst/>
+          </a:prstGeom>
+          <a:noFill/>
+          <a:extLst>
+            <a:ext uri="{909E8E84-426E-40DD-AFC4-6F175D3DCCD1}">
+              <a14:hiddenFill xmlns:a14="http://schemas.microsoft.com/office/drawing/2010/main">
                 <a:solidFill>
-                  <a:srgbClr val="CCCCCC"/>
+                  <a:srgbClr val="FFFFFF"/>
                 </a:solidFill>
-                <a:effectLst/>
-                <a:latin typeface="Consolas" panose="020B0609020204030204" pitchFamily="49" charset="0"/>
-              </a:rPr>
-              <a:t>Future development includes the identification of price range during the 2020 - 2024 timeframe and the average fluctuation of stock prices.  </a:t>
-            </a:r>
-          </a:p>
-          <a:p>
-            <a:pPr marL="457200" indent="-457200" algn="l">
-              <a:buFont typeface="Arial" panose="020B0604020202020204" pitchFamily="34" charset="0"/>
-              <a:buChar char="•"/>
-            </a:pPr>
-            <a:r>
-              <a:rPr lang="en-US" sz="2800" b="0" dirty="0">
-                <a:solidFill>
-                  <a:srgbClr val="CCCCCC"/>
-                </a:solidFill>
-                <a:effectLst/>
-                <a:latin typeface="Consolas" panose="020B0609020204030204" pitchFamily="49" charset="0"/>
-              </a:rPr>
-              <a:t>Highest percentage gains should be determined from initial 2020 price to closing of 2025.  </a:t>
-            </a:r>
-          </a:p>
-          <a:p>
-            <a:pPr marL="457200" indent="-457200" algn="l">
-              <a:buFont typeface="Arial" panose="020B0604020202020204" pitchFamily="34" charset="0"/>
-              <a:buChar char="•"/>
-            </a:pPr>
-            <a:r>
-              <a:rPr lang="en-US" sz="2800" b="0" dirty="0">
-                <a:solidFill>
-                  <a:srgbClr val="CCCCCC"/>
-                </a:solidFill>
-                <a:effectLst/>
-                <a:latin typeface="Consolas" panose="020B0609020204030204" pitchFamily="49" charset="0"/>
-              </a:rPr>
-              <a:t>Recommendations should be made to determine which stock to purchase for maximum profit in 2025.</a:t>
-            </a:r>
-          </a:p>
-          <a:p>
-            <a:endParaRPr lang="en-US" dirty="0"/>
-          </a:p>
-        </p:txBody>
-      </p:sp>
+              </a14:hiddenFill>
+            </a:ext>
+          </a:extLst>
+        </p:spPr>
+      </p:pic>
     </p:spTree>
     <p:extLst>
       <p:ext uri="{BB962C8B-B14F-4D97-AF65-F5344CB8AC3E}">
-        <p14:creationId xmlns:p14="http://schemas.microsoft.com/office/powerpoint/2010/main" val="87203755"/>
+        <p14:creationId xmlns:p14="http://schemas.microsoft.com/office/powerpoint/2010/main" val="1553301760"/>
       </p:ext>
     </p:extLst>
   </p:cSld>
@@ -18140,7 +18018,7 @@
           <p:cNvPr id="2" name="Title 1">
             <a:extLst>
               <a:ext uri="{FF2B5EF4-FFF2-40B4-BE49-F238E27FC236}">
-                <a16:creationId xmlns:a16="http://schemas.microsoft.com/office/drawing/2014/main" id="{2C9E1892-81E6-551C-7B5A-DEA68224520B}"/>
+                <a16:creationId xmlns:a16="http://schemas.microsoft.com/office/drawing/2014/main" id="{F41F0E99-07CC-9576-AFD7-C52151AD0EA3}"/>
               </a:ext>
             </a:extLst>
           </p:cNvPr>
@@ -18148,35 +18026,529 @@
             <a:spLocks noGrp="1"/>
           </p:cNvSpPr>
           <p:nvPr>
-            <p:ph type="title"/>
+            <p:ph type="ctrTitle"/>
           </p:nvPr>
         </p:nvSpPr>
-        <p:spPr/>
+        <p:spPr>
+          <a:xfrm>
+            <a:off x="1155032" y="72511"/>
+            <a:ext cx="8568248" cy="1069848"/>
+          </a:xfrm>
+        </p:spPr>
         <p:txBody>
           <a:bodyPr/>
           <a:lstStyle/>
           <a:p>
             <a:r>
-              <a:rPr lang="en-US" sz="4800" b="1" spc="600" dirty="0">
-                <a:ln w="28575">
-                  <a:noFill/>
-                  <a:prstDash val="solid"/>
-                </a:ln>
+              <a:rPr lang="en-US" dirty="0" err="1"/>
+              <a:t>Tsla</a:t>
+            </a:r>
+            <a:r>
+              <a:rPr lang="en-US" dirty="0"/>
+              <a:t> projection</a:t>
+            </a:r>
+          </a:p>
+        </p:txBody>
+      </p:sp>
+      <p:pic>
+        <p:nvPicPr>
+          <p:cNvPr id="8194" name="Picture 2">
+            <a:extLst>
+              <a:ext uri="{FF2B5EF4-FFF2-40B4-BE49-F238E27FC236}">
+                <a16:creationId xmlns:a16="http://schemas.microsoft.com/office/drawing/2014/main" id="{A5328B3C-3C5B-9465-2886-75F444AF2D20}"/>
+              </a:ext>
+            </a:extLst>
+          </p:cNvPr>
+          <p:cNvPicPr>
+            <a:picLocks noChangeAspect="1" noChangeArrowheads="1"/>
+          </p:cNvPicPr>
+          <p:nvPr/>
+        </p:nvPicPr>
+        <p:blipFill>
+          <a:blip r:embed="rId2">
+            <a:extLst>
+              <a:ext uri="{28A0092B-C50C-407E-A947-70E740481C1C}">
+                <a14:useLocalDpi xmlns:a14="http://schemas.microsoft.com/office/drawing/2010/main" val="0"/>
+              </a:ext>
+            </a:extLst>
+          </a:blip>
+          <a:srcRect/>
+          <a:stretch>
+            <a:fillRect/>
+          </a:stretch>
+        </p:blipFill>
+        <p:spPr bwMode="auto">
+          <a:xfrm>
+            <a:off x="1542282" y="1251464"/>
+            <a:ext cx="9363075" cy="5534025"/>
+          </a:xfrm>
+          <a:prstGeom prst="rect">
+            <a:avLst/>
+          </a:prstGeom>
+          <a:noFill/>
+          <a:extLst>
+            <a:ext uri="{909E8E84-426E-40DD-AFC4-6F175D3DCCD1}">
+              <a14:hiddenFill xmlns:a14="http://schemas.microsoft.com/office/drawing/2010/main">
                 <a:solidFill>
-                  <a:schemeClr val="bg1"/>
+                  <a:srgbClr val="FFFFFF"/>
                 </a:solidFill>
-                <a:latin typeface="Tw Cen MT" panose="020B0602020104020603" pitchFamily="34" charset="77"/>
-              </a:rPr>
-              <a:t>THANK YOU</a:t>
-            </a:r>
-            <a:endParaRPr lang="en-US" dirty="0"/>
-          </a:p>
-        </p:txBody>
-      </p:sp>
+              </a14:hiddenFill>
+            </a:ext>
+          </a:extLst>
+        </p:spPr>
+      </p:pic>
     </p:spTree>
     <p:extLst>
       <p:ext uri="{BB962C8B-B14F-4D97-AF65-F5344CB8AC3E}">
-        <p14:creationId xmlns:p14="http://schemas.microsoft.com/office/powerpoint/2010/main" val="1877701230"/>
+        <p14:creationId xmlns:p14="http://schemas.microsoft.com/office/powerpoint/2010/main" val="3923924306"/>
+      </p:ext>
+    </p:extLst>
+  </p:cSld>
+  <p:clrMapOvr>
+    <a:masterClrMapping/>
+  </p:clrMapOvr>
+</p:sld>
+</file>
+
+<file path=ppt/slides/slide16.xml><?xml version="1.0" encoding="utf-8"?>
+<p:sld xmlns:a="http://schemas.openxmlformats.org/drawingml/2006/main" xmlns:r="http://schemas.openxmlformats.org/officeDocument/2006/relationships" xmlns:p="http://schemas.openxmlformats.org/presentationml/2006/main">
+  <p:cSld>
+    <p:spTree>
+      <p:nvGrpSpPr>
+        <p:cNvPr id="1" name=""/>
+        <p:cNvGrpSpPr/>
+        <p:nvPr/>
+      </p:nvGrpSpPr>
+      <p:grpSpPr>
+        <a:xfrm>
+          <a:off x="0" y="0"/>
+          <a:ext cx="0" cy="0"/>
+          <a:chOff x="0" y="0"/>
+          <a:chExt cx="0" cy="0"/>
+        </a:xfrm>
+      </p:grpSpPr>
+      <p:sp>
+        <p:nvSpPr>
+          <p:cNvPr id="2" name="Title 1">
+            <a:extLst>
+              <a:ext uri="{FF2B5EF4-FFF2-40B4-BE49-F238E27FC236}">
+                <a16:creationId xmlns:a16="http://schemas.microsoft.com/office/drawing/2014/main" id="{F41F0E99-07CC-9576-AFD7-C52151AD0EA3}"/>
+              </a:ext>
+            </a:extLst>
+          </p:cNvPr>
+          <p:cNvSpPr>
+            <a:spLocks noGrp="1"/>
+          </p:cNvSpPr>
+          <p:nvPr>
+            <p:ph type="ctrTitle"/>
+          </p:nvPr>
+        </p:nvSpPr>
+        <p:spPr>
+          <a:xfrm>
+            <a:off x="1155032" y="72511"/>
+            <a:ext cx="8568248" cy="1069848"/>
+          </a:xfrm>
+        </p:spPr>
+        <p:txBody>
+          <a:bodyPr/>
+          <a:lstStyle/>
+          <a:p>
+            <a:r>
+              <a:rPr lang="en-US" dirty="0"/>
+              <a:t>ANET PROJECTION</a:t>
+            </a:r>
+          </a:p>
+        </p:txBody>
+      </p:sp>
+      <p:pic>
+        <p:nvPicPr>
+          <p:cNvPr id="2050" name="Picture 2">
+            <a:extLst>
+              <a:ext uri="{FF2B5EF4-FFF2-40B4-BE49-F238E27FC236}">
+                <a16:creationId xmlns:a16="http://schemas.microsoft.com/office/drawing/2014/main" id="{A0CF28FB-F424-B893-7729-D5AA488B8CE0}"/>
+              </a:ext>
+            </a:extLst>
+          </p:cNvPr>
+          <p:cNvPicPr>
+            <a:picLocks noChangeAspect="1" noChangeArrowheads="1"/>
+          </p:cNvPicPr>
+          <p:nvPr/>
+        </p:nvPicPr>
+        <p:blipFill>
+          <a:blip r:embed="rId2">
+            <a:extLst>
+              <a:ext uri="{28A0092B-C50C-407E-A947-70E740481C1C}">
+                <a14:useLocalDpi xmlns:a14="http://schemas.microsoft.com/office/drawing/2010/main" val="0"/>
+              </a:ext>
+            </a:extLst>
+          </a:blip>
+          <a:srcRect/>
+          <a:stretch>
+            <a:fillRect/>
+          </a:stretch>
+        </p:blipFill>
+        <p:spPr bwMode="auto">
+          <a:xfrm>
+            <a:off x="1409700" y="1270514"/>
+            <a:ext cx="9372600" cy="5514975"/>
+          </a:xfrm>
+          <a:prstGeom prst="rect">
+            <a:avLst/>
+          </a:prstGeom>
+          <a:noFill/>
+          <a:extLst>
+            <a:ext uri="{909E8E84-426E-40DD-AFC4-6F175D3DCCD1}">
+              <a14:hiddenFill xmlns:a14="http://schemas.microsoft.com/office/drawing/2010/main">
+                <a:solidFill>
+                  <a:srgbClr val="FFFFFF"/>
+                </a:solidFill>
+              </a14:hiddenFill>
+            </a:ext>
+          </a:extLst>
+        </p:spPr>
+      </p:pic>
+    </p:spTree>
+    <p:extLst>
+      <p:ext uri="{BB962C8B-B14F-4D97-AF65-F5344CB8AC3E}">
+        <p14:creationId xmlns:p14="http://schemas.microsoft.com/office/powerpoint/2010/main" val="3163997360"/>
+      </p:ext>
+    </p:extLst>
+  </p:cSld>
+  <p:clrMapOvr>
+    <a:masterClrMapping/>
+  </p:clrMapOvr>
+</p:sld>
+</file>
+
+<file path=ppt/slides/slide17.xml><?xml version="1.0" encoding="utf-8"?>
+<p:sld xmlns:a="http://schemas.openxmlformats.org/drawingml/2006/main" xmlns:r="http://schemas.openxmlformats.org/officeDocument/2006/relationships" xmlns:p="http://schemas.openxmlformats.org/presentationml/2006/main">
+  <p:cSld>
+    <p:spTree>
+      <p:nvGrpSpPr>
+        <p:cNvPr id="1" name=""/>
+        <p:cNvGrpSpPr/>
+        <p:nvPr/>
+      </p:nvGrpSpPr>
+      <p:grpSpPr>
+        <a:xfrm>
+          <a:off x="0" y="0"/>
+          <a:ext cx="0" cy="0"/>
+          <a:chOff x="0" y="0"/>
+          <a:chExt cx="0" cy="0"/>
+        </a:xfrm>
+      </p:grpSpPr>
+      <p:sp>
+        <p:nvSpPr>
+          <p:cNvPr id="2" name="Title 1">
+            <a:extLst>
+              <a:ext uri="{FF2B5EF4-FFF2-40B4-BE49-F238E27FC236}">
+                <a16:creationId xmlns:a16="http://schemas.microsoft.com/office/drawing/2014/main" id="{F41F0E99-07CC-9576-AFD7-C52151AD0EA3}"/>
+              </a:ext>
+            </a:extLst>
+          </p:cNvPr>
+          <p:cNvSpPr>
+            <a:spLocks noGrp="1"/>
+          </p:cNvSpPr>
+          <p:nvPr>
+            <p:ph type="ctrTitle"/>
+          </p:nvPr>
+        </p:nvSpPr>
+        <p:spPr>
+          <a:xfrm>
+            <a:off x="1155032" y="72511"/>
+            <a:ext cx="8568248" cy="1069848"/>
+          </a:xfrm>
+        </p:spPr>
+        <p:txBody>
+          <a:bodyPr/>
+          <a:lstStyle/>
+          <a:p>
+            <a:r>
+              <a:rPr lang="en-US" dirty="0"/>
+              <a:t>AMZN PROJECTION</a:t>
+            </a:r>
+          </a:p>
+        </p:txBody>
+      </p:sp>
+      <p:pic>
+        <p:nvPicPr>
+          <p:cNvPr id="1028" name="Picture 4">
+            <a:extLst>
+              <a:ext uri="{FF2B5EF4-FFF2-40B4-BE49-F238E27FC236}">
+                <a16:creationId xmlns:a16="http://schemas.microsoft.com/office/drawing/2014/main" id="{0A16C832-728B-16C5-FC33-9BF24BC0CE51}"/>
+              </a:ext>
+            </a:extLst>
+          </p:cNvPr>
+          <p:cNvPicPr>
+            <a:picLocks noChangeAspect="1" noChangeArrowheads="1"/>
+          </p:cNvPicPr>
+          <p:nvPr/>
+        </p:nvPicPr>
+        <p:blipFill>
+          <a:blip r:embed="rId2">
+            <a:extLst>
+              <a:ext uri="{28A0092B-C50C-407E-A947-70E740481C1C}">
+                <a14:useLocalDpi xmlns:a14="http://schemas.microsoft.com/office/drawing/2010/main" val="0"/>
+              </a:ext>
+            </a:extLst>
+          </a:blip>
+          <a:srcRect/>
+          <a:stretch>
+            <a:fillRect/>
+          </a:stretch>
+        </p:blipFill>
+        <p:spPr bwMode="auto">
+          <a:xfrm>
+            <a:off x="1340567" y="1489589"/>
+            <a:ext cx="9353550" cy="5295900"/>
+          </a:xfrm>
+          <a:prstGeom prst="rect">
+            <a:avLst/>
+          </a:prstGeom>
+          <a:noFill/>
+          <a:extLst>
+            <a:ext uri="{909E8E84-426E-40DD-AFC4-6F175D3DCCD1}">
+              <a14:hiddenFill xmlns:a14="http://schemas.microsoft.com/office/drawing/2010/main">
+                <a:solidFill>
+                  <a:srgbClr val="FFFFFF"/>
+                </a:solidFill>
+              </a14:hiddenFill>
+            </a:ext>
+          </a:extLst>
+        </p:spPr>
+      </p:pic>
+    </p:spTree>
+    <p:extLst>
+      <p:ext uri="{BB962C8B-B14F-4D97-AF65-F5344CB8AC3E}">
+        <p14:creationId xmlns:p14="http://schemas.microsoft.com/office/powerpoint/2010/main" val="1919301366"/>
+      </p:ext>
+    </p:extLst>
+  </p:cSld>
+  <p:clrMapOvr>
+    <a:masterClrMapping/>
+  </p:clrMapOvr>
+</p:sld>
+</file>
+
+<file path=ppt/slides/slide18.xml><?xml version="1.0" encoding="utf-8"?>
+<p:sld xmlns:a="http://schemas.openxmlformats.org/drawingml/2006/main" xmlns:r="http://schemas.openxmlformats.org/officeDocument/2006/relationships" xmlns:p="http://schemas.openxmlformats.org/presentationml/2006/main">
+  <p:cSld>
+    <p:spTree>
+      <p:nvGrpSpPr>
+        <p:cNvPr id="1" name=""/>
+        <p:cNvGrpSpPr/>
+        <p:nvPr/>
+      </p:nvGrpSpPr>
+      <p:grpSpPr>
+        <a:xfrm>
+          <a:off x="0" y="0"/>
+          <a:ext cx="0" cy="0"/>
+          <a:chOff x="0" y="0"/>
+          <a:chExt cx="0" cy="0"/>
+        </a:xfrm>
+      </p:grpSpPr>
+      <p:sp>
+        <p:nvSpPr>
+          <p:cNvPr id="2" name="Title 1">
+            <a:extLst>
+              <a:ext uri="{FF2B5EF4-FFF2-40B4-BE49-F238E27FC236}">
+                <a16:creationId xmlns:a16="http://schemas.microsoft.com/office/drawing/2014/main" id="{F41F0E99-07CC-9576-AFD7-C52151AD0EA3}"/>
+              </a:ext>
+            </a:extLst>
+          </p:cNvPr>
+          <p:cNvSpPr>
+            <a:spLocks noGrp="1"/>
+          </p:cNvSpPr>
+          <p:nvPr>
+            <p:ph type="ctrTitle"/>
+          </p:nvPr>
+        </p:nvSpPr>
+        <p:spPr>
+          <a:xfrm>
+            <a:off x="1155032" y="72511"/>
+            <a:ext cx="8568248" cy="1069848"/>
+          </a:xfrm>
+        </p:spPr>
+        <p:txBody>
+          <a:bodyPr/>
+          <a:lstStyle/>
+          <a:p>
+            <a:r>
+              <a:rPr lang="en-US" dirty="0" err="1"/>
+              <a:t>Goog</a:t>
+            </a:r>
+            <a:r>
+              <a:rPr lang="en-US" dirty="0"/>
+              <a:t> projection</a:t>
+            </a:r>
+          </a:p>
+        </p:txBody>
+      </p:sp>
+      <p:pic>
+        <p:nvPicPr>
+          <p:cNvPr id="3076" name="Picture 4">
+            <a:extLst>
+              <a:ext uri="{FF2B5EF4-FFF2-40B4-BE49-F238E27FC236}">
+                <a16:creationId xmlns:a16="http://schemas.microsoft.com/office/drawing/2014/main" id="{FEEB7750-0125-EFC8-8B10-9F070DBE9A79}"/>
+              </a:ext>
+            </a:extLst>
+          </p:cNvPr>
+          <p:cNvPicPr>
+            <a:picLocks noChangeAspect="1" noChangeArrowheads="1"/>
+          </p:cNvPicPr>
+          <p:nvPr/>
+        </p:nvPicPr>
+        <p:blipFill>
+          <a:blip r:embed="rId2">
+            <a:extLst>
+              <a:ext uri="{28A0092B-C50C-407E-A947-70E740481C1C}">
+                <a14:useLocalDpi xmlns:a14="http://schemas.microsoft.com/office/drawing/2010/main" val="0"/>
+              </a:ext>
+            </a:extLst>
+          </a:blip>
+          <a:srcRect/>
+          <a:stretch>
+            <a:fillRect/>
+          </a:stretch>
+        </p:blipFill>
+        <p:spPr bwMode="auto">
+          <a:xfrm>
+            <a:off x="1542282" y="1352550"/>
+            <a:ext cx="9363075" cy="5505450"/>
+          </a:xfrm>
+          <a:prstGeom prst="rect">
+            <a:avLst/>
+          </a:prstGeom>
+          <a:noFill/>
+          <a:extLst>
+            <a:ext uri="{909E8E84-426E-40DD-AFC4-6F175D3DCCD1}">
+              <a14:hiddenFill xmlns:a14="http://schemas.microsoft.com/office/drawing/2010/main">
+                <a:solidFill>
+                  <a:srgbClr val="FFFFFF"/>
+                </a:solidFill>
+              </a14:hiddenFill>
+            </a:ext>
+          </a:extLst>
+        </p:spPr>
+      </p:pic>
+    </p:spTree>
+    <p:extLst>
+      <p:ext uri="{BB962C8B-B14F-4D97-AF65-F5344CB8AC3E}">
+        <p14:creationId xmlns:p14="http://schemas.microsoft.com/office/powerpoint/2010/main" val="2607039714"/>
+      </p:ext>
+    </p:extLst>
+  </p:cSld>
+  <p:clrMapOvr>
+    <a:masterClrMapping/>
+  </p:clrMapOvr>
+</p:sld>
+</file>
+
+<file path=ppt/slides/slide19.xml><?xml version="1.0" encoding="utf-8"?>
+<p:sld xmlns:a="http://schemas.openxmlformats.org/drawingml/2006/main" xmlns:r="http://schemas.openxmlformats.org/officeDocument/2006/relationships" xmlns:p="http://schemas.openxmlformats.org/presentationml/2006/main">
+  <p:cSld>
+    <p:spTree>
+      <p:nvGrpSpPr>
+        <p:cNvPr id="1" name=""/>
+        <p:cNvGrpSpPr/>
+        <p:nvPr/>
+      </p:nvGrpSpPr>
+      <p:grpSpPr>
+        <a:xfrm>
+          <a:off x="0" y="0"/>
+          <a:ext cx="0" cy="0"/>
+          <a:chOff x="0" y="0"/>
+          <a:chExt cx="0" cy="0"/>
+        </a:xfrm>
+      </p:grpSpPr>
+      <p:sp>
+        <p:nvSpPr>
+          <p:cNvPr id="2" name="Title 1">
+            <a:extLst>
+              <a:ext uri="{FF2B5EF4-FFF2-40B4-BE49-F238E27FC236}">
+                <a16:creationId xmlns:a16="http://schemas.microsoft.com/office/drawing/2014/main" id="{F41F0E99-07CC-9576-AFD7-C52151AD0EA3}"/>
+              </a:ext>
+            </a:extLst>
+          </p:cNvPr>
+          <p:cNvSpPr>
+            <a:spLocks noGrp="1"/>
+          </p:cNvSpPr>
+          <p:nvPr>
+            <p:ph type="ctrTitle"/>
+          </p:nvPr>
+        </p:nvSpPr>
+        <p:spPr>
+          <a:xfrm>
+            <a:off x="1155032" y="72511"/>
+            <a:ext cx="8568248" cy="1069848"/>
+          </a:xfrm>
+        </p:spPr>
+        <p:txBody>
+          <a:bodyPr/>
+          <a:lstStyle/>
+          <a:p>
+            <a:r>
+              <a:rPr lang="en-US" dirty="0" err="1"/>
+              <a:t>Intc</a:t>
+            </a:r>
+            <a:r>
+              <a:rPr lang="en-US" dirty="0"/>
+              <a:t> projection</a:t>
+            </a:r>
+          </a:p>
+        </p:txBody>
+      </p:sp>
+      <p:pic>
+        <p:nvPicPr>
+          <p:cNvPr id="4098" name="Picture 2">
+            <a:extLst>
+              <a:ext uri="{FF2B5EF4-FFF2-40B4-BE49-F238E27FC236}">
+                <a16:creationId xmlns:a16="http://schemas.microsoft.com/office/drawing/2014/main" id="{FB3982B1-6295-AA71-8C8E-264378323EAC}"/>
+              </a:ext>
+            </a:extLst>
+          </p:cNvPr>
+          <p:cNvPicPr>
+            <a:picLocks noChangeAspect="1" noChangeArrowheads="1"/>
+          </p:cNvPicPr>
+          <p:nvPr/>
+        </p:nvPicPr>
+        <p:blipFill>
+          <a:blip r:embed="rId2">
+            <a:extLst>
+              <a:ext uri="{28A0092B-C50C-407E-A947-70E740481C1C}">
+                <a14:useLocalDpi xmlns:a14="http://schemas.microsoft.com/office/drawing/2010/main" val="0"/>
+              </a:ext>
+            </a:extLst>
+          </a:blip>
+          <a:srcRect/>
+          <a:stretch>
+            <a:fillRect/>
+          </a:stretch>
+        </p:blipFill>
+        <p:spPr bwMode="auto">
+          <a:xfrm>
+            <a:off x="1576848" y="1241939"/>
+            <a:ext cx="9372600" cy="5543550"/>
+          </a:xfrm>
+          <a:prstGeom prst="rect">
+            <a:avLst/>
+          </a:prstGeom>
+          <a:noFill/>
+          <a:extLst>
+            <a:ext uri="{909E8E84-426E-40DD-AFC4-6F175D3DCCD1}">
+              <a14:hiddenFill xmlns:a14="http://schemas.microsoft.com/office/drawing/2010/main">
+                <a:solidFill>
+                  <a:srgbClr val="FFFFFF"/>
+                </a:solidFill>
+              </a14:hiddenFill>
+            </a:ext>
+          </a:extLst>
+        </p:spPr>
+      </p:pic>
+    </p:spTree>
+    <p:extLst>
+      <p:ext uri="{BB962C8B-B14F-4D97-AF65-F5344CB8AC3E}">
+        <p14:creationId xmlns:p14="http://schemas.microsoft.com/office/powerpoint/2010/main" val="3162950599"/>
       </p:ext>
     </p:extLst>
   </p:cSld>
@@ -18354,6 +18726,684 @@
 </p:sld>
 </file>
 
+<file path=ppt/slides/slide20.xml><?xml version="1.0" encoding="utf-8"?>
+<p:sld xmlns:a="http://schemas.openxmlformats.org/drawingml/2006/main" xmlns:r="http://schemas.openxmlformats.org/officeDocument/2006/relationships" xmlns:p="http://schemas.openxmlformats.org/presentationml/2006/main">
+  <p:cSld>
+    <p:spTree>
+      <p:nvGrpSpPr>
+        <p:cNvPr id="1" name=""/>
+        <p:cNvGrpSpPr/>
+        <p:nvPr/>
+      </p:nvGrpSpPr>
+      <p:grpSpPr>
+        <a:xfrm>
+          <a:off x="0" y="0"/>
+          <a:ext cx="0" cy="0"/>
+          <a:chOff x="0" y="0"/>
+          <a:chExt cx="0" cy="0"/>
+        </a:xfrm>
+      </p:grpSpPr>
+      <p:sp>
+        <p:nvSpPr>
+          <p:cNvPr id="2" name="Title 1">
+            <a:extLst>
+              <a:ext uri="{FF2B5EF4-FFF2-40B4-BE49-F238E27FC236}">
+                <a16:creationId xmlns:a16="http://schemas.microsoft.com/office/drawing/2014/main" id="{F41F0E99-07CC-9576-AFD7-C52151AD0EA3}"/>
+              </a:ext>
+            </a:extLst>
+          </p:cNvPr>
+          <p:cNvSpPr>
+            <a:spLocks noGrp="1"/>
+          </p:cNvSpPr>
+          <p:nvPr>
+            <p:ph type="ctrTitle"/>
+          </p:nvPr>
+        </p:nvSpPr>
+        <p:spPr>
+          <a:xfrm>
+            <a:off x="1987455" y="72511"/>
+            <a:ext cx="8776797" cy="1069848"/>
+          </a:xfrm>
+        </p:spPr>
+        <p:txBody>
+          <a:bodyPr/>
+          <a:lstStyle/>
+          <a:p>
+            <a:r>
+              <a:rPr lang="en-US" dirty="0"/>
+              <a:t>Findings and implications</a:t>
+            </a:r>
+          </a:p>
+        </p:txBody>
+      </p:sp>
+      <p:sp>
+        <p:nvSpPr>
+          <p:cNvPr id="3" name="Subtitle 2">
+            <a:extLst>
+              <a:ext uri="{FF2B5EF4-FFF2-40B4-BE49-F238E27FC236}">
+                <a16:creationId xmlns:a16="http://schemas.microsoft.com/office/drawing/2014/main" id="{5A82A8B0-333F-633E-3FA7-D38DBFB10971}"/>
+              </a:ext>
+            </a:extLst>
+          </p:cNvPr>
+          <p:cNvSpPr>
+            <a:spLocks noGrp="1"/>
+          </p:cNvSpPr>
+          <p:nvPr>
+            <p:ph type="subTitle" idx="1"/>
+          </p:nvPr>
+        </p:nvSpPr>
+        <p:spPr>
+          <a:xfrm>
+            <a:off x="505325" y="1259305"/>
+            <a:ext cx="11269579" cy="5430253"/>
+          </a:xfrm>
+        </p:spPr>
+        <p:txBody>
+          <a:bodyPr/>
+          <a:lstStyle/>
+          <a:p>
+            <a:pPr marL="457200" indent="-457200" algn="l">
+              <a:buFont typeface="Arial" panose="020B0604020202020204" pitchFamily="34" charset="0"/>
+              <a:buChar char="•"/>
+            </a:pPr>
+            <a:r>
+              <a:rPr lang="en-US" sz="2800" b="0" dirty="0">
+                <a:solidFill>
+                  <a:srgbClr val="CCCCCC"/>
+                </a:solidFill>
+                <a:effectLst/>
+                <a:latin typeface="Consolas" panose="020B0609020204030204" pitchFamily="49" charset="0"/>
+              </a:rPr>
+              <a:t>The findings indicate NVDA had the highest closing prices with the largest growth in closing dollar amount for 2025.</a:t>
+            </a:r>
+          </a:p>
+          <a:p>
+            <a:pPr marL="457200" indent="-457200" algn="l">
+              <a:buFont typeface="Arial" panose="020B0604020202020204" pitchFamily="34" charset="0"/>
+              <a:buChar char="•"/>
+            </a:pPr>
+            <a:r>
+              <a:rPr lang="en-US" sz="2800" b="0" dirty="0">
+                <a:solidFill>
+                  <a:srgbClr val="CCCCCC"/>
+                </a:solidFill>
+                <a:effectLst/>
+                <a:latin typeface="Consolas" panose="020B0609020204030204" pitchFamily="49" charset="0"/>
+              </a:rPr>
+              <a:t>The findings indicate INTC had the lowest closing prices with the smallest growth in closing dollar amount for 2025.</a:t>
+            </a:r>
+          </a:p>
+          <a:p>
+            <a:pPr marL="457200" indent="-457200" algn="l">
+              <a:buFont typeface="Arial" panose="020B0604020202020204" pitchFamily="34" charset="0"/>
+              <a:buChar char="•"/>
+            </a:pPr>
+            <a:r>
+              <a:rPr lang="en-US" sz="2800" b="0" dirty="0">
+                <a:solidFill>
+                  <a:srgbClr val="CCCCCC"/>
+                </a:solidFill>
+                <a:effectLst/>
+                <a:latin typeface="Consolas" panose="020B0609020204030204" pitchFamily="49" charset="0"/>
+              </a:rPr>
+              <a:t>All companies had an Artificial Intelligence focus while still maintaining pre-AI and pre-Covid business objectives.</a:t>
+            </a:r>
+          </a:p>
+          <a:p>
+            <a:br>
+              <a:rPr lang="en-US" sz="2800" b="0" dirty="0">
+                <a:solidFill>
+                  <a:srgbClr val="CCCCCC"/>
+                </a:solidFill>
+                <a:effectLst/>
+                <a:latin typeface="Consolas" panose="020B0609020204030204" pitchFamily="49" charset="0"/>
+              </a:rPr>
+            </a:br>
+            <a:endParaRPr lang="en-US" sz="2800" b="0" dirty="0">
+              <a:solidFill>
+                <a:srgbClr val="CCCCCC"/>
+              </a:solidFill>
+              <a:effectLst/>
+              <a:latin typeface="Consolas" panose="020B0609020204030204" pitchFamily="49" charset="0"/>
+            </a:endParaRPr>
+          </a:p>
+          <a:p>
+            <a:endParaRPr lang="en-US" dirty="0"/>
+          </a:p>
+        </p:txBody>
+      </p:sp>
+    </p:spTree>
+    <p:extLst>
+      <p:ext uri="{BB962C8B-B14F-4D97-AF65-F5344CB8AC3E}">
+        <p14:creationId xmlns:p14="http://schemas.microsoft.com/office/powerpoint/2010/main" val="4174470146"/>
+      </p:ext>
+    </p:extLst>
+  </p:cSld>
+  <p:clrMapOvr>
+    <a:masterClrMapping/>
+  </p:clrMapOvr>
+</p:sld>
+</file>
+
+<file path=ppt/slides/slide21.xml><?xml version="1.0" encoding="utf-8"?>
+<p:sld xmlns:a="http://schemas.openxmlformats.org/drawingml/2006/main" xmlns:r="http://schemas.openxmlformats.org/officeDocument/2006/relationships" xmlns:p="http://schemas.openxmlformats.org/presentationml/2006/main">
+  <p:cSld>
+    <p:spTree>
+      <p:nvGrpSpPr>
+        <p:cNvPr id="1" name=""/>
+        <p:cNvGrpSpPr/>
+        <p:nvPr/>
+      </p:nvGrpSpPr>
+      <p:grpSpPr>
+        <a:xfrm>
+          <a:off x="0" y="0"/>
+          <a:ext cx="0" cy="0"/>
+          <a:chOff x="0" y="0"/>
+          <a:chExt cx="0" cy="0"/>
+        </a:xfrm>
+      </p:grpSpPr>
+      <p:sp>
+        <p:nvSpPr>
+          <p:cNvPr id="2" name="Title 1">
+            <a:extLst>
+              <a:ext uri="{FF2B5EF4-FFF2-40B4-BE49-F238E27FC236}">
+                <a16:creationId xmlns:a16="http://schemas.microsoft.com/office/drawing/2014/main" id="{F41F0E99-07CC-9576-AFD7-C52151AD0EA3}"/>
+              </a:ext>
+            </a:extLst>
+          </p:cNvPr>
+          <p:cNvSpPr>
+            <a:spLocks noGrp="1"/>
+          </p:cNvSpPr>
+          <p:nvPr>
+            <p:ph type="ctrTitle"/>
+          </p:nvPr>
+        </p:nvSpPr>
+        <p:spPr>
+          <a:xfrm>
+            <a:off x="1987456" y="72511"/>
+            <a:ext cx="8937218" cy="1069848"/>
+          </a:xfrm>
+        </p:spPr>
+        <p:txBody>
+          <a:bodyPr/>
+          <a:lstStyle/>
+          <a:p>
+            <a:r>
+              <a:rPr lang="en-US" dirty="0"/>
+              <a:t>Software version control</a:t>
+            </a:r>
+          </a:p>
+        </p:txBody>
+      </p:sp>
+      <p:sp>
+        <p:nvSpPr>
+          <p:cNvPr id="3" name="Subtitle 2">
+            <a:extLst>
+              <a:ext uri="{FF2B5EF4-FFF2-40B4-BE49-F238E27FC236}">
+                <a16:creationId xmlns:a16="http://schemas.microsoft.com/office/drawing/2014/main" id="{5A82A8B0-333F-633E-3FA7-D38DBFB10971}"/>
+              </a:ext>
+            </a:extLst>
+          </p:cNvPr>
+          <p:cNvSpPr>
+            <a:spLocks noGrp="1"/>
+          </p:cNvSpPr>
+          <p:nvPr>
+            <p:ph type="subTitle" idx="1"/>
+          </p:nvPr>
+        </p:nvSpPr>
+        <p:spPr>
+          <a:xfrm>
+            <a:off x="505325" y="1259305"/>
+            <a:ext cx="11269579" cy="5430253"/>
+          </a:xfrm>
+        </p:spPr>
+        <p:txBody>
+          <a:bodyPr/>
+          <a:lstStyle/>
+          <a:p>
+            <a:pPr marL="457200" indent="-457200" algn="l">
+              <a:buFont typeface="Arial" panose="020B0604020202020204" pitchFamily="34" charset="0"/>
+              <a:buChar char="•"/>
+            </a:pPr>
+            <a:r>
+              <a:rPr lang="en-US" sz="2800" b="0" dirty="0">
+                <a:solidFill>
+                  <a:srgbClr val="CCCCCC"/>
+                </a:solidFill>
+                <a:effectLst/>
+                <a:latin typeface="Consolas" panose="020B0609020204030204" pitchFamily="49" charset="0"/>
+              </a:rPr>
+              <a:t>A GitHub repository was created - all group members contributed to repository.</a:t>
+            </a:r>
+          </a:p>
+          <a:p>
+            <a:pPr marL="457200" indent="-457200" algn="l">
+              <a:buFont typeface="Arial" panose="020B0604020202020204" pitchFamily="34" charset="0"/>
+              <a:buChar char="•"/>
+            </a:pPr>
+            <a:r>
+              <a:rPr lang="en-US" sz="2800" b="0" dirty="0">
+                <a:solidFill>
+                  <a:srgbClr val="CCCCCC"/>
+                </a:solidFill>
+                <a:effectLst/>
+                <a:latin typeface="Consolas" panose="020B0609020204030204" pitchFamily="49" charset="0"/>
+              </a:rPr>
+              <a:t>Each GitHub commit was annotated to ensure proper communication between group members.</a:t>
+            </a:r>
+          </a:p>
+          <a:p>
+            <a:pPr marL="457200" indent="-457200" algn="l">
+              <a:buFont typeface="Arial" panose="020B0604020202020204" pitchFamily="34" charset="0"/>
+              <a:buChar char="•"/>
+            </a:pPr>
+            <a:r>
+              <a:rPr lang="en-US" sz="2800" b="0" dirty="0">
+                <a:solidFill>
+                  <a:srgbClr val="CCCCCC"/>
+                </a:solidFill>
+                <a:effectLst/>
+                <a:latin typeface="Consolas" panose="020B0609020204030204" pitchFamily="49" charset="0"/>
+              </a:rPr>
+              <a:t>Supporting files were also uploaded and evaluated by the group.</a:t>
+            </a:r>
+          </a:p>
+          <a:p>
+            <a:endParaRPr lang="en-US" dirty="0"/>
+          </a:p>
+        </p:txBody>
+      </p:sp>
+    </p:spTree>
+    <p:extLst>
+      <p:ext uri="{BB962C8B-B14F-4D97-AF65-F5344CB8AC3E}">
+        <p14:creationId xmlns:p14="http://schemas.microsoft.com/office/powerpoint/2010/main" val="4153323784"/>
+      </p:ext>
+    </p:extLst>
+  </p:cSld>
+  <p:clrMapOvr>
+    <a:masterClrMapping/>
+  </p:clrMapOvr>
+</p:sld>
+</file>
+
+<file path=ppt/slides/slide22.xml><?xml version="1.0" encoding="utf-8"?>
+<p:sld xmlns:a="http://schemas.openxmlformats.org/drawingml/2006/main" xmlns:r="http://schemas.openxmlformats.org/officeDocument/2006/relationships" xmlns:p="http://schemas.openxmlformats.org/presentationml/2006/main">
+  <p:cSld>
+    <p:spTree>
+      <p:nvGrpSpPr>
+        <p:cNvPr id="1" name=""/>
+        <p:cNvGrpSpPr/>
+        <p:nvPr/>
+      </p:nvGrpSpPr>
+      <p:grpSpPr>
+        <a:xfrm>
+          <a:off x="0" y="0"/>
+          <a:ext cx="0" cy="0"/>
+          <a:chOff x="0" y="0"/>
+          <a:chExt cx="0" cy="0"/>
+        </a:xfrm>
+      </p:grpSpPr>
+      <p:sp>
+        <p:nvSpPr>
+          <p:cNvPr id="2" name="Title 1">
+            <a:extLst>
+              <a:ext uri="{FF2B5EF4-FFF2-40B4-BE49-F238E27FC236}">
+                <a16:creationId xmlns:a16="http://schemas.microsoft.com/office/drawing/2014/main" id="{F41F0E99-07CC-9576-AFD7-C52151AD0EA3}"/>
+              </a:ext>
+            </a:extLst>
+          </p:cNvPr>
+          <p:cNvSpPr>
+            <a:spLocks noGrp="1"/>
+          </p:cNvSpPr>
+          <p:nvPr>
+            <p:ph type="ctrTitle"/>
+          </p:nvPr>
+        </p:nvSpPr>
+        <p:spPr>
+          <a:xfrm>
+            <a:off x="1987456" y="72511"/>
+            <a:ext cx="7735824" cy="1069848"/>
+          </a:xfrm>
+        </p:spPr>
+        <p:txBody>
+          <a:bodyPr/>
+          <a:lstStyle/>
+          <a:p>
+            <a:r>
+              <a:rPr lang="en-US" dirty="0"/>
+              <a:t>documentation</a:t>
+            </a:r>
+          </a:p>
+        </p:txBody>
+      </p:sp>
+      <p:sp>
+        <p:nvSpPr>
+          <p:cNvPr id="3" name="Subtitle 2">
+            <a:extLst>
+              <a:ext uri="{FF2B5EF4-FFF2-40B4-BE49-F238E27FC236}">
+                <a16:creationId xmlns:a16="http://schemas.microsoft.com/office/drawing/2014/main" id="{5A82A8B0-333F-633E-3FA7-D38DBFB10971}"/>
+              </a:ext>
+            </a:extLst>
+          </p:cNvPr>
+          <p:cNvSpPr>
+            <a:spLocks noGrp="1"/>
+          </p:cNvSpPr>
+          <p:nvPr>
+            <p:ph type="subTitle" idx="1"/>
+          </p:nvPr>
+        </p:nvSpPr>
+        <p:spPr>
+          <a:xfrm>
+            <a:off x="505325" y="1259305"/>
+            <a:ext cx="11269579" cy="5430253"/>
+          </a:xfrm>
+        </p:spPr>
+        <p:txBody>
+          <a:bodyPr/>
+          <a:lstStyle/>
+          <a:p>
+            <a:pPr marL="457200" indent="-457200" algn="l">
+              <a:buFont typeface="Arial" panose="020B0604020202020204" pitchFamily="34" charset="0"/>
+              <a:buChar char="•"/>
+            </a:pPr>
+            <a:r>
+              <a:rPr lang="en-US" sz="2800" b="0" dirty="0">
+                <a:solidFill>
+                  <a:srgbClr val="CCCCCC"/>
+                </a:solidFill>
+                <a:effectLst/>
+                <a:latin typeface="Consolas" panose="020B0609020204030204" pitchFamily="49" charset="0"/>
+              </a:rPr>
+              <a:t>Relevant notes have been included with all code as well as the Readme.md.</a:t>
+            </a:r>
+          </a:p>
+          <a:p>
+            <a:pPr marL="457200" indent="-457200" algn="l">
+              <a:buFont typeface="Arial" panose="020B0604020202020204" pitchFamily="34" charset="0"/>
+              <a:buChar char="•"/>
+            </a:pPr>
+            <a:r>
+              <a:rPr lang="en-US" sz="2800" b="0" dirty="0">
+                <a:solidFill>
+                  <a:srgbClr val="CCCCCC"/>
+                </a:solidFill>
+                <a:effectLst/>
+                <a:latin typeface="Consolas" panose="020B0609020204030204" pitchFamily="49" charset="0"/>
+              </a:rPr>
+              <a:t>There are no installation requirements.</a:t>
+            </a:r>
+          </a:p>
+          <a:p>
+            <a:pPr marL="457200" indent="-457200" algn="l">
+              <a:buFont typeface="Arial" panose="020B0604020202020204" pitchFamily="34" charset="0"/>
+              <a:buChar char="•"/>
+            </a:pPr>
+            <a:r>
+              <a:rPr lang="en-US" sz="2800" b="0" dirty="0">
+                <a:solidFill>
+                  <a:srgbClr val="CCCCCC"/>
+                </a:solidFill>
+                <a:effectLst/>
+                <a:latin typeface="Consolas" panose="020B0609020204030204" pitchFamily="49" charset="0"/>
+              </a:rPr>
+              <a:t>The Readme.md file contains graphical representation of the research findings.</a:t>
+            </a:r>
+          </a:p>
+          <a:p>
+            <a:endParaRPr lang="en-US" dirty="0"/>
+          </a:p>
+        </p:txBody>
+      </p:sp>
+    </p:spTree>
+    <p:extLst>
+      <p:ext uri="{BB962C8B-B14F-4D97-AF65-F5344CB8AC3E}">
+        <p14:creationId xmlns:p14="http://schemas.microsoft.com/office/powerpoint/2010/main" val="398114617"/>
+      </p:ext>
+    </p:extLst>
+  </p:cSld>
+  <p:clrMapOvr>
+    <a:masterClrMapping/>
+  </p:clrMapOvr>
+</p:sld>
+</file>
+
+<file path=ppt/slides/slide23.xml><?xml version="1.0" encoding="utf-8"?>
+<p:sld xmlns:a="http://schemas.openxmlformats.org/drawingml/2006/main" xmlns:r="http://schemas.openxmlformats.org/officeDocument/2006/relationships" xmlns:p="http://schemas.openxmlformats.org/presentationml/2006/main">
+  <p:cSld>
+    <p:spTree>
+      <p:nvGrpSpPr>
+        <p:cNvPr id="1" name=""/>
+        <p:cNvGrpSpPr/>
+        <p:nvPr/>
+      </p:nvGrpSpPr>
+      <p:grpSpPr>
+        <a:xfrm>
+          <a:off x="0" y="0"/>
+          <a:ext cx="0" cy="0"/>
+          <a:chOff x="0" y="0"/>
+          <a:chExt cx="0" cy="0"/>
+        </a:xfrm>
+      </p:grpSpPr>
+      <p:sp>
+        <p:nvSpPr>
+          <p:cNvPr id="2" name="Title 1">
+            <a:extLst>
+              <a:ext uri="{FF2B5EF4-FFF2-40B4-BE49-F238E27FC236}">
+                <a16:creationId xmlns:a16="http://schemas.microsoft.com/office/drawing/2014/main" id="{F41F0E99-07CC-9576-AFD7-C52151AD0EA3}"/>
+              </a:ext>
+            </a:extLst>
+          </p:cNvPr>
+          <p:cNvSpPr>
+            <a:spLocks noGrp="1"/>
+          </p:cNvSpPr>
+          <p:nvPr>
+            <p:ph type="ctrTitle"/>
+          </p:nvPr>
+        </p:nvSpPr>
+        <p:spPr>
+          <a:xfrm>
+            <a:off x="1987456" y="72511"/>
+            <a:ext cx="7735824" cy="1069848"/>
+          </a:xfrm>
+        </p:spPr>
+        <p:txBody>
+          <a:bodyPr/>
+          <a:lstStyle/>
+          <a:p>
+            <a:r>
+              <a:rPr lang="en-US" dirty="0"/>
+              <a:t>Future development</a:t>
+            </a:r>
+          </a:p>
+        </p:txBody>
+      </p:sp>
+      <p:sp>
+        <p:nvSpPr>
+          <p:cNvPr id="3" name="Subtitle 2">
+            <a:extLst>
+              <a:ext uri="{FF2B5EF4-FFF2-40B4-BE49-F238E27FC236}">
+                <a16:creationId xmlns:a16="http://schemas.microsoft.com/office/drawing/2014/main" id="{5A82A8B0-333F-633E-3FA7-D38DBFB10971}"/>
+              </a:ext>
+            </a:extLst>
+          </p:cNvPr>
+          <p:cNvSpPr>
+            <a:spLocks noGrp="1"/>
+          </p:cNvSpPr>
+          <p:nvPr>
+            <p:ph type="subTitle" idx="1"/>
+          </p:nvPr>
+        </p:nvSpPr>
+        <p:spPr>
+          <a:xfrm>
+            <a:off x="505325" y="1259305"/>
+            <a:ext cx="11269579" cy="5430253"/>
+          </a:xfrm>
+        </p:spPr>
+        <p:txBody>
+          <a:bodyPr/>
+          <a:lstStyle/>
+          <a:p>
+            <a:pPr marL="457200" indent="-457200" algn="l">
+              <a:buFont typeface="Arial" panose="020B0604020202020204" pitchFamily="34" charset="0"/>
+              <a:buChar char="•"/>
+            </a:pPr>
+            <a:r>
+              <a:rPr lang="en-US" sz="2800" b="0" dirty="0">
+                <a:solidFill>
+                  <a:srgbClr val="CCCCCC"/>
+                </a:solidFill>
+                <a:effectLst/>
+                <a:latin typeface="Consolas" panose="020B0609020204030204" pitchFamily="49" charset="0"/>
+              </a:rPr>
+              <a:t>Future development includes the identification of price range during the 2020 - 2024 timeframe and the average fluctuation of stock prices.  </a:t>
+            </a:r>
+          </a:p>
+          <a:p>
+            <a:pPr marL="457200" indent="-457200" algn="l">
+              <a:buFont typeface="Arial" panose="020B0604020202020204" pitchFamily="34" charset="0"/>
+              <a:buChar char="•"/>
+            </a:pPr>
+            <a:r>
+              <a:rPr lang="en-US" sz="2800" b="0" dirty="0">
+                <a:solidFill>
+                  <a:srgbClr val="CCCCCC"/>
+                </a:solidFill>
+                <a:effectLst/>
+                <a:latin typeface="Consolas" panose="020B0609020204030204" pitchFamily="49" charset="0"/>
+              </a:rPr>
+              <a:t>Highest percentage gains should be determined from initial 2020 price to closing of 2025.  </a:t>
+            </a:r>
+          </a:p>
+          <a:p>
+            <a:pPr marL="457200" indent="-457200" algn="l">
+              <a:buFont typeface="Arial" panose="020B0604020202020204" pitchFamily="34" charset="0"/>
+              <a:buChar char="•"/>
+            </a:pPr>
+            <a:r>
+              <a:rPr lang="en-US" sz="2800" b="0" dirty="0">
+                <a:solidFill>
+                  <a:srgbClr val="CCCCCC"/>
+                </a:solidFill>
+                <a:effectLst/>
+                <a:latin typeface="Consolas" panose="020B0609020204030204" pitchFamily="49" charset="0"/>
+              </a:rPr>
+              <a:t>Recommendations should be made to determine which stock to purchase for maximum profit in 2025.</a:t>
+            </a:r>
+          </a:p>
+          <a:p>
+            <a:pPr marL="457200" indent="-457200" algn="l">
+              <a:buFont typeface="Arial" panose="020B0604020202020204" pitchFamily="34" charset="0"/>
+              <a:buChar char="•"/>
+            </a:pPr>
+            <a:r>
+              <a:rPr lang="en-US" sz="2800" dirty="0">
+                <a:solidFill>
+                  <a:srgbClr val="CCCCCC"/>
+                </a:solidFill>
+                <a:latin typeface="Consolas" panose="020B0609020204030204" pitchFamily="49" charset="0"/>
+              </a:rPr>
+              <a:t>For Future Analysis it should be noted NVDA does not contain the equivalent historical data as the other companies and could skew the statistical findings.</a:t>
+            </a:r>
+          </a:p>
+          <a:p>
+            <a:pPr marL="457200" indent="-457200" algn="l">
+              <a:buFont typeface="Arial" panose="020B0604020202020204" pitchFamily="34" charset="0"/>
+              <a:buChar char="•"/>
+            </a:pPr>
+            <a:endParaRPr lang="en-US" sz="2800" b="0" dirty="0">
+              <a:solidFill>
+                <a:srgbClr val="CCCCCC"/>
+              </a:solidFill>
+              <a:effectLst/>
+              <a:latin typeface="Consolas" panose="020B0609020204030204" pitchFamily="49" charset="0"/>
+            </a:endParaRPr>
+          </a:p>
+          <a:p>
+            <a:endParaRPr lang="en-US" dirty="0"/>
+          </a:p>
+        </p:txBody>
+      </p:sp>
+    </p:spTree>
+    <p:extLst>
+      <p:ext uri="{BB962C8B-B14F-4D97-AF65-F5344CB8AC3E}">
+        <p14:creationId xmlns:p14="http://schemas.microsoft.com/office/powerpoint/2010/main" val="87203755"/>
+      </p:ext>
+    </p:extLst>
+  </p:cSld>
+  <p:clrMapOvr>
+    <a:masterClrMapping/>
+  </p:clrMapOvr>
+</p:sld>
+</file>
+
+<file path=ppt/slides/slide24.xml><?xml version="1.0" encoding="utf-8"?>
+<p:sld xmlns:a="http://schemas.openxmlformats.org/drawingml/2006/main" xmlns:r="http://schemas.openxmlformats.org/officeDocument/2006/relationships" xmlns:p="http://schemas.openxmlformats.org/presentationml/2006/main">
+  <p:cSld>
+    <p:spTree>
+      <p:nvGrpSpPr>
+        <p:cNvPr id="1" name=""/>
+        <p:cNvGrpSpPr/>
+        <p:nvPr/>
+      </p:nvGrpSpPr>
+      <p:grpSpPr>
+        <a:xfrm>
+          <a:off x="0" y="0"/>
+          <a:ext cx="0" cy="0"/>
+          <a:chOff x="0" y="0"/>
+          <a:chExt cx="0" cy="0"/>
+        </a:xfrm>
+      </p:grpSpPr>
+      <p:sp>
+        <p:nvSpPr>
+          <p:cNvPr id="2" name="Title 1">
+            <a:extLst>
+              <a:ext uri="{FF2B5EF4-FFF2-40B4-BE49-F238E27FC236}">
+                <a16:creationId xmlns:a16="http://schemas.microsoft.com/office/drawing/2014/main" id="{2C9E1892-81E6-551C-7B5A-DEA68224520B}"/>
+              </a:ext>
+            </a:extLst>
+          </p:cNvPr>
+          <p:cNvSpPr>
+            <a:spLocks noGrp="1"/>
+          </p:cNvSpPr>
+          <p:nvPr>
+            <p:ph type="title"/>
+          </p:nvPr>
+        </p:nvSpPr>
+        <p:spPr/>
+        <p:txBody>
+          <a:bodyPr/>
+          <a:lstStyle/>
+          <a:p>
+            <a:r>
+              <a:rPr lang="en-US" sz="4800" b="1" spc="600" dirty="0">
+                <a:ln w="28575">
+                  <a:noFill/>
+                  <a:prstDash val="solid"/>
+                </a:ln>
+                <a:solidFill>
+                  <a:schemeClr val="bg1"/>
+                </a:solidFill>
+                <a:latin typeface="Tw Cen MT" panose="020B0602020104020603" pitchFamily="34" charset="77"/>
+              </a:rPr>
+              <a:t>THANK YOU</a:t>
+            </a:r>
+            <a:endParaRPr lang="en-US" dirty="0"/>
+          </a:p>
+        </p:txBody>
+      </p:sp>
+    </p:spTree>
+    <p:extLst>
+      <p:ext uri="{BB962C8B-B14F-4D97-AF65-F5344CB8AC3E}">
+        <p14:creationId xmlns:p14="http://schemas.microsoft.com/office/powerpoint/2010/main" val="1877701230"/>
+      </p:ext>
+    </p:extLst>
+  </p:cSld>
+  <p:clrMapOvr>
+    <a:masterClrMapping/>
+  </p:clrMapOvr>
+</p:sld>
+</file>
+
 <file path=ppt/slides/slide3.xml><?xml version="1.0" encoding="utf-8"?>
 <p:sld xmlns:a="http://schemas.openxmlformats.org/drawingml/2006/main" xmlns:r="http://schemas.openxmlformats.org/officeDocument/2006/relationships" xmlns:p="http://schemas.openxmlformats.org/presentationml/2006/main">
   <p:cSld>
@@ -18547,7 +19597,7 @@
                 <a:effectLst/>
                 <a:latin typeface="Consolas" panose="020B0609020204030204" pitchFamily="49" charset="0"/>
               </a:rPr>
-              <a:t>concluded NVDA not only had the highest closing stock price but the highest future closing price for 2025 while GOOG had the lowest closing stock price and lowest future price for 2025.</a:t>
+              <a:t>concluded NVDA not only had the highest closing stock price but the highest future closing price for 2025 while INTC had the lowest closing stock price and lowest future price for 2025.</a:t>
             </a:r>
           </a:p>
         </p:txBody>
@@ -19397,11 +20447,117 @@
                 <a:effectLst/>
                 <a:latin typeface="Consolas" panose="020B0609020204030204" pitchFamily="49" charset="0"/>
               </a:rPr>
-              <a:t>Cleanup was achieved by originally plotting all companies together and then plotting individually to determine if each company contained sufficient data to include in the analysis.</a:t>
-            </a:r>
-          </a:p>
-          <a:p>
-            <a:endParaRPr lang="en-US" dirty="0"/>
+              <a:t>Cleanup was achieved by originally plotting all companies together and then plotting individually to determine if each company contained sufficient data to include in the analysis</a:t>
+            </a:r>
+            <a:r>
+              <a:rPr lang="en-US" sz="2800" dirty="0">
+                <a:solidFill>
+                  <a:srgbClr val="CCCCCC"/>
+                </a:solidFill>
+                <a:latin typeface="Consolas" panose="020B0609020204030204" pitchFamily="49" charset="0"/>
+              </a:rPr>
+              <a:t>.</a:t>
+            </a:r>
+          </a:p>
+          <a:p>
+            <a:pPr marL="457200" indent="-457200" algn="l">
+              <a:buFont typeface="Arial" panose="020B0604020202020204" pitchFamily="34" charset="0"/>
+              <a:buChar char="•"/>
+            </a:pPr>
+            <a:r>
+              <a:rPr lang="en-US" sz="2800" dirty="0">
+                <a:solidFill>
+                  <a:srgbClr val="CCCCCC"/>
+                </a:solidFill>
+                <a:latin typeface="Consolas" panose="020B0609020204030204" pitchFamily="49" charset="0"/>
+              </a:rPr>
+              <a:t>For Future Analysis it should be noted NVDA does not contain the equivalent historical data as the other companies and could skew the statistical findings.</a:t>
+            </a:r>
+          </a:p>
+          <a:p>
+            <a:pPr marL="457200" indent="-457200" algn="l">
+              <a:buFont typeface="Arial" panose="020B0604020202020204" pitchFamily="34" charset="0"/>
+              <a:buChar char="•"/>
+            </a:pPr>
+            <a:endParaRPr lang="en-US" sz="2800" b="0" dirty="0">
+              <a:solidFill>
+                <a:srgbClr val="CCCCCC"/>
+              </a:solidFill>
+              <a:effectLst/>
+              <a:latin typeface="Consolas" panose="020B0609020204030204" pitchFamily="49" charset="0"/>
+            </a:endParaRPr>
+          </a:p>
+          <a:p>
+            <a:pPr marL="457200" indent="-457200" algn="l">
+              <a:buFont typeface="Arial" panose="020B0604020202020204" pitchFamily="34" charset="0"/>
+              <a:buChar char="•"/>
+            </a:pPr>
+            <a:endParaRPr lang="en-US" sz="2800" dirty="0">
+              <a:solidFill>
+                <a:srgbClr val="CCCCCC"/>
+              </a:solidFill>
+              <a:latin typeface="Consolas" panose="020B0609020204030204" pitchFamily="49" charset="0"/>
+            </a:endParaRPr>
+          </a:p>
+          <a:p>
+            <a:pPr marL="457200" indent="-457200" algn="l">
+              <a:buFont typeface="Arial" panose="020B0604020202020204" pitchFamily="34" charset="0"/>
+              <a:buChar char="•"/>
+            </a:pPr>
+            <a:endParaRPr lang="en-US" sz="2800" b="0" dirty="0">
+              <a:solidFill>
+                <a:srgbClr val="CCCCCC"/>
+              </a:solidFill>
+              <a:effectLst/>
+              <a:latin typeface="Consolas" panose="020B0609020204030204" pitchFamily="49" charset="0"/>
+            </a:endParaRPr>
+          </a:p>
+          <a:p>
+            <a:pPr marL="457200" indent="-457200" algn="l">
+              <a:buFont typeface="Arial" panose="020B0604020202020204" pitchFamily="34" charset="0"/>
+              <a:buChar char="•"/>
+            </a:pPr>
+            <a:endParaRPr lang="en-US" sz="2800" dirty="0">
+              <a:solidFill>
+                <a:srgbClr val="CCCCCC"/>
+              </a:solidFill>
+              <a:latin typeface="Consolas" panose="020B0609020204030204" pitchFamily="49" charset="0"/>
+            </a:endParaRPr>
+          </a:p>
+          <a:p>
+            <a:pPr marL="457200" indent="-457200" algn="l">
+              <a:buFont typeface="Arial" panose="020B0604020202020204" pitchFamily="34" charset="0"/>
+              <a:buChar char="•"/>
+            </a:pPr>
+            <a:endParaRPr lang="en-US" sz="2800" b="0" dirty="0">
+              <a:solidFill>
+                <a:srgbClr val="CCCCCC"/>
+              </a:solidFill>
+              <a:effectLst/>
+              <a:latin typeface="Consolas" panose="020B0609020204030204" pitchFamily="49" charset="0"/>
+            </a:endParaRPr>
+          </a:p>
+          <a:p>
+            <a:pPr marL="457200" indent="-457200" algn="l">
+              <a:buFont typeface="Arial" panose="020B0604020202020204" pitchFamily="34" charset="0"/>
+              <a:buChar char="•"/>
+            </a:pPr>
+            <a:endParaRPr lang="en-US" sz="2800" dirty="0">
+              <a:solidFill>
+                <a:srgbClr val="CCCCCC"/>
+              </a:solidFill>
+              <a:latin typeface="Consolas" panose="020B0609020204030204" pitchFamily="49" charset="0"/>
+            </a:endParaRPr>
+          </a:p>
+          <a:p>
+            <a:pPr algn="r"/>
+            <a:endParaRPr lang="en-US" sz="2800" b="0" dirty="0">
+              <a:solidFill>
+                <a:srgbClr val="CCCCCC"/>
+              </a:solidFill>
+              <a:effectLst/>
+              <a:latin typeface="Consolas" panose="020B0609020204030204" pitchFamily="49" charset="0"/>
+            </a:endParaRPr>
           </a:p>
         </p:txBody>
       </p:sp>
@@ -19915,23 +21071,12 @@
 </file>
 
 <file path=customXml/item1.xml><?xml version="1.0" encoding="utf-8"?>
-<p:properties xmlns:p="http://schemas.microsoft.com/office/2006/metadata/properties" xmlns:xsi="http://www.w3.org/2001/XMLSchema-instance" xmlns:pc="http://schemas.microsoft.com/office/infopath/2007/PartnerControls">
-  <documentManagement>
-    <_ip_UnifiedCompliancePolicyUIAction xmlns="http://schemas.microsoft.com/sharepoint/v3" xsi:nil="true"/>
-    <Image xmlns="71af3243-3dd4-4a8d-8c0d-dd76da1f02a5">
-      <Url xsi:nil="true"/>
-      <Description xsi:nil="true"/>
-    </Image>
-    <Status xmlns="71af3243-3dd4-4a8d-8c0d-dd76da1f02a5">Not started</Status>
-    <Background xmlns="71af3243-3dd4-4a8d-8c0d-dd76da1f02a5">false</Background>
-    <_ip_UnifiedCompliancePolicyProperties xmlns="http://schemas.microsoft.com/sharepoint/v3" xsi:nil="true"/>
-    <ImageTagsTaxHTField xmlns="71af3243-3dd4-4a8d-8c0d-dd76da1f02a5">
-      <Terms xmlns="http://schemas.microsoft.com/office/infopath/2007/PartnerControls"/>
-    </ImageTagsTaxHTField>
-    <TaxCatchAll xmlns="230e9df3-be65-4c73-a93b-d1236ebd677e" xsi:nil="true"/>
-    <MediaServiceKeyPoints xmlns="71af3243-3dd4-4a8d-8c0d-dd76da1f02a5" xsi:nil="true"/>
-  </documentManagement>
-</p:properties>
+<?mso-contentType ?>
+<FormTemplates xmlns="http://schemas.microsoft.com/sharepoint/v3/contenttype/forms">
+  <Display>DocumentLibraryForm</Display>
+  <Edit>DocumentLibraryForm</Edit>
+  <New>DocumentLibraryForm</New>
+</FormTemplates>
 </file>
 
 <file path=customXml/item2.xml><?xml version="1.0" encoding="utf-8"?>
@@ -20229,22 +21374,29 @@
 </file>
 
 <file path=customXml/item3.xml><?xml version="1.0" encoding="utf-8"?>
-<?mso-contentType ?>
-<FormTemplates xmlns="http://schemas.microsoft.com/sharepoint/v3/contenttype/forms">
-  <Display>DocumentLibraryForm</Display>
-  <Edit>DocumentLibraryForm</Edit>
-  <New>DocumentLibraryForm</New>
-</FormTemplates>
+<p:properties xmlns:p="http://schemas.microsoft.com/office/2006/metadata/properties" xmlns:xsi="http://www.w3.org/2001/XMLSchema-instance" xmlns:pc="http://schemas.microsoft.com/office/infopath/2007/PartnerControls">
+  <documentManagement>
+    <_ip_UnifiedCompliancePolicyUIAction xmlns="http://schemas.microsoft.com/sharepoint/v3" xsi:nil="true"/>
+    <Image xmlns="71af3243-3dd4-4a8d-8c0d-dd76da1f02a5">
+      <Url xsi:nil="true"/>
+      <Description xsi:nil="true"/>
+    </Image>
+    <Status xmlns="71af3243-3dd4-4a8d-8c0d-dd76da1f02a5">Not started</Status>
+    <Background xmlns="71af3243-3dd4-4a8d-8c0d-dd76da1f02a5">false</Background>
+    <_ip_UnifiedCompliancePolicyProperties xmlns="http://schemas.microsoft.com/sharepoint/v3" xsi:nil="true"/>
+    <ImageTagsTaxHTField xmlns="71af3243-3dd4-4a8d-8c0d-dd76da1f02a5">
+      <Terms xmlns="http://schemas.microsoft.com/office/infopath/2007/PartnerControls"/>
+    </ImageTagsTaxHTField>
+    <TaxCatchAll xmlns="230e9df3-be65-4c73-a93b-d1236ebd677e" xsi:nil="true"/>
+    <MediaServiceKeyPoints xmlns="71af3243-3dd4-4a8d-8c0d-dd76da1f02a5" xsi:nil="true"/>
+  </documentManagement>
+</p:properties>
 </file>
 
 <file path=customXml/itemProps1.xml><?xml version="1.0" encoding="utf-8"?>
-<ds:datastoreItem xmlns:ds="http://schemas.openxmlformats.org/officeDocument/2006/customXml" ds:itemID="{F8B8ECF1-2A9D-464C-AFE8-2B3295D0BF97}">
+<ds:datastoreItem xmlns:ds="http://schemas.openxmlformats.org/officeDocument/2006/customXml" ds:itemID="{4F1F1912-3146-44AF-A389-9E8B77BB3688}">
   <ds:schemaRefs>
-    <ds:schemaRef ds:uri="http://schemas.microsoft.com/office/2006/metadata/properties"/>
-    <ds:schemaRef ds:uri="http://schemas.microsoft.com/office/infopath/2007/PartnerControls"/>
-    <ds:schemaRef ds:uri="http://schemas.microsoft.com/sharepoint/v3"/>
-    <ds:schemaRef ds:uri="71af3243-3dd4-4a8d-8c0d-dd76da1f02a5"/>
-    <ds:schemaRef ds:uri="230e9df3-be65-4c73-a93b-d1236ebd677e"/>
+    <ds:schemaRef ds:uri="http://schemas.microsoft.com/sharepoint/v3/contenttype/forms"/>
   </ds:schemaRefs>
 </ds:datastoreItem>
 </file>
@@ -20271,9 +21423,13 @@
 </file>
 
 <file path=customXml/itemProps3.xml><?xml version="1.0" encoding="utf-8"?>
-<ds:datastoreItem xmlns:ds="http://schemas.openxmlformats.org/officeDocument/2006/customXml" ds:itemID="{4F1F1912-3146-44AF-A389-9E8B77BB3688}">
+<ds:datastoreItem xmlns:ds="http://schemas.openxmlformats.org/officeDocument/2006/customXml" ds:itemID="{F8B8ECF1-2A9D-464C-AFE8-2B3295D0BF97}">
   <ds:schemaRefs>
-    <ds:schemaRef ds:uri="http://schemas.microsoft.com/sharepoint/v3/contenttype/forms"/>
+    <ds:schemaRef ds:uri="http://schemas.microsoft.com/office/2006/metadata/properties"/>
+    <ds:schemaRef ds:uri="http://schemas.microsoft.com/office/infopath/2007/PartnerControls"/>
+    <ds:schemaRef ds:uri="http://schemas.microsoft.com/sharepoint/v3"/>
+    <ds:schemaRef ds:uri="71af3243-3dd4-4a8d-8c0d-dd76da1f02a5"/>
+    <ds:schemaRef ds:uri="230e9df3-be65-4c73-a93b-d1236ebd677e"/>
   </ds:schemaRefs>
 </ds:datastoreItem>
 </file>
